--- a/What is Python.pptx
+++ b/What is Python.pptx
@@ -5,7 +5,7 @@
     <p:sldMasterId id="2147483648" r:id="rId1"/>
   </p:sldMasterIdLst>
   <p:notesMasterIdLst>
-    <p:notesMasterId r:id="rId23"/>
+    <p:notesMasterId r:id="rId31"/>
   </p:notesMasterIdLst>
   <p:sldIdLst>
     <p:sldId id="256" r:id="rId2"/>
@@ -29,6 +29,14 @@
     <p:sldId id="274" r:id="rId20"/>
     <p:sldId id="275" r:id="rId21"/>
     <p:sldId id="276" r:id="rId22"/>
+    <p:sldId id="277" r:id="rId23"/>
+    <p:sldId id="278" r:id="rId24"/>
+    <p:sldId id="279" r:id="rId25"/>
+    <p:sldId id="280" r:id="rId26"/>
+    <p:sldId id="281" r:id="rId27"/>
+    <p:sldId id="282" r:id="rId28"/>
+    <p:sldId id="283" r:id="rId29"/>
+    <p:sldId id="284" r:id="rId30"/>
   </p:sldIdLst>
   <p:sldSz cx="9144000" cy="6858000" type="screen4x3"/>
   <p:notesSz cx="6858000" cy="9144000"/>
@@ -232,7 +240,7 @@
           <a:p>
             <a:fld id="{78A1ACCA-0670-4AB6-8808-B54F3B10A969}" type="datetimeFigureOut">
               <a:rPr lang="zh-CN" altLang="en-US" smtClean="0"/>
-              <a:t>2018/9/29</a:t>
+              <a:t>2018/10/5</a:t>
             </a:fld>
             <a:endParaRPr lang="zh-CN" altLang="en-US"/>
           </a:p>
@@ -762,7 +770,7 @@
           <a:p>
             <a:fld id="{B0CC54DC-89A8-4FF9-9ED8-F10BF8BEA781}" type="datetimeFigureOut">
               <a:rPr lang="zh-CN" altLang="en-US" smtClean="0"/>
-              <a:t>2018/9/29</a:t>
+              <a:t>2018/10/5</a:t>
             </a:fld>
             <a:endParaRPr lang="zh-CN" altLang="en-US"/>
           </a:p>
@@ -930,7 +938,7 @@
           <a:p>
             <a:fld id="{B0CC54DC-89A8-4FF9-9ED8-F10BF8BEA781}" type="datetimeFigureOut">
               <a:rPr lang="zh-CN" altLang="en-US" smtClean="0"/>
-              <a:t>2018/9/29</a:t>
+              <a:t>2018/10/5</a:t>
             </a:fld>
             <a:endParaRPr lang="zh-CN" altLang="en-US"/>
           </a:p>
@@ -1108,7 +1116,7 @@
           <a:p>
             <a:fld id="{B0CC54DC-89A8-4FF9-9ED8-F10BF8BEA781}" type="datetimeFigureOut">
               <a:rPr lang="zh-CN" altLang="en-US" smtClean="0"/>
-              <a:t>2018/9/29</a:t>
+              <a:t>2018/10/5</a:t>
             </a:fld>
             <a:endParaRPr lang="zh-CN" altLang="en-US"/>
           </a:p>
@@ -1276,7 +1284,7 @@
           <a:p>
             <a:fld id="{B0CC54DC-89A8-4FF9-9ED8-F10BF8BEA781}" type="datetimeFigureOut">
               <a:rPr lang="zh-CN" altLang="en-US" smtClean="0"/>
-              <a:t>2018/9/29</a:t>
+              <a:t>2018/10/5</a:t>
             </a:fld>
             <a:endParaRPr lang="zh-CN" altLang="en-US"/>
           </a:p>
@@ -1521,7 +1529,7 @@
           <a:p>
             <a:fld id="{B0CC54DC-89A8-4FF9-9ED8-F10BF8BEA781}" type="datetimeFigureOut">
               <a:rPr lang="zh-CN" altLang="en-US" smtClean="0"/>
-              <a:t>2018/9/29</a:t>
+              <a:t>2018/10/5</a:t>
             </a:fld>
             <a:endParaRPr lang="zh-CN" altLang="en-US"/>
           </a:p>
@@ -1806,7 +1814,7 @@
           <a:p>
             <a:fld id="{B0CC54DC-89A8-4FF9-9ED8-F10BF8BEA781}" type="datetimeFigureOut">
               <a:rPr lang="zh-CN" altLang="en-US" smtClean="0"/>
-              <a:t>2018/9/29</a:t>
+              <a:t>2018/10/5</a:t>
             </a:fld>
             <a:endParaRPr lang="zh-CN" altLang="en-US"/>
           </a:p>
@@ -2225,7 +2233,7 @@
           <a:p>
             <a:fld id="{B0CC54DC-89A8-4FF9-9ED8-F10BF8BEA781}" type="datetimeFigureOut">
               <a:rPr lang="zh-CN" altLang="en-US" smtClean="0"/>
-              <a:t>2018/9/29</a:t>
+              <a:t>2018/10/5</a:t>
             </a:fld>
             <a:endParaRPr lang="zh-CN" altLang="en-US"/>
           </a:p>
@@ -2342,7 +2350,7 @@
           <a:p>
             <a:fld id="{B0CC54DC-89A8-4FF9-9ED8-F10BF8BEA781}" type="datetimeFigureOut">
               <a:rPr lang="zh-CN" altLang="en-US" smtClean="0"/>
-              <a:t>2018/9/29</a:t>
+              <a:t>2018/10/5</a:t>
             </a:fld>
             <a:endParaRPr lang="zh-CN" altLang="en-US"/>
           </a:p>
@@ -2437,7 +2445,7 @@
           <a:p>
             <a:fld id="{B0CC54DC-89A8-4FF9-9ED8-F10BF8BEA781}" type="datetimeFigureOut">
               <a:rPr lang="zh-CN" altLang="en-US" smtClean="0"/>
-              <a:t>2018/9/29</a:t>
+              <a:t>2018/10/5</a:t>
             </a:fld>
             <a:endParaRPr lang="zh-CN" altLang="en-US"/>
           </a:p>
@@ -2712,7 +2720,7 @@
           <a:p>
             <a:fld id="{B0CC54DC-89A8-4FF9-9ED8-F10BF8BEA781}" type="datetimeFigureOut">
               <a:rPr lang="zh-CN" altLang="en-US" smtClean="0"/>
-              <a:t>2018/9/29</a:t>
+              <a:t>2018/10/5</a:t>
             </a:fld>
             <a:endParaRPr lang="zh-CN" altLang="en-US"/>
           </a:p>
@@ -2964,7 +2972,7 @@
           <a:p>
             <a:fld id="{B0CC54DC-89A8-4FF9-9ED8-F10BF8BEA781}" type="datetimeFigureOut">
               <a:rPr lang="zh-CN" altLang="en-US" smtClean="0"/>
-              <a:t>2018/9/29</a:t>
+              <a:t>2018/10/5</a:t>
             </a:fld>
             <a:endParaRPr lang="zh-CN" altLang="en-US"/>
           </a:p>
@@ -3175,7 +3183,7 @@
           <a:p>
             <a:fld id="{B0CC54DC-89A8-4FF9-9ED8-F10BF8BEA781}" type="datetimeFigureOut">
               <a:rPr lang="zh-CN" altLang="en-US" smtClean="0"/>
-              <a:t>2018/9/29</a:t>
+              <a:t>2018/10/5</a:t>
             </a:fld>
             <a:endParaRPr lang="zh-CN" altLang="en-US"/>
           </a:p>
@@ -5231,7 +5239,7 @@
         <p:spPr/>
         <p:txBody>
           <a:bodyPr>
-            <a:normAutofit/>
+            <a:normAutofit fontScale="92500"/>
           </a:bodyPr>
           <a:lstStyle/>
           <a:p>
@@ -5253,7 +5261,15 @@
             </a:r>
             <a:r>
               <a:rPr lang="en-US" dirty="0"/>
-              <a:t>, some statements are carried out. Otherwise, they aren't carried out. </a:t>
+              <a:t>, some statements are carried out. Otherwise, they aren't carried out. Python uses </a:t>
+            </a:r>
+            <a:r>
+              <a:rPr lang="en-US" b="1" dirty="0"/>
+              <a:t>indentation </a:t>
+            </a:r>
+            <a:r>
+              <a:rPr lang="en-US" dirty="0"/>
+              <a:t>(white space at the beginning of a line) to delimit blocks of code. </a:t>
             </a:r>
           </a:p>
           <a:p>
@@ -5363,9 +5379,96 @@
         </p:nvSpPr>
         <p:spPr/>
         <p:txBody>
-          <a:bodyPr/>
-          <a:lstStyle/>
-          <a:p>
+          <a:bodyPr>
+            <a:normAutofit fontScale="92500" lnSpcReduction="10000"/>
+          </a:bodyPr>
+          <a:lstStyle/>
+          <a:p>
+            <a:r>
+              <a:rPr lang="en-US" dirty="0"/>
+              <a:t>To perform more complex checks, </a:t>
+            </a:r>
+            <a:r>
+              <a:rPr lang="en-US" b="1" dirty="0"/>
+              <a:t>if</a:t>
+            </a:r>
+            <a:r>
+              <a:rPr lang="en-US" dirty="0"/>
+              <a:t> statements can be nested, one inside the other. This means that the inner </a:t>
+            </a:r>
+            <a:r>
+              <a:rPr lang="en-US" b="1" dirty="0"/>
+              <a:t>if</a:t>
+            </a:r>
+            <a:r>
+              <a:rPr lang="en-US" dirty="0"/>
+              <a:t> statement is the statement part of the outer one. This is one way to see whether multiple conditions are satisfied. </a:t>
+            </a:r>
+          </a:p>
+          <a:p>
+            <a:pPr marL="0" indent="0">
+              <a:buNone/>
+            </a:pPr>
+            <a:r>
+              <a:rPr lang="en-US" dirty="0" err="1"/>
+              <a:t>num</a:t>
+            </a:r>
+            <a:r>
+              <a:rPr lang="en-US" dirty="0"/>
+              <a:t> = 12</a:t>
+            </a:r>
+            <a:br>
+              <a:rPr lang="en-US" dirty="0"/>
+            </a:br>
+            <a:r>
+              <a:rPr lang="en-US" b="1" dirty="0"/>
+              <a:t>if</a:t>
+            </a:r>
+            <a:r>
+              <a:rPr lang="en-US" dirty="0"/>
+              <a:t> </a:t>
+            </a:r>
+            <a:r>
+              <a:rPr lang="en-US" dirty="0" err="1"/>
+              <a:t>num</a:t>
+            </a:r>
+            <a:r>
+              <a:rPr lang="en-US" dirty="0"/>
+              <a:t> &gt; 5:</a:t>
+            </a:r>
+            <a:br>
+              <a:rPr lang="en-US" dirty="0"/>
+            </a:br>
+            <a:r>
+              <a:rPr lang="en-US" dirty="0"/>
+              <a:t>print("Bigger than 5")</a:t>
+            </a:r>
+            <a:br>
+              <a:rPr lang="en-US" dirty="0"/>
+            </a:br>
+            <a:r>
+              <a:rPr lang="en-US" b="1" dirty="0"/>
+              <a:t>if</a:t>
+            </a:r>
+            <a:r>
+              <a:rPr lang="en-US" dirty="0"/>
+              <a:t> </a:t>
+            </a:r>
+            <a:r>
+              <a:rPr lang="en-US" dirty="0" err="1"/>
+              <a:t>num</a:t>
+            </a:r>
+            <a:r>
+              <a:rPr lang="en-US" dirty="0"/>
+              <a:t> &lt;=47:</a:t>
+            </a:r>
+            <a:br>
+              <a:rPr lang="en-US" dirty="0"/>
+            </a:br>
+            <a:r>
+              <a:rPr lang="en-US" dirty="0"/>
+              <a:t>print("Between 5 and 47")</a:t>
+            </a:r>
             <a:endParaRPr lang="en-IE" dirty="0"/>
           </a:p>
         </p:txBody>
@@ -5374,6 +5477,1794 @@
     <p:extLst>
       <p:ext uri="{BB962C8B-B14F-4D97-AF65-F5344CB8AC3E}">
         <p14:creationId xmlns:p14="http://schemas.microsoft.com/office/powerpoint/2010/main" val="2977070455"/>
+      </p:ext>
+    </p:extLst>
+  </p:cSld>
+  <p:clrMapOvr>
+    <a:masterClrMapping/>
+  </p:clrMapOvr>
+</p:sld>
+</file>
+
+<file path=ppt/slides/slide22.xml><?xml version="1.0" encoding="utf-8"?>
+<p:sld xmlns:a="http://schemas.openxmlformats.org/drawingml/2006/main" xmlns:r="http://schemas.openxmlformats.org/officeDocument/2006/relationships" xmlns:p="http://schemas.openxmlformats.org/presentationml/2006/main">
+  <p:cSld>
+    <p:spTree>
+      <p:nvGrpSpPr>
+        <p:cNvPr id="1" name=""/>
+        <p:cNvGrpSpPr/>
+        <p:nvPr/>
+      </p:nvGrpSpPr>
+      <p:grpSpPr>
+        <a:xfrm>
+          <a:off x="0" y="0"/>
+          <a:ext cx="0" cy="0"/>
+          <a:chOff x="0" y="0"/>
+          <a:chExt cx="0" cy="0"/>
+        </a:xfrm>
+      </p:grpSpPr>
+      <p:sp>
+        <p:nvSpPr>
+          <p:cNvPr id="2" name="Title 1">
+            <a:extLst>
+              <a:ext uri="{FF2B5EF4-FFF2-40B4-BE49-F238E27FC236}">
+                <a16:creationId xmlns:a16="http://schemas.microsoft.com/office/drawing/2014/main" id="{16ABCC5B-611C-4E84-AB42-FE67943BF513}"/>
+              </a:ext>
+            </a:extLst>
+          </p:cNvPr>
+          <p:cNvSpPr>
+            <a:spLocks noGrp="1"/>
+          </p:cNvSpPr>
+          <p:nvPr>
+            <p:ph type="title"/>
+          </p:nvPr>
+        </p:nvSpPr>
+        <p:spPr/>
+        <p:txBody>
+          <a:bodyPr/>
+          <a:lstStyle/>
+          <a:p>
+            <a:r>
+              <a:rPr lang="en-IE" b="1" dirty="0"/>
+              <a:t>else Statements</a:t>
+            </a:r>
+            <a:endParaRPr lang="en-IE" dirty="0"/>
+          </a:p>
+        </p:txBody>
+      </p:sp>
+      <p:sp>
+        <p:nvSpPr>
+          <p:cNvPr id="3" name="Content Placeholder 2">
+            <a:extLst>
+              <a:ext uri="{FF2B5EF4-FFF2-40B4-BE49-F238E27FC236}">
+                <a16:creationId xmlns:a16="http://schemas.microsoft.com/office/drawing/2014/main" id="{BA44EF3D-840C-445B-BE5A-79679F26DD41}"/>
+              </a:ext>
+            </a:extLst>
+          </p:cNvPr>
+          <p:cNvSpPr>
+            <a:spLocks noGrp="1"/>
+          </p:cNvSpPr>
+          <p:nvPr>
+            <p:ph idx="1"/>
+          </p:nvPr>
+        </p:nvSpPr>
+        <p:spPr/>
+        <p:txBody>
+          <a:bodyPr>
+            <a:normAutofit fontScale="92500"/>
+          </a:bodyPr>
+          <a:lstStyle/>
+          <a:p>
+            <a:r>
+              <a:rPr lang="en-US" dirty="0"/>
+              <a:t>An </a:t>
+            </a:r>
+            <a:r>
+              <a:rPr lang="en-US" b="1" dirty="0"/>
+              <a:t>else </a:t>
+            </a:r>
+            <a:r>
+              <a:rPr lang="en-US" dirty="0"/>
+              <a:t>statement follows an </a:t>
+            </a:r>
+            <a:r>
+              <a:rPr lang="en-US" b="1" dirty="0"/>
+              <a:t>if</a:t>
+            </a:r>
+            <a:r>
+              <a:rPr lang="en-US" dirty="0"/>
+              <a:t> statement, and contains code that is called when the if statement evaluates to </a:t>
+            </a:r>
+            <a:r>
+              <a:rPr lang="en-US" b="1" dirty="0"/>
+              <a:t>False</a:t>
+            </a:r>
+            <a:r>
+              <a:rPr lang="en-US" dirty="0"/>
+              <a:t>. As with </a:t>
+            </a:r>
+            <a:r>
+              <a:rPr lang="en-US" b="1" dirty="0"/>
+              <a:t>if</a:t>
+            </a:r>
+            <a:r>
+              <a:rPr lang="en-US" dirty="0"/>
+              <a:t> statements, the code inside the block should be indented.</a:t>
+            </a:r>
+          </a:p>
+          <a:p>
+            <a:pPr marL="0" indent="0">
+              <a:buNone/>
+            </a:pPr>
+            <a:r>
+              <a:rPr lang="en-US" dirty="0"/>
+              <a:t>x = 4</a:t>
+            </a:r>
+            <a:br>
+              <a:rPr lang="en-US" dirty="0"/>
+            </a:br>
+            <a:r>
+              <a:rPr lang="en-US" b="1" dirty="0"/>
+              <a:t>if</a:t>
+            </a:r>
+            <a:r>
+              <a:rPr lang="en-US" dirty="0"/>
+              <a:t> x == 5:</a:t>
+            </a:r>
+            <a:br>
+              <a:rPr lang="en-US" dirty="0"/>
+            </a:br>
+            <a:r>
+              <a:rPr lang="en-US" dirty="0"/>
+              <a:t>print("Yes, 4 equals 5")</a:t>
+            </a:r>
+            <a:br>
+              <a:rPr lang="en-US" dirty="0"/>
+            </a:br>
+            <a:r>
+              <a:rPr lang="en-US" b="1" dirty="0"/>
+              <a:t>else:</a:t>
+            </a:r>
+            <a:br>
+              <a:rPr lang="en-US" dirty="0"/>
+            </a:br>
+            <a:r>
+              <a:rPr lang="en-US" dirty="0"/>
+              <a:t>print("No, 4 is not equals 5 ")</a:t>
+            </a:r>
+            <a:endParaRPr lang="en-IE" dirty="0"/>
+          </a:p>
+        </p:txBody>
+      </p:sp>
+    </p:spTree>
+    <p:extLst>
+      <p:ext uri="{BB962C8B-B14F-4D97-AF65-F5344CB8AC3E}">
+        <p14:creationId xmlns:p14="http://schemas.microsoft.com/office/powerpoint/2010/main" val="1346036746"/>
+      </p:ext>
+    </p:extLst>
+  </p:cSld>
+  <p:clrMapOvr>
+    <a:masterClrMapping/>
+  </p:clrMapOvr>
+</p:sld>
+</file>
+
+<file path=ppt/slides/slide23.xml><?xml version="1.0" encoding="utf-8"?>
+<p:sld xmlns:a="http://schemas.openxmlformats.org/drawingml/2006/main" xmlns:r="http://schemas.openxmlformats.org/officeDocument/2006/relationships" xmlns:p="http://schemas.openxmlformats.org/presentationml/2006/main">
+  <p:cSld>
+    <p:spTree>
+      <p:nvGrpSpPr>
+        <p:cNvPr id="1" name=""/>
+        <p:cNvGrpSpPr/>
+        <p:nvPr/>
+      </p:nvGrpSpPr>
+      <p:grpSpPr>
+        <a:xfrm>
+          <a:off x="0" y="0"/>
+          <a:ext cx="0" cy="0"/>
+          <a:chOff x="0" y="0"/>
+          <a:chExt cx="0" cy="0"/>
+        </a:xfrm>
+      </p:grpSpPr>
+      <p:sp>
+        <p:nvSpPr>
+          <p:cNvPr id="2" name="Title 1">
+            <a:extLst>
+              <a:ext uri="{FF2B5EF4-FFF2-40B4-BE49-F238E27FC236}">
+                <a16:creationId xmlns:a16="http://schemas.microsoft.com/office/drawing/2014/main" id="{D45A8502-0DD5-4CC9-ACEC-2090074AE4EC}"/>
+              </a:ext>
+            </a:extLst>
+          </p:cNvPr>
+          <p:cNvSpPr>
+            <a:spLocks noGrp="1"/>
+          </p:cNvSpPr>
+          <p:nvPr>
+            <p:ph type="title"/>
+          </p:nvPr>
+        </p:nvSpPr>
+        <p:spPr/>
+        <p:txBody>
+          <a:bodyPr/>
+          <a:lstStyle/>
+          <a:p>
+            <a:r>
+              <a:rPr lang="en-IE" b="1" dirty="0"/>
+              <a:t>else Statements</a:t>
+            </a:r>
+            <a:endParaRPr lang="en-IE" dirty="0"/>
+          </a:p>
+        </p:txBody>
+      </p:sp>
+      <p:sp>
+        <p:nvSpPr>
+          <p:cNvPr id="3" name="Content Placeholder 2">
+            <a:extLst>
+              <a:ext uri="{FF2B5EF4-FFF2-40B4-BE49-F238E27FC236}">
+                <a16:creationId xmlns:a16="http://schemas.microsoft.com/office/drawing/2014/main" id="{FB905481-2D47-43BA-BECE-B960AF5A35D6}"/>
+              </a:ext>
+            </a:extLst>
+          </p:cNvPr>
+          <p:cNvSpPr>
+            <a:spLocks noGrp="1"/>
+          </p:cNvSpPr>
+          <p:nvPr>
+            <p:ph idx="1"/>
+          </p:nvPr>
+        </p:nvSpPr>
+        <p:spPr/>
+        <p:txBody>
+          <a:bodyPr>
+            <a:normAutofit fontScale="70000" lnSpcReduction="20000"/>
+          </a:bodyPr>
+          <a:lstStyle/>
+          <a:p>
+            <a:r>
+              <a:rPr lang="en-US" dirty="0"/>
+              <a:t>You can chain </a:t>
+            </a:r>
+            <a:r>
+              <a:rPr lang="en-US" b="1" dirty="0"/>
+              <a:t>if</a:t>
+            </a:r>
+            <a:r>
+              <a:rPr lang="en-US" dirty="0"/>
+              <a:t> and </a:t>
+            </a:r>
+            <a:r>
+              <a:rPr lang="en-US" b="1" dirty="0"/>
+              <a:t>else</a:t>
+            </a:r>
+            <a:r>
+              <a:rPr lang="en-US" dirty="0"/>
+              <a:t> statements to determine which option in a series of possibilities is true. </a:t>
+            </a:r>
+            <a:r>
+              <a:rPr lang="en-US" b="1" dirty="0"/>
+              <a:t>For example:</a:t>
+            </a:r>
+          </a:p>
+          <a:p>
+            <a:pPr marL="0" indent="0">
+              <a:buNone/>
+            </a:pPr>
+            <a:r>
+              <a:rPr lang="en-US" b="1" dirty="0"/>
+              <a:t>x= 5</a:t>
+            </a:r>
+          </a:p>
+          <a:p>
+            <a:pPr marL="0" indent="0">
+              <a:buNone/>
+            </a:pPr>
+            <a:r>
+              <a:rPr lang="en-US" b="1" dirty="0"/>
+              <a:t>if x==6:</a:t>
+            </a:r>
+          </a:p>
+          <a:p>
+            <a:pPr marL="0" indent="0">
+              <a:buNone/>
+            </a:pPr>
+            <a:r>
+              <a:rPr lang="en-US" b="1" dirty="0"/>
+              <a:t>    print ('number is 6')</a:t>
+            </a:r>
+          </a:p>
+          <a:p>
+            <a:pPr marL="0" indent="0">
+              <a:buNone/>
+            </a:pPr>
+            <a:r>
+              <a:rPr lang="en-US" b="1" dirty="0"/>
+              <a:t>else:</a:t>
+            </a:r>
+          </a:p>
+          <a:p>
+            <a:pPr marL="0" indent="0">
+              <a:buNone/>
+            </a:pPr>
+            <a:r>
+              <a:rPr lang="en-US" b="1" dirty="0"/>
+              <a:t>    if x==7:</a:t>
+            </a:r>
+          </a:p>
+          <a:p>
+            <a:pPr marL="0" indent="0">
+              <a:buNone/>
+            </a:pPr>
+            <a:r>
+              <a:rPr lang="en-US" b="1" dirty="0"/>
+              <a:t>        print ('number is 7')</a:t>
+            </a:r>
+          </a:p>
+          <a:p>
+            <a:pPr marL="0" indent="0">
+              <a:buNone/>
+            </a:pPr>
+            <a:r>
+              <a:rPr lang="en-US" b="1" dirty="0"/>
+              <a:t>    else:</a:t>
+            </a:r>
+          </a:p>
+          <a:p>
+            <a:pPr marL="0" indent="0">
+              <a:buNone/>
+            </a:pPr>
+            <a:r>
+              <a:rPr lang="en-US" b="1" dirty="0"/>
+              <a:t>        if x==5:</a:t>
+            </a:r>
+          </a:p>
+          <a:p>
+            <a:pPr marL="0" indent="0">
+              <a:buNone/>
+            </a:pPr>
+            <a:r>
+              <a:rPr lang="en-US" b="1" dirty="0"/>
+              <a:t>            print ('number is 5')</a:t>
+            </a:r>
+          </a:p>
+          <a:p>
+            <a:pPr marL="0" indent="0">
+              <a:buNone/>
+            </a:pPr>
+            <a:r>
+              <a:rPr lang="en-US" b="1" dirty="0"/>
+              <a:t>        else:</a:t>
+            </a:r>
+          </a:p>
+          <a:p>
+            <a:pPr marL="0" indent="0">
+              <a:buNone/>
+            </a:pPr>
+            <a:r>
+              <a:rPr lang="en-US" b="1" dirty="0"/>
+              <a:t>            print ('number is not 6,7,5' )</a:t>
+            </a:r>
+          </a:p>
+        </p:txBody>
+      </p:sp>
+    </p:spTree>
+    <p:extLst>
+      <p:ext uri="{BB962C8B-B14F-4D97-AF65-F5344CB8AC3E}">
+        <p14:creationId xmlns:p14="http://schemas.microsoft.com/office/powerpoint/2010/main" val="159897539"/>
+      </p:ext>
+    </p:extLst>
+  </p:cSld>
+  <p:clrMapOvr>
+    <a:masterClrMapping/>
+  </p:clrMapOvr>
+</p:sld>
+</file>
+
+<file path=ppt/slides/slide24.xml><?xml version="1.0" encoding="utf-8"?>
+<p:sld xmlns:a="http://schemas.openxmlformats.org/drawingml/2006/main" xmlns:r="http://schemas.openxmlformats.org/officeDocument/2006/relationships" xmlns:p="http://schemas.openxmlformats.org/presentationml/2006/main">
+  <p:cSld>
+    <p:spTree>
+      <p:nvGrpSpPr>
+        <p:cNvPr id="1" name=""/>
+        <p:cNvGrpSpPr/>
+        <p:nvPr/>
+      </p:nvGrpSpPr>
+      <p:grpSpPr>
+        <a:xfrm>
+          <a:off x="0" y="0"/>
+          <a:ext cx="0" cy="0"/>
+          <a:chOff x="0" y="0"/>
+          <a:chExt cx="0" cy="0"/>
+        </a:xfrm>
+      </p:grpSpPr>
+      <p:sp>
+        <p:nvSpPr>
+          <p:cNvPr id="2" name="Title 1">
+            <a:extLst>
+              <a:ext uri="{FF2B5EF4-FFF2-40B4-BE49-F238E27FC236}">
+                <a16:creationId xmlns:a16="http://schemas.microsoft.com/office/drawing/2014/main" id="{EAB568C5-0809-4E54-A36C-43388F6A8E21}"/>
+              </a:ext>
+            </a:extLst>
+          </p:cNvPr>
+          <p:cNvSpPr>
+            <a:spLocks noGrp="1"/>
+          </p:cNvSpPr>
+          <p:nvPr>
+            <p:ph type="title"/>
+          </p:nvPr>
+        </p:nvSpPr>
+        <p:spPr/>
+        <p:txBody>
+          <a:bodyPr/>
+          <a:lstStyle/>
+          <a:p>
+            <a:r>
+              <a:rPr lang="en-IE" b="1" dirty="0" err="1"/>
+              <a:t>elif</a:t>
+            </a:r>
+            <a:r>
+              <a:rPr lang="en-IE" b="1" dirty="0"/>
+              <a:t> Statements</a:t>
+            </a:r>
+            <a:endParaRPr lang="en-IE" dirty="0"/>
+          </a:p>
+        </p:txBody>
+      </p:sp>
+      <p:sp>
+        <p:nvSpPr>
+          <p:cNvPr id="3" name="Content Placeholder 2">
+            <a:extLst>
+              <a:ext uri="{FF2B5EF4-FFF2-40B4-BE49-F238E27FC236}">
+                <a16:creationId xmlns:a16="http://schemas.microsoft.com/office/drawing/2014/main" id="{BA08DEEC-056A-4314-A4EF-2365B487350A}"/>
+              </a:ext>
+            </a:extLst>
+          </p:cNvPr>
+          <p:cNvSpPr>
+            <a:spLocks noGrp="1"/>
+          </p:cNvSpPr>
+          <p:nvPr>
+            <p:ph idx="1"/>
+          </p:nvPr>
+        </p:nvSpPr>
+        <p:spPr/>
+        <p:txBody>
+          <a:bodyPr>
+            <a:normAutofit fontScale="70000" lnSpcReduction="20000"/>
+          </a:bodyPr>
+          <a:lstStyle/>
+          <a:p>
+            <a:r>
+              <a:rPr lang="en-US" dirty="0"/>
+              <a:t>The </a:t>
+            </a:r>
+            <a:r>
+              <a:rPr lang="en-US" b="1" dirty="0" err="1"/>
+              <a:t>elif</a:t>
+            </a:r>
+            <a:r>
+              <a:rPr lang="en-US" b="1" dirty="0"/>
+              <a:t> (</a:t>
+            </a:r>
+            <a:r>
+              <a:rPr lang="en-US" dirty="0"/>
+              <a:t>short for else if) statement is a shortcut to use when chaining </a:t>
+            </a:r>
+            <a:r>
+              <a:rPr lang="en-US" b="1" dirty="0"/>
+              <a:t>if</a:t>
+            </a:r>
+            <a:r>
+              <a:rPr lang="en-US" dirty="0"/>
+              <a:t> and </a:t>
+            </a:r>
+            <a:r>
+              <a:rPr lang="en-US" b="1" dirty="0"/>
+              <a:t>else </a:t>
+            </a:r>
+            <a:r>
+              <a:rPr lang="en-US" dirty="0" err="1"/>
+              <a:t>statements.A</a:t>
+            </a:r>
+            <a:r>
+              <a:rPr lang="en-US" dirty="0"/>
+              <a:t> series of </a:t>
+            </a:r>
+            <a:r>
+              <a:rPr lang="en-US" b="1" dirty="0"/>
+              <a:t>if </a:t>
+            </a:r>
+            <a:r>
+              <a:rPr lang="en-US" b="1" dirty="0" err="1"/>
+              <a:t>elif</a:t>
+            </a:r>
+            <a:r>
+              <a:rPr lang="en-US" dirty="0"/>
+              <a:t> statements can have a final </a:t>
+            </a:r>
+            <a:r>
+              <a:rPr lang="en-US" b="1" dirty="0"/>
+              <a:t>else </a:t>
+            </a:r>
+            <a:r>
+              <a:rPr lang="en-US" dirty="0"/>
+              <a:t>block, which is called if none of the </a:t>
+            </a:r>
+            <a:r>
+              <a:rPr lang="en-US" b="1" dirty="0"/>
+              <a:t>if</a:t>
+            </a:r>
+            <a:r>
+              <a:rPr lang="en-US" dirty="0"/>
+              <a:t> or </a:t>
+            </a:r>
+            <a:r>
+              <a:rPr lang="en-US" b="1" dirty="0" err="1"/>
+              <a:t>elif</a:t>
+            </a:r>
+            <a:r>
+              <a:rPr lang="en-US" b="1" dirty="0"/>
+              <a:t> </a:t>
+            </a:r>
+            <a:r>
+              <a:rPr lang="en-US" dirty="0"/>
+              <a:t>expressions is True. Example:</a:t>
+            </a:r>
+          </a:p>
+          <a:p>
+            <a:pPr marL="0" indent="0">
+              <a:buNone/>
+            </a:pPr>
+            <a:r>
+              <a:rPr lang="en-US" dirty="0" err="1"/>
+              <a:t>num</a:t>
+            </a:r>
+            <a:r>
+              <a:rPr lang="en-US" dirty="0"/>
+              <a:t>=6</a:t>
+            </a:r>
+          </a:p>
+          <a:p>
+            <a:pPr marL="0" indent="0">
+              <a:buNone/>
+            </a:pPr>
+            <a:r>
+              <a:rPr lang="en-US" dirty="0"/>
+              <a:t>if </a:t>
+            </a:r>
+            <a:r>
+              <a:rPr lang="en-US" dirty="0" err="1"/>
+              <a:t>num</a:t>
+            </a:r>
+            <a:r>
+              <a:rPr lang="en-US" dirty="0"/>
+              <a:t>==5:</a:t>
+            </a:r>
+          </a:p>
+          <a:p>
+            <a:pPr marL="0" indent="0">
+              <a:buNone/>
+            </a:pPr>
+            <a:r>
+              <a:rPr lang="en-US" dirty="0"/>
+              <a:t>    print ('number is 5')</a:t>
+            </a:r>
+          </a:p>
+          <a:p>
+            <a:pPr marL="0" indent="0">
+              <a:buNone/>
+            </a:pPr>
+            <a:r>
+              <a:rPr lang="en-US" dirty="0" err="1"/>
+              <a:t>elif</a:t>
+            </a:r>
+            <a:r>
+              <a:rPr lang="en-US" dirty="0"/>
+              <a:t> </a:t>
+            </a:r>
+            <a:r>
+              <a:rPr lang="en-US" dirty="0" err="1"/>
+              <a:t>num</a:t>
+            </a:r>
+            <a:r>
+              <a:rPr lang="en-US" dirty="0"/>
+              <a:t> == 11:</a:t>
+            </a:r>
+          </a:p>
+          <a:p>
+            <a:pPr marL="0" indent="0">
+              <a:buNone/>
+            </a:pPr>
+            <a:r>
+              <a:rPr lang="en-US" dirty="0"/>
+              <a:t>    print ("number is 11")</a:t>
+            </a:r>
+          </a:p>
+          <a:p>
+            <a:pPr marL="0" indent="0">
+              <a:buNone/>
+            </a:pPr>
+            <a:r>
+              <a:rPr lang="en-US" dirty="0" err="1"/>
+              <a:t>elif</a:t>
+            </a:r>
+            <a:r>
+              <a:rPr lang="en-US" dirty="0"/>
+              <a:t> </a:t>
+            </a:r>
+            <a:r>
+              <a:rPr lang="en-US" dirty="0" err="1"/>
+              <a:t>num</a:t>
+            </a:r>
+            <a:r>
+              <a:rPr lang="en-US" dirty="0"/>
+              <a:t> ==7:</a:t>
+            </a:r>
+          </a:p>
+          <a:p>
+            <a:pPr marL="0" indent="0">
+              <a:buNone/>
+            </a:pPr>
+            <a:r>
+              <a:rPr lang="en-US" dirty="0"/>
+              <a:t>    print ("number is 7")</a:t>
+            </a:r>
+          </a:p>
+          <a:p>
+            <a:pPr marL="0" indent="0">
+              <a:buNone/>
+            </a:pPr>
+            <a:r>
+              <a:rPr lang="en-US" dirty="0"/>
+              <a:t>else:</a:t>
+            </a:r>
+          </a:p>
+          <a:p>
+            <a:pPr marL="0" indent="0">
+              <a:buNone/>
+            </a:pPr>
+            <a:r>
+              <a:rPr lang="en-US" dirty="0"/>
+              <a:t>    print ("number is not 5,11 or 7")</a:t>
+            </a:r>
+          </a:p>
+        </p:txBody>
+      </p:sp>
+    </p:spTree>
+    <p:extLst>
+      <p:ext uri="{BB962C8B-B14F-4D97-AF65-F5344CB8AC3E}">
+        <p14:creationId xmlns:p14="http://schemas.microsoft.com/office/powerpoint/2010/main" val="1798113026"/>
+      </p:ext>
+    </p:extLst>
+  </p:cSld>
+  <p:clrMapOvr>
+    <a:masterClrMapping/>
+  </p:clrMapOvr>
+</p:sld>
+</file>
+
+<file path=ppt/slides/slide25.xml><?xml version="1.0" encoding="utf-8"?>
+<p:sld xmlns:a="http://schemas.openxmlformats.org/drawingml/2006/main" xmlns:r="http://schemas.openxmlformats.org/officeDocument/2006/relationships" xmlns:p="http://schemas.openxmlformats.org/presentationml/2006/main">
+  <p:cSld>
+    <p:spTree>
+      <p:nvGrpSpPr>
+        <p:cNvPr id="1" name=""/>
+        <p:cNvGrpSpPr/>
+        <p:nvPr/>
+      </p:nvGrpSpPr>
+      <p:grpSpPr>
+        <a:xfrm>
+          <a:off x="0" y="0"/>
+          <a:ext cx="0" cy="0"/>
+          <a:chOff x="0" y="0"/>
+          <a:chExt cx="0" cy="0"/>
+        </a:xfrm>
+      </p:grpSpPr>
+      <p:sp>
+        <p:nvSpPr>
+          <p:cNvPr id="2" name="Title 1">
+            <a:extLst>
+              <a:ext uri="{FF2B5EF4-FFF2-40B4-BE49-F238E27FC236}">
+                <a16:creationId xmlns:a16="http://schemas.microsoft.com/office/drawing/2014/main" id="{9A35D746-9482-4489-810A-BE7367C72E02}"/>
+              </a:ext>
+            </a:extLst>
+          </p:cNvPr>
+          <p:cNvSpPr>
+            <a:spLocks noGrp="1"/>
+          </p:cNvSpPr>
+          <p:nvPr>
+            <p:ph type="title"/>
+          </p:nvPr>
+        </p:nvSpPr>
+        <p:spPr/>
+        <p:txBody>
+          <a:bodyPr/>
+          <a:lstStyle/>
+          <a:p>
+            <a:r>
+              <a:rPr lang="en-IE" b="1" dirty="0"/>
+              <a:t>Boolean Logic | OR | Not</a:t>
+            </a:r>
+            <a:endParaRPr lang="en-IE" dirty="0"/>
+          </a:p>
+        </p:txBody>
+      </p:sp>
+      <p:sp>
+        <p:nvSpPr>
+          <p:cNvPr id="3" name="Content Placeholder 2">
+            <a:extLst>
+              <a:ext uri="{FF2B5EF4-FFF2-40B4-BE49-F238E27FC236}">
+                <a16:creationId xmlns:a16="http://schemas.microsoft.com/office/drawing/2014/main" id="{81BF39C5-91A0-4232-BD7B-14DC53BC1C6D}"/>
+              </a:ext>
+            </a:extLst>
+          </p:cNvPr>
+          <p:cNvSpPr>
+            <a:spLocks noGrp="1"/>
+          </p:cNvSpPr>
+          <p:nvPr>
+            <p:ph idx="1"/>
+          </p:nvPr>
+        </p:nvSpPr>
+        <p:spPr/>
+        <p:txBody>
+          <a:bodyPr>
+            <a:normAutofit fontScale="85000" lnSpcReduction="20000"/>
+          </a:bodyPr>
+          <a:lstStyle/>
+          <a:p>
+            <a:r>
+              <a:rPr lang="en-US" b="1" dirty="0"/>
+              <a:t>Boolean logic</a:t>
+            </a:r>
+            <a:r>
+              <a:rPr lang="en-US" dirty="0"/>
+              <a:t> is used to make more complicated conditions for </a:t>
+            </a:r>
+            <a:r>
+              <a:rPr lang="en-US" b="1" dirty="0"/>
+              <a:t>if</a:t>
+            </a:r>
+            <a:r>
+              <a:rPr lang="en-US" dirty="0"/>
+              <a:t> statements that rely on more than one condition.</a:t>
+            </a:r>
+          </a:p>
+          <a:p>
+            <a:pPr marL="0" indent="0">
+              <a:buNone/>
+            </a:pPr>
+            <a:r>
+              <a:rPr lang="en-US" dirty="0"/>
+              <a:t>print (1 == 1 and 2 == 2)</a:t>
+            </a:r>
+          </a:p>
+          <a:p>
+            <a:pPr marL="0" indent="0">
+              <a:buNone/>
+            </a:pPr>
+            <a:r>
+              <a:rPr lang="en-US" dirty="0"/>
+              <a:t>The </a:t>
+            </a:r>
+            <a:r>
+              <a:rPr lang="en-US" b="1" dirty="0"/>
+              <a:t>or </a:t>
+            </a:r>
+            <a:r>
+              <a:rPr lang="en-US" dirty="0"/>
+              <a:t>operator also takes two arguments. It evaluates to </a:t>
+            </a:r>
+            <a:r>
+              <a:rPr lang="en-US" b="1" dirty="0"/>
+              <a:t>True </a:t>
+            </a:r>
+            <a:r>
+              <a:rPr lang="en-US" dirty="0"/>
+              <a:t>if either (or both) of its arguments are </a:t>
+            </a:r>
+            <a:r>
+              <a:rPr lang="en-US" b="1" dirty="0"/>
+              <a:t>True</a:t>
+            </a:r>
+            <a:r>
+              <a:rPr lang="en-US" dirty="0"/>
+              <a:t>, and </a:t>
+            </a:r>
+            <a:r>
+              <a:rPr lang="en-US" b="1" dirty="0"/>
+              <a:t>False </a:t>
+            </a:r>
+            <a:r>
+              <a:rPr lang="en-US" dirty="0"/>
+              <a:t>if both arguments are </a:t>
+            </a:r>
+            <a:r>
+              <a:rPr lang="en-US" b="1" dirty="0"/>
+              <a:t>False</a:t>
+            </a:r>
+            <a:r>
+              <a:rPr lang="en-US" dirty="0"/>
+              <a:t>.</a:t>
+            </a:r>
+          </a:p>
+          <a:p>
+            <a:pPr marL="0" indent="0">
+              <a:buNone/>
+            </a:pPr>
+            <a:r>
+              <a:rPr lang="en-US" dirty="0"/>
+              <a:t>print (1 != 1 or 2 == 2)</a:t>
+            </a:r>
+          </a:p>
+          <a:p>
+            <a:pPr marL="0" indent="0">
+              <a:buNone/>
+            </a:pPr>
+            <a:r>
+              <a:rPr lang="en-US" dirty="0"/>
+              <a:t>Unlike other operators we've seen so far, </a:t>
+            </a:r>
+            <a:r>
+              <a:rPr lang="en-US" b="1" dirty="0"/>
+              <a:t>not </a:t>
+            </a:r>
+            <a:r>
+              <a:rPr lang="en-US" dirty="0"/>
+              <a:t>only takes one argument, and inverts it. </a:t>
+            </a:r>
+            <a:br>
+              <a:rPr lang="en-US" dirty="0"/>
+            </a:br>
+            <a:r>
+              <a:rPr lang="en-US" dirty="0"/>
+              <a:t>The result of </a:t>
+            </a:r>
+            <a:r>
+              <a:rPr lang="en-US" b="1" dirty="0"/>
+              <a:t>not True</a:t>
+            </a:r>
+            <a:r>
+              <a:rPr lang="en-US" dirty="0"/>
+              <a:t> is </a:t>
+            </a:r>
+            <a:r>
+              <a:rPr lang="en-US" b="1" dirty="0"/>
+              <a:t>False</a:t>
+            </a:r>
+            <a:r>
+              <a:rPr lang="en-US" dirty="0"/>
+              <a:t>, and </a:t>
+            </a:r>
+            <a:r>
+              <a:rPr lang="en-US" b="1" dirty="0"/>
+              <a:t>not False</a:t>
+            </a:r>
+            <a:r>
+              <a:rPr lang="en-US" dirty="0"/>
+              <a:t> goes to </a:t>
+            </a:r>
+            <a:r>
+              <a:rPr lang="en-US" b="1" dirty="0"/>
+              <a:t>True</a:t>
+            </a:r>
+            <a:r>
+              <a:rPr lang="en-US" dirty="0"/>
+              <a:t>.</a:t>
+            </a:r>
+          </a:p>
+          <a:p>
+            <a:pPr marL="0" indent="0">
+              <a:buNone/>
+            </a:pPr>
+            <a:r>
+              <a:rPr lang="en-IE" dirty="0"/>
+              <a:t>print (not 1 == 1)</a:t>
+            </a:r>
+          </a:p>
+        </p:txBody>
+      </p:sp>
+    </p:spTree>
+    <p:extLst>
+      <p:ext uri="{BB962C8B-B14F-4D97-AF65-F5344CB8AC3E}">
+        <p14:creationId xmlns:p14="http://schemas.microsoft.com/office/powerpoint/2010/main" val="1158968786"/>
+      </p:ext>
+    </p:extLst>
+  </p:cSld>
+  <p:clrMapOvr>
+    <a:masterClrMapping/>
+  </p:clrMapOvr>
+</p:sld>
+</file>
+
+<file path=ppt/slides/slide26.xml><?xml version="1.0" encoding="utf-8"?>
+<p:sld xmlns:a="http://schemas.openxmlformats.org/drawingml/2006/main" xmlns:r="http://schemas.openxmlformats.org/officeDocument/2006/relationships" xmlns:p="http://schemas.openxmlformats.org/presentationml/2006/main">
+  <p:cSld>
+    <p:spTree>
+      <p:nvGrpSpPr>
+        <p:cNvPr id="1" name=""/>
+        <p:cNvGrpSpPr/>
+        <p:nvPr/>
+      </p:nvGrpSpPr>
+      <p:grpSpPr>
+        <a:xfrm>
+          <a:off x="0" y="0"/>
+          <a:ext cx="0" cy="0"/>
+          <a:chOff x="0" y="0"/>
+          <a:chExt cx="0" cy="0"/>
+        </a:xfrm>
+      </p:grpSpPr>
+      <p:sp>
+        <p:nvSpPr>
+          <p:cNvPr id="2" name="Title 1">
+            <a:extLst>
+              <a:ext uri="{FF2B5EF4-FFF2-40B4-BE49-F238E27FC236}">
+                <a16:creationId xmlns:a16="http://schemas.microsoft.com/office/drawing/2014/main" id="{78FE4648-AE6F-4D78-B5F8-82AB43894CA9}"/>
+              </a:ext>
+            </a:extLst>
+          </p:cNvPr>
+          <p:cNvSpPr>
+            <a:spLocks noGrp="1"/>
+          </p:cNvSpPr>
+          <p:nvPr>
+            <p:ph type="title"/>
+          </p:nvPr>
+        </p:nvSpPr>
+        <p:spPr/>
+        <p:txBody>
+          <a:bodyPr/>
+          <a:lstStyle/>
+          <a:p>
+            <a:r>
+              <a:rPr lang="en-IE" b="1" dirty="0"/>
+              <a:t>while Loops</a:t>
+            </a:r>
+            <a:endParaRPr lang="en-IE" dirty="0"/>
+          </a:p>
+        </p:txBody>
+      </p:sp>
+      <p:sp>
+        <p:nvSpPr>
+          <p:cNvPr id="3" name="Content Placeholder 2">
+            <a:extLst>
+              <a:ext uri="{FF2B5EF4-FFF2-40B4-BE49-F238E27FC236}">
+                <a16:creationId xmlns:a16="http://schemas.microsoft.com/office/drawing/2014/main" id="{50E3EDB1-59C1-4FCC-87C3-C4C5320DA213}"/>
+              </a:ext>
+            </a:extLst>
+          </p:cNvPr>
+          <p:cNvSpPr>
+            <a:spLocks noGrp="1"/>
+          </p:cNvSpPr>
+          <p:nvPr>
+            <p:ph idx="1"/>
+          </p:nvPr>
+        </p:nvSpPr>
+        <p:spPr/>
+        <p:txBody>
+          <a:bodyPr>
+            <a:normAutofit fontScale="85000" lnSpcReduction="20000"/>
+          </a:bodyPr>
+          <a:lstStyle/>
+          <a:p>
+            <a:r>
+              <a:rPr lang="en-US" dirty="0"/>
+              <a:t>An </a:t>
+            </a:r>
+            <a:r>
+              <a:rPr lang="en-US" b="1" dirty="0"/>
+              <a:t>if </a:t>
+            </a:r>
+            <a:r>
+              <a:rPr lang="en-US" dirty="0"/>
+              <a:t>statement is run </a:t>
+            </a:r>
+            <a:r>
+              <a:rPr lang="en-US" u="sng" dirty="0">
+                <a:solidFill>
+                  <a:srgbClr val="FF0000"/>
+                </a:solidFill>
+              </a:rPr>
+              <a:t>once</a:t>
+            </a:r>
+            <a:r>
+              <a:rPr lang="en-US" dirty="0"/>
+              <a:t> if its condition evaluates to </a:t>
+            </a:r>
+            <a:r>
+              <a:rPr lang="en-US" b="1" dirty="0"/>
+              <a:t>True</a:t>
+            </a:r>
+            <a:r>
+              <a:rPr lang="en-US" dirty="0"/>
+              <a:t>, and never if it evaluates to </a:t>
+            </a:r>
+            <a:r>
+              <a:rPr lang="en-US" b="1" dirty="0"/>
+              <a:t>False</a:t>
+            </a:r>
+            <a:r>
+              <a:rPr lang="en-US" dirty="0"/>
+              <a:t>. </a:t>
+            </a:r>
+            <a:br>
+              <a:rPr lang="en-US" dirty="0"/>
+            </a:br>
+            <a:r>
+              <a:rPr lang="en-US" dirty="0"/>
+              <a:t>A </a:t>
+            </a:r>
+            <a:r>
+              <a:rPr lang="en-US" b="1" dirty="0"/>
+              <a:t>while </a:t>
+            </a:r>
+            <a:r>
+              <a:rPr lang="en-US" dirty="0"/>
+              <a:t>statement is similar, except that it can be run </a:t>
+            </a:r>
+            <a:r>
+              <a:rPr lang="en-US" u="sng" dirty="0">
+                <a:solidFill>
+                  <a:srgbClr val="FF0000"/>
+                </a:solidFill>
+              </a:rPr>
+              <a:t>more than once</a:t>
+            </a:r>
+            <a:r>
+              <a:rPr lang="en-US" dirty="0"/>
+              <a:t>. The statements inside it are repeatedly executed, as long as the condition holds. Once it evaluates to </a:t>
+            </a:r>
+            <a:r>
+              <a:rPr lang="en-US" b="1" dirty="0"/>
+              <a:t>False</a:t>
+            </a:r>
+            <a:r>
+              <a:rPr lang="en-US" dirty="0"/>
+              <a:t>, the next section of code is executed. </a:t>
+            </a:r>
+          </a:p>
+          <a:p>
+            <a:pPr marL="0" indent="0">
+              <a:buNone/>
+            </a:pPr>
+            <a:r>
+              <a:rPr lang="en-IE" dirty="0" err="1"/>
+              <a:t>i</a:t>
+            </a:r>
+            <a:r>
+              <a:rPr lang="en-IE" dirty="0"/>
+              <a:t> = 1</a:t>
+            </a:r>
+            <a:br>
+              <a:rPr lang="en-IE" dirty="0"/>
+            </a:br>
+            <a:r>
+              <a:rPr lang="en-IE" b="1" dirty="0"/>
+              <a:t>while </a:t>
+            </a:r>
+            <a:r>
+              <a:rPr lang="en-IE" dirty="0" err="1"/>
+              <a:t>i</a:t>
+            </a:r>
+            <a:r>
+              <a:rPr lang="en-IE" dirty="0"/>
+              <a:t> &lt;=5</a:t>
+            </a:r>
+            <a:r>
+              <a:rPr lang="en-IE" b="1" dirty="0"/>
+              <a:t>:</a:t>
+            </a:r>
+            <a:br>
+              <a:rPr lang="en-IE" dirty="0"/>
+            </a:br>
+            <a:r>
+              <a:rPr lang="en-IE" dirty="0"/>
+              <a:t>   print(</a:t>
+            </a:r>
+            <a:r>
+              <a:rPr lang="en-IE" dirty="0" err="1"/>
+              <a:t>i</a:t>
+            </a:r>
+            <a:r>
+              <a:rPr lang="en-IE" dirty="0"/>
+              <a:t>)</a:t>
+            </a:r>
+            <a:br>
+              <a:rPr lang="en-IE" dirty="0"/>
+            </a:br>
+            <a:r>
+              <a:rPr lang="en-IE" dirty="0"/>
+              <a:t>   </a:t>
+            </a:r>
+            <a:r>
+              <a:rPr lang="en-IE" dirty="0" err="1"/>
+              <a:t>i</a:t>
+            </a:r>
+            <a:r>
+              <a:rPr lang="en-IE" dirty="0"/>
+              <a:t> = </a:t>
+            </a:r>
+            <a:r>
+              <a:rPr lang="en-IE" dirty="0" err="1"/>
+              <a:t>i</a:t>
+            </a:r>
+            <a:r>
+              <a:rPr lang="en-IE" dirty="0"/>
+              <a:t> + 1</a:t>
+            </a:r>
+            <a:br>
+              <a:rPr lang="en-IE" dirty="0"/>
+            </a:br>
+            <a:br>
+              <a:rPr lang="en-IE" dirty="0"/>
+            </a:br>
+            <a:r>
+              <a:rPr lang="en-IE" dirty="0"/>
+              <a:t>print("Finished!")</a:t>
+            </a:r>
+          </a:p>
+        </p:txBody>
+      </p:sp>
+    </p:spTree>
+    <p:extLst>
+      <p:ext uri="{BB962C8B-B14F-4D97-AF65-F5344CB8AC3E}">
+        <p14:creationId xmlns:p14="http://schemas.microsoft.com/office/powerpoint/2010/main" val="1901251856"/>
+      </p:ext>
+    </p:extLst>
+  </p:cSld>
+  <p:clrMapOvr>
+    <a:masterClrMapping/>
+  </p:clrMapOvr>
+</p:sld>
+</file>
+
+<file path=ppt/slides/slide27.xml><?xml version="1.0" encoding="utf-8"?>
+<p:sld xmlns:a="http://schemas.openxmlformats.org/drawingml/2006/main" xmlns:r="http://schemas.openxmlformats.org/officeDocument/2006/relationships" xmlns:p="http://schemas.openxmlformats.org/presentationml/2006/main">
+  <p:cSld>
+    <p:spTree>
+      <p:nvGrpSpPr>
+        <p:cNvPr id="1" name=""/>
+        <p:cNvGrpSpPr/>
+        <p:nvPr/>
+      </p:nvGrpSpPr>
+      <p:grpSpPr>
+        <a:xfrm>
+          <a:off x="0" y="0"/>
+          <a:ext cx="0" cy="0"/>
+          <a:chOff x="0" y="0"/>
+          <a:chExt cx="0" cy="0"/>
+        </a:xfrm>
+      </p:grpSpPr>
+      <p:sp>
+        <p:nvSpPr>
+          <p:cNvPr id="2" name="Title 1">
+            <a:extLst>
+              <a:ext uri="{FF2B5EF4-FFF2-40B4-BE49-F238E27FC236}">
+                <a16:creationId xmlns:a16="http://schemas.microsoft.com/office/drawing/2014/main" id="{883B42CB-7445-419A-A61B-7F062E077AFE}"/>
+              </a:ext>
+            </a:extLst>
+          </p:cNvPr>
+          <p:cNvSpPr>
+            <a:spLocks noGrp="1"/>
+          </p:cNvSpPr>
+          <p:nvPr>
+            <p:ph type="title"/>
+          </p:nvPr>
+        </p:nvSpPr>
+        <p:spPr/>
+        <p:txBody>
+          <a:bodyPr/>
+          <a:lstStyle/>
+          <a:p>
+            <a:r>
+              <a:rPr lang="en-IE" b="1" dirty="0"/>
+              <a:t>break</a:t>
+            </a:r>
+            <a:endParaRPr lang="en-IE" dirty="0"/>
+          </a:p>
+        </p:txBody>
+      </p:sp>
+      <p:sp>
+        <p:nvSpPr>
+          <p:cNvPr id="3" name="Content Placeholder 2">
+            <a:extLst>
+              <a:ext uri="{FF2B5EF4-FFF2-40B4-BE49-F238E27FC236}">
+                <a16:creationId xmlns:a16="http://schemas.microsoft.com/office/drawing/2014/main" id="{70476B5A-0897-48B3-80C3-941242279C6B}"/>
+              </a:ext>
+            </a:extLst>
+          </p:cNvPr>
+          <p:cNvSpPr>
+            <a:spLocks noGrp="1"/>
+          </p:cNvSpPr>
+          <p:nvPr>
+            <p:ph idx="1"/>
+          </p:nvPr>
+        </p:nvSpPr>
+        <p:spPr/>
+        <p:txBody>
+          <a:bodyPr>
+            <a:normAutofit fontScale="70000" lnSpcReduction="20000"/>
+          </a:bodyPr>
+          <a:lstStyle/>
+          <a:p>
+            <a:r>
+              <a:rPr lang="en-US" dirty="0"/>
+              <a:t>To end a </a:t>
+            </a:r>
+            <a:r>
+              <a:rPr lang="en-US" b="1" dirty="0"/>
+              <a:t>while</a:t>
+            </a:r>
+            <a:r>
+              <a:rPr lang="en-US" dirty="0"/>
+              <a:t> loop prematurely, the </a:t>
+            </a:r>
+            <a:r>
+              <a:rPr lang="en-US" b="1" dirty="0"/>
+              <a:t>break</a:t>
+            </a:r>
+            <a:r>
+              <a:rPr lang="en-US" dirty="0"/>
+              <a:t> statement can be used. </a:t>
+            </a:r>
+            <a:br>
+              <a:rPr lang="en-US" dirty="0"/>
+            </a:br>
+            <a:r>
+              <a:rPr lang="en-US" dirty="0"/>
+              <a:t>When encountered inside a loop, the </a:t>
+            </a:r>
+            <a:r>
+              <a:rPr lang="en-US" b="1" dirty="0"/>
+              <a:t>break </a:t>
+            </a:r>
+            <a:r>
+              <a:rPr lang="en-US" dirty="0"/>
+              <a:t>statement causes the loop to finish immediately.</a:t>
+            </a:r>
+          </a:p>
+          <a:p>
+            <a:pPr marL="0" indent="0">
+              <a:buNone/>
+            </a:pPr>
+            <a:r>
+              <a:rPr lang="en-US" dirty="0" err="1"/>
+              <a:t>i</a:t>
+            </a:r>
+            <a:r>
+              <a:rPr lang="en-US" dirty="0"/>
+              <a:t>=0</a:t>
+            </a:r>
+          </a:p>
+          <a:p>
+            <a:pPr marL="0" indent="0">
+              <a:buNone/>
+            </a:pPr>
+            <a:r>
+              <a:rPr lang="en-US" dirty="0"/>
+              <a:t>while 1==1:</a:t>
+            </a:r>
+          </a:p>
+          <a:p>
+            <a:pPr marL="0" indent="0">
+              <a:buNone/>
+            </a:pPr>
+            <a:r>
+              <a:rPr lang="en-US" dirty="0"/>
+              <a:t>    print (</a:t>
+            </a:r>
+            <a:r>
+              <a:rPr lang="en-US" dirty="0" err="1"/>
+              <a:t>i</a:t>
+            </a:r>
+            <a:r>
+              <a:rPr lang="en-US" dirty="0"/>
+              <a:t>)</a:t>
+            </a:r>
+          </a:p>
+          <a:p>
+            <a:pPr marL="0" indent="0">
+              <a:buNone/>
+            </a:pPr>
+            <a:r>
+              <a:rPr lang="en-US" dirty="0"/>
+              <a:t>    </a:t>
+            </a:r>
+            <a:r>
+              <a:rPr lang="en-US" dirty="0" err="1"/>
+              <a:t>i</a:t>
+            </a:r>
+            <a:r>
+              <a:rPr lang="en-US" dirty="0"/>
+              <a:t>=i+1</a:t>
+            </a:r>
+          </a:p>
+          <a:p>
+            <a:pPr marL="0" indent="0">
+              <a:buNone/>
+            </a:pPr>
+            <a:r>
+              <a:rPr lang="en-US" dirty="0"/>
+              <a:t>    if </a:t>
+            </a:r>
+            <a:r>
+              <a:rPr lang="en-US" dirty="0" err="1"/>
+              <a:t>i</a:t>
+            </a:r>
+            <a:r>
+              <a:rPr lang="en-US" dirty="0"/>
+              <a:t>&gt;5:</a:t>
+            </a:r>
+          </a:p>
+          <a:p>
+            <a:pPr marL="0" indent="0">
+              <a:buNone/>
+            </a:pPr>
+            <a:r>
+              <a:rPr lang="en-US" dirty="0"/>
+              <a:t>        print ("breaking")</a:t>
+            </a:r>
+          </a:p>
+          <a:p>
+            <a:pPr marL="0" indent="0">
+              <a:buNone/>
+            </a:pPr>
+            <a:r>
+              <a:rPr lang="en-US" dirty="0"/>
+              <a:t>        break</a:t>
+            </a:r>
+          </a:p>
+          <a:p>
+            <a:pPr marL="0" indent="0">
+              <a:buNone/>
+            </a:pPr>
+            <a:r>
+              <a:rPr lang="en-US" dirty="0"/>
+              <a:t>        print ("after break")</a:t>
+            </a:r>
+          </a:p>
+          <a:p>
+            <a:pPr marL="0" indent="0">
+              <a:buNone/>
+            </a:pPr>
+            <a:endParaRPr lang="en-US" dirty="0"/>
+          </a:p>
+          <a:p>
+            <a:pPr marL="0" indent="0">
+              <a:buNone/>
+            </a:pPr>
+            <a:r>
+              <a:rPr lang="en-US" dirty="0"/>
+              <a:t>print ("finished")</a:t>
+            </a:r>
+          </a:p>
+        </p:txBody>
+      </p:sp>
+    </p:spTree>
+    <p:extLst>
+      <p:ext uri="{BB962C8B-B14F-4D97-AF65-F5344CB8AC3E}">
+        <p14:creationId xmlns:p14="http://schemas.microsoft.com/office/powerpoint/2010/main" val="2024241003"/>
+      </p:ext>
+    </p:extLst>
+  </p:cSld>
+  <p:clrMapOvr>
+    <a:masterClrMapping/>
+  </p:clrMapOvr>
+</p:sld>
+</file>
+
+<file path=ppt/slides/slide28.xml><?xml version="1.0" encoding="utf-8"?>
+<p:sld xmlns:a="http://schemas.openxmlformats.org/drawingml/2006/main" xmlns:r="http://schemas.openxmlformats.org/officeDocument/2006/relationships" xmlns:p="http://schemas.openxmlformats.org/presentationml/2006/main">
+  <p:cSld>
+    <p:spTree>
+      <p:nvGrpSpPr>
+        <p:cNvPr id="1" name=""/>
+        <p:cNvGrpSpPr/>
+        <p:nvPr/>
+      </p:nvGrpSpPr>
+      <p:grpSpPr>
+        <a:xfrm>
+          <a:off x="0" y="0"/>
+          <a:ext cx="0" cy="0"/>
+          <a:chOff x="0" y="0"/>
+          <a:chExt cx="0" cy="0"/>
+        </a:xfrm>
+      </p:grpSpPr>
+      <p:sp>
+        <p:nvSpPr>
+          <p:cNvPr id="2" name="Title 1">
+            <a:extLst>
+              <a:ext uri="{FF2B5EF4-FFF2-40B4-BE49-F238E27FC236}">
+                <a16:creationId xmlns:a16="http://schemas.microsoft.com/office/drawing/2014/main" id="{3D44F017-6C05-4038-9E46-EA736C0A9B2D}"/>
+              </a:ext>
+            </a:extLst>
+          </p:cNvPr>
+          <p:cNvSpPr>
+            <a:spLocks noGrp="1"/>
+          </p:cNvSpPr>
+          <p:nvPr>
+            <p:ph type="title"/>
+          </p:nvPr>
+        </p:nvSpPr>
+        <p:spPr>
+          <a:xfrm>
+            <a:off x="457200" y="274638"/>
+            <a:ext cx="8229600" cy="778098"/>
+          </a:xfrm>
+        </p:spPr>
+        <p:txBody>
+          <a:bodyPr/>
+          <a:lstStyle/>
+          <a:p>
+            <a:r>
+              <a:rPr lang="en-IE" b="1" dirty="0"/>
+              <a:t>continue</a:t>
+            </a:r>
+            <a:endParaRPr lang="en-IE" dirty="0"/>
+          </a:p>
+        </p:txBody>
+      </p:sp>
+      <p:sp>
+        <p:nvSpPr>
+          <p:cNvPr id="3" name="Content Placeholder 2">
+            <a:extLst>
+              <a:ext uri="{FF2B5EF4-FFF2-40B4-BE49-F238E27FC236}">
+                <a16:creationId xmlns:a16="http://schemas.microsoft.com/office/drawing/2014/main" id="{7F9DF4A1-B4B9-49A1-AACD-8BA263C14B31}"/>
+              </a:ext>
+            </a:extLst>
+          </p:cNvPr>
+          <p:cNvSpPr>
+            <a:spLocks noGrp="1"/>
+          </p:cNvSpPr>
+          <p:nvPr>
+            <p:ph idx="1"/>
+          </p:nvPr>
+        </p:nvSpPr>
+        <p:spPr>
+          <a:xfrm>
+            <a:off x="457200" y="1052736"/>
+            <a:ext cx="8229600" cy="5688632"/>
+          </a:xfrm>
+        </p:spPr>
+        <p:txBody>
+          <a:bodyPr>
+            <a:noAutofit/>
+          </a:bodyPr>
+          <a:lstStyle/>
+          <a:p>
+            <a:r>
+              <a:rPr lang="en-US" sz="2200" dirty="0"/>
+              <a:t>Another statement that can be used within loops is </a:t>
+            </a:r>
+            <a:r>
+              <a:rPr lang="en-US" sz="2200" b="1" dirty="0"/>
+              <a:t>continue</a:t>
+            </a:r>
+            <a:r>
+              <a:rPr lang="en-US" sz="2200" dirty="0"/>
+              <a:t>. </a:t>
+            </a:r>
+          </a:p>
+          <a:p>
+            <a:r>
+              <a:rPr lang="en-US" sz="2200" dirty="0"/>
+              <a:t>Unlike </a:t>
+            </a:r>
+            <a:r>
+              <a:rPr lang="en-US" sz="2200" b="1" dirty="0"/>
+              <a:t>break</a:t>
+            </a:r>
+            <a:r>
+              <a:rPr lang="en-US" sz="2200" dirty="0"/>
+              <a:t>, </a:t>
+            </a:r>
+            <a:r>
+              <a:rPr lang="en-US" sz="2200" b="1" dirty="0"/>
+              <a:t>continue </a:t>
+            </a:r>
+            <a:r>
+              <a:rPr lang="en-US" sz="2200" dirty="0"/>
+              <a:t>jumps back to the top of the loop, rather than stopping it.</a:t>
+            </a:r>
+          </a:p>
+          <a:p>
+            <a:pPr marL="0" indent="0">
+              <a:buNone/>
+            </a:pPr>
+            <a:r>
+              <a:rPr lang="en-US" sz="2200" dirty="0" err="1"/>
+              <a:t>i</a:t>
+            </a:r>
+            <a:r>
+              <a:rPr lang="en-US" sz="2200" dirty="0"/>
+              <a:t> = 0</a:t>
+            </a:r>
+          </a:p>
+          <a:p>
+            <a:pPr marL="0" indent="0">
+              <a:buNone/>
+            </a:pPr>
+            <a:r>
+              <a:rPr lang="en-US" sz="2200" dirty="0"/>
+              <a:t>while True:</a:t>
+            </a:r>
+          </a:p>
+          <a:p>
+            <a:pPr marL="0" indent="0">
+              <a:buNone/>
+            </a:pPr>
+            <a:r>
+              <a:rPr lang="en-US" sz="2200" dirty="0"/>
+              <a:t>   </a:t>
+            </a:r>
+            <a:r>
+              <a:rPr lang="en-US" sz="2200" dirty="0" err="1"/>
+              <a:t>i</a:t>
+            </a:r>
+            <a:r>
+              <a:rPr lang="en-US" sz="2200" dirty="0"/>
+              <a:t> = </a:t>
+            </a:r>
+            <a:r>
+              <a:rPr lang="en-US" sz="2200" dirty="0" err="1"/>
+              <a:t>i</a:t>
+            </a:r>
+            <a:r>
+              <a:rPr lang="en-US" sz="2200" dirty="0"/>
+              <a:t> +1</a:t>
+            </a:r>
+          </a:p>
+          <a:p>
+            <a:pPr marL="0" indent="0">
+              <a:buNone/>
+            </a:pPr>
+            <a:r>
+              <a:rPr lang="en-US" sz="2200" dirty="0"/>
+              <a:t>   if </a:t>
+            </a:r>
+            <a:r>
+              <a:rPr lang="en-US" sz="2200" dirty="0" err="1"/>
+              <a:t>i</a:t>
+            </a:r>
+            <a:r>
+              <a:rPr lang="en-US" sz="2200" dirty="0"/>
+              <a:t> == 2:</a:t>
+            </a:r>
+          </a:p>
+          <a:p>
+            <a:pPr marL="0" indent="0">
+              <a:buNone/>
+            </a:pPr>
+            <a:r>
+              <a:rPr lang="en-US" sz="2200" dirty="0"/>
+              <a:t>      print("Skipping 2")</a:t>
+            </a:r>
+          </a:p>
+          <a:p>
+            <a:pPr marL="0" indent="0">
+              <a:buNone/>
+            </a:pPr>
+            <a:r>
+              <a:rPr lang="en-US" sz="2200" dirty="0"/>
+              <a:t>      continue</a:t>
+            </a:r>
+          </a:p>
+          <a:p>
+            <a:pPr marL="0" indent="0">
+              <a:buNone/>
+            </a:pPr>
+            <a:r>
+              <a:rPr lang="en-US" sz="2200" dirty="0"/>
+              <a:t>   if </a:t>
+            </a:r>
+            <a:r>
+              <a:rPr lang="en-US" sz="2200" dirty="0" err="1"/>
+              <a:t>i</a:t>
+            </a:r>
+            <a:r>
+              <a:rPr lang="en-US" sz="2200" dirty="0"/>
+              <a:t> == 5:</a:t>
+            </a:r>
+          </a:p>
+          <a:p>
+            <a:pPr marL="0" indent="0">
+              <a:buNone/>
+            </a:pPr>
+            <a:r>
+              <a:rPr lang="en-US" sz="2200" dirty="0"/>
+              <a:t>      print("Breaking")</a:t>
+            </a:r>
+          </a:p>
+          <a:p>
+            <a:pPr marL="0" indent="0">
+              <a:buNone/>
+            </a:pPr>
+            <a:r>
+              <a:rPr lang="en-US" sz="2200" dirty="0"/>
+              <a:t>      break</a:t>
+            </a:r>
+          </a:p>
+          <a:p>
+            <a:pPr marL="0" indent="0">
+              <a:buNone/>
+            </a:pPr>
+            <a:r>
+              <a:rPr lang="en-US" sz="2200" dirty="0"/>
+              <a:t>   print(</a:t>
+            </a:r>
+            <a:r>
+              <a:rPr lang="en-US" sz="2200" dirty="0" err="1"/>
+              <a:t>i</a:t>
+            </a:r>
+            <a:r>
+              <a:rPr lang="en-US" sz="2200" dirty="0"/>
+              <a:t>)</a:t>
+            </a:r>
+          </a:p>
+          <a:p>
+            <a:pPr marL="0" indent="0">
+              <a:buNone/>
+            </a:pPr>
+            <a:r>
+              <a:rPr lang="en-US" sz="2200" dirty="0"/>
+              <a:t>print("Finished")</a:t>
+            </a:r>
+            <a:endParaRPr lang="en-IE" sz="2200" dirty="0"/>
+          </a:p>
+        </p:txBody>
+      </p:sp>
+    </p:spTree>
+    <p:extLst>
+      <p:ext uri="{BB962C8B-B14F-4D97-AF65-F5344CB8AC3E}">
+        <p14:creationId xmlns:p14="http://schemas.microsoft.com/office/powerpoint/2010/main" val="2751175887"/>
+      </p:ext>
+    </p:extLst>
+  </p:cSld>
+  <p:clrMapOvr>
+    <a:masterClrMapping/>
+  </p:clrMapOvr>
+</p:sld>
+</file>
+
+<file path=ppt/slides/slide29.xml><?xml version="1.0" encoding="utf-8"?>
+<p:sld xmlns:a="http://schemas.openxmlformats.org/drawingml/2006/main" xmlns:r="http://schemas.openxmlformats.org/officeDocument/2006/relationships" xmlns:p="http://schemas.openxmlformats.org/presentationml/2006/main">
+  <p:cSld>
+    <p:spTree>
+      <p:nvGrpSpPr>
+        <p:cNvPr id="1" name=""/>
+        <p:cNvGrpSpPr/>
+        <p:nvPr/>
+      </p:nvGrpSpPr>
+      <p:grpSpPr>
+        <a:xfrm>
+          <a:off x="0" y="0"/>
+          <a:ext cx="0" cy="0"/>
+          <a:chOff x="0" y="0"/>
+          <a:chExt cx="0" cy="0"/>
+        </a:xfrm>
+      </p:grpSpPr>
+      <p:sp>
+        <p:nvSpPr>
+          <p:cNvPr id="2" name="Title 1">
+            <a:extLst>
+              <a:ext uri="{FF2B5EF4-FFF2-40B4-BE49-F238E27FC236}">
+                <a16:creationId xmlns:a16="http://schemas.microsoft.com/office/drawing/2014/main" id="{08C64DD6-B039-4691-8EA3-84BC05CF6CB2}"/>
+              </a:ext>
+            </a:extLst>
+          </p:cNvPr>
+          <p:cNvSpPr>
+            <a:spLocks noGrp="1"/>
+          </p:cNvSpPr>
+          <p:nvPr>
+            <p:ph type="title"/>
+          </p:nvPr>
+        </p:nvSpPr>
+        <p:spPr/>
+        <p:txBody>
+          <a:bodyPr/>
+          <a:lstStyle/>
+          <a:p>
+            <a:r>
+              <a:rPr lang="en-IE" b="1" dirty="0"/>
+              <a:t>Lists</a:t>
+            </a:r>
+            <a:endParaRPr lang="en-IE" dirty="0"/>
+          </a:p>
+        </p:txBody>
+      </p:sp>
+      <p:sp>
+        <p:nvSpPr>
+          <p:cNvPr id="3" name="Content Placeholder 2">
+            <a:extLst>
+              <a:ext uri="{FF2B5EF4-FFF2-40B4-BE49-F238E27FC236}">
+                <a16:creationId xmlns:a16="http://schemas.microsoft.com/office/drawing/2014/main" id="{70D85980-80EF-4CEB-AB40-0203AD64ED8E}"/>
+              </a:ext>
+            </a:extLst>
+          </p:cNvPr>
+          <p:cNvSpPr>
+            <a:spLocks noGrp="1"/>
+          </p:cNvSpPr>
+          <p:nvPr>
+            <p:ph idx="1"/>
+          </p:nvPr>
+        </p:nvSpPr>
+        <p:spPr/>
+        <p:txBody>
+          <a:bodyPr>
+            <a:normAutofit/>
+          </a:bodyPr>
+          <a:lstStyle/>
+          <a:p>
+            <a:r>
+              <a:rPr lang="en-US" sz="2200" b="1" dirty="0"/>
+              <a:t>Lists </a:t>
+            </a:r>
+            <a:r>
+              <a:rPr lang="en-US" sz="2200" dirty="0"/>
+              <a:t>are another type of object in Python. They are used to store an indexed list of items. </a:t>
+            </a:r>
+            <a:br>
+              <a:rPr lang="en-US" sz="2200" dirty="0"/>
+            </a:br>
+            <a:r>
+              <a:rPr lang="en-US" sz="2200" dirty="0"/>
+              <a:t>A list is created using </a:t>
+            </a:r>
+            <a:r>
+              <a:rPr lang="en-US" sz="2200" b="1" dirty="0"/>
+              <a:t>square brackets</a:t>
+            </a:r>
+            <a:r>
+              <a:rPr lang="en-US" sz="2200" dirty="0"/>
+              <a:t> with </a:t>
+            </a:r>
+            <a:r>
+              <a:rPr lang="en-US" sz="2200" b="1" dirty="0"/>
+              <a:t>commas </a:t>
+            </a:r>
+            <a:r>
+              <a:rPr lang="en-US" sz="2200" dirty="0"/>
+              <a:t>separating items.</a:t>
+            </a:r>
+            <a:br>
+              <a:rPr lang="en-US" sz="2200" dirty="0"/>
+            </a:br>
+            <a:r>
+              <a:rPr lang="en-US" sz="2200" dirty="0"/>
+              <a:t>The certain item in the list can be accessed by using its index in square brackets.</a:t>
+            </a:r>
+          </a:p>
+          <a:p>
+            <a:pPr marL="0" indent="0">
+              <a:buNone/>
+            </a:pPr>
+            <a:r>
+              <a:rPr lang="en-US" dirty="0"/>
+              <a:t>words = ["Hello", "world", "!"]</a:t>
+            </a:r>
+            <a:br>
+              <a:rPr lang="en-US" sz="2400" dirty="0"/>
+            </a:br>
+            <a:r>
+              <a:rPr lang="en-US" dirty="0"/>
+              <a:t>print(words[0])</a:t>
+            </a:r>
+            <a:br>
+              <a:rPr lang="en-US" sz="2400" dirty="0"/>
+            </a:br>
+            <a:r>
+              <a:rPr lang="en-US" dirty="0"/>
+              <a:t>print(words[1])</a:t>
+            </a:r>
+            <a:br>
+              <a:rPr lang="en-US" sz="2400" dirty="0"/>
+            </a:br>
+            <a:r>
+              <a:rPr lang="en-US" dirty="0"/>
+              <a:t>print(words[2])</a:t>
+            </a:r>
+            <a:endParaRPr lang="en-IE" sz="2200" dirty="0"/>
+          </a:p>
+        </p:txBody>
+      </p:sp>
+    </p:spTree>
+    <p:extLst>
+      <p:ext uri="{BB962C8B-B14F-4D97-AF65-F5344CB8AC3E}">
+        <p14:creationId xmlns:p14="http://schemas.microsoft.com/office/powerpoint/2010/main" val="1881838362"/>
       </p:ext>
     </p:extLst>
   </p:cSld>

--- a/What is Python.pptx
+++ b/What is Python.pptx
@@ -5,7 +5,7 @@
     <p:sldMasterId id="2147483648" r:id="rId1"/>
   </p:sldMasterIdLst>
   <p:notesMasterIdLst>
-    <p:notesMasterId r:id="rId23"/>
+    <p:notesMasterId r:id="rId55"/>
   </p:notesMasterIdLst>
   <p:sldIdLst>
     <p:sldId id="256" r:id="rId2"/>
@@ -29,6 +29,38 @@
     <p:sldId id="274" r:id="rId20"/>
     <p:sldId id="275" r:id="rId21"/>
     <p:sldId id="276" r:id="rId22"/>
+    <p:sldId id="277" r:id="rId23"/>
+    <p:sldId id="278" r:id="rId24"/>
+    <p:sldId id="279" r:id="rId25"/>
+    <p:sldId id="280" r:id="rId26"/>
+    <p:sldId id="281" r:id="rId27"/>
+    <p:sldId id="282" r:id="rId28"/>
+    <p:sldId id="283" r:id="rId29"/>
+    <p:sldId id="284" r:id="rId30"/>
+    <p:sldId id="285" r:id="rId31"/>
+    <p:sldId id="286" r:id="rId32"/>
+    <p:sldId id="287" r:id="rId33"/>
+    <p:sldId id="288" r:id="rId34"/>
+    <p:sldId id="289" r:id="rId35"/>
+    <p:sldId id="290" r:id="rId36"/>
+    <p:sldId id="301" r:id="rId37"/>
+    <p:sldId id="302" r:id="rId38"/>
+    <p:sldId id="303" r:id="rId39"/>
+    <p:sldId id="304" r:id="rId40"/>
+    <p:sldId id="291" r:id="rId41"/>
+    <p:sldId id="292" r:id="rId42"/>
+    <p:sldId id="293" r:id="rId43"/>
+    <p:sldId id="294" r:id="rId44"/>
+    <p:sldId id="295" r:id="rId45"/>
+    <p:sldId id="296" r:id="rId46"/>
+    <p:sldId id="297" r:id="rId47"/>
+    <p:sldId id="298" r:id="rId48"/>
+    <p:sldId id="299" r:id="rId49"/>
+    <p:sldId id="300" r:id="rId50"/>
+    <p:sldId id="305" r:id="rId51"/>
+    <p:sldId id="306" r:id="rId52"/>
+    <p:sldId id="307" r:id="rId53"/>
+    <p:sldId id="308" r:id="rId54"/>
   </p:sldIdLst>
   <p:sldSz cx="9144000" cy="6858000" type="screen4x3"/>
   <p:notesSz cx="6858000" cy="9144000"/>
@@ -129,7 +161,7 @@
   </p:defaultTextStyle>
   <p:extLst>
     <p:ext uri="{EFAFB233-063F-42B5-8137-9DF3F51BA10A}">
-      <p15:sldGuideLst xmlns:p15="http://schemas.microsoft.com/office/powerpoint/2012/main">
+      <p15:sldGuideLst xmlns:p15="http://schemas.microsoft.com/office/powerpoint/2012/main" xmlns="">
         <p15:guide id="1" orient="horz" pos="2160">
           <p15:clr>
             <a:srgbClr val="A4A3A4"/>
@@ -144,10 +176,6 @@
     </p:ext>
   </p:extLst>
 </p:presentation>
-</file>
-
-<file path=ppt/revisionInfo.xml><?xml version="1.0" encoding="utf-8"?>
-<p1510:revInfo xmlns:a="http://schemas.openxmlformats.org/drawingml/2006/main" xmlns:r="http://schemas.openxmlformats.org/officeDocument/2006/relationships" xmlns:p1510="http://schemas.microsoft.com/office/powerpoint/2015/10/main"/>
 </file>
 
 <file path=ppt/notesMasters/notesMaster1.xml><?xml version="1.0" encoding="utf-8"?>
@@ -232,7 +260,7 @@
           <a:p>
             <a:fld id="{78A1ACCA-0670-4AB6-8808-B54F3B10A969}" type="datetimeFigureOut">
               <a:rPr lang="zh-CN" altLang="en-US" smtClean="0"/>
-              <a:t>2018/9/29</a:t>
+              <a:t>2018/11/18</a:t>
             </a:fld>
             <a:endParaRPr lang="zh-CN" altLang="en-US"/>
           </a:p>
@@ -762,7 +790,7 @@
           <a:p>
             <a:fld id="{B0CC54DC-89A8-4FF9-9ED8-F10BF8BEA781}" type="datetimeFigureOut">
               <a:rPr lang="zh-CN" altLang="en-US" smtClean="0"/>
-              <a:t>2018/9/29</a:t>
+              <a:t>2018/11/18</a:t>
             </a:fld>
             <a:endParaRPr lang="zh-CN" altLang="en-US"/>
           </a:p>
@@ -930,7 +958,7 @@
           <a:p>
             <a:fld id="{B0CC54DC-89A8-4FF9-9ED8-F10BF8BEA781}" type="datetimeFigureOut">
               <a:rPr lang="zh-CN" altLang="en-US" smtClean="0"/>
-              <a:t>2018/9/29</a:t>
+              <a:t>2018/11/18</a:t>
             </a:fld>
             <a:endParaRPr lang="zh-CN" altLang="en-US"/>
           </a:p>
@@ -1108,7 +1136,7 @@
           <a:p>
             <a:fld id="{B0CC54DC-89A8-4FF9-9ED8-F10BF8BEA781}" type="datetimeFigureOut">
               <a:rPr lang="zh-CN" altLang="en-US" smtClean="0"/>
-              <a:t>2018/9/29</a:t>
+              <a:t>2018/11/18</a:t>
             </a:fld>
             <a:endParaRPr lang="zh-CN" altLang="en-US"/>
           </a:p>
@@ -1276,7 +1304,7 @@
           <a:p>
             <a:fld id="{B0CC54DC-89A8-4FF9-9ED8-F10BF8BEA781}" type="datetimeFigureOut">
               <a:rPr lang="zh-CN" altLang="en-US" smtClean="0"/>
-              <a:t>2018/9/29</a:t>
+              <a:t>2018/11/18</a:t>
             </a:fld>
             <a:endParaRPr lang="zh-CN" altLang="en-US"/>
           </a:p>
@@ -1521,7 +1549,7 @@
           <a:p>
             <a:fld id="{B0CC54DC-89A8-4FF9-9ED8-F10BF8BEA781}" type="datetimeFigureOut">
               <a:rPr lang="zh-CN" altLang="en-US" smtClean="0"/>
-              <a:t>2018/9/29</a:t>
+              <a:t>2018/11/18</a:t>
             </a:fld>
             <a:endParaRPr lang="zh-CN" altLang="en-US"/>
           </a:p>
@@ -1806,7 +1834,7 @@
           <a:p>
             <a:fld id="{B0CC54DC-89A8-4FF9-9ED8-F10BF8BEA781}" type="datetimeFigureOut">
               <a:rPr lang="zh-CN" altLang="en-US" smtClean="0"/>
-              <a:t>2018/9/29</a:t>
+              <a:t>2018/11/18</a:t>
             </a:fld>
             <a:endParaRPr lang="zh-CN" altLang="en-US"/>
           </a:p>
@@ -2225,7 +2253,7 @@
           <a:p>
             <a:fld id="{B0CC54DC-89A8-4FF9-9ED8-F10BF8BEA781}" type="datetimeFigureOut">
               <a:rPr lang="zh-CN" altLang="en-US" smtClean="0"/>
-              <a:t>2018/9/29</a:t>
+              <a:t>2018/11/18</a:t>
             </a:fld>
             <a:endParaRPr lang="zh-CN" altLang="en-US"/>
           </a:p>
@@ -2342,7 +2370,7 @@
           <a:p>
             <a:fld id="{B0CC54DC-89A8-4FF9-9ED8-F10BF8BEA781}" type="datetimeFigureOut">
               <a:rPr lang="zh-CN" altLang="en-US" smtClean="0"/>
-              <a:t>2018/9/29</a:t>
+              <a:t>2018/11/18</a:t>
             </a:fld>
             <a:endParaRPr lang="zh-CN" altLang="en-US"/>
           </a:p>
@@ -2437,7 +2465,7 @@
           <a:p>
             <a:fld id="{B0CC54DC-89A8-4FF9-9ED8-F10BF8BEA781}" type="datetimeFigureOut">
               <a:rPr lang="zh-CN" altLang="en-US" smtClean="0"/>
-              <a:t>2018/9/29</a:t>
+              <a:t>2018/11/18</a:t>
             </a:fld>
             <a:endParaRPr lang="zh-CN" altLang="en-US"/>
           </a:p>
@@ -2712,7 +2740,7 @@
           <a:p>
             <a:fld id="{B0CC54DC-89A8-4FF9-9ED8-F10BF8BEA781}" type="datetimeFigureOut">
               <a:rPr lang="zh-CN" altLang="en-US" smtClean="0"/>
-              <a:t>2018/9/29</a:t>
+              <a:t>2018/11/18</a:t>
             </a:fld>
             <a:endParaRPr lang="zh-CN" altLang="en-US"/>
           </a:p>
@@ -2964,7 +2992,7 @@
           <a:p>
             <a:fld id="{B0CC54DC-89A8-4FF9-9ED8-F10BF8BEA781}" type="datetimeFigureOut">
               <a:rPr lang="zh-CN" altLang="en-US" smtClean="0"/>
-              <a:t>2018/9/29</a:t>
+              <a:t>2018/11/18</a:t>
             </a:fld>
             <a:endParaRPr lang="zh-CN" altLang="en-US"/>
           </a:p>
@@ -3175,7 +3203,7 @@
           <a:p>
             <a:fld id="{B0CC54DC-89A8-4FF9-9ED8-F10BF8BEA781}" type="datetimeFigureOut">
               <a:rPr lang="zh-CN" altLang="en-US" smtClean="0"/>
-              <a:t>2018/9/29</a:t>
+              <a:t>2018/11/18</a:t>
             </a:fld>
             <a:endParaRPr lang="zh-CN" altLang="en-US"/>
           </a:p>
@@ -3623,6 +3651,14 @@
                 </a:solidFill>
               </a:rPr>
             </a:br>
+            <a:r>
+              <a:rPr lang="en-US" altLang="zh-CN" dirty="0">
+                <a:solidFill>
+                  <a:schemeClr val="tx1"/>
+                </a:solidFill>
+              </a:rPr>
+              <a:t/>
+            </a:r>
             <a:br>
               <a:rPr lang="en-US" altLang="zh-CN" dirty="0">
                 <a:solidFill>
@@ -4467,7 +4503,7 @@
           <p:cNvPr id="2" name="Title 1">
             <a:extLst>
               <a:ext uri="{FF2B5EF4-FFF2-40B4-BE49-F238E27FC236}">
-                <a16:creationId xmlns:a16="http://schemas.microsoft.com/office/drawing/2014/main" id="{5DF74792-A19C-400D-AA89-05C6D9291BB1}"/>
+                <a16:creationId xmlns:a16="http://schemas.microsoft.com/office/drawing/2014/main" xmlns="" id="{5DF74792-A19C-400D-AA89-05C6D9291BB1}"/>
               </a:ext>
             </a:extLst>
           </p:cNvPr>
@@ -4496,7 +4532,7 @@
           <p:cNvPr id="3" name="Content Placeholder 2">
             <a:extLst>
               <a:ext uri="{FF2B5EF4-FFF2-40B4-BE49-F238E27FC236}">
-                <a16:creationId xmlns:a16="http://schemas.microsoft.com/office/drawing/2014/main" id="{90DA33D6-F68D-4967-95F4-F8971F532915}"/>
+                <a16:creationId xmlns:a16="http://schemas.microsoft.com/office/drawing/2014/main" xmlns="" id="{90DA33D6-F68D-4967-95F4-F8971F532915}"/>
               </a:ext>
             </a:extLst>
           </p:cNvPr>
@@ -4608,7 +4644,7 @@
           <p:cNvPr id="2" name="Title 1">
             <a:extLst>
               <a:ext uri="{FF2B5EF4-FFF2-40B4-BE49-F238E27FC236}">
-                <a16:creationId xmlns:a16="http://schemas.microsoft.com/office/drawing/2014/main" id="{1CC9C312-69AF-45FD-A0A0-CCCB871C1FE5}"/>
+                <a16:creationId xmlns:a16="http://schemas.microsoft.com/office/drawing/2014/main" xmlns="" id="{1CC9C312-69AF-45FD-A0A0-CCCB871C1FE5}"/>
               </a:ext>
             </a:extLst>
           </p:cNvPr>
@@ -4637,7 +4673,7 @@
           <p:cNvPr id="3" name="Content Placeholder 2">
             <a:extLst>
               <a:ext uri="{FF2B5EF4-FFF2-40B4-BE49-F238E27FC236}">
-                <a16:creationId xmlns:a16="http://schemas.microsoft.com/office/drawing/2014/main" id="{CA1BD2F2-CA64-4AC4-9CEF-D3C9F79D5685}"/>
+                <a16:creationId xmlns:a16="http://schemas.microsoft.com/office/drawing/2014/main" xmlns="" id="{CA1BD2F2-CA64-4AC4-9CEF-D3C9F79D5685}"/>
               </a:ext>
             </a:extLst>
           </p:cNvPr>
@@ -4776,7 +4812,7 @@
           <p:cNvPr id="2" name="Title 1">
             <a:extLst>
               <a:ext uri="{FF2B5EF4-FFF2-40B4-BE49-F238E27FC236}">
-                <a16:creationId xmlns:a16="http://schemas.microsoft.com/office/drawing/2014/main" id="{C3CEB4BB-F58C-44F0-A48F-32B308F30E1B}"/>
+                <a16:creationId xmlns:a16="http://schemas.microsoft.com/office/drawing/2014/main" xmlns="" id="{C3CEB4BB-F58C-44F0-A48F-32B308F30E1B}"/>
               </a:ext>
             </a:extLst>
           </p:cNvPr>
@@ -4805,7 +4841,7 @@
           <p:cNvPr id="3" name="Content Placeholder 2">
             <a:extLst>
               <a:ext uri="{FF2B5EF4-FFF2-40B4-BE49-F238E27FC236}">
-                <a16:creationId xmlns:a16="http://schemas.microsoft.com/office/drawing/2014/main" id="{2E58313B-2D12-4ABF-96B3-A226EEFFBF09}"/>
+                <a16:creationId xmlns:a16="http://schemas.microsoft.com/office/drawing/2014/main" xmlns="" id="{2E58313B-2D12-4ABF-96B3-A226EEFFBF09}"/>
               </a:ext>
             </a:extLst>
           </p:cNvPr>
@@ -4921,7 +4957,7 @@
           <p:cNvPr id="2" name="Title 1">
             <a:extLst>
               <a:ext uri="{FF2B5EF4-FFF2-40B4-BE49-F238E27FC236}">
-                <a16:creationId xmlns:a16="http://schemas.microsoft.com/office/drawing/2014/main" id="{3662B262-6BB7-4036-AE91-B6FDD7BBEEAA}"/>
+                <a16:creationId xmlns:a16="http://schemas.microsoft.com/office/drawing/2014/main" xmlns="" id="{3662B262-6BB7-4036-AE91-B6FDD7BBEEAA}"/>
               </a:ext>
             </a:extLst>
           </p:cNvPr>
@@ -4950,7 +4986,7 @@
           <p:cNvPr id="3" name="Content Placeholder 2">
             <a:extLst>
               <a:ext uri="{FF2B5EF4-FFF2-40B4-BE49-F238E27FC236}">
-                <a16:creationId xmlns:a16="http://schemas.microsoft.com/office/drawing/2014/main" id="{EDA4155B-0B0C-4A1C-A961-DA202C2ED221}"/>
+                <a16:creationId xmlns:a16="http://schemas.microsoft.com/office/drawing/2014/main" xmlns="" id="{EDA4155B-0B0C-4A1C-A961-DA202C2ED221}"/>
               </a:ext>
             </a:extLst>
           </p:cNvPr>
@@ -5188,7 +5224,7 @@
           <p:cNvPr id="2" name="Title 1">
             <a:extLst>
               <a:ext uri="{FF2B5EF4-FFF2-40B4-BE49-F238E27FC236}">
-                <a16:creationId xmlns:a16="http://schemas.microsoft.com/office/drawing/2014/main" id="{8EF783C9-48F8-4F28-BD8C-24F565567931}"/>
+                <a16:creationId xmlns:a16="http://schemas.microsoft.com/office/drawing/2014/main" xmlns="" id="{8EF783C9-48F8-4F28-BD8C-24F565567931}"/>
               </a:ext>
             </a:extLst>
           </p:cNvPr>
@@ -5217,7 +5253,7 @@
           <p:cNvPr id="3" name="Content Placeholder 2">
             <a:extLst>
               <a:ext uri="{FF2B5EF4-FFF2-40B4-BE49-F238E27FC236}">
-                <a16:creationId xmlns:a16="http://schemas.microsoft.com/office/drawing/2014/main" id="{DB33174B-7AD3-4347-A5FD-100A61FD20CB}"/>
+                <a16:creationId xmlns:a16="http://schemas.microsoft.com/office/drawing/2014/main" xmlns="" id="{DB33174B-7AD3-4347-A5FD-100A61FD20CB}"/>
               </a:ext>
             </a:extLst>
           </p:cNvPr>
@@ -5231,7 +5267,7 @@
         <p:spPr/>
         <p:txBody>
           <a:bodyPr>
-            <a:normAutofit/>
+            <a:normAutofit fontScale="92500"/>
           </a:bodyPr>
           <a:lstStyle/>
           <a:p>
@@ -5253,7 +5289,15 @@
             </a:r>
             <a:r>
               <a:rPr lang="en-US" dirty="0"/>
-              <a:t>, some statements are carried out. Otherwise, they aren't carried out. </a:t>
+              <a:t>, some statements are carried out. Otherwise, they aren't carried out. Python uses </a:t>
+            </a:r>
+            <a:r>
+              <a:rPr lang="en-US" b="1" dirty="0"/>
+              <a:t>indentation </a:t>
+            </a:r>
+            <a:r>
+              <a:rPr lang="en-US" dirty="0"/>
+              <a:t>(white space at the beginning of a line) to delimit blocks of code. </a:t>
             </a:r>
           </a:p>
           <a:p>
@@ -5321,7 +5365,7 @@
           <p:cNvPr id="2" name="Title 1">
             <a:extLst>
               <a:ext uri="{FF2B5EF4-FFF2-40B4-BE49-F238E27FC236}">
-                <a16:creationId xmlns:a16="http://schemas.microsoft.com/office/drawing/2014/main" id="{F1EFD85B-6594-451A-8941-8CF7A08AE5F5}"/>
+                <a16:creationId xmlns:a16="http://schemas.microsoft.com/office/drawing/2014/main" xmlns="" id="{F1EFD85B-6594-451A-8941-8CF7A08AE5F5}"/>
               </a:ext>
             </a:extLst>
           </p:cNvPr>
@@ -5350,7 +5394,7 @@
           <p:cNvPr id="3" name="Content Placeholder 2">
             <a:extLst>
               <a:ext uri="{FF2B5EF4-FFF2-40B4-BE49-F238E27FC236}">
-                <a16:creationId xmlns:a16="http://schemas.microsoft.com/office/drawing/2014/main" id="{11768B79-F38A-4CCC-9AC2-DCDB7950A6AA}"/>
+                <a16:creationId xmlns:a16="http://schemas.microsoft.com/office/drawing/2014/main" xmlns="" id="{11768B79-F38A-4CCC-9AC2-DCDB7950A6AA}"/>
               </a:ext>
             </a:extLst>
           </p:cNvPr>
@@ -5363,9 +5407,96 @@
         </p:nvSpPr>
         <p:spPr/>
         <p:txBody>
-          <a:bodyPr/>
-          <a:lstStyle/>
-          <a:p>
+          <a:bodyPr>
+            <a:normAutofit fontScale="92500" lnSpcReduction="10000"/>
+          </a:bodyPr>
+          <a:lstStyle/>
+          <a:p>
+            <a:r>
+              <a:rPr lang="en-US" dirty="0"/>
+              <a:t>To perform more complex checks, </a:t>
+            </a:r>
+            <a:r>
+              <a:rPr lang="en-US" b="1" dirty="0"/>
+              <a:t>if</a:t>
+            </a:r>
+            <a:r>
+              <a:rPr lang="en-US" dirty="0"/>
+              <a:t> statements can be nested, one inside the other. This means that the inner </a:t>
+            </a:r>
+            <a:r>
+              <a:rPr lang="en-US" b="1" dirty="0"/>
+              <a:t>if</a:t>
+            </a:r>
+            <a:r>
+              <a:rPr lang="en-US" dirty="0"/>
+              <a:t> statement is the statement part of the outer one. This is one way to see whether multiple conditions are satisfied. </a:t>
+            </a:r>
+          </a:p>
+          <a:p>
+            <a:pPr marL="0" indent="0">
+              <a:buNone/>
+            </a:pPr>
+            <a:r>
+              <a:rPr lang="en-US" dirty="0" err="1"/>
+              <a:t>num</a:t>
+            </a:r>
+            <a:r>
+              <a:rPr lang="en-US" dirty="0"/>
+              <a:t> = 12</a:t>
+            </a:r>
+            <a:br>
+              <a:rPr lang="en-US" dirty="0"/>
+            </a:br>
+            <a:r>
+              <a:rPr lang="en-US" b="1" dirty="0"/>
+              <a:t>if</a:t>
+            </a:r>
+            <a:r>
+              <a:rPr lang="en-US" dirty="0"/>
+              <a:t> </a:t>
+            </a:r>
+            <a:r>
+              <a:rPr lang="en-US" dirty="0" err="1"/>
+              <a:t>num</a:t>
+            </a:r>
+            <a:r>
+              <a:rPr lang="en-US" dirty="0"/>
+              <a:t> &gt; 5:</a:t>
+            </a:r>
+            <a:br>
+              <a:rPr lang="en-US" dirty="0"/>
+            </a:br>
+            <a:r>
+              <a:rPr lang="en-US" dirty="0"/>
+              <a:t>print("Bigger than 5")</a:t>
+            </a:r>
+            <a:br>
+              <a:rPr lang="en-US" dirty="0"/>
+            </a:br>
+            <a:r>
+              <a:rPr lang="en-US" b="1" dirty="0"/>
+              <a:t>if</a:t>
+            </a:r>
+            <a:r>
+              <a:rPr lang="en-US" dirty="0"/>
+              <a:t> </a:t>
+            </a:r>
+            <a:r>
+              <a:rPr lang="en-US" dirty="0" err="1"/>
+              <a:t>num</a:t>
+            </a:r>
+            <a:r>
+              <a:rPr lang="en-US" dirty="0"/>
+              <a:t> &lt;=47:</a:t>
+            </a:r>
+            <a:br>
+              <a:rPr lang="en-US" dirty="0"/>
+            </a:br>
+            <a:r>
+              <a:rPr lang="en-US" dirty="0"/>
+              <a:t>print("Between 5 and 47")</a:t>
+            </a:r>
             <a:endParaRPr lang="en-IE" dirty="0"/>
           </a:p>
         </p:txBody>
@@ -5374,6 +5505,1838 @@
     <p:extLst>
       <p:ext uri="{BB962C8B-B14F-4D97-AF65-F5344CB8AC3E}">
         <p14:creationId xmlns:p14="http://schemas.microsoft.com/office/powerpoint/2010/main" val="2977070455"/>
+      </p:ext>
+    </p:extLst>
+  </p:cSld>
+  <p:clrMapOvr>
+    <a:masterClrMapping/>
+  </p:clrMapOvr>
+</p:sld>
+</file>
+
+<file path=ppt/slides/slide22.xml><?xml version="1.0" encoding="utf-8"?>
+<p:sld xmlns:a="http://schemas.openxmlformats.org/drawingml/2006/main" xmlns:r="http://schemas.openxmlformats.org/officeDocument/2006/relationships" xmlns:p="http://schemas.openxmlformats.org/presentationml/2006/main">
+  <p:cSld>
+    <p:spTree>
+      <p:nvGrpSpPr>
+        <p:cNvPr id="1" name=""/>
+        <p:cNvGrpSpPr/>
+        <p:nvPr/>
+      </p:nvGrpSpPr>
+      <p:grpSpPr>
+        <a:xfrm>
+          <a:off x="0" y="0"/>
+          <a:ext cx="0" cy="0"/>
+          <a:chOff x="0" y="0"/>
+          <a:chExt cx="0" cy="0"/>
+        </a:xfrm>
+      </p:grpSpPr>
+      <p:sp>
+        <p:nvSpPr>
+          <p:cNvPr id="2" name="Title 1">
+            <a:extLst>
+              <a:ext uri="{FF2B5EF4-FFF2-40B4-BE49-F238E27FC236}">
+                <a16:creationId xmlns:a16="http://schemas.microsoft.com/office/drawing/2014/main" xmlns="" id="{16ABCC5B-611C-4E84-AB42-FE67943BF513}"/>
+              </a:ext>
+            </a:extLst>
+          </p:cNvPr>
+          <p:cNvSpPr>
+            <a:spLocks noGrp="1"/>
+          </p:cNvSpPr>
+          <p:nvPr>
+            <p:ph type="title"/>
+          </p:nvPr>
+        </p:nvSpPr>
+        <p:spPr/>
+        <p:txBody>
+          <a:bodyPr/>
+          <a:lstStyle/>
+          <a:p>
+            <a:r>
+              <a:rPr lang="en-IE" b="1" dirty="0"/>
+              <a:t>else Statements</a:t>
+            </a:r>
+            <a:endParaRPr lang="en-IE" dirty="0"/>
+          </a:p>
+        </p:txBody>
+      </p:sp>
+      <p:sp>
+        <p:nvSpPr>
+          <p:cNvPr id="3" name="Content Placeholder 2">
+            <a:extLst>
+              <a:ext uri="{FF2B5EF4-FFF2-40B4-BE49-F238E27FC236}">
+                <a16:creationId xmlns:a16="http://schemas.microsoft.com/office/drawing/2014/main" xmlns="" id="{BA44EF3D-840C-445B-BE5A-79679F26DD41}"/>
+              </a:ext>
+            </a:extLst>
+          </p:cNvPr>
+          <p:cNvSpPr>
+            <a:spLocks noGrp="1"/>
+          </p:cNvSpPr>
+          <p:nvPr>
+            <p:ph idx="1"/>
+          </p:nvPr>
+        </p:nvSpPr>
+        <p:spPr/>
+        <p:txBody>
+          <a:bodyPr>
+            <a:normAutofit fontScale="92500"/>
+          </a:bodyPr>
+          <a:lstStyle/>
+          <a:p>
+            <a:r>
+              <a:rPr lang="en-US" dirty="0"/>
+              <a:t>An </a:t>
+            </a:r>
+            <a:r>
+              <a:rPr lang="en-US" b="1" dirty="0"/>
+              <a:t>else </a:t>
+            </a:r>
+            <a:r>
+              <a:rPr lang="en-US" dirty="0"/>
+              <a:t>statement follows an </a:t>
+            </a:r>
+            <a:r>
+              <a:rPr lang="en-US" b="1" dirty="0"/>
+              <a:t>if</a:t>
+            </a:r>
+            <a:r>
+              <a:rPr lang="en-US" dirty="0"/>
+              <a:t> statement, and contains code that is called when the if statement evaluates to </a:t>
+            </a:r>
+            <a:r>
+              <a:rPr lang="en-US" b="1" dirty="0"/>
+              <a:t>False</a:t>
+            </a:r>
+            <a:r>
+              <a:rPr lang="en-US" dirty="0"/>
+              <a:t>. As with </a:t>
+            </a:r>
+            <a:r>
+              <a:rPr lang="en-US" b="1" dirty="0"/>
+              <a:t>if</a:t>
+            </a:r>
+            <a:r>
+              <a:rPr lang="en-US" dirty="0"/>
+              <a:t> statements, the code inside the block should be indented.</a:t>
+            </a:r>
+          </a:p>
+          <a:p>
+            <a:pPr marL="0" indent="0">
+              <a:buNone/>
+            </a:pPr>
+            <a:r>
+              <a:rPr lang="en-US" dirty="0"/>
+              <a:t>x = 4</a:t>
+            </a:r>
+            <a:br>
+              <a:rPr lang="en-US" dirty="0"/>
+            </a:br>
+            <a:r>
+              <a:rPr lang="en-US" b="1" dirty="0"/>
+              <a:t>if</a:t>
+            </a:r>
+            <a:r>
+              <a:rPr lang="en-US" dirty="0"/>
+              <a:t> x == 5:</a:t>
+            </a:r>
+            <a:br>
+              <a:rPr lang="en-US" dirty="0"/>
+            </a:br>
+            <a:r>
+              <a:rPr lang="en-US" dirty="0"/>
+              <a:t>print("Yes, 4 equals 5")</a:t>
+            </a:r>
+            <a:br>
+              <a:rPr lang="en-US" dirty="0"/>
+            </a:br>
+            <a:r>
+              <a:rPr lang="en-US" b="1" dirty="0"/>
+              <a:t>else:</a:t>
+            </a:r>
+            <a:r>
+              <a:rPr lang="en-US" dirty="0"/>
+              <a:t/>
+            </a:r>
+            <a:br>
+              <a:rPr lang="en-US" dirty="0"/>
+            </a:br>
+            <a:r>
+              <a:rPr lang="en-US" dirty="0"/>
+              <a:t>print("No, 4 is not equals 5 ")</a:t>
+            </a:r>
+            <a:endParaRPr lang="en-IE" dirty="0"/>
+          </a:p>
+        </p:txBody>
+      </p:sp>
+    </p:spTree>
+    <p:extLst>
+      <p:ext uri="{BB962C8B-B14F-4D97-AF65-F5344CB8AC3E}">
+        <p14:creationId xmlns:p14="http://schemas.microsoft.com/office/powerpoint/2010/main" val="1346036746"/>
+      </p:ext>
+    </p:extLst>
+  </p:cSld>
+  <p:clrMapOvr>
+    <a:masterClrMapping/>
+  </p:clrMapOvr>
+</p:sld>
+</file>
+
+<file path=ppt/slides/slide23.xml><?xml version="1.0" encoding="utf-8"?>
+<p:sld xmlns:a="http://schemas.openxmlformats.org/drawingml/2006/main" xmlns:r="http://schemas.openxmlformats.org/officeDocument/2006/relationships" xmlns:p="http://schemas.openxmlformats.org/presentationml/2006/main">
+  <p:cSld>
+    <p:spTree>
+      <p:nvGrpSpPr>
+        <p:cNvPr id="1" name=""/>
+        <p:cNvGrpSpPr/>
+        <p:nvPr/>
+      </p:nvGrpSpPr>
+      <p:grpSpPr>
+        <a:xfrm>
+          <a:off x="0" y="0"/>
+          <a:ext cx="0" cy="0"/>
+          <a:chOff x="0" y="0"/>
+          <a:chExt cx="0" cy="0"/>
+        </a:xfrm>
+      </p:grpSpPr>
+      <p:sp>
+        <p:nvSpPr>
+          <p:cNvPr id="2" name="Title 1">
+            <a:extLst>
+              <a:ext uri="{FF2B5EF4-FFF2-40B4-BE49-F238E27FC236}">
+                <a16:creationId xmlns:a16="http://schemas.microsoft.com/office/drawing/2014/main" xmlns="" id="{D45A8502-0DD5-4CC9-ACEC-2090074AE4EC}"/>
+              </a:ext>
+            </a:extLst>
+          </p:cNvPr>
+          <p:cNvSpPr>
+            <a:spLocks noGrp="1"/>
+          </p:cNvSpPr>
+          <p:nvPr>
+            <p:ph type="title"/>
+          </p:nvPr>
+        </p:nvSpPr>
+        <p:spPr/>
+        <p:txBody>
+          <a:bodyPr/>
+          <a:lstStyle/>
+          <a:p>
+            <a:r>
+              <a:rPr lang="en-IE" b="1" dirty="0"/>
+              <a:t>else Statements</a:t>
+            </a:r>
+            <a:endParaRPr lang="en-IE" dirty="0"/>
+          </a:p>
+        </p:txBody>
+      </p:sp>
+      <p:sp>
+        <p:nvSpPr>
+          <p:cNvPr id="3" name="Content Placeholder 2">
+            <a:extLst>
+              <a:ext uri="{FF2B5EF4-FFF2-40B4-BE49-F238E27FC236}">
+                <a16:creationId xmlns:a16="http://schemas.microsoft.com/office/drawing/2014/main" xmlns="" id="{FB905481-2D47-43BA-BECE-B960AF5A35D6}"/>
+              </a:ext>
+            </a:extLst>
+          </p:cNvPr>
+          <p:cNvSpPr>
+            <a:spLocks noGrp="1"/>
+          </p:cNvSpPr>
+          <p:nvPr>
+            <p:ph idx="1"/>
+          </p:nvPr>
+        </p:nvSpPr>
+        <p:spPr/>
+        <p:txBody>
+          <a:bodyPr>
+            <a:normAutofit fontScale="70000" lnSpcReduction="20000"/>
+          </a:bodyPr>
+          <a:lstStyle/>
+          <a:p>
+            <a:r>
+              <a:rPr lang="en-US" dirty="0"/>
+              <a:t>You can chain </a:t>
+            </a:r>
+            <a:r>
+              <a:rPr lang="en-US" b="1" dirty="0"/>
+              <a:t>if</a:t>
+            </a:r>
+            <a:r>
+              <a:rPr lang="en-US" dirty="0"/>
+              <a:t> and </a:t>
+            </a:r>
+            <a:r>
+              <a:rPr lang="en-US" b="1" dirty="0"/>
+              <a:t>else</a:t>
+            </a:r>
+            <a:r>
+              <a:rPr lang="en-US" dirty="0"/>
+              <a:t> statements to determine which option in a series of possibilities is true. </a:t>
+            </a:r>
+            <a:r>
+              <a:rPr lang="en-US" b="1" dirty="0"/>
+              <a:t>For example:</a:t>
+            </a:r>
+          </a:p>
+          <a:p>
+            <a:pPr marL="0" indent="0">
+              <a:buNone/>
+            </a:pPr>
+            <a:r>
+              <a:rPr lang="en-US" b="1" dirty="0"/>
+              <a:t>x= 5</a:t>
+            </a:r>
+          </a:p>
+          <a:p>
+            <a:pPr marL="0" indent="0">
+              <a:buNone/>
+            </a:pPr>
+            <a:r>
+              <a:rPr lang="en-US" b="1" dirty="0"/>
+              <a:t>if x==6:</a:t>
+            </a:r>
+          </a:p>
+          <a:p>
+            <a:pPr marL="0" indent="0">
+              <a:buNone/>
+            </a:pPr>
+            <a:r>
+              <a:rPr lang="en-US" b="1" dirty="0"/>
+              <a:t>    print ('number is 6')</a:t>
+            </a:r>
+          </a:p>
+          <a:p>
+            <a:pPr marL="0" indent="0">
+              <a:buNone/>
+            </a:pPr>
+            <a:r>
+              <a:rPr lang="en-US" b="1" dirty="0"/>
+              <a:t>else:</a:t>
+            </a:r>
+          </a:p>
+          <a:p>
+            <a:pPr marL="0" indent="0">
+              <a:buNone/>
+            </a:pPr>
+            <a:r>
+              <a:rPr lang="en-US" b="1" dirty="0"/>
+              <a:t>    if x==7:</a:t>
+            </a:r>
+          </a:p>
+          <a:p>
+            <a:pPr marL="0" indent="0">
+              <a:buNone/>
+            </a:pPr>
+            <a:r>
+              <a:rPr lang="en-US" b="1" dirty="0"/>
+              <a:t>        print ('number is 7')</a:t>
+            </a:r>
+          </a:p>
+          <a:p>
+            <a:pPr marL="0" indent="0">
+              <a:buNone/>
+            </a:pPr>
+            <a:r>
+              <a:rPr lang="en-US" b="1" dirty="0"/>
+              <a:t>    else:</a:t>
+            </a:r>
+          </a:p>
+          <a:p>
+            <a:pPr marL="0" indent="0">
+              <a:buNone/>
+            </a:pPr>
+            <a:r>
+              <a:rPr lang="en-US" b="1" dirty="0"/>
+              <a:t>        if x==5:</a:t>
+            </a:r>
+          </a:p>
+          <a:p>
+            <a:pPr marL="0" indent="0">
+              <a:buNone/>
+            </a:pPr>
+            <a:r>
+              <a:rPr lang="en-US" b="1" dirty="0"/>
+              <a:t>            print ('number is 5')</a:t>
+            </a:r>
+          </a:p>
+          <a:p>
+            <a:pPr marL="0" indent="0">
+              <a:buNone/>
+            </a:pPr>
+            <a:r>
+              <a:rPr lang="en-US" b="1" dirty="0"/>
+              <a:t>        else:</a:t>
+            </a:r>
+          </a:p>
+          <a:p>
+            <a:pPr marL="0" indent="0">
+              <a:buNone/>
+            </a:pPr>
+            <a:r>
+              <a:rPr lang="en-US" b="1" dirty="0"/>
+              <a:t>            print ('number is not 6,7,5' )</a:t>
+            </a:r>
+          </a:p>
+        </p:txBody>
+      </p:sp>
+    </p:spTree>
+    <p:extLst>
+      <p:ext uri="{BB962C8B-B14F-4D97-AF65-F5344CB8AC3E}">
+        <p14:creationId xmlns:p14="http://schemas.microsoft.com/office/powerpoint/2010/main" val="159897539"/>
+      </p:ext>
+    </p:extLst>
+  </p:cSld>
+  <p:clrMapOvr>
+    <a:masterClrMapping/>
+  </p:clrMapOvr>
+</p:sld>
+</file>
+
+<file path=ppt/slides/slide24.xml><?xml version="1.0" encoding="utf-8"?>
+<p:sld xmlns:a="http://schemas.openxmlformats.org/drawingml/2006/main" xmlns:r="http://schemas.openxmlformats.org/officeDocument/2006/relationships" xmlns:p="http://schemas.openxmlformats.org/presentationml/2006/main">
+  <p:cSld>
+    <p:spTree>
+      <p:nvGrpSpPr>
+        <p:cNvPr id="1" name=""/>
+        <p:cNvGrpSpPr/>
+        <p:nvPr/>
+      </p:nvGrpSpPr>
+      <p:grpSpPr>
+        <a:xfrm>
+          <a:off x="0" y="0"/>
+          <a:ext cx="0" cy="0"/>
+          <a:chOff x="0" y="0"/>
+          <a:chExt cx="0" cy="0"/>
+        </a:xfrm>
+      </p:grpSpPr>
+      <p:sp>
+        <p:nvSpPr>
+          <p:cNvPr id="2" name="Title 1">
+            <a:extLst>
+              <a:ext uri="{FF2B5EF4-FFF2-40B4-BE49-F238E27FC236}">
+                <a16:creationId xmlns:a16="http://schemas.microsoft.com/office/drawing/2014/main" xmlns="" id="{EAB568C5-0809-4E54-A36C-43388F6A8E21}"/>
+              </a:ext>
+            </a:extLst>
+          </p:cNvPr>
+          <p:cNvSpPr>
+            <a:spLocks noGrp="1"/>
+          </p:cNvSpPr>
+          <p:nvPr>
+            <p:ph type="title"/>
+          </p:nvPr>
+        </p:nvSpPr>
+        <p:spPr/>
+        <p:txBody>
+          <a:bodyPr/>
+          <a:lstStyle/>
+          <a:p>
+            <a:r>
+              <a:rPr lang="en-IE" b="1" dirty="0" err="1"/>
+              <a:t>elif</a:t>
+            </a:r>
+            <a:r>
+              <a:rPr lang="en-IE" b="1" dirty="0"/>
+              <a:t> Statements</a:t>
+            </a:r>
+            <a:endParaRPr lang="en-IE" dirty="0"/>
+          </a:p>
+        </p:txBody>
+      </p:sp>
+      <p:sp>
+        <p:nvSpPr>
+          <p:cNvPr id="3" name="Content Placeholder 2">
+            <a:extLst>
+              <a:ext uri="{FF2B5EF4-FFF2-40B4-BE49-F238E27FC236}">
+                <a16:creationId xmlns:a16="http://schemas.microsoft.com/office/drawing/2014/main" xmlns="" id="{BA08DEEC-056A-4314-A4EF-2365B487350A}"/>
+              </a:ext>
+            </a:extLst>
+          </p:cNvPr>
+          <p:cNvSpPr>
+            <a:spLocks noGrp="1"/>
+          </p:cNvSpPr>
+          <p:nvPr>
+            <p:ph idx="1"/>
+          </p:nvPr>
+        </p:nvSpPr>
+        <p:spPr/>
+        <p:txBody>
+          <a:bodyPr>
+            <a:normAutofit fontScale="70000" lnSpcReduction="20000"/>
+          </a:bodyPr>
+          <a:lstStyle/>
+          <a:p>
+            <a:r>
+              <a:rPr lang="en-US" dirty="0"/>
+              <a:t>The </a:t>
+            </a:r>
+            <a:r>
+              <a:rPr lang="en-US" b="1" dirty="0" err="1"/>
+              <a:t>elif</a:t>
+            </a:r>
+            <a:r>
+              <a:rPr lang="en-US" b="1" dirty="0"/>
+              <a:t> (</a:t>
+            </a:r>
+            <a:r>
+              <a:rPr lang="en-US" dirty="0"/>
+              <a:t>short for else if) statement is a shortcut to use when chaining </a:t>
+            </a:r>
+            <a:r>
+              <a:rPr lang="en-US" b="1" dirty="0"/>
+              <a:t>if</a:t>
+            </a:r>
+            <a:r>
+              <a:rPr lang="en-US" dirty="0"/>
+              <a:t> and </a:t>
+            </a:r>
+            <a:r>
+              <a:rPr lang="en-US" b="1" dirty="0"/>
+              <a:t>else </a:t>
+            </a:r>
+            <a:r>
+              <a:rPr lang="en-US" dirty="0" err="1"/>
+              <a:t>statements.A</a:t>
+            </a:r>
+            <a:r>
+              <a:rPr lang="en-US" dirty="0"/>
+              <a:t> series of </a:t>
+            </a:r>
+            <a:r>
+              <a:rPr lang="en-US" b="1" dirty="0"/>
+              <a:t>if </a:t>
+            </a:r>
+            <a:r>
+              <a:rPr lang="en-US" b="1" dirty="0" err="1"/>
+              <a:t>elif</a:t>
+            </a:r>
+            <a:r>
+              <a:rPr lang="en-US" dirty="0"/>
+              <a:t> statements can have a final </a:t>
+            </a:r>
+            <a:r>
+              <a:rPr lang="en-US" b="1" dirty="0"/>
+              <a:t>else </a:t>
+            </a:r>
+            <a:r>
+              <a:rPr lang="en-US" dirty="0"/>
+              <a:t>block, which is called if none of the </a:t>
+            </a:r>
+            <a:r>
+              <a:rPr lang="en-US" b="1" dirty="0"/>
+              <a:t>if</a:t>
+            </a:r>
+            <a:r>
+              <a:rPr lang="en-US" dirty="0"/>
+              <a:t> or </a:t>
+            </a:r>
+            <a:r>
+              <a:rPr lang="en-US" b="1" dirty="0" err="1"/>
+              <a:t>elif</a:t>
+            </a:r>
+            <a:r>
+              <a:rPr lang="en-US" b="1" dirty="0"/>
+              <a:t> </a:t>
+            </a:r>
+            <a:r>
+              <a:rPr lang="en-US" dirty="0"/>
+              <a:t>expressions is True. Example:</a:t>
+            </a:r>
+          </a:p>
+          <a:p>
+            <a:pPr marL="0" indent="0">
+              <a:buNone/>
+            </a:pPr>
+            <a:r>
+              <a:rPr lang="en-US" dirty="0" err="1"/>
+              <a:t>num</a:t>
+            </a:r>
+            <a:r>
+              <a:rPr lang="en-US" dirty="0"/>
+              <a:t>=6</a:t>
+            </a:r>
+          </a:p>
+          <a:p>
+            <a:pPr marL="0" indent="0">
+              <a:buNone/>
+            </a:pPr>
+            <a:r>
+              <a:rPr lang="en-US" dirty="0"/>
+              <a:t>if </a:t>
+            </a:r>
+            <a:r>
+              <a:rPr lang="en-US" dirty="0" err="1"/>
+              <a:t>num</a:t>
+            </a:r>
+            <a:r>
+              <a:rPr lang="en-US" dirty="0"/>
+              <a:t>==5:</a:t>
+            </a:r>
+          </a:p>
+          <a:p>
+            <a:pPr marL="0" indent="0">
+              <a:buNone/>
+            </a:pPr>
+            <a:r>
+              <a:rPr lang="en-US" dirty="0"/>
+              <a:t>    print ('number is 5')</a:t>
+            </a:r>
+          </a:p>
+          <a:p>
+            <a:pPr marL="0" indent="0">
+              <a:buNone/>
+            </a:pPr>
+            <a:r>
+              <a:rPr lang="en-US" dirty="0" err="1"/>
+              <a:t>elif</a:t>
+            </a:r>
+            <a:r>
+              <a:rPr lang="en-US" dirty="0"/>
+              <a:t> </a:t>
+            </a:r>
+            <a:r>
+              <a:rPr lang="en-US" dirty="0" err="1"/>
+              <a:t>num</a:t>
+            </a:r>
+            <a:r>
+              <a:rPr lang="en-US" dirty="0"/>
+              <a:t> == 11:</a:t>
+            </a:r>
+          </a:p>
+          <a:p>
+            <a:pPr marL="0" indent="0">
+              <a:buNone/>
+            </a:pPr>
+            <a:r>
+              <a:rPr lang="en-US" dirty="0"/>
+              <a:t>    print ("number is 11")</a:t>
+            </a:r>
+          </a:p>
+          <a:p>
+            <a:pPr marL="0" indent="0">
+              <a:buNone/>
+            </a:pPr>
+            <a:r>
+              <a:rPr lang="en-US" dirty="0" err="1"/>
+              <a:t>elif</a:t>
+            </a:r>
+            <a:r>
+              <a:rPr lang="en-US" dirty="0"/>
+              <a:t> </a:t>
+            </a:r>
+            <a:r>
+              <a:rPr lang="en-US" dirty="0" err="1"/>
+              <a:t>num</a:t>
+            </a:r>
+            <a:r>
+              <a:rPr lang="en-US" dirty="0"/>
+              <a:t> ==7:</a:t>
+            </a:r>
+          </a:p>
+          <a:p>
+            <a:pPr marL="0" indent="0">
+              <a:buNone/>
+            </a:pPr>
+            <a:r>
+              <a:rPr lang="en-US" dirty="0"/>
+              <a:t>    print ("number is 7")</a:t>
+            </a:r>
+          </a:p>
+          <a:p>
+            <a:pPr marL="0" indent="0">
+              <a:buNone/>
+            </a:pPr>
+            <a:r>
+              <a:rPr lang="en-US" dirty="0"/>
+              <a:t>else:</a:t>
+            </a:r>
+          </a:p>
+          <a:p>
+            <a:pPr marL="0" indent="0">
+              <a:buNone/>
+            </a:pPr>
+            <a:r>
+              <a:rPr lang="en-US" dirty="0"/>
+              <a:t>    print ("number is not 5,11 or 7")</a:t>
+            </a:r>
+          </a:p>
+        </p:txBody>
+      </p:sp>
+    </p:spTree>
+    <p:extLst>
+      <p:ext uri="{BB962C8B-B14F-4D97-AF65-F5344CB8AC3E}">
+        <p14:creationId xmlns:p14="http://schemas.microsoft.com/office/powerpoint/2010/main" val="1798113026"/>
+      </p:ext>
+    </p:extLst>
+  </p:cSld>
+  <p:clrMapOvr>
+    <a:masterClrMapping/>
+  </p:clrMapOvr>
+</p:sld>
+</file>
+
+<file path=ppt/slides/slide25.xml><?xml version="1.0" encoding="utf-8"?>
+<p:sld xmlns:a="http://schemas.openxmlformats.org/drawingml/2006/main" xmlns:r="http://schemas.openxmlformats.org/officeDocument/2006/relationships" xmlns:p="http://schemas.openxmlformats.org/presentationml/2006/main">
+  <p:cSld>
+    <p:spTree>
+      <p:nvGrpSpPr>
+        <p:cNvPr id="1" name=""/>
+        <p:cNvGrpSpPr/>
+        <p:nvPr/>
+      </p:nvGrpSpPr>
+      <p:grpSpPr>
+        <a:xfrm>
+          <a:off x="0" y="0"/>
+          <a:ext cx="0" cy="0"/>
+          <a:chOff x="0" y="0"/>
+          <a:chExt cx="0" cy="0"/>
+        </a:xfrm>
+      </p:grpSpPr>
+      <p:sp>
+        <p:nvSpPr>
+          <p:cNvPr id="2" name="Title 1">
+            <a:extLst>
+              <a:ext uri="{FF2B5EF4-FFF2-40B4-BE49-F238E27FC236}">
+                <a16:creationId xmlns:a16="http://schemas.microsoft.com/office/drawing/2014/main" xmlns="" id="{9A35D746-9482-4489-810A-BE7367C72E02}"/>
+              </a:ext>
+            </a:extLst>
+          </p:cNvPr>
+          <p:cNvSpPr>
+            <a:spLocks noGrp="1"/>
+          </p:cNvSpPr>
+          <p:nvPr>
+            <p:ph type="title"/>
+          </p:nvPr>
+        </p:nvSpPr>
+        <p:spPr/>
+        <p:txBody>
+          <a:bodyPr/>
+          <a:lstStyle/>
+          <a:p>
+            <a:r>
+              <a:rPr lang="en-IE" b="1" dirty="0"/>
+              <a:t>Boolean Logic | OR | Not</a:t>
+            </a:r>
+            <a:endParaRPr lang="en-IE" dirty="0"/>
+          </a:p>
+        </p:txBody>
+      </p:sp>
+      <p:sp>
+        <p:nvSpPr>
+          <p:cNvPr id="3" name="Content Placeholder 2">
+            <a:extLst>
+              <a:ext uri="{FF2B5EF4-FFF2-40B4-BE49-F238E27FC236}">
+                <a16:creationId xmlns:a16="http://schemas.microsoft.com/office/drawing/2014/main" xmlns="" id="{81BF39C5-91A0-4232-BD7B-14DC53BC1C6D}"/>
+              </a:ext>
+            </a:extLst>
+          </p:cNvPr>
+          <p:cNvSpPr>
+            <a:spLocks noGrp="1"/>
+          </p:cNvSpPr>
+          <p:nvPr>
+            <p:ph idx="1"/>
+          </p:nvPr>
+        </p:nvSpPr>
+        <p:spPr>
+          <a:xfrm>
+            <a:off x="457200" y="1268760"/>
+            <a:ext cx="8229600" cy="4857403"/>
+          </a:xfrm>
+        </p:spPr>
+        <p:txBody>
+          <a:bodyPr>
+            <a:normAutofit fontScale="77500" lnSpcReduction="20000"/>
+          </a:bodyPr>
+          <a:lstStyle/>
+          <a:p>
+            <a:pPr marL="0" indent="0">
+              <a:buNone/>
+            </a:pPr>
+            <a:r>
+              <a:rPr lang="en-US" b="1" dirty="0"/>
+              <a:t>Boolean logic</a:t>
+            </a:r>
+            <a:r>
+              <a:rPr lang="en-US" dirty="0"/>
+              <a:t> is used to make more complicated conditions for </a:t>
+            </a:r>
+            <a:r>
+              <a:rPr lang="en-US" b="1" dirty="0"/>
+              <a:t>if</a:t>
+            </a:r>
+            <a:r>
+              <a:rPr lang="en-US" dirty="0"/>
+              <a:t> statements that rely on more than one condition.</a:t>
+            </a:r>
+          </a:p>
+          <a:p>
+            <a:pPr marL="0" indent="0">
+              <a:buNone/>
+            </a:pPr>
+            <a:r>
+              <a:rPr lang="en-US" dirty="0"/>
+              <a:t>print (1 == 1 and 2 == 2)</a:t>
+            </a:r>
+          </a:p>
+          <a:p>
+            <a:pPr marL="0" indent="0">
+              <a:buNone/>
+            </a:pPr>
+            <a:endParaRPr lang="en-US" dirty="0"/>
+          </a:p>
+          <a:p>
+            <a:pPr marL="0" indent="0">
+              <a:buNone/>
+            </a:pPr>
+            <a:r>
+              <a:rPr lang="en-US" dirty="0"/>
+              <a:t>The </a:t>
+            </a:r>
+            <a:r>
+              <a:rPr lang="en-US" b="1" dirty="0"/>
+              <a:t>or </a:t>
+            </a:r>
+            <a:r>
+              <a:rPr lang="en-US" dirty="0"/>
+              <a:t>operator also takes two arguments. It evaluates to </a:t>
+            </a:r>
+            <a:r>
+              <a:rPr lang="en-US" b="1" dirty="0"/>
+              <a:t>True </a:t>
+            </a:r>
+            <a:r>
+              <a:rPr lang="en-US" dirty="0"/>
+              <a:t>if either (or both) of its arguments are </a:t>
+            </a:r>
+            <a:r>
+              <a:rPr lang="en-US" b="1" dirty="0"/>
+              <a:t>True</a:t>
+            </a:r>
+            <a:r>
+              <a:rPr lang="en-US" dirty="0"/>
+              <a:t>, and </a:t>
+            </a:r>
+            <a:r>
+              <a:rPr lang="en-US" b="1" dirty="0"/>
+              <a:t>False </a:t>
+            </a:r>
+            <a:r>
+              <a:rPr lang="en-US" dirty="0"/>
+              <a:t>if both arguments are </a:t>
+            </a:r>
+            <a:r>
+              <a:rPr lang="en-US" b="1" dirty="0"/>
+              <a:t>False</a:t>
+            </a:r>
+            <a:r>
+              <a:rPr lang="en-US" dirty="0"/>
+              <a:t>.</a:t>
+            </a:r>
+          </a:p>
+          <a:p>
+            <a:pPr marL="0" indent="0">
+              <a:buNone/>
+            </a:pPr>
+            <a:r>
+              <a:rPr lang="en-US" dirty="0"/>
+              <a:t>print (1 != 1 or 2 == 2)</a:t>
+            </a:r>
+          </a:p>
+          <a:p>
+            <a:pPr marL="0" indent="0">
+              <a:buNone/>
+            </a:pPr>
+            <a:endParaRPr lang="en-US" dirty="0"/>
+          </a:p>
+          <a:p>
+            <a:pPr marL="0" indent="0">
+              <a:buNone/>
+            </a:pPr>
+            <a:r>
+              <a:rPr lang="en-US" dirty="0"/>
+              <a:t>Unlike other operators we've seen so far, </a:t>
+            </a:r>
+            <a:r>
+              <a:rPr lang="en-US" b="1" dirty="0"/>
+              <a:t>not </a:t>
+            </a:r>
+            <a:r>
+              <a:rPr lang="en-US" dirty="0"/>
+              <a:t>only takes one argument, and inverts it. </a:t>
+            </a:r>
+            <a:br>
+              <a:rPr lang="en-US" dirty="0"/>
+            </a:br>
+            <a:r>
+              <a:rPr lang="en-US" dirty="0"/>
+              <a:t>The result of </a:t>
+            </a:r>
+            <a:r>
+              <a:rPr lang="en-US" b="1" dirty="0"/>
+              <a:t>not True</a:t>
+            </a:r>
+            <a:r>
+              <a:rPr lang="en-US" dirty="0"/>
+              <a:t> is </a:t>
+            </a:r>
+            <a:r>
+              <a:rPr lang="en-US" b="1" dirty="0"/>
+              <a:t>False</a:t>
+            </a:r>
+            <a:r>
+              <a:rPr lang="en-US" dirty="0"/>
+              <a:t>, and </a:t>
+            </a:r>
+            <a:r>
+              <a:rPr lang="en-US" b="1" dirty="0"/>
+              <a:t>not False</a:t>
+            </a:r>
+            <a:r>
+              <a:rPr lang="en-US" dirty="0"/>
+              <a:t> goes to </a:t>
+            </a:r>
+            <a:r>
+              <a:rPr lang="en-US" b="1" dirty="0"/>
+              <a:t>True</a:t>
+            </a:r>
+            <a:r>
+              <a:rPr lang="en-US" dirty="0"/>
+              <a:t>.</a:t>
+            </a:r>
+          </a:p>
+          <a:p>
+            <a:pPr marL="0" indent="0">
+              <a:buNone/>
+            </a:pPr>
+            <a:r>
+              <a:rPr lang="en-IE" dirty="0"/>
+              <a:t>print (not 1 == 1)</a:t>
+            </a:r>
+          </a:p>
+        </p:txBody>
+      </p:sp>
+    </p:spTree>
+    <p:extLst>
+      <p:ext uri="{BB962C8B-B14F-4D97-AF65-F5344CB8AC3E}">
+        <p14:creationId xmlns:p14="http://schemas.microsoft.com/office/powerpoint/2010/main" val="1158968786"/>
+      </p:ext>
+    </p:extLst>
+  </p:cSld>
+  <p:clrMapOvr>
+    <a:masterClrMapping/>
+  </p:clrMapOvr>
+</p:sld>
+</file>
+
+<file path=ppt/slides/slide26.xml><?xml version="1.0" encoding="utf-8"?>
+<p:sld xmlns:a="http://schemas.openxmlformats.org/drawingml/2006/main" xmlns:r="http://schemas.openxmlformats.org/officeDocument/2006/relationships" xmlns:p="http://schemas.openxmlformats.org/presentationml/2006/main">
+  <p:cSld>
+    <p:spTree>
+      <p:nvGrpSpPr>
+        <p:cNvPr id="1" name=""/>
+        <p:cNvGrpSpPr/>
+        <p:nvPr/>
+      </p:nvGrpSpPr>
+      <p:grpSpPr>
+        <a:xfrm>
+          <a:off x="0" y="0"/>
+          <a:ext cx="0" cy="0"/>
+          <a:chOff x="0" y="0"/>
+          <a:chExt cx="0" cy="0"/>
+        </a:xfrm>
+      </p:grpSpPr>
+      <p:sp>
+        <p:nvSpPr>
+          <p:cNvPr id="2" name="Title 1">
+            <a:extLst>
+              <a:ext uri="{FF2B5EF4-FFF2-40B4-BE49-F238E27FC236}">
+                <a16:creationId xmlns:a16="http://schemas.microsoft.com/office/drawing/2014/main" xmlns="" id="{78FE4648-AE6F-4D78-B5F8-82AB43894CA9}"/>
+              </a:ext>
+            </a:extLst>
+          </p:cNvPr>
+          <p:cNvSpPr>
+            <a:spLocks noGrp="1"/>
+          </p:cNvSpPr>
+          <p:nvPr>
+            <p:ph type="title"/>
+          </p:nvPr>
+        </p:nvSpPr>
+        <p:spPr/>
+        <p:txBody>
+          <a:bodyPr/>
+          <a:lstStyle/>
+          <a:p>
+            <a:r>
+              <a:rPr lang="en-IE" b="1" dirty="0"/>
+              <a:t>while Loops</a:t>
+            </a:r>
+            <a:endParaRPr lang="en-IE" dirty="0"/>
+          </a:p>
+        </p:txBody>
+      </p:sp>
+      <p:sp>
+        <p:nvSpPr>
+          <p:cNvPr id="3" name="Content Placeholder 2">
+            <a:extLst>
+              <a:ext uri="{FF2B5EF4-FFF2-40B4-BE49-F238E27FC236}">
+                <a16:creationId xmlns:a16="http://schemas.microsoft.com/office/drawing/2014/main" xmlns="" id="{50E3EDB1-59C1-4FCC-87C3-C4C5320DA213}"/>
+              </a:ext>
+            </a:extLst>
+          </p:cNvPr>
+          <p:cNvSpPr>
+            <a:spLocks noGrp="1"/>
+          </p:cNvSpPr>
+          <p:nvPr>
+            <p:ph idx="1"/>
+          </p:nvPr>
+        </p:nvSpPr>
+        <p:spPr/>
+        <p:txBody>
+          <a:bodyPr>
+            <a:normAutofit fontScale="85000" lnSpcReduction="20000"/>
+          </a:bodyPr>
+          <a:lstStyle/>
+          <a:p>
+            <a:r>
+              <a:rPr lang="en-US" dirty="0"/>
+              <a:t>An </a:t>
+            </a:r>
+            <a:r>
+              <a:rPr lang="en-US" b="1" dirty="0"/>
+              <a:t>if </a:t>
+            </a:r>
+            <a:r>
+              <a:rPr lang="en-US" dirty="0"/>
+              <a:t>statement is run </a:t>
+            </a:r>
+            <a:r>
+              <a:rPr lang="en-US" u="sng" dirty="0">
+                <a:solidFill>
+                  <a:srgbClr val="FF0000"/>
+                </a:solidFill>
+              </a:rPr>
+              <a:t>once</a:t>
+            </a:r>
+            <a:r>
+              <a:rPr lang="en-US" dirty="0"/>
+              <a:t> if its condition evaluates to </a:t>
+            </a:r>
+            <a:r>
+              <a:rPr lang="en-US" b="1" dirty="0"/>
+              <a:t>True</a:t>
+            </a:r>
+            <a:r>
+              <a:rPr lang="en-US" dirty="0"/>
+              <a:t>, and never if it evaluates to </a:t>
+            </a:r>
+            <a:r>
+              <a:rPr lang="en-US" b="1" dirty="0"/>
+              <a:t>False</a:t>
+            </a:r>
+            <a:r>
+              <a:rPr lang="en-US" dirty="0"/>
+              <a:t>. </a:t>
+            </a:r>
+            <a:br>
+              <a:rPr lang="en-US" dirty="0"/>
+            </a:br>
+            <a:r>
+              <a:rPr lang="en-US" dirty="0"/>
+              <a:t>A </a:t>
+            </a:r>
+            <a:r>
+              <a:rPr lang="en-US" b="1" dirty="0"/>
+              <a:t>while </a:t>
+            </a:r>
+            <a:r>
+              <a:rPr lang="en-US" dirty="0"/>
+              <a:t>statement is similar, except that it can be run </a:t>
+            </a:r>
+            <a:r>
+              <a:rPr lang="en-US" u="sng" dirty="0">
+                <a:solidFill>
+                  <a:srgbClr val="FF0000"/>
+                </a:solidFill>
+              </a:rPr>
+              <a:t>more than once</a:t>
+            </a:r>
+            <a:r>
+              <a:rPr lang="en-US" dirty="0"/>
+              <a:t>. The statements inside it are repeatedly executed, as long as the condition holds. Once it evaluates to </a:t>
+            </a:r>
+            <a:r>
+              <a:rPr lang="en-US" b="1" dirty="0"/>
+              <a:t>False</a:t>
+            </a:r>
+            <a:r>
+              <a:rPr lang="en-US" dirty="0"/>
+              <a:t>, the next section of code is executed. </a:t>
+            </a:r>
+          </a:p>
+          <a:p>
+            <a:pPr marL="0" indent="0">
+              <a:buNone/>
+            </a:pPr>
+            <a:r>
+              <a:rPr lang="en-IE" dirty="0" err="1"/>
+              <a:t>i</a:t>
+            </a:r>
+            <a:r>
+              <a:rPr lang="en-IE" dirty="0"/>
+              <a:t> = 1</a:t>
+            </a:r>
+            <a:br>
+              <a:rPr lang="en-IE" dirty="0"/>
+            </a:br>
+            <a:r>
+              <a:rPr lang="en-IE" b="1" dirty="0"/>
+              <a:t>while </a:t>
+            </a:r>
+            <a:r>
+              <a:rPr lang="en-IE" dirty="0" err="1"/>
+              <a:t>i</a:t>
+            </a:r>
+            <a:r>
+              <a:rPr lang="en-IE" dirty="0"/>
+              <a:t> &lt;=5</a:t>
+            </a:r>
+            <a:r>
+              <a:rPr lang="en-IE" b="1" dirty="0"/>
+              <a:t>:</a:t>
+            </a:r>
+            <a:r>
+              <a:rPr lang="en-IE" dirty="0"/>
+              <a:t/>
+            </a:r>
+            <a:br>
+              <a:rPr lang="en-IE" dirty="0"/>
+            </a:br>
+            <a:r>
+              <a:rPr lang="en-IE" dirty="0"/>
+              <a:t>   print(</a:t>
+            </a:r>
+            <a:r>
+              <a:rPr lang="en-IE" dirty="0" err="1"/>
+              <a:t>i</a:t>
+            </a:r>
+            <a:r>
+              <a:rPr lang="en-IE" dirty="0"/>
+              <a:t>)</a:t>
+            </a:r>
+            <a:br>
+              <a:rPr lang="en-IE" dirty="0"/>
+            </a:br>
+            <a:r>
+              <a:rPr lang="en-IE" dirty="0"/>
+              <a:t>   </a:t>
+            </a:r>
+            <a:r>
+              <a:rPr lang="en-IE" dirty="0" err="1"/>
+              <a:t>i</a:t>
+            </a:r>
+            <a:r>
+              <a:rPr lang="en-IE" dirty="0"/>
+              <a:t> = </a:t>
+            </a:r>
+            <a:r>
+              <a:rPr lang="en-IE" dirty="0" err="1"/>
+              <a:t>i</a:t>
+            </a:r>
+            <a:r>
+              <a:rPr lang="en-IE" dirty="0"/>
+              <a:t> + 1</a:t>
+            </a:r>
+            <a:br>
+              <a:rPr lang="en-IE" dirty="0"/>
+            </a:br>
+            <a:r>
+              <a:rPr lang="en-IE" dirty="0"/>
+              <a:t/>
+            </a:r>
+            <a:br>
+              <a:rPr lang="en-IE" dirty="0"/>
+            </a:br>
+            <a:r>
+              <a:rPr lang="en-IE" dirty="0"/>
+              <a:t>print("Finished!")</a:t>
+            </a:r>
+          </a:p>
+        </p:txBody>
+      </p:sp>
+    </p:spTree>
+    <p:extLst>
+      <p:ext uri="{BB962C8B-B14F-4D97-AF65-F5344CB8AC3E}">
+        <p14:creationId xmlns:p14="http://schemas.microsoft.com/office/powerpoint/2010/main" val="1901251856"/>
+      </p:ext>
+    </p:extLst>
+  </p:cSld>
+  <p:clrMapOvr>
+    <a:masterClrMapping/>
+  </p:clrMapOvr>
+</p:sld>
+</file>
+
+<file path=ppt/slides/slide27.xml><?xml version="1.0" encoding="utf-8"?>
+<p:sld xmlns:a="http://schemas.openxmlformats.org/drawingml/2006/main" xmlns:r="http://schemas.openxmlformats.org/officeDocument/2006/relationships" xmlns:p="http://schemas.openxmlformats.org/presentationml/2006/main">
+  <p:cSld>
+    <p:spTree>
+      <p:nvGrpSpPr>
+        <p:cNvPr id="1" name=""/>
+        <p:cNvGrpSpPr/>
+        <p:nvPr/>
+      </p:nvGrpSpPr>
+      <p:grpSpPr>
+        <a:xfrm>
+          <a:off x="0" y="0"/>
+          <a:ext cx="0" cy="0"/>
+          <a:chOff x="0" y="0"/>
+          <a:chExt cx="0" cy="0"/>
+        </a:xfrm>
+      </p:grpSpPr>
+      <p:sp>
+        <p:nvSpPr>
+          <p:cNvPr id="2" name="Title 1">
+            <a:extLst>
+              <a:ext uri="{FF2B5EF4-FFF2-40B4-BE49-F238E27FC236}">
+                <a16:creationId xmlns:a16="http://schemas.microsoft.com/office/drawing/2014/main" xmlns="" id="{883B42CB-7445-419A-A61B-7F062E077AFE}"/>
+              </a:ext>
+            </a:extLst>
+          </p:cNvPr>
+          <p:cNvSpPr>
+            <a:spLocks noGrp="1"/>
+          </p:cNvSpPr>
+          <p:nvPr>
+            <p:ph type="title"/>
+          </p:nvPr>
+        </p:nvSpPr>
+        <p:spPr/>
+        <p:txBody>
+          <a:bodyPr/>
+          <a:lstStyle/>
+          <a:p>
+            <a:r>
+              <a:rPr lang="en-IE" b="1" dirty="0"/>
+              <a:t>break</a:t>
+            </a:r>
+            <a:endParaRPr lang="en-IE" dirty="0"/>
+          </a:p>
+        </p:txBody>
+      </p:sp>
+      <p:sp>
+        <p:nvSpPr>
+          <p:cNvPr id="3" name="Content Placeholder 2">
+            <a:extLst>
+              <a:ext uri="{FF2B5EF4-FFF2-40B4-BE49-F238E27FC236}">
+                <a16:creationId xmlns:a16="http://schemas.microsoft.com/office/drawing/2014/main" xmlns="" id="{70476B5A-0897-48B3-80C3-941242279C6B}"/>
+              </a:ext>
+            </a:extLst>
+          </p:cNvPr>
+          <p:cNvSpPr>
+            <a:spLocks noGrp="1"/>
+          </p:cNvSpPr>
+          <p:nvPr>
+            <p:ph idx="1"/>
+          </p:nvPr>
+        </p:nvSpPr>
+        <p:spPr/>
+        <p:txBody>
+          <a:bodyPr>
+            <a:normAutofit fontScale="70000" lnSpcReduction="20000"/>
+          </a:bodyPr>
+          <a:lstStyle/>
+          <a:p>
+            <a:r>
+              <a:rPr lang="en-US" dirty="0"/>
+              <a:t>To end a </a:t>
+            </a:r>
+            <a:r>
+              <a:rPr lang="en-US" b="1" dirty="0"/>
+              <a:t>while</a:t>
+            </a:r>
+            <a:r>
+              <a:rPr lang="en-US" dirty="0"/>
+              <a:t> loop prematurely, the </a:t>
+            </a:r>
+            <a:r>
+              <a:rPr lang="en-US" b="1" dirty="0"/>
+              <a:t>break</a:t>
+            </a:r>
+            <a:r>
+              <a:rPr lang="en-US" dirty="0"/>
+              <a:t> statement can be used. </a:t>
+            </a:r>
+            <a:br>
+              <a:rPr lang="en-US" dirty="0"/>
+            </a:br>
+            <a:r>
+              <a:rPr lang="en-US" dirty="0"/>
+              <a:t>When encountered inside a loop, the </a:t>
+            </a:r>
+            <a:r>
+              <a:rPr lang="en-US" b="1" dirty="0"/>
+              <a:t>break </a:t>
+            </a:r>
+            <a:r>
+              <a:rPr lang="en-US" dirty="0"/>
+              <a:t>statement causes the loop to finish immediately.</a:t>
+            </a:r>
+          </a:p>
+          <a:p>
+            <a:pPr marL="0" indent="0">
+              <a:buNone/>
+            </a:pPr>
+            <a:r>
+              <a:rPr lang="en-US" dirty="0" err="1"/>
+              <a:t>i</a:t>
+            </a:r>
+            <a:r>
+              <a:rPr lang="en-US" dirty="0"/>
+              <a:t>=0</a:t>
+            </a:r>
+          </a:p>
+          <a:p>
+            <a:pPr marL="0" indent="0">
+              <a:buNone/>
+            </a:pPr>
+            <a:r>
+              <a:rPr lang="en-US" dirty="0"/>
+              <a:t>while 1==1:</a:t>
+            </a:r>
+          </a:p>
+          <a:p>
+            <a:pPr marL="0" indent="0">
+              <a:buNone/>
+            </a:pPr>
+            <a:r>
+              <a:rPr lang="en-US" dirty="0"/>
+              <a:t>    print (</a:t>
+            </a:r>
+            <a:r>
+              <a:rPr lang="en-US" dirty="0" err="1"/>
+              <a:t>i</a:t>
+            </a:r>
+            <a:r>
+              <a:rPr lang="en-US" dirty="0"/>
+              <a:t>)</a:t>
+            </a:r>
+          </a:p>
+          <a:p>
+            <a:pPr marL="0" indent="0">
+              <a:buNone/>
+            </a:pPr>
+            <a:r>
+              <a:rPr lang="en-US" dirty="0"/>
+              <a:t>    </a:t>
+            </a:r>
+            <a:r>
+              <a:rPr lang="en-US" dirty="0" err="1"/>
+              <a:t>i</a:t>
+            </a:r>
+            <a:r>
+              <a:rPr lang="en-US" dirty="0"/>
+              <a:t>=i+1</a:t>
+            </a:r>
+          </a:p>
+          <a:p>
+            <a:pPr marL="0" indent="0">
+              <a:buNone/>
+            </a:pPr>
+            <a:r>
+              <a:rPr lang="en-US" dirty="0"/>
+              <a:t>    if </a:t>
+            </a:r>
+            <a:r>
+              <a:rPr lang="en-US" dirty="0" err="1"/>
+              <a:t>i</a:t>
+            </a:r>
+            <a:r>
+              <a:rPr lang="en-US" dirty="0"/>
+              <a:t>&gt;5:</a:t>
+            </a:r>
+          </a:p>
+          <a:p>
+            <a:pPr marL="0" indent="0">
+              <a:buNone/>
+            </a:pPr>
+            <a:r>
+              <a:rPr lang="en-US" dirty="0"/>
+              <a:t>        print ("breaking")</a:t>
+            </a:r>
+          </a:p>
+          <a:p>
+            <a:pPr marL="0" indent="0">
+              <a:buNone/>
+            </a:pPr>
+            <a:r>
+              <a:rPr lang="en-US" dirty="0"/>
+              <a:t>        break</a:t>
+            </a:r>
+          </a:p>
+          <a:p>
+            <a:pPr marL="0" indent="0">
+              <a:buNone/>
+            </a:pPr>
+            <a:r>
+              <a:rPr lang="en-US" dirty="0"/>
+              <a:t>        print ("after break")</a:t>
+            </a:r>
+          </a:p>
+          <a:p>
+            <a:pPr marL="0" indent="0">
+              <a:buNone/>
+            </a:pPr>
+            <a:endParaRPr lang="en-US" dirty="0"/>
+          </a:p>
+          <a:p>
+            <a:pPr marL="0" indent="0">
+              <a:buNone/>
+            </a:pPr>
+            <a:r>
+              <a:rPr lang="en-US" dirty="0"/>
+              <a:t>print ("finished")</a:t>
+            </a:r>
+          </a:p>
+        </p:txBody>
+      </p:sp>
+    </p:spTree>
+    <p:extLst>
+      <p:ext uri="{BB962C8B-B14F-4D97-AF65-F5344CB8AC3E}">
+        <p14:creationId xmlns:p14="http://schemas.microsoft.com/office/powerpoint/2010/main" val="2024241003"/>
+      </p:ext>
+    </p:extLst>
+  </p:cSld>
+  <p:clrMapOvr>
+    <a:masterClrMapping/>
+  </p:clrMapOvr>
+</p:sld>
+</file>
+
+<file path=ppt/slides/slide28.xml><?xml version="1.0" encoding="utf-8"?>
+<p:sld xmlns:a="http://schemas.openxmlformats.org/drawingml/2006/main" xmlns:r="http://schemas.openxmlformats.org/officeDocument/2006/relationships" xmlns:p="http://schemas.openxmlformats.org/presentationml/2006/main">
+  <p:cSld>
+    <p:spTree>
+      <p:nvGrpSpPr>
+        <p:cNvPr id="1" name=""/>
+        <p:cNvGrpSpPr/>
+        <p:nvPr/>
+      </p:nvGrpSpPr>
+      <p:grpSpPr>
+        <a:xfrm>
+          <a:off x="0" y="0"/>
+          <a:ext cx="0" cy="0"/>
+          <a:chOff x="0" y="0"/>
+          <a:chExt cx="0" cy="0"/>
+        </a:xfrm>
+      </p:grpSpPr>
+      <p:sp>
+        <p:nvSpPr>
+          <p:cNvPr id="2" name="Title 1">
+            <a:extLst>
+              <a:ext uri="{FF2B5EF4-FFF2-40B4-BE49-F238E27FC236}">
+                <a16:creationId xmlns:a16="http://schemas.microsoft.com/office/drawing/2014/main" xmlns="" id="{3D44F017-6C05-4038-9E46-EA736C0A9B2D}"/>
+              </a:ext>
+            </a:extLst>
+          </p:cNvPr>
+          <p:cNvSpPr>
+            <a:spLocks noGrp="1"/>
+          </p:cNvSpPr>
+          <p:nvPr>
+            <p:ph type="title"/>
+          </p:nvPr>
+        </p:nvSpPr>
+        <p:spPr>
+          <a:xfrm>
+            <a:off x="457200" y="274638"/>
+            <a:ext cx="8229600" cy="778098"/>
+          </a:xfrm>
+        </p:spPr>
+        <p:txBody>
+          <a:bodyPr/>
+          <a:lstStyle/>
+          <a:p>
+            <a:r>
+              <a:rPr lang="en-IE" b="1" dirty="0"/>
+              <a:t>continue</a:t>
+            </a:r>
+            <a:endParaRPr lang="en-IE" dirty="0"/>
+          </a:p>
+        </p:txBody>
+      </p:sp>
+      <p:sp>
+        <p:nvSpPr>
+          <p:cNvPr id="3" name="Content Placeholder 2">
+            <a:extLst>
+              <a:ext uri="{FF2B5EF4-FFF2-40B4-BE49-F238E27FC236}">
+                <a16:creationId xmlns:a16="http://schemas.microsoft.com/office/drawing/2014/main" xmlns="" id="{7F9DF4A1-B4B9-49A1-AACD-8BA263C14B31}"/>
+              </a:ext>
+            </a:extLst>
+          </p:cNvPr>
+          <p:cNvSpPr>
+            <a:spLocks noGrp="1"/>
+          </p:cNvSpPr>
+          <p:nvPr>
+            <p:ph idx="1"/>
+          </p:nvPr>
+        </p:nvSpPr>
+        <p:spPr>
+          <a:xfrm>
+            <a:off x="457200" y="1052736"/>
+            <a:ext cx="8229600" cy="5688632"/>
+          </a:xfrm>
+        </p:spPr>
+        <p:txBody>
+          <a:bodyPr>
+            <a:noAutofit/>
+          </a:bodyPr>
+          <a:lstStyle/>
+          <a:p>
+            <a:r>
+              <a:rPr lang="en-US" sz="2200" dirty="0"/>
+              <a:t>Another statement that can be used within loops is </a:t>
+            </a:r>
+            <a:r>
+              <a:rPr lang="en-US" sz="2200" b="1" dirty="0"/>
+              <a:t>continue</a:t>
+            </a:r>
+            <a:r>
+              <a:rPr lang="en-US" sz="2200" dirty="0"/>
+              <a:t>. </a:t>
+            </a:r>
+          </a:p>
+          <a:p>
+            <a:r>
+              <a:rPr lang="en-US" sz="2200" dirty="0"/>
+              <a:t>Unlike </a:t>
+            </a:r>
+            <a:r>
+              <a:rPr lang="en-US" sz="2200" b="1" dirty="0"/>
+              <a:t>break</a:t>
+            </a:r>
+            <a:r>
+              <a:rPr lang="en-US" sz="2200" dirty="0"/>
+              <a:t>, </a:t>
+            </a:r>
+            <a:r>
+              <a:rPr lang="en-US" sz="2200" b="1" dirty="0"/>
+              <a:t>continue </a:t>
+            </a:r>
+            <a:r>
+              <a:rPr lang="en-US" sz="2200" dirty="0"/>
+              <a:t>jumps back to the top of the loop, rather than stopping it.</a:t>
+            </a:r>
+          </a:p>
+          <a:p>
+            <a:pPr marL="0" indent="0">
+              <a:buNone/>
+            </a:pPr>
+            <a:r>
+              <a:rPr lang="en-US" sz="2200" dirty="0" err="1"/>
+              <a:t>i</a:t>
+            </a:r>
+            <a:r>
+              <a:rPr lang="en-US" sz="2200" dirty="0"/>
+              <a:t> = 0</a:t>
+            </a:r>
+          </a:p>
+          <a:p>
+            <a:pPr marL="0" indent="0">
+              <a:buNone/>
+            </a:pPr>
+            <a:r>
+              <a:rPr lang="en-US" sz="2200" dirty="0"/>
+              <a:t>while True:</a:t>
+            </a:r>
+          </a:p>
+          <a:p>
+            <a:pPr marL="0" indent="0">
+              <a:buNone/>
+            </a:pPr>
+            <a:r>
+              <a:rPr lang="en-US" sz="2200" dirty="0"/>
+              <a:t>   </a:t>
+            </a:r>
+            <a:r>
+              <a:rPr lang="en-US" sz="2200" dirty="0" err="1"/>
+              <a:t>i</a:t>
+            </a:r>
+            <a:r>
+              <a:rPr lang="en-US" sz="2200" dirty="0"/>
+              <a:t> = </a:t>
+            </a:r>
+            <a:r>
+              <a:rPr lang="en-US" sz="2200" dirty="0" err="1"/>
+              <a:t>i</a:t>
+            </a:r>
+            <a:r>
+              <a:rPr lang="en-US" sz="2200" dirty="0"/>
+              <a:t> +1</a:t>
+            </a:r>
+          </a:p>
+          <a:p>
+            <a:pPr marL="0" indent="0">
+              <a:buNone/>
+            </a:pPr>
+            <a:r>
+              <a:rPr lang="en-US" sz="2200" dirty="0"/>
+              <a:t>   if </a:t>
+            </a:r>
+            <a:r>
+              <a:rPr lang="en-US" sz="2200" dirty="0" err="1"/>
+              <a:t>i</a:t>
+            </a:r>
+            <a:r>
+              <a:rPr lang="en-US" sz="2200" dirty="0"/>
+              <a:t> == 2:</a:t>
+            </a:r>
+          </a:p>
+          <a:p>
+            <a:pPr marL="0" indent="0">
+              <a:buNone/>
+            </a:pPr>
+            <a:r>
+              <a:rPr lang="en-US" sz="2200" dirty="0"/>
+              <a:t>      print("Skipping 2")</a:t>
+            </a:r>
+          </a:p>
+          <a:p>
+            <a:pPr marL="0" indent="0">
+              <a:buNone/>
+            </a:pPr>
+            <a:r>
+              <a:rPr lang="en-US" sz="2200" dirty="0"/>
+              <a:t>      continue</a:t>
+            </a:r>
+          </a:p>
+          <a:p>
+            <a:pPr marL="0" indent="0">
+              <a:buNone/>
+            </a:pPr>
+            <a:r>
+              <a:rPr lang="en-US" sz="2200" dirty="0"/>
+              <a:t>   if </a:t>
+            </a:r>
+            <a:r>
+              <a:rPr lang="en-US" sz="2200" dirty="0" err="1"/>
+              <a:t>i</a:t>
+            </a:r>
+            <a:r>
+              <a:rPr lang="en-US" sz="2200" dirty="0"/>
+              <a:t> == 5:</a:t>
+            </a:r>
+          </a:p>
+          <a:p>
+            <a:pPr marL="0" indent="0">
+              <a:buNone/>
+            </a:pPr>
+            <a:r>
+              <a:rPr lang="en-US" sz="2200" dirty="0"/>
+              <a:t>      print("Breaking")</a:t>
+            </a:r>
+          </a:p>
+          <a:p>
+            <a:pPr marL="0" indent="0">
+              <a:buNone/>
+            </a:pPr>
+            <a:r>
+              <a:rPr lang="en-US" sz="2200" dirty="0"/>
+              <a:t>      break</a:t>
+            </a:r>
+          </a:p>
+          <a:p>
+            <a:pPr marL="0" indent="0">
+              <a:buNone/>
+            </a:pPr>
+            <a:r>
+              <a:rPr lang="en-US" sz="2200" dirty="0"/>
+              <a:t>   print(</a:t>
+            </a:r>
+            <a:r>
+              <a:rPr lang="en-US" sz="2200" dirty="0" err="1"/>
+              <a:t>i</a:t>
+            </a:r>
+            <a:r>
+              <a:rPr lang="en-US" sz="2200" dirty="0"/>
+              <a:t>)</a:t>
+            </a:r>
+          </a:p>
+          <a:p>
+            <a:pPr marL="0" indent="0">
+              <a:buNone/>
+            </a:pPr>
+            <a:r>
+              <a:rPr lang="en-US" sz="2200" dirty="0"/>
+              <a:t>print("Finished")</a:t>
+            </a:r>
+            <a:endParaRPr lang="en-IE" sz="2200" dirty="0"/>
+          </a:p>
+        </p:txBody>
+      </p:sp>
+    </p:spTree>
+    <p:extLst>
+      <p:ext uri="{BB962C8B-B14F-4D97-AF65-F5344CB8AC3E}">
+        <p14:creationId xmlns:p14="http://schemas.microsoft.com/office/powerpoint/2010/main" val="2751175887"/>
+      </p:ext>
+    </p:extLst>
+  </p:cSld>
+  <p:clrMapOvr>
+    <a:masterClrMapping/>
+  </p:clrMapOvr>
+</p:sld>
+</file>
+
+<file path=ppt/slides/slide29.xml><?xml version="1.0" encoding="utf-8"?>
+<p:sld xmlns:a="http://schemas.openxmlformats.org/drawingml/2006/main" xmlns:r="http://schemas.openxmlformats.org/officeDocument/2006/relationships" xmlns:p="http://schemas.openxmlformats.org/presentationml/2006/main">
+  <p:cSld>
+    <p:spTree>
+      <p:nvGrpSpPr>
+        <p:cNvPr id="1" name=""/>
+        <p:cNvGrpSpPr/>
+        <p:nvPr/>
+      </p:nvGrpSpPr>
+      <p:grpSpPr>
+        <a:xfrm>
+          <a:off x="0" y="0"/>
+          <a:ext cx="0" cy="0"/>
+          <a:chOff x="0" y="0"/>
+          <a:chExt cx="0" cy="0"/>
+        </a:xfrm>
+      </p:grpSpPr>
+      <p:sp>
+        <p:nvSpPr>
+          <p:cNvPr id="2" name="Title 1">
+            <a:extLst>
+              <a:ext uri="{FF2B5EF4-FFF2-40B4-BE49-F238E27FC236}">
+                <a16:creationId xmlns:a16="http://schemas.microsoft.com/office/drawing/2014/main" xmlns="" id="{08C64DD6-B039-4691-8EA3-84BC05CF6CB2}"/>
+              </a:ext>
+            </a:extLst>
+          </p:cNvPr>
+          <p:cNvSpPr>
+            <a:spLocks noGrp="1"/>
+          </p:cNvSpPr>
+          <p:nvPr>
+            <p:ph type="title"/>
+          </p:nvPr>
+        </p:nvSpPr>
+        <p:spPr/>
+        <p:txBody>
+          <a:bodyPr/>
+          <a:lstStyle/>
+          <a:p>
+            <a:r>
+              <a:rPr lang="en-IE" b="1" dirty="0"/>
+              <a:t>Lists</a:t>
+            </a:r>
+            <a:endParaRPr lang="en-IE" dirty="0"/>
+          </a:p>
+        </p:txBody>
+      </p:sp>
+      <p:sp>
+        <p:nvSpPr>
+          <p:cNvPr id="3" name="Content Placeholder 2">
+            <a:extLst>
+              <a:ext uri="{FF2B5EF4-FFF2-40B4-BE49-F238E27FC236}">
+                <a16:creationId xmlns:a16="http://schemas.microsoft.com/office/drawing/2014/main" xmlns="" id="{70D85980-80EF-4CEB-AB40-0203AD64ED8E}"/>
+              </a:ext>
+            </a:extLst>
+          </p:cNvPr>
+          <p:cNvSpPr>
+            <a:spLocks noGrp="1"/>
+          </p:cNvSpPr>
+          <p:nvPr>
+            <p:ph idx="1"/>
+          </p:nvPr>
+        </p:nvSpPr>
+        <p:spPr/>
+        <p:txBody>
+          <a:bodyPr>
+            <a:normAutofit/>
+          </a:bodyPr>
+          <a:lstStyle/>
+          <a:p>
+            <a:r>
+              <a:rPr lang="en-US" sz="2200" b="1" dirty="0"/>
+              <a:t>Lists </a:t>
+            </a:r>
+            <a:r>
+              <a:rPr lang="en-US" sz="2200" dirty="0"/>
+              <a:t>are another type of object in Python. They are used to store an indexed list of items. </a:t>
+            </a:r>
+            <a:br>
+              <a:rPr lang="en-US" sz="2200" dirty="0"/>
+            </a:br>
+            <a:r>
+              <a:rPr lang="en-US" sz="2200" dirty="0"/>
+              <a:t>A list is created using </a:t>
+            </a:r>
+            <a:r>
+              <a:rPr lang="en-US" sz="2200" b="1" dirty="0"/>
+              <a:t>square brackets</a:t>
+            </a:r>
+            <a:r>
+              <a:rPr lang="en-US" sz="2200" dirty="0"/>
+              <a:t> with </a:t>
+            </a:r>
+            <a:r>
+              <a:rPr lang="en-US" sz="2200" b="1" dirty="0"/>
+              <a:t>commas </a:t>
+            </a:r>
+            <a:r>
+              <a:rPr lang="en-US" sz="2200" dirty="0"/>
+              <a:t>separating items.</a:t>
+            </a:r>
+            <a:br>
+              <a:rPr lang="en-US" sz="2200" dirty="0"/>
+            </a:br>
+            <a:r>
+              <a:rPr lang="en-US" sz="2200" dirty="0"/>
+              <a:t>The certain item in the list can be accessed by using its index in square brackets.</a:t>
+            </a:r>
+          </a:p>
+          <a:p>
+            <a:pPr marL="0" indent="0">
+              <a:buNone/>
+            </a:pPr>
+            <a:r>
+              <a:rPr lang="en-US" dirty="0"/>
+              <a:t>words = ["Hello", "world", "!"]</a:t>
+            </a:r>
+            <a:r>
+              <a:rPr lang="en-US" sz="2400" dirty="0"/>
+              <a:t/>
+            </a:r>
+            <a:br>
+              <a:rPr lang="en-US" sz="2400" dirty="0"/>
+            </a:br>
+            <a:r>
+              <a:rPr lang="en-US" dirty="0"/>
+              <a:t>print(words[0])</a:t>
+            </a:r>
+            <a:r>
+              <a:rPr lang="en-US" sz="2400" dirty="0"/>
+              <a:t/>
+            </a:r>
+            <a:br>
+              <a:rPr lang="en-US" sz="2400" dirty="0"/>
+            </a:br>
+            <a:r>
+              <a:rPr lang="en-US" dirty="0"/>
+              <a:t>print(words[1])</a:t>
+            </a:r>
+            <a:r>
+              <a:rPr lang="en-US" sz="2400" dirty="0"/>
+              <a:t/>
+            </a:r>
+            <a:br>
+              <a:rPr lang="en-US" sz="2400" dirty="0"/>
+            </a:br>
+            <a:r>
+              <a:rPr lang="en-US" dirty="0"/>
+              <a:t>print(words[2])</a:t>
+            </a:r>
+            <a:endParaRPr lang="en-IE" sz="2200" dirty="0"/>
+          </a:p>
+        </p:txBody>
+      </p:sp>
+    </p:spTree>
+    <p:extLst>
+      <p:ext uri="{BB962C8B-B14F-4D97-AF65-F5344CB8AC3E}">
+        <p14:creationId xmlns:p14="http://schemas.microsoft.com/office/powerpoint/2010/main" val="1881838362"/>
       </p:ext>
     </p:extLst>
   </p:cSld>
@@ -5488,12 +7451,20 @@
               <a:rPr lang="en-US" altLang="zh-CN" dirty="0"/>
               <a:t>    14</a:t>
             </a:r>
-            <a:br>
+            <a:r>
               <a:rPr lang="zh-CN" altLang="en-US" dirty="0"/>
+              <a:t/>
+            </a:r>
+            <a:br>
+              <a:rPr lang="zh-CN" altLang="en-US" dirty="0"/>
             </a:br>
             <a:r>
               <a:rPr lang="en-US" altLang="zh-CN" dirty="0"/>
               <a:t>    print ( 10 / 2)</a:t>
+            </a:r>
+            <a:r>
+              <a:rPr lang="zh-CN" altLang="en-US" dirty="0"/>
+              <a:t/>
             </a:r>
             <a:br>
               <a:rPr lang="zh-CN" altLang="en-US" dirty="0"/>
@@ -5541,6 +7512,1997 @@
     <p:extLst>
       <p:ext uri="{BB962C8B-B14F-4D97-AF65-F5344CB8AC3E}">
         <p14:creationId xmlns:p14="http://schemas.microsoft.com/office/powerpoint/2010/main" val="3578129411"/>
+      </p:ext>
+    </p:extLst>
+  </p:cSld>
+  <p:clrMapOvr>
+    <a:masterClrMapping/>
+  </p:clrMapOvr>
+</p:sld>
+</file>
+
+<file path=ppt/slides/slide30.xml><?xml version="1.0" encoding="utf-8"?>
+<p:sld xmlns:a="http://schemas.openxmlformats.org/drawingml/2006/main" xmlns:r="http://schemas.openxmlformats.org/officeDocument/2006/relationships" xmlns:p="http://schemas.openxmlformats.org/presentationml/2006/main">
+  <p:cSld>
+    <p:spTree>
+      <p:nvGrpSpPr>
+        <p:cNvPr id="1" name=""/>
+        <p:cNvGrpSpPr/>
+        <p:nvPr/>
+      </p:nvGrpSpPr>
+      <p:grpSpPr>
+        <a:xfrm>
+          <a:off x="0" y="0"/>
+          <a:ext cx="0" cy="0"/>
+          <a:chOff x="0" y="0"/>
+          <a:chExt cx="0" cy="0"/>
+        </a:xfrm>
+      </p:grpSpPr>
+      <p:sp>
+        <p:nvSpPr>
+          <p:cNvPr id="2" name="Title 1">
+            <a:extLst>
+              <a:ext uri="{FF2B5EF4-FFF2-40B4-BE49-F238E27FC236}">
+                <a16:creationId xmlns:a16="http://schemas.microsoft.com/office/drawing/2014/main" xmlns="" id="{9226891E-C1FF-4831-9E1A-5C64C31B1775}"/>
+              </a:ext>
+            </a:extLst>
+          </p:cNvPr>
+          <p:cNvSpPr>
+            <a:spLocks noGrp="1"/>
+          </p:cNvSpPr>
+          <p:nvPr>
+            <p:ph type="title"/>
+          </p:nvPr>
+        </p:nvSpPr>
+        <p:spPr>
+          <a:xfrm>
+            <a:off x="457200" y="274638"/>
+            <a:ext cx="8229600" cy="850106"/>
+          </a:xfrm>
+        </p:spPr>
+        <p:txBody>
+          <a:bodyPr/>
+          <a:lstStyle/>
+          <a:p>
+            <a:r>
+              <a:rPr lang="en-IE" b="1" dirty="0"/>
+              <a:t>Lists</a:t>
+            </a:r>
+            <a:endParaRPr lang="en-IE" dirty="0"/>
+          </a:p>
+        </p:txBody>
+      </p:sp>
+      <p:sp>
+        <p:nvSpPr>
+          <p:cNvPr id="3" name="Content Placeholder 2">
+            <a:extLst>
+              <a:ext uri="{FF2B5EF4-FFF2-40B4-BE49-F238E27FC236}">
+                <a16:creationId xmlns:a16="http://schemas.microsoft.com/office/drawing/2014/main" xmlns="" id="{DB8B01FD-8ACE-4EE4-AF85-1E5B5926539A}"/>
+              </a:ext>
+            </a:extLst>
+          </p:cNvPr>
+          <p:cNvSpPr>
+            <a:spLocks noGrp="1"/>
+          </p:cNvSpPr>
+          <p:nvPr>
+            <p:ph idx="1"/>
+          </p:nvPr>
+        </p:nvSpPr>
+        <p:spPr/>
+        <p:txBody>
+          <a:bodyPr>
+            <a:normAutofit lnSpcReduction="10000"/>
+          </a:bodyPr>
+          <a:lstStyle/>
+          <a:p>
+            <a:r>
+              <a:rPr lang="en-US" dirty="0"/>
+              <a:t>Typically, a list will contain items of a single item type, but it is also possible to include several different types. </a:t>
+            </a:r>
+          </a:p>
+          <a:p>
+            <a:r>
+              <a:rPr lang="en-US" dirty="0"/>
+              <a:t>Lists can also be nested within other lists.</a:t>
+            </a:r>
+          </a:p>
+          <a:p>
+            <a:pPr marL="0" indent="0">
+              <a:buNone/>
+            </a:pPr>
+            <a:r>
+              <a:rPr lang="en-US" dirty="0"/>
+              <a:t>number = 3</a:t>
+            </a:r>
+            <a:br>
+              <a:rPr lang="en-US" dirty="0"/>
+            </a:br>
+            <a:r>
+              <a:rPr lang="en-US" dirty="0"/>
+              <a:t>things = ["</a:t>
+            </a:r>
+            <a:r>
+              <a:rPr lang="en-US" u="sng" dirty="0"/>
+              <a:t>string</a:t>
+            </a:r>
+            <a:r>
+              <a:rPr lang="en-US" dirty="0"/>
+              <a:t>", 0, [1, 2, number], 4.56]</a:t>
+            </a:r>
+            <a:br>
+              <a:rPr lang="en-US" dirty="0"/>
+            </a:br>
+            <a:r>
+              <a:rPr lang="en-US" dirty="0"/>
+              <a:t>print(things[1])</a:t>
+            </a:r>
+            <a:br>
+              <a:rPr lang="en-US" dirty="0"/>
+            </a:br>
+            <a:r>
+              <a:rPr lang="en-US" dirty="0"/>
+              <a:t>print(things[2])</a:t>
+            </a:r>
+            <a:br>
+              <a:rPr lang="en-US" dirty="0"/>
+            </a:br>
+            <a:r>
+              <a:rPr lang="en-US" dirty="0"/>
+              <a:t>print(things[2][2])</a:t>
+            </a:r>
+          </a:p>
+          <a:p>
+            <a:pPr marL="0" indent="0">
+              <a:buNone/>
+            </a:pPr>
+            <a:endParaRPr lang="en-US" dirty="0"/>
+          </a:p>
+          <a:p>
+            <a:pPr marL="0" indent="0">
+              <a:buNone/>
+            </a:pPr>
+            <a:endParaRPr lang="en-IE" dirty="0"/>
+          </a:p>
+        </p:txBody>
+      </p:sp>
+    </p:spTree>
+    <p:extLst>
+      <p:ext uri="{BB962C8B-B14F-4D97-AF65-F5344CB8AC3E}">
+        <p14:creationId xmlns:p14="http://schemas.microsoft.com/office/powerpoint/2010/main" val="909014845"/>
+      </p:ext>
+    </p:extLst>
+  </p:cSld>
+  <p:clrMapOvr>
+    <a:masterClrMapping/>
+  </p:clrMapOvr>
+</p:sld>
+</file>
+
+<file path=ppt/slides/slide31.xml><?xml version="1.0" encoding="utf-8"?>
+<p:sld xmlns:a="http://schemas.openxmlformats.org/drawingml/2006/main" xmlns:r="http://schemas.openxmlformats.org/officeDocument/2006/relationships" xmlns:p="http://schemas.openxmlformats.org/presentationml/2006/main">
+  <p:cSld>
+    <p:spTree>
+      <p:nvGrpSpPr>
+        <p:cNvPr id="1" name=""/>
+        <p:cNvGrpSpPr/>
+        <p:nvPr/>
+      </p:nvGrpSpPr>
+      <p:grpSpPr>
+        <a:xfrm>
+          <a:off x="0" y="0"/>
+          <a:ext cx="0" cy="0"/>
+          <a:chOff x="0" y="0"/>
+          <a:chExt cx="0" cy="0"/>
+        </a:xfrm>
+      </p:grpSpPr>
+      <p:sp>
+        <p:nvSpPr>
+          <p:cNvPr id="2" name="Title 1">
+            <a:extLst>
+              <a:ext uri="{FF2B5EF4-FFF2-40B4-BE49-F238E27FC236}">
+                <a16:creationId xmlns:a16="http://schemas.microsoft.com/office/drawing/2014/main" xmlns="" id="{1987D919-CD45-4754-B30D-51AED3336D07}"/>
+              </a:ext>
+            </a:extLst>
+          </p:cNvPr>
+          <p:cNvSpPr>
+            <a:spLocks noGrp="1"/>
+          </p:cNvSpPr>
+          <p:nvPr>
+            <p:ph type="title"/>
+          </p:nvPr>
+        </p:nvSpPr>
+        <p:spPr>
+          <a:xfrm>
+            <a:off x="457200" y="274638"/>
+            <a:ext cx="8229600" cy="706090"/>
+          </a:xfrm>
+        </p:spPr>
+        <p:txBody>
+          <a:bodyPr>
+            <a:normAutofit fontScale="90000"/>
+          </a:bodyPr>
+          <a:lstStyle/>
+          <a:p>
+            <a:r>
+              <a:rPr lang="en-IE" b="1" dirty="0"/>
+              <a:t>Lists</a:t>
+            </a:r>
+            <a:endParaRPr lang="en-IE" dirty="0"/>
+          </a:p>
+        </p:txBody>
+      </p:sp>
+      <p:sp>
+        <p:nvSpPr>
+          <p:cNvPr id="3" name="Content Placeholder 2">
+            <a:extLst>
+              <a:ext uri="{FF2B5EF4-FFF2-40B4-BE49-F238E27FC236}">
+                <a16:creationId xmlns:a16="http://schemas.microsoft.com/office/drawing/2014/main" xmlns="" id="{A039E961-7297-4C8C-B5EE-380309383569}"/>
+              </a:ext>
+            </a:extLst>
+          </p:cNvPr>
+          <p:cNvSpPr>
+            <a:spLocks noGrp="1"/>
+          </p:cNvSpPr>
+          <p:nvPr>
+            <p:ph idx="1"/>
+          </p:nvPr>
+        </p:nvSpPr>
+        <p:spPr>
+          <a:xfrm>
+            <a:off x="457200" y="980728"/>
+            <a:ext cx="8229600" cy="5145435"/>
+          </a:xfrm>
+        </p:spPr>
+        <p:txBody>
+          <a:bodyPr/>
+          <a:lstStyle/>
+          <a:p>
+            <a:pPr marL="0" indent="0">
+              <a:buNone/>
+            </a:pPr>
+            <a:r>
+              <a:rPr lang="en-US" dirty="0"/>
+              <a:t>Indexing out of the bounds of possible list values causes an </a:t>
+            </a:r>
+            <a:r>
+              <a:rPr lang="en-US" dirty="0" err="1"/>
+              <a:t>IndexError</a:t>
+            </a:r>
+            <a:r>
+              <a:rPr lang="en-US" dirty="0"/>
+              <a:t>. Some types, such as </a:t>
+            </a:r>
+            <a:r>
+              <a:rPr lang="en-US" b="1" dirty="0"/>
+              <a:t>strings</a:t>
+            </a:r>
+            <a:r>
+              <a:rPr lang="en-US" dirty="0"/>
+              <a:t>, can be indexed like lists. Indexing </a:t>
+            </a:r>
+            <a:r>
+              <a:rPr lang="en-US" b="1" dirty="0"/>
+              <a:t>strings </a:t>
+            </a:r>
+            <a:r>
+              <a:rPr lang="en-US" dirty="0"/>
+              <a:t>behaves as though you are indexing a list containing each character in the string. For other types, such as integers, indexing them isn't possible, and it causes a </a:t>
+            </a:r>
+            <a:r>
+              <a:rPr lang="en-US" dirty="0" err="1"/>
+              <a:t>TypeError</a:t>
+            </a:r>
+            <a:r>
+              <a:rPr lang="en-US" dirty="0"/>
+              <a:t>.</a:t>
+            </a:r>
+          </a:p>
+          <a:p>
+            <a:pPr marL="0" indent="0">
+              <a:buNone/>
+            </a:pPr>
+            <a:r>
+              <a:rPr lang="en-US" dirty="0" err="1"/>
+              <a:t>str</a:t>
+            </a:r>
+            <a:r>
+              <a:rPr lang="en-US" dirty="0"/>
+              <a:t> = "Hello world!"</a:t>
+            </a:r>
+            <a:br>
+              <a:rPr lang="en-US" dirty="0"/>
+            </a:br>
+            <a:r>
+              <a:rPr lang="en-US" dirty="0"/>
+              <a:t>print(</a:t>
+            </a:r>
+            <a:r>
+              <a:rPr lang="en-US" dirty="0" err="1"/>
+              <a:t>str</a:t>
+            </a:r>
+            <a:r>
+              <a:rPr lang="en-US" dirty="0"/>
+              <a:t>[6])</a:t>
+            </a:r>
+            <a:endParaRPr lang="en-IE" dirty="0"/>
+          </a:p>
+        </p:txBody>
+      </p:sp>
+    </p:spTree>
+    <p:extLst>
+      <p:ext uri="{BB962C8B-B14F-4D97-AF65-F5344CB8AC3E}">
+        <p14:creationId xmlns:p14="http://schemas.microsoft.com/office/powerpoint/2010/main" val="957341211"/>
+      </p:ext>
+    </p:extLst>
+  </p:cSld>
+  <p:clrMapOvr>
+    <a:masterClrMapping/>
+  </p:clrMapOvr>
+</p:sld>
+</file>
+
+<file path=ppt/slides/slide32.xml><?xml version="1.0" encoding="utf-8"?>
+<p:sld xmlns:a="http://schemas.openxmlformats.org/drawingml/2006/main" xmlns:r="http://schemas.openxmlformats.org/officeDocument/2006/relationships" xmlns:p="http://schemas.openxmlformats.org/presentationml/2006/main">
+  <p:cSld>
+    <p:spTree>
+      <p:nvGrpSpPr>
+        <p:cNvPr id="1" name=""/>
+        <p:cNvGrpSpPr/>
+        <p:nvPr/>
+      </p:nvGrpSpPr>
+      <p:grpSpPr>
+        <a:xfrm>
+          <a:off x="0" y="0"/>
+          <a:ext cx="0" cy="0"/>
+          <a:chOff x="0" y="0"/>
+          <a:chExt cx="0" cy="0"/>
+        </a:xfrm>
+      </p:grpSpPr>
+      <p:sp>
+        <p:nvSpPr>
+          <p:cNvPr id="2" name="Title 1">
+            <a:extLst>
+              <a:ext uri="{FF2B5EF4-FFF2-40B4-BE49-F238E27FC236}">
+                <a16:creationId xmlns:a16="http://schemas.microsoft.com/office/drawing/2014/main" xmlns="" id="{966DA94C-4311-474C-92B1-D9F2A89A191A}"/>
+              </a:ext>
+            </a:extLst>
+          </p:cNvPr>
+          <p:cNvSpPr>
+            <a:spLocks noGrp="1"/>
+          </p:cNvSpPr>
+          <p:nvPr>
+            <p:ph type="title"/>
+          </p:nvPr>
+        </p:nvSpPr>
+        <p:spPr/>
+        <p:txBody>
+          <a:bodyPr/>
+          <a:lstStyle/>
+          <a:p>
+            <a:r>
+              <a:rPr lang="en-IE" b="1" dirty="0"/>
+              <a:t>List Operations</a:t>
+            </a:r>
+            <a:endParaRPr lang="en-IE" dirty="0"/>
+          </a:p>
+        </p:txBody>
+      </p:sp>
+      <p:sp>
+        <p:nvSpPr>
+          <p:cNvPr id="3" name="Content Placeholder 2">
+            <a:extLst>
+              <a:ext uri="{FF2B5EF4-FFF2-40B4-BE49-F238E27FC236}">
+                <a16:creationId xmlns:a16="http://schemas.microsoft.com/office/drawing/2014/main" xmlns="" id="{7A210E57-EEDD-470E-ADD7-125D304F10FA}"/>
+              </a:ext>
+            </a:extLst>
+          </p:cNvPr>
+          <p:cNvSpPr>
+            <a:spLocks noGrp="1"/>
+          </p:cNvSpPr>
+          <p:nvPr>
+            <p:ph idx="1"/>
+          </p:nvPr>
+        </p:nvSpPr>
+        <p:spPr/>
+        <p:txBody>
+          <a:bodyPr>
+            <a:normAutofit fontScale="92500" lnSpcReduction="20000"/>
+          </a:bodyPr>
+          <a:lstStyle/>
+          <a:p>
+            <a:pPr marL="0" indent="0">
+              <a:buNone/>
+            </a:pPr>
+            <a:r>
+              <a:rPr lang="en-US" dirty="0"/>
+              <a:t>The item at a certain index in a list can be reassigned.</a:t>
+            </a:r>
+          </a:p>
+          <a:p>
+            <a:pPr marL="0" indent="0">
+              <a:buNone/>
+            </a:pPr>
+            <a:r>
+              <a:rPr lang="de-DE" dirty="0"/>
+              <a:t>nums = [7, 7, 7, 7, 7]</a:t>
+            </a:r>
+          </a:p>
+          <a:p>
+            <a:pPr marL="0" indent="0">
+              <a:buNone/>
+            </a:pPr>
+            <a:r>
+              <a:rPr lang="de-DE" dirty="0"/>
+              <a:t>print (nums)</a:t>
+            </a:r>
+            <a:br>
+              <a:rPr lang="de-DE" dirty="0"/>
+            </a:br>
+            <a:r>
+              <a:rPr lang="de-DE" dirty="0"/>
+              <a:t>nums[2] = 5</a:t>
+            </a:r>
+            <a:br>
+              <a:rPr lang="de-DE" dirty="0"/>
+            </a:br>
+            <a:r>
+              <a:rPr lang="de-DE" dirty="0"/>
+              <a:t>print(nums)</a:t>
+            </a:r>
+          </a:p>
+          <a:p>
+            <a:pPr marL="0" indent="0">
+              <a:buNone/>
+            </a:pPr>
+            <a:r>
+              <a:rPr lang="en-US" dirty="0"/>
+              <a:t>Lists can be added and multiplied in the same way as strings.</a:t>
+            </a:r>
+          </a:p>
+          <a:p>
+            <a:pPr marL="0" indent="0">
+              <a:buNone/>
+            </a:pPr>
+            <a:r>
+              <a:rPr lang="en-IE" dirty="0" err="1"/>
+              <a:t>nums</a:t>
+            </a:r>
+            <a:r>
+              <a:rPr lang="en-IE" dirty="0"/>
+              <a:t> = [1, 2, 3]</a:t>
+            </a:r>
+            <a:br>
+              <a:rPr lang="en-IE" dirty="0"/>
+            </a:br>
+            <a:r>
+              <a:rPr lang="en-IE" dirty="0"/>
+              <a:t>print(</a:t>
+            </a:r>
+            <a:r>
+              <a:rPr lang="en-IE" dirty="0" err="1"/>
+              <a:t>nums</a:t>
+            </a:r>
+            <a:r>
+              <a:rPr lang="en-IE" dirty="0"/>
+              <a:t> + [4, 5, 6])</a:t>
+            </a:r>
+            <a:br>
+              <a:rPr lang="en-IE" dirty="0"/>
+            </a:br>
+            <a:r>
+              <a:rPr lang="en-IE" dirty="0"/>
+              <a:t>print(</a:t>
+            </a:r>
+            <a:r>
+              <a:rPr lang="en-IE" dirty="0" err="1"/>
+              <a:t>nums</a:t>
+            </a:r>
+            <a:r>
+              <a:rPr lang="en-IE" dirty="0"/>
+              <a:t> * 3)</a:t>
+            </a:r>
+          </a:p>
+        </p:txBody>
+      </p:sp>
+    </p:spTree>
+    <p:extLst>
+      <p:ext uri="{BB962C8B-B14F-4D97-AF65-F5344CB8AC3E}">
+        <p14:creationId xmlns:p14="http://schemas.microsoft.com/office/powerpoint/2010/main" val="1525249039"/>
+      </p:ext>
+    </p:extLst>
+  </p:cSld>
+  <p:clrMapOvr>
+    <a:masterClrMapping/>
+  </p:clrMapOvr>
+</p:sld>
+</file>
+
+<file path=ppt/slides/slide33.xml><?xml version="1.0" encoding="utf-8"?>
+<p:sld xmlns:a="http://schemas.openxmlformats.org/drawingml/2006/main" xmlns:r="http://schemas.openxmlformats.org/officeDocument/2006/relationships" xmlns:p="http://schemas.openxmlformats.org/presentationml/2006/main">
+  <p:cSld>
+    <p:spTree>
+      <p:nvGrpSpPr>
+        <p:cNvPr id="1" name=""/>
+        <p:cNvGrpSpPr/>
+        <p:nvPr/>
+      </p:nvGrpSpPr>
+      <p:grpSpPr>
+        <a:xfrm>
+          <a:off x="0" y="0"/>
+          <a:ext cx="0" cy="0"/>
+          <a:chOff x="0" y="0"/>
+          <a:chExt cx="0" cy="0"/>
+        </a:xfrm>
+      </p:grpSpPr>
+      <p:sp>
+        <p:nvSpPr>
+          <p:cNvPr id="2" name="Title 1">
+            <a:extLst>
+              <a:ext uri="{FF2B5EF4-FFF2-40B4-BE49-F238E27FC236}">
+                <a16:creationId xmlns:a16="http://schemas.microsoft.com/office/drawing/2014/main" xmlns="" id="{ACB581C3-8D84-47BC-A39D-30330786D912}"/>
+              </a:ext>
+            </a:extLst>
+          </p:cNvPr>
+          <p:cNvSpPr>
+            <a:spLocks noGrp="1"/>
+          </p:cNvSpPr>
+          <p:nvPr>
+            <p:ph type="title"/>
+          </p:nvPr>
+        </p:nvSpPr>
+        <p:spPr>
+          <a:xfrm>
+            <a:off x="457200" y="274638"/>
+            <a:ext cx="8229600" cy="850106"/>
+          </a:xfrm>
+        </p:spPr>
+        <p:txBody>
+          <a:bodyPr/>
+          <a:lstStyle/>
+          <a:p>
+            <a:r>
+              <a:rPr lang="en-IE" b="1" dirty="0"/>
+              <a:t>List Operations</a:t>
+            </a:r>
+            <a:endParaRPr lang="en-IE" dirty="0"/>
+          </a:p>
+        </p:txBody>
+      </p:sp>
+      <p:sp>
+        <p:nvSpPr>
+          <p:cNvPr id="3" name="Content Placeholder 2">
+            <a:extLst>
+              <a:ext uri="{FF2B5EF4-FFF2-40B4-BE49-F238E27FC236}">
+                <a16:creationId xmlns:a16="http://schemas.microsoft.com/office/drawing/2014/main" xmlns="" id="{F6DA342E-A241-471B-B74D-2004E2CA09B8}"/>
+              </a:ext>
+            </a:extLst>
+          </p:cNvPr>
+          <p:cNvSpPr>
+            <a:spLocks noGrp="1"/>
+          </p:cNvSpPr>
+          <p:nvPr>
+            <p:ph idx="1"/>
+          </p:nvPr>
+        </p:nvSpPr>
+        <p:spPr>
+          <a:xfrm>
+            <a:off x="457200" y="1124744"/>
+            <a:ext cx="8229600" cy="5001419"/>
+          </a:xfrm>
+        </p:spPr>
+        <p:txBody>
+          <a:bodyPr>
+            <a:normAutofit fontScale="77500" lnSpcReduction="20000"/>
+          </a:bodyPr>
+          <a:lstStyle/>
+          <a:p>
+            <a:r>
+              <a:rPr lang="en-US" dirty="0"/>
+              <a:t>To check if an item is in a list, the </a:t>
+            </a:r>
+            <a:r>
+              <a:rPr lang="en-US" b="1" dirty="0"/>
+              <a:t>in</a:t>
+            </a:r>
+            <a:r>
+              <a:rPr lang="en-US" dirty="0"/>
+              <a:t> operator can be used. It returns </a:t>
+            </a:r>
+            <a:r>
+              <a:rPr lang="en-US" b="1" dirty="0"/>
+              <a:t>True</a:t>
+            </a:r>
+            <a:r>
+              <a:rPr lang="en-US" dirty="0"/>
+              <a:t> if the item occurs one or more times in the list, and </a:t>
+            </a:r>
+            <a:r>
+              <a:rPr lang="en-US" b="1" dirty="0"/>
+              <a:t>False</a:t>
+            </a:r>
+            <a:r>
+              <a:rPr lang="en-US" dirty="0"/>
+              <a:t> if it doesn’t.</a:t>
+            </a:r>
+          </a:p>
+          <a:p>
+            <a:pPr marL="0" indent="0">
+              <a:buNone/>
+            </a:pPr>
+            <a:r>
+              <a:rPr lang="en-US" dirty="0"/>
+              <a:t>words = ["spam", "egg", "spam", "sausage"]</a:t>
+            </a:r>
+            <a:br>
+              <a:rPr lang="en-US" dirty="0"/>
+            </a:br>
+            <a:r>
+              <a:rPr lang="en-US" dirty="0"/>
+              <a:t>print("spam" </a:t>
+            </a:r>
+            <a:r>
+              <a:rPr lang="en-US" b="1" dirty="0"/>
+              <a:t>in </a:t>
+            </a:r>
+            <a:r>
+              <a:rPr lang="en-US" dirty="0"/>
+              <a:t>words)</a:t>
+            </a:r>
+            <a:br>
+              <a:rPr lang="en-US" dirty="0"/>
+            </a:br>
+            <a:r>
+              <a:rPr lang="en-US" dirty="0"/>
+              <a:t>print("egg" </a:t>
+            </a:r>
+            <a:r>
+              <a:rPr lang="en-US" b="1" dirty="0"/>
+              <a:t>in </a:t>
+            </a:r>
+            <a:r>
+              <a:rPr lang="en-US" dirty="0"/>
+              <a:t>words)</a:t>
+            </a:r>
+            <a:br>
+              <a:rPr lang="en-US" dirty="0"/>
+            </a:br>
+            <a:r>
+              <a:rPr lang="en-US" dirty="0"/>
+              <a:t>print("tomato" </a:t>
+            </a:r>
+            <a:r>
+              <a:rPr lang="en-US" b="1" dirty="0"/>
+              <a:t>in </a:t>
+            </a:r>
+            <a:r>
+              <a:rPr lang="en-US" dirty="0"/>
+              <a:t>words)</a:t>
+            </a:r>
+          </a:p>
+          <a:p>
+            <a:pPr marL="0" indent="0">
+              <a:buNone/>
+            </a:pPr>
+            <a:endParaRPr lang="en-US" dirty="0"/>
+          </a:p>
+          <a:p>
+            <a:r>
+              <a:rPr lang="en-US" dirty="0"/>
+              <a:t>To check if an item is not in a list, you can use the </a:t>
+            </a:r>
+            <a:r>
+              <a:rPr lang="en-US" b="1" dirty="0"/>
+              <a:t>not </a:t>
+            </a:r>
+            <a:r>
+              <a:rPr lang="en-US" dirty="0"/>
+              <a:t>operator in one of the following ways:</a:t>
+            </a:r>
+          </a:p>
+          <a:p>
+            <a:pPr marL="0" indent="0">
+              <a:buNone/>
+            </a:pPr>
+            <a:r>
+              <a:rPr lang="en-US" dirty="0" err="1"/>
+              <a:t>nums</a:t>
+            </a:r>
+            <a:r>
+              <a:rPr lang="en-US" dirty="0"/>
+              <a:t> = [1, 2, 3]</a:t>
+            </a:r>
+            <a:br>
+              <a:rPr lang="en-US" dirty="0"/>
+            </a:br>
+            <a:r>
+              <a:rPr lang="en-US" dirty="0"/>
+              <a:t>print(</a:t>
+            </a:r>
+            <a:r>
+              <a:rPr lang="en-US" b="1" dirty="0"/>
+              <a:t>not </a:t>
+            </a:r>
+            <a:r>
+              <a:rPr lang="en-US" dirty="0"/>
+              <a:t>4 in </a:t>
+            </a:r>
+            <a:r>
+              <a:rPr lang="en-US" dirty="0" err="1"/>
+              <a:t>nums</a:t>
+            </a:r>
+            <a:r>
+              <a:rPr lang="en-US" dirty="0"/>
+              <a:t>)</a:t>
+            </a:r>
+            <a:br>
+              <a:rPr lang="en-US" dirty="0"/>
+            </a:br>
+            <a:r>
+              <a:rPr lang="en-US" dirty="0"/>
+              <a:t>print(4 </a:t>
+            </a:r>
+            <a:r>
+              <a:rPr lang="en-US" b="1" dirty="0"/>
+              <a:t>not </a:t>
+            </a:r>
+            <a:r>
+              <a:rPr lang="en-US" dirty="0"/>
+              <a:t>in </a:t>
+            </a:r>
+            <a:r>
+              <a:rPr lang="en-US" dirty="0" err="1"/>
+              <a:t>nums</a:t>
+            </a:r>
+            <a:r>
+              <a:rPr lang="en-US" dirty="0"/>
+              <a:t>)</a:t>
+            </a:r>
+            <a:br>
+              <a:rPr lang="en-US" dirty="0"/>
+            </a:br>
+            <a:r>
+              <a:rPr lang="en-US" dirty="0"/>
+              <a:t>print(</a:t>
+            </a:r>
+            <a:r>
+              <a:rPr lang="en-US" b="1" dirty="0"/>
+              <a:t>not </a:t>
+            </a:r>
+            <a:r>
+              <a:rPr lang="en-US" dirty="0"/>
+              <a:t>3 in </a:t>
+            </a:r>
+            <a:r>
+              <a:rPr lang="en-US" dirty="0" err="1"/>
+              <a:t>nums</a:t>
+            </a:r>
+            <a:r>
+              <a:rPr lang="en-US" dirty="0"/>
+              <a:t>)</a:t>
+            </a:r>
+            <a:endParaRPr lang="en-IE" dirty="0"/>
+          </a:p>
+        </p:txBody>
+      </p:sp>
+    </p:spTree>
+    <p:extLst>
+      <p:ext uri="{BB962C8B-B14F-4D97-AF65-F5344CB8AC3E}">
+        <p14:creationId xmlns:p14="http://schemas.microsoft.com/office/powerpoint/2010/main" val="1633909905"/>
+      </p:ext>
+    </p:extLst>
+  </p:cSld>
+  <p:clrMapOvr>
+    <a:masterClrMapping/>
+  </p:clrMapOvr>
+</p:sld>
+</file>
+
+<file path=ppt/slides/slide34.xml><?xml version="1.0" encoding="utf-8"?>
+<p:sld xmlns:a="http://schemas.openxmlformats.org/drawingml/2006/main" xmlns:r="http://schemas.openxmlformats.org/officeDocument/2006/relationships" xmlns:p="http://schemas.openxmlformats.org/presentationml/2006/main">
+  <p:cSld>
+    <p:spTree>
+      <p:nvGrpSpPr>
+        <p:cNvPr id="1" name=""/>
+        <p:cNvGrpSpPr/>
+        <p:nvPr/>
+      </p:nvGrpSpPr>
+      <p:grpSpPr>
+        <a:xfrm>
+          <a:off x="0" y="0"/>
+          <a:ext cx="0" cy="0"/>
+          <a:chOff x="0" y="0"/>
+          <a:chExt cx="0" cy="0"/>
+        </a:xfrm>
+      </p:grpSpPr>
+      <p:sp>
+        <p:nvSpPr>
+          <p:cNvPr id="2" name="Title 1">
+            <a:extLst>
+              <a:ext uri="{FF2B5EF4-FFF2-40B4-BE49-F238E27FC236}">
+                <a16:creationId xmlns:a16="http://schemas.microsoft.com/office/drawing/2014/main" xmlns="" id="{2D7085AA-1A3F-4E87-B43A-47783AE6C9F5}"/>
+              </a:ext>
+            </a:extLst>
+          </p:cNvPr>
+          <p:cNvSpPr>
+            <a:spLocks noGrp="1"/>
+          </p:cNvSpPr>
+          <p:nvPr>
+            <p:ph type="title"/>
+          </p:nvPr>
+        </p:nvSpPr>
+        <p:spPr>
+          <a:xfrm>
+            <a:off x="457200" y="274638"/>
+            <a:ext cx="8229600" cy="778098"/>
+          </a:xfrm>
+        </p:spPr>
+        <p:txBody>
+          <a:bodyPr/>
+          <a:lstStyle/>
+          <a:p>
+            <a:r>
+              <a:rPr lang="en-IE" b="1" dirty="0"/>
+              <a:t>List Functions</a:t>
+            </a:r>
+            <a:endParaRPr lang="en-IE" dirty="0"/>
+          </a:p>
+        </p:txBody>
+      </p:sp>
+      <p:sp>
+        <p:nvSpPr>
+          <p:cNvPr id="3" name="Content Placeholder 2">
+            <a:extLst>
+              <a:ext uri="{FF2B5EF4-FFF2-40B4-BE49-F238E27FC236}">
+                <a16:creationId xmlns:a16="http://schemas.microsoft.com/office/drawing/2014/main" xmlns="" id="{967A5C71-9AE3-4699-A1BD-DA4073241DA5}"/>
+              </a:ext>
+            </a:extLst>
+          </p:cNvPr>
+          <p:cNvSpPr>
+            <a:spLocks noGrp="1"/>
+          </p:cNvSpPr>
+          <p:nvPr>
+            <p:ph idx="1"/>
+          </p:nvPr>
+        </p:nvSpPr>
+        <p:spPr>
+          <a:xfrm>
+            <a:off x="457200" y="1124744"/>
+            <a:ext cx="8229600" cy="5001419"/>
+          </a:xfrm>
+        </p:spPr>
+        <p:txBody>
+          <a:bodyPr>
+            <a:normAutofit fontScale="92500" lnSpcReduction="10000"/>
+          </a:bodyPr>
+          <a:lstStyle/>
+          <a:p>
+            <a:r>
+              <a:rPr lang="en-US" dirty="0"/>
+              <a:t>Another way of altering lists is using the </a:t>
+            </a:r>
+            <a:r>
+              <a:rPr lang="en-US" b="1" dirty="0"/>
+              <a:t>append </a:t>
+            </a:r>
+            <a:r>
+              <a:rPr lang="en-US" dirty="0"/>
+              <a:t>method. This adds an item to the end of an existing list.</a:t>
+            </a:r>
+          </a:p>
+          <a:p>
+            <a:pPr marL="0" indent="0">
+              <a:buNone/>
+            </a:pPr>
+            <a:r>
+              <a:rPr lang="en-IE" dirty="0" err="1"/>
+              <a:t>nums</a:t>
+            </a:r>
+            <a:r>
+              <a:rPr lang="en-IE" dirty="0"/>
+              <a:t> = [1, 2, 3]</a:t>
+            </a:r>
+            <a:br>
+              <a:rPr lang="en-IE" dirty="0"/>
+            </a:br>
+            <a:r>
+              <a:rPr lang="en-IE" dirty="0" err="1"/>
+              <a:t>nums</a:t>
+            </a:r>
+            <a:r>
+              <a:rPr lang="en-IE" b="1" dirty="0" err="1"/>
+              <a:t>.append</a:t>
+            </a:r>
+            <a:r>
+              <a:rPr lang="en-IE" dirty="0"/>
+              <a:t>(4)</a:t>
+            </a:r>
+            <a:br>
+              <a:rPr lang="en-IE" dirty="0"/>
+            </a:br>
+            <a:r>
+              <a:rPr lang="en-IE" dirty="0"/>
+              <a:t>print(</a:t>
+            </a:r>
+            <a:r>
+              <a:rPr lang="en-IE" dirty="0" err="1"/>
+              <a:t>nums</a:t>
+            </a:r>
+            <a:r>
+              <a:rPr lang="en-IE" dirty="0"/>
+              <a:t>)</a:t>
+            </a:r>
+          </a:p>
+          <a:p>
+            <a:pPr marL="0" indent="0">
+              <a:buNone/>
+            </a:pPr>
+            <a:endParaRPr lang="en-IE" dirty="0"/>
+          </a:p>
+          <a:p>
+            <a:r>
+              <a:rPr lang="en-US" dirty="0"/>
+              <a:t>To get the number of items in a list, you can use the </a:t>
+            </a:r>
+            <a:r>
+              <a:rPr lang="en-US" b="1" dirty="0" err="1"/>
+              <a:t>len</a:t>
+            </a:r>
+            <a:r>
+              <a:rPr lang="en-US" b="1" dirty="0"/>
+              <a:t> </a:t>
+            </a:r>
+            <a:r>
+              <a:rPr lang="en-US" dirty="0"/>
+              <a:t>function.</a:t>
+            </a:r>
+          </a:p>
+          <a:p>
+            <a:pPr marL="0" indent="0">
+              <a:buNone/>
+            </a:pPr>
+            <a:r>
+              <a:rPr lang="en-IE" dirty="0" err="1"/>
+              <a:t>nums</a:t>
+            </a:r>
+            <a:r>
+              <a:rPr lang="en-IE" dirty="0"/>
+              <a:t> = [1, 3, 5, 2, 4]</a:t>
+            </a:r>
+            <a:br>
+              <a:rPr lang="en-IE" dirty="0"/>
+            </a:br>
+            <a:r>
+              <a:rPr lang="en-IE" dirty="0"/>
+              <a:t>print(</a:t>
+            </a:r>
+            <a:r>
+              <a:rPr lang="en-IE" b="1" dirty="0" err="1"/>
+              <a:t>len</a:t>
+            </a:r>
+            <a:r>
+              <a:rPr lang="en-IE" dirty="0"/>
+              <a:t>(</a:t>
+            </a:r>
+            <a:r>
+              <a:rPr lang="en-IE" dirty="0" err="1"/>
+              <a:t>nums</a:t>
+            </a:r>
+            <a:r>
+              <a:rPr lang="en-IE" dirty="0"/>
+              <a:t>))</a:t>
+            </a:r>
+          </a:p>
+        </p:txBody>
+      </p:sp>
+    </p:spTree>
+    <p:extLst>
+      <p:ext uri="{BB962C8B-B14F-4D97-AF65-F5344CB8AC3E}">
+        <p14:creationId xmlns:p14="http://schemas.microsoft.com/office/powerpoint/2010/main" val="1836064444"/>
+      </p:ext>
+    </p:extLst>
+  </p:cSld>
+  <p:clrMapOvr>
+    <a:masterClrMapping/>
+  </p:clrMapOvr>
+</p:sld>
+</file>
+
+<file path=ppt/slides/slide35.xml><?xml version="1.0" encoding="utf-8"?>
+<p:sld xmlns:a="http://schemas.openxmlformats.org/drawingml/2006/main" xmlns:r="http://schemas.openxmlformats.org/officeDocument/2006/relationships" xmlns:p="http://schemas.openxmlformats.org/presentationml/2006/main">
+  <p:cSld>
+    <p:spTree>
+      <p:nvGrpSpPr>
+        <p:cNvPr id="1" name=""/>
+        <p:cNvGrpSpPr/>
+        <p:nvPr/>
+      </p:nvGrpSpPr>
+      <p:grpSpPr>
+        <a:xfrm>
+          <a:off x="0" y="0"/>
+          <a:ext cx="0" cy="0"/>
+          <a:chOff x="0" y="0"/>
+          <a:chExt cx="0" cy="0"/>
+        </a:xfrm>
+      </p:grpSpPr>
+      <p:sp>
+        <p:nvSpPr>
+          <p:cNvPr id="2" name="Title 1">
+            <a:extLst>
+              <a:ext uri="{FF2B5EF4-FFF2-40B4-BE49-F238E27FC236}">
+                <a16:creationId xmlns:a16="http://schemas.microsoft.com/office/drawing/2014/main" xmlns="" id="{ED7492E1-6E5C-4D39-9598-0C54B263A2CF}"/>
+              </a:ext>
+            </a:extLst>
+          </p:cNvPr>
+          <p:cNvSpPr>
+            <a:spLocks noGrp="1"/>
+          </p:cNvSpPr>
+          <p:nvPr>
+            <p:ph type="title"/>
+          </p:nvPr>
+        </p:nvSpPr>
+        <p:spPr>
+          <a:xfrm>
+            <a:off x="457200" y="274638"/>
+            <a:ext cx="8229600" cy="706090"/>
+          </a:xfrm>
+        </p:spPr>
+        <p:txBody>
+          <a:bodyPr>
+            <a:normAutofit fontScale="90000"/>
+          </a:bodyPr>
+          <a:lstStyle/>
+          <a:p>
+            <a:r>
+              <a:rPr lang="en-IE" b="1" dirty="0"/>
+              <a:t>List Functions</a:t>
+            </a:r>
+            <a:endParaRPr lang="en-IE" dirty="0"/>
+          </a:p>
+        </p:txBody>
+      </p:sp>
+      <p:sp>
+        <p:nvSpPr>
+          <p:cNvPr id="3" name="Content Placeholder 2">
+            <a:extLst>
+              <a:ext uri="{FF2B5EF4-FFF2-40B4-BE49-F238E27FC236}">
+                <a16:creationId xmlns:a16="http://schemas.microsoft.com/office/drawing/2014/main" xmlns="" id="{A201F562-8E17-4F05-B845-DCC527ED99C9}"/>
+              </a:ext>
+            </a:extLst>
+          </p:cNvPr>
+          <p:cNvSpPr>
+            <a:spLocks noGrp="1"/>
+          </p:cNvSpPr>
+          <p:nvPr>
+            <p:ph idx="1"/>
+          </p:nvPr>
+        </p:nvSpPr>
+        <p:spPr>
+          <a:xfrm>
+            <a:off x="457200" y="1052736"/>
+            <a:ext cx="8229600" cy="5073427"/>
+          </a:xfrm>
+        </p:spPr>
+        <p:txBody>
+          <a:bodyPr>
+            <a:normAutofit fontScale="85000" lnSpcReduction="20000"/>
+          </a:bodyPr>
+          <a:lstStyle/>
+          <a:p>
+            <a:r>
+              <a:rPr lang="en-US" dirty="0"/>
+              <a:t>The </a:t>
+            </a:r>
+            <a:r>
+              <a:rPr lang="en-US" b="1" dirty="0"/>
+              <a:t>insert</a:t>
+            </a:r>
+            <a:r>
+              <a:rPr lang="en-US" dirty="0"/>
+              <a:t> method is similar to </a:t>
+            </a:r>
+            <a:r>
+              <a:rPr lang="en-US" b="1" dirty="0"/>
+              <a:t>append</a:t>
+            </a:r>
+            <a:r>
+              <a:rPr lang="en-US" dirty="0"/>
+              <a:t>, except that it allows you to insert a new item at any position in the list, as opposed to just at the end.</a:t>
+            </a:r>
+          </a:p>
+          <a:p>
+            <a:pPr marL="0" indent="0">
+              <a:buNone/>
+            </a:pPr>
+            <a:r>
+              <a:rPr lang="en-US" dirty="0"/>
+              <a:t>words = ["Python", "fun"]</a:t>
+            </a:r>
+            <a:br>
+              <a:rPr lang="en-US" dirty="0"/>
+            </a:br>
+            <a:r>
+              <a:rPr lang="en-US" dirty="0"/>
+              <a:t>index = 1</a:t>
+            </a:r>
+            <a:br>
+              <a:rPr lang="en-US" dirty="0"/>
+            </a:br>
+            <a:r>
+              <a:rPr lang="en-US" dirty="0" err="1"/>
+              <a:t>words</a:t>
+            </a:r>
+            <a:r>
+              <a:rPr lang="en-US" b="1" dirty="0" err="1"/>
+              <a:t>.insert</a:t>
+            </a:r>
+            <a:r>
+              <a:rPr lang="en-US" dirty="0"/>
+              <a:t>(index, "is")</a:t>
+            </a:r>
+            <a:br>
+              <a:rPr lang="en-US" dirty="0"/>
+            </a:br>
+            <a:r>
+              <a:rPr lang="en-US" dirty="0"/>
+              <a:t>print(words)</a:t>
+            </a:r>
+          </a:p>
+          <a:p>
+            <a:pPr marL="0" indent="0">
+              <a:buNone/>
+            </a:pPr>
+            <a:endParaRPr lang="en-US" dirty="0"/>
+          </a:p>
+          <a:p>
+            <a:r>
+              <a:rPr lang="en-US" dirty="0"/>
+              <a:t>The </a:t>
+            </a:r>
+            <a:r>
+              <a:rPr lang="en-US" b="1" dirty="0"/>
+              <a:t>index</a:t>
+            </a:r>
+            <a:r>
+              <a:rPr lang="en-US" dirty="0"/>
+              <a:t> method finds the first occurrence of a list item and returns its index.</a:t>
+            </a:r>
+            <a:br>
+              <a:rPr lang="en-US" dirty="0"/>
+            </a:br>
+            <a:r>
+              <a:rPr lang="en-US" dirty="0"/>
+              <a:t>If the item isn't in the list, it raises a </a:t>
+            </a:r>
+            <a:r>
+              <a:rPr lang="en-US" dirty="0" err="1"/>
+              <a:t>ValueError</a:t>
+            </a:r>
+            <a:r>
+              <a:rPr lang="en-US" dirty="0"/>
+              <a:t>.</a:t>
+            </a:r>
+          </a:p>
+          <a:p>
+            <a:pPr marL="0" indent="0">
+              <a:buNone/>
+            </a:pPr>
+            <a:r>
+              <a:rPr lang="en-IE" dirty="0"/>
+              <a:t>letters = ['p', 'q', 'r', 's', 'p', 'u']</a:t>
+            </a:r>
+            <a:br>
+              <a:rPr lang="en-IE" dirty="0"/>
+            </a:br>
+            <a:r>
+              <a:rPr lang="en-IE" dirty="0"/>
+              <a:t>print(</a:t>
+            </a:r>
+            <a:r>
+              <a:rPr lang="en-IE" dirty="0" err="1"/>
+              <a:t>letters.index</a:t>
+            </a:r>
+            <a:r>
+              <a:rPr lang="en-IE" dirty="0"/>
+              <a:t>('r'))</a:t>
+            </a:r>
+            <a:br>
+              <a:rPr lang="en-IE" dirty="0"/>
+            </a:br>
+            <a:r>
+              <a:rPr lang="en-IE" dirty="0"/>
+              <a:t>print(</a:t>
+            </a:r>
+            <a:r>
+              <a:rPr lang="en-IE" dirty="0" err="1"/>
+              <a:t>letters.index</a:t>
+            </a:r>
+            <a:r>
+              <a:rPr lang="en-IE" dirty="0"/>
+              <a:t>('p'))</a:t>
+            </a:r>
+          </a:p>
+        </p:txBody>
+      </p:sp>
+    </p:spTree>
+    <p:extLst>
+      <p:ext uri="{BB962C8B-B14F-4D97-AF65-F5344CB8AC3E}">
+        <p14:creationId xmlns:p14="http://schemas.microsoft.com/office/powerpoint/2010/main" val="3489293644"/>
+      </p:ext>
+    </p:extLst>
+  </p:cSld>
+  <p:clrMapOvr>
+    <a:masterClrMapping/>
+  </p:clrMapOvr>
+</p:sld>
+</file>
+
+<file path=ppt/slides/slide36.xml><?xml version="1.0" encoding="utf-8"?>
+<p:sld xmlns:a="http://schemas.openxmlformats.org/drawingml/2006/main" xmlns:r="http://schemas.openxmlformats.org/officeDocument/2006/relationships" xmlns:p="http://schemas.openxmlformats.org/presentationml/2006/main">
+  <p:cSld>
+    <p:spTree>
+      <p:nvGrpSpPr>
+        <p:cNvPr id="1" name=""/>
+        <p:cNvGrpSpPr/>
+        <p:nvPr/>
+      </p:nvGrpSpPr>
+      <p:grpSpPr>
+        <a:xfrm>
+          <a:off x="0" y="0"/>
+          <a:ext cx="0" cy="0"/>
+          <a:chOff x="0" y="0"/>
+          <a:chExt cx="0" cy="0"/>
+        </a:xfrm>
+      </p:grpSpPr>
+      <p:sp>
+        <p:nvSpPr>
+          <p:cNvPr id="2" name="Title 1">
+            <a:extLst>
+              <a:ext uri="{FF2B5EF4-FFF2-40B4-BE49-F238E27FC236}">
+                <a16:creationId xmlns:a16="http://schemas.microsoft.com/office/drawing/2014/main" xmlns="" id="{73EB5DE2-242E-4073-ABE1-10E062357D1F}"/>
+              </a:ext>
+            </a:extLst>
+          </p:cNvPr>
+          <p:cNvSpPr>
+            <a:spLocks noGrp="1"/>
+          </p:cNvSpPr>
+          <p:nvPr>
+            <p:ph type="title"/>
+          </p:nvPr>
+        </p:nvSpPr>
+        <p:spPr>
+          <a:xfrm>
+            <a:off x="457200" y="274638"/>
+            <a:ext cx="8229600" cy="850106"/>
+          </a:xfrm>
+        </p:spPr>
+        <p:txBody>
+          <a:bodyPr/>
+          <a:lstStyle/>
+          <a:p>
+            <a:r>
+              <a:rPr lang="en-IE" dirty="0"/>
+              <a:t>Tuple</a:t>
+            </a:r>
+          </a:p>
+        </p:txBody>
+      </p:sp>
+      <p:sp>
+        <p:nvSpPr>
+          <p:cNvPr id="3" name="Content Placeholder 2">
+            <a:extLst>
+              <a:ext uri="{FF2B5EF4-FFF2-40B4-BE49-F238E27FC236}">
+                <a16:creationId xmlns:a16="http://schemas.microsoft.com/office/drawing/2014/main" xmlns="" id="{C4830E13-488F-49F6-9AB7-86A28BAADAF2}"/>
+              </a:ext>
+            </a:extLst>
+          </p:cNvPr>
+          <p:cNvSpPr>
+            <a:spLocks noGrp="1"/>
+          </p:cNvSpPr>
+          <p:nvPr>
+            <p:ph idx="1"/>
+          </p:nvPr>
+        </p:nvSpPr>
+        <p:spPr>
+          <a:xfrm>
+            <a:off x="457200" y="1268760"/>
+            <a:ext cx="8229600" cy="4857403"/>
+          </a:xfrm>
+        </p:spPr>
+        <p:txBody>
+          <a:bodyPr>
+            <a:normAutofit/>
+          </a:bodyPr>
+          <a:lstStyle/>
+          <a:p>
+            <a:r>
+              <a:rPr lang="en-US" dirty="0"/>
+              <a:t>A tuple is a collection which is ordered and </a:t>
+            </a:r>
+            <a:r>
+              <a:rPr lang="en-US" b="1" dirty="0"/>
+              <a:t>unchangeable</a:t>
+            </a:r>
+            <a:r>
+              <a:rPr lang="en-US" dirty="0"/>
+              <a:t>. In Python tuples are written with round brackets.</a:t>
+            </a:r>
+          </a:p>
+          <a:p>
+            <a:pPr marL="0" indent="0">
+              <a:buNone/>
+            </a:pPr>
+            <a:r>
+              <a:rPr lang="en-US" dirty="0" err="1"/>
+              <a:t>thistuple</a:t>
+            </a:r>
+            <a:r>
+              <a:rPr lang="en-US" dirty="0"/>
+              <a:t> = ("apple", "banana", "cherry")</a:t>
+            </a:r>
+            <a:br>
+              <a:rPr lang="en-US" dirty="0"/>
+            </a:br>
+            <a:r>
+              <a:rPr lang="en-US" dirty="0"/>
+              <a:t>print(</a:t>
+            </a:r>
+            <a:r>
+              <a:rPr lang="en-US" dirty="0" err="1"/>
+              <a:t>thistuple</a:t>
+            </a:r>
+            <a:r>
+              <a:rPr lang="en-US" dirty="0"/>
+              <a:t>[1])</a:t>
+            </a:r>
+          </a:p>
+          <a:p>
+            <a:pPr marL="0" indent="0">
+              <a:buNone/>
+            </a:pPr>
+            <a:r>
+              <a:rPr lang="en-US" dirty="0" err="1"/>
+              <a:t>thistuple</a:t>
+            </a:r>
+            <a:r>
+              <a:rPr lang="en-US" dirty="0"/>
+              <a:t>[1] = "blackcurrant"</a:t>
+            </a:r>
+            <a:br>
+              <a:rPr lang="en-US" dirty="0"/>
+            </a:br>
+            <a:r>
+              <a:rPr lang="en-US" dirty="0"/>
+              <a:t>print(</a:t>
+            </a:r>
+            <a:r>
+              <a:rPr lang="en-US" dirty="0" err="1"/>
+              <a:t>thistuple</a:t>
+            </a:r>
+            <a:r>
+              <a:rPr lang="en-US" dirty="0"/>
+              <a:t>)</a:t>
+            </a:r>
+            <a:endParaRPr lang="en-IE" dirty="0"/>
+          </a:p>
+        </p:txBody>
+      </p:sp>
+    </p:spTree>
+    <p:extLst>
+      <p:ext uri="{BB962C8B-B14F-4D97-AF65-F5344CB8AC3E}">
+        <p14:creationId xmlns:p14="http://schemas.microsoft.com/office/powerpoint/2010/main" val="2239294914"/>
+      </p:ext>
+    </p:extLst>
+  </p:cSld>
+  <p:clrMapOvr>
+    <a:masterClrMapping/>
+  </p:clrMapOvr>
+</p:sld>
+</file>
+
+<file path=ppt/slides/slide37.xml><?xml version="1.0" encoding="utf-8"?>
+<p:sld xmlns:a="http://schemas.openxmlformats.org/drawingml/2006/main" xmlns:r="http://schemas.openxmlformats.org/officeDocument/2006/relationships" xmlns:p="http://schemas.openxmlformats.org/presentationml/2006/main">
+  <p:cSld>
+    <p:spTree>
+      <p:nvGrpSpPr>
+        <p:cNvPr id="1" name=""/>
+        <p:cNvGrpSpPr/>
+        <p:nvPr/>
+      </p:nvGrpSpPr>
+      <p:grpSpPr>
+        <a:xfrm>
+          <a:off x="0" y="0"/>
+          <a:ext cx="0" cy="0"/>
+          <a:chOff x="0" y="0"/>
+          <a:chExt cx="0" cy="0"/>
+        </a:xfrm>
+      </p:grpSpPr>
+      <p:sp>
+        <p:nvSpPr>
+          <p:cNvPr id="2" name="Title 1">
+            <a:extLst>
+              <a:ext uri="{FF2B5EF4-FFF2-40B4-BE49-F238E27FC236}">
+                <a16:creationId xmlns:a16="http://schemas.microsoft.com/office/drawing/2014/main" xmlns="" id="{CA9C9B06-6BBE-40C9-8295-2ABA22CCC2E2}"/>
+              </a:ext>
+            </a:extLst>
+          </p:cNvPr>
+          <p:cNvSpPr>
+            <a:spLocks noGrp="1"/>
+          </p:cNvSpPr>
+          <p:nvPr>
+            <p:ph type="title"/>
+          </p:nvPr>
+        </p:nvSpPr>
+        <p:spPr>
+          <a:xfrm>
+            <a:off x="457200" y="274638"/>
+            <a:ext cx="8229600" cy="850106"/>
+          </a:xfrm>
+        </p:spPr>
+        <p:txBody>
+          <a:bodyPr>
+            <a:normAutofit/>
+          </a:bodyPr>
+          <a:lstStyle/>
+          <a:p>
+            <a:r>
+              <a:rPr lang="en-IE" dirty="0"/>
+              <a:t>Sets</a:t>
+            </a:r>
+          </a:p>
+        </p:txBody>
+      </p:sp>
+      <p:sp>
+        <p:nvSpPr>
+          <p:cNvPr id="3" name="Content Placeholder 2">
+            <a:extLst>
+              <a:ext uri="{FF2B5EF4-FFF2-40B4-BE49-F238E27FC236}">
+                <a16:creationId xmlns:a16="http://schemas.microsoft.com/office/drawing/2014/main" xmlns="" id="{CF54C422-6565-4680-B4A8-BCEEFEFD2080}"/>
+              </a:ext>
+            </a:extLst>
+          </p:cNvPr>
+          <p:cNvSpPr>
+            <a:spLocks noGrp="1"/>
+          </p:cNvSpPr>
+          <p:nvPr>
+            <p:ph idx="1"/>
+          </p:nvPr>
+        </p:nvSpPr>
+        <p:spPr>
+          <a:xfrm>
+            <a:off x="457200" y="1124744"/>
+            <a:ext cx="8229600" cy="5001419"/>
+          </a:xfrm>
+        </p:spPr>
+        <p:txBody>
+          <a:bodyPr>
+            <a:normAutofit lnSpcReduction="10000"/>
+          </a:bodyPr>
+          <a:lstStyle/>
+          <a:p>
+            <a:r>
+              <a:rPr lang="en-US" dirty="0"/>
+              <a:t>A set is a collection which is </a:t>
+            </a:r>
+            <a:r>
+              <a:rPr lang="en-US" b="1" u="sng" dirty="0"/>
+              <a:t>unordered and unindexed</a:t>
+            </a:r>
+            <a:r>
+              <a:rPr lang="en-US" dirty="0"/>
+              <a:t>. In Python sets are written with curly brackets.</a:t>
+            </a:r>
+          </a:p>
+          <a:p>
+            <a:pPr marL="0" indent="0">
+              <a:buNone/>
+            </a:pPr>
+            <a:r>
+              <a:rPr lang="en-US" dirty="0"/>
+              <a:t>set = {"apple", "banana", "cherry"}</a:t>
+            </a:r>
+          </a:p>
+          <a:p>
+            <a:pPr marL="0" indent="0">
+              <a:buNone/>
+            </a:pPr>
+            <a:r>
+              <a:rPr lang="en-US" dirty="0"/>
+              <a:t>print(set)</a:t>
+            </a:r>
+          </a:p>
+          <a:p>
+            <a:pPr marL="0" indent="0">
+              <a:buNone/>
+            </a:pPr>
+            <a:endParaRPr lang="en-US" dirty="0"/>
+          </a:p>
+          <a:p>
+            <a:pPr marL="0" indent="0">
+              <a:buNone/>
+            </a:pPr>
+            <a:r>
+              <a:rPr lang="en-US" dirty="0"/>
+              <a:t>set = {"apple", "banana", "cherry"}</a:t>
+            </a:r>
+            <a:br>
+              <a:rPr lang="en-US" dirty="0"/>
+            </a:br>
+            <a:r>
+              <a:rPr lang="en-US" dirty="0"/>
+              <a:t/>
+            </a:r>
+            <a:br>
+              <a:rPr lang="en-US" dirty="0"/>
+            </a:br>
+            <a:r>
+              <a:rPr lang="en-US" dirty="0"/>
+              <a:t>for x in set:</a:t>
+            </a:r>
+            <a:br>
+              <a:rPr lang="en-US" dirty="0"/>
+            </a:br>
+            <a:r>
+              <a:rPr lang="en-US" dirty="0"/>
+              <a:t>  print(x)</a:t>
+            </a:r>
+            <a:endParaRPr lang="en-IE" dirty="0"/>
+          </a:p>
+        </p:txBody>
+      </p:sp>
+    </p:spTree>
+    <p:extLst>
+      <p:ext uri="{BB962C8B-B14F-4D97-AF65-F5344CB8AC3E}">
+        <p14:creationId xmlns:p14="http://schemas.microsoft.com/office/powerpoint/2010/main" val="1921098569"/>
+      </p:ext>
+    </p:extLst>
+  </p:cSld>
+  <p:clrMapOvr>
+    <a:masterClrMapping/>
+  </p:clrMapOvr>
+</p:sld>
+</file>
+
+<file path=ppt/slides/slide38.xml><?xml version="1.0" encoding="utf-8"?>
+<p:sld xmlns:a="http://schemas.openxmlformats.org/drawingml/2006/main" xmlns:r="http://schemas.openxmlformats.org/officeDocument/2006/relationships" xmlns:p="http://schemas.openxmlformats.org/presentationml/2006/main">
+  <p:cSld>
+    <p:spTree>
+      <p:nvGrpSpPr>
+        <p:cNvPr id="1" name=""/>
+        <p:cNvGrpSpPr/>
+        <p:nvPr/>
+      </p:nvGrpSpPr>
+      <p:grpSpPr>
+        <a:xfrm>
+          <a:off x="0" y="0"/>
+          <a:ext cx="0" cy="0"/>
+          <a:chOff x="0" y="0"/>
+          <a:chExt cx="0" cy="0"/>
+        </a:xfrm>
+      </p:grpSpPr>
+      <p:sp>
+        <p:nvSpPr>
+          <p:cNvPr id="2" name="Title 1">
+            <a:extLst>
+              <a:ext uri="{FF2B5EF4-FFF2-40B4-BE49-F238E27FC236}">
+                <a16:creationId xmlns:a16="http://schemas.microsoft.com/office/drawing/2014/main" xmlns="" id="{8D34C9E9-C22C-46D1-A93C-C5282DF5749D}"/>
+              </a:ext>
+            </a:extLst>
+          </p:cNvPr>
+          <p:cNvSpPr>
+            <a:spLocks noGrp="1"/>
+          </p:cNvSpPr>
+          <p:nvPr>
+            <p:ph type="title"/>
+          </p:nvPr>
+        </p:nvSpPr>
+        <p:spPr>
+          <a:xfrm>
+            <a:off x="457200" y="274638"/>
+            <a:ext cx="8229600" cy="706090"/>
+          </a:xfrm>
+        </p:spPr>
+        <p:txBody>
+          <a:bodyPr>
+            <a:normAutofit fontScale="90000"/>
+          </a:bodyPr>
+          <a:lstStyle/>
+          <a:p>
+            <a:r>
+              <a:rPr lang="en-IE" dirty="0"/>
+              <a:t>Dictionaries</a:t>
+            </a:r>
+          </a:p>
+        </p:txBody>
+      </p:sp>
+      <p:sp>
+        <p:nvSpPr>
+          <p:cNvPr id="3" name="Content Placeholder 2">
+            <a:extLst>
+              <a:ext uri="{FF2B5EF4-FFF2-40B4-BE49-F238E27FC236}">
+                <a16:creationId xmlns:a16="http://schemas.microsoft.com/office/drawing/2014/main" xmlns="" id="{CD110E9C-5468-458C-BA7E-7F38D8F8C73E}"/>
+              </a:ext>
+            </a:extLst>
+          </p:cNvPr>
+          <p:cNvSpPr>
+            <a:spLocks noGrp="1"/>
+          </p:cNvSpPr>
+          <p:nvPr>
+            <p:ph idx="1"/>
+          </p:nvPr>
+        </p:nvSpPr>
+        <p:spPr>
+          <a:xfrm>
+            <a:off x="457200" y="1124744"/>
+            <a:ext cx="8229600" cy="5001419"/>
+          </a:xfrm>
+        </p:spPr>
+        <p:txBody>
+          <a:bodyPr>
+            <a:normAutofit lnSpcReduction="10000"/>
+          </a:bodyPr>
+          <a:lstStyle/>
+          <a:p>
+            <a:r>
+              <a:rPr lang="en-US" dirty="0"/>
+              <a:t>A dictionary is a collection which is </a:t>
+            </a:r>
+            <a:r>
+              <a:rPr lang="en-US" b="1" u="sng" dirty="0"/>
+              <a:t>unordered</a:t>
+            </a:r>
+            <a:r>
+              <a:rPr lang="en-US" dirty="0"/>
+              <a:t>, </a:t>
+            </a:r>
+            <a:r>
+              <a:rPr lang="en-US" b="1" u="sng" dirty="0"/>
+              <a:t>changeable</a:t>
+            </a:r>
+            <a:r>
+              <a:rPr lang="en-US" dirty="0"/>
+              <a:t> and </a:t>
+            </a:r>
+            <a:r>
+              <a:rPr lang="en-US" b="1" u="sng" dirty="0"/>
+              <a:t>indexed</a:t>
+            </a:r>
+            <a:r>
+              <a:rPr lang="en-US" dirty="0"/>
+              <a:t>. In Python dictionaries are written with curly brackets, and they have </a:t>
+            </a:r>
+            <a:r>
+              <a:rPr lang="en-US" b="1" u="sng" dirty="0"/>
+              <a:t>keys</a:t>
+            </a:r>
+            <a:r>
+              <a:rPr lang="en-US" dirty="0"/>
+              <a:t> and </a:t>
+            </a:r>
+            <a:r>
+              <a:rPr lang="en-US" b="1" u="sng" dirty="0"/>
+              <a:t>values</a:t>
+            </a:r>
+            <a:r>
+              <a:rPr lang="en-US" dirty="0"/>
+              <a:t>.</a:t>
+            </a:r>
+          </a:p>
+          <a:p>
+            <a:pPr marL="0" indent="0">
+              <a:buNone/>
+            </a:pPr>
+            <a:r>
+              <a:rPr lang="en-US" dirty="0" err="1"/>
+              <a:t>dict</a:t>
+            </a:r>
+            <a:r>
+              <a:rPr lang="en-US" dirty="0"/>
+              <a:t> = {</a:t>
+            </a:r>
+            <a:br>
+              <a:rPr lang="en-US" dirty="0"/>
+            </a:br>
+            <a:r>
+              <a:rPr lang="en-US" dirty="0"/>
+              <a:t>  "brand": "Ford",</a:t>
+            </a:r>
+            <a:br>
+              <a:rPr lang="en-US" dirty="0"/>
+            </a:br>
+            <a:r>
+              <a:rPr lang="en-US" dirty="0"/>
+              <a:t>  "model": "Mustang",</a:t>
+            </a:r>
+            <a:br>
+              <a:rPr lang="en-US" dirty="0"/>
+            </a:br>
+            <a:r>
+              <a:rPr lang="en-US" dirty="0"/>
+              <a:t>  "year": 1964</a:t>
+            </a:r>
+            <a:br>
+              <a:rPr lang="en-US" dirty="0"/>
+            </a:br>
+            <a:r>
+              <a:rPr lang="en-US" dirty="0"/>
+              <a:t>}</a:t>
+            </a:r>
+            <a:br>
+              <a:rPr lang="en-US" dirty="0"/>
+            </a:br>
+            <a:r>
+              <a:rPr lang="en-US" dirty="0"/>
+              <a:t>print(</a:t>
+            </a:r>
+            <a:r>
+              <a:rPr lang="en-US" dirty="0" err="1"/>
+              <a:t>dict</a:t>
+            </a:r>
+            <a:r>
+              <a:rPr lang="en-US" dirty="0"/>
+              <a:t>)</a:t>
+            </a:r>
+            <a:endParaRPr lang="en-IE" dirty="0"/>
+          </a:p>
+        </p:txBody>
+      </p:sp>
+    </p:spTree>
+    <p:extLst>
+      <p:ext uri="{BB962C8B-B14F-4D97-AF65-F5344CB8AC3E}">
+        <p14:creationId xmlns:p14="http://schemas.microsoft.com/office/powerpoint/2010/main" val="1416463083"/>
+      </p:ext>
+    </p:extLst>
+  </p:cSld>
+  <p:clrMapOvr>
+    <a:masterClrMapping/>
+  </p:clrMapOvr>
+</p:sld>
+</file>
+
+<file path=ppt/slides/slide39.xml><?xml version="1.0" encoding="utf-8"?>
+<p:sld xmlns:a="http://schemas.openxmlformats.org/drawingml/2006/main" xmlns:r="http://schemas.openxmlformats.org/officeDocument/2006/relationships" xmlns:p="http://schemas.openxmlformats.org/presentationml/2006/main">
+  <p:cSld>
+    <p:spTree>
+      <p:nvGrpSpPr>
+        <p:cNvPr id="1" name=""/>
+        <p:cNvGrpSpPr/>
+        <p:nvPr/>
+      </p:nvGrpSpPr>
+      <p:grpSpPr>
+        <a:xfrm>
+          <a:off x="0" y="0"/>
+          <a:ext cx="0" cy="0"/>
+          <a:chOff x="0" y="0"/>
+          <a:chExt cx="0" cy="0"/>
+        </a:xfrm>
+      </p:grpSpPr>
+      <p:sp>
+        <p:nvSpPr>
+          <p:cNvPr id="2" name="Title 1">
+            <a:extLst>
+              <a:ext uri="{FF2B5EF4-FFF2-40B4-BE49-F238E27FC236}">
+                <a16:creationId xmlns:a16="http://schemas.microsoft.com/office/drawing/2014/main" xmlns="" id="{9D08E7A6-88A8-4D8B-A785-E7D235FB4D3C}"/>
+              </a:ext>
+            </a:extLst>
+          </p:cNvPr>
+          <p:cNvSpPr>
+            <a:spLocks noGrp="1"/>
+          </p:cNvSpPr>
+          <p:nvPr>
+            <p:ph type="title"/>
+          </p:nvPr>
+        </p:nvSpPr>
+        <p:spPr>
+          <a:xfrm>
+            <a:off x="457200" y="274638"/>
+            <a:ext cx="8229600" cy="922114"/>
+          </a:xfrm>
+        </p:spPr>
+        <p:txBody>
+          <a:bodyPr/>
+          <a:lstStyle/>
+          <a:p>
+            <a:r>
+              <a:rPr lang="en-IE" dirty="0"/>
+              <a:t>List/Tuple/Set/Dictionaries</a:t>
+            </a:r>
+          </a:p>
+        </p:txBody>
+      </p:sp>
+      <p:sp>
+        <p:nvSpPr>
+          <p:cNvPr id="3" name="Content Placeholder 2">
+            <a:extLst>
+              <a:ext uri="{FF2B5EF4-FFF2-40B4-BE49-F238E27FC236}">
+                <a16:creationId xmlns:a16="http://schemas.microsoft.com/office/drawing/2014/main" xmlns="" id="{0BF75DAF-6849-48BA-8963-E5E495576CC2}"/>
+              </a:ext>
+            </a:extLst>
+          </p:cNvPr>
+          <p:cNvSpPr>
+            <a:spLocks noGrp="1"/>
+          </p:cNvSpPr>
+          <p:nvPr>
+            <p:ph idx="1"/>
+          </p:nvPr>
+        </p:nvSpPr>
+        <p:spPr>
+          <a:xfrm>
+            <a:off x="457200" y="1196752"/>
+            <a:ext cx="8229600" cy="5256584"/>
+          </a:xfrm>
+        </p:spPr>
+        <p:txBody>
+          <a:bodyPr>
+            <a:normAutofit lnSpcReduction="10000"/>
+          </a:bodyPr>
+          <a:lstStyle/>
+          <a:p>
+            <a:r>
+              <a:rPr lang="en-US" dirty="0"/>
+              <a:t>A </a:t>
+            </a:r>
+            <a:r>
+              <a:rPr lang="en-US" i="1" dirty="0"/>
+              <a:t>list</a:t>
+            </a:r>
+            <a:r>
+              <a:rPr lang="en-US" dirty="0"/>
+              <a:t> is created using </a:t>
+            </a:r>
+            <a:r>
+              <a:rPr lang="en-US" b="1" u="sng" dirty="0"/>
+              <a:t>square brackets</a:t>
+            </a:r>
+            <a:r>
+              <a:rPr lang="en-US" dirty="0"/>
+              <a:t> with </a:t>
+            </a:r>
+            <a:r>
+              <a:rPr lang="en-US" b="1" dirty="0"/>
+              <a:t>commas </a:t>
+            </a:r>
+            <a:r>
+              <a:rPr lang="en-US" dirty="0"/>
+              <a:t>separating items.</a:t>
+            </a:r>
+          </a:p>
+          <a:p>
+            <a:r>
+              <a:rPr lang="en-US" dirty="0"/>
+              <a:t>A </a:t>
+            </a:r>
+            <a:r>
+              <a:rPr lang="en-US" i="1" dirty="0"/>
+              <a:t>tuple</a:t>
+            </a:r>
+            <a:r>
+              <a:rPr lang="en-US" dirty="0"/>
+              <a:t> is a collection which is </a:t>
+            </a:r>
+            <a:r>
+              <a:rPr lang="en-US" b="1" dirty="0"/>
+              <a:t>ordered</a:t>
+            </a:r>
+            <a:r>
+              <a:rPr lang="en-US" dirty="0"/>
+              <a:t> and </a:t>
+            </a:r>
+            <a:r>
+              <a:rPr lang="en-US" b="1" dirty="0"/>
+              <a:t>unchangeable,</a:t>
+            </a:r>
+            <a:r>
+              <a:rPr lang="en-US" dirty="0"/>
+              <a:t> written with </a:t>
+            </a:r>
+            <a:r>
+              <a:rPr lang="en-US" b="1" u="sng" dirty="0"/>
+              <a:t>round brackets</a:t>
+            </a:r>
+            <a:r>
+              <a:rPr lang="en-US" dirty="0"/>
+              <a:t>.</a:t>
+            </a:r>
+          </a:p>
+          <a:p>
+            <a:r>
+              <a:rPr lang="en-US" dirty="0"/>
+              <a:t>A </a:t>
+            </a:r>
+            <a:r>
+              <a:rPr lang="en-US" i="1" dirty="0"/>
+              <a:t>set</a:t>
+            </a:r>
+            <a:r>
+              <a:rPr lang="en-US" dirty="0"/>
+              <a:t> is a collection which is </a:t>
+            </a:r>
+            <a:r>
+              <a:rPr lang="en-US" b="1" dirty="0"/>
+              <a:t>unordered and unindexed,</a:t>
+            </a:r>
+            <a:r>
+              <a:rPr lang="en-US" dirty="0"/>
+              <a:t> written with </a:t>
+            </a:r>
+            <a:r>
+              <a:rPr lang="en-US" b="1" u="sng" dirty="0"/>
+              <a:t>curly brackets</a:t>
+            </a:r>
+            <a:r>
+              <a:rPr lang="en-US" dirty="0"/>
+              <a:t>.</a:t>
+            </a:r>
+          </a:p>
+          <a:p>
+            <a:r>
+              <a:rPr lang="en-US" dirty="0"/>
+              <a:t>A </a:t>
+            </a:r>
+            <a:r>
+              <a:rPr lang="en-US" i="1" dirty="0"/>
+              <a:t>dictionary</a:t>
+            </a:r>
+            <a:r>
+              <a:rPr lang="en-US" dirty="0"/>
+              <a:t> is a collection which is </a:t>
+            </a:r>
+            <a:r>
+              <a:rPr lang="en-US" b="1" u="sng" dirty="0"/>
+              <a:t>unordered</a:t>
+            </a:r>
+            <a:r>
+              <a:rPr lang="en-US" dirty="0"/>
+              <a:t>, </a:t>
+            </a:r>
+            <a:r>
+              <a:rPr lang="en-US" b="1" u="sng" dirty="0"/>
+              <a:t>changeable</a:t>
+            </a:r>
+            <a:r>
+              <a:rPr lang="en-US" dirty="0"/>
+              <a:t> and </a:t>
+            </a:r>
+            <a:r>
+              <a:rPr lang="en-US" b="1" u="sng" dirty="0"/>
+              <a:t>indexed</a:t>
+            </a:r>
+            <a:r>
+              <a:rPr lang="en-US" dirty="0"/>
+              <a:t>. In Python dictionaries are written with </a:t>
+            </a:r>
+            <a:r>
+              <a:rPr lang="en-US" b="1" u="sng" dirty="0"/>
+              <a:t>curly brackets</a:t>
+            </a:r>
+            <a:r>
+              <a:rPr lang="en-US" dirty="0"/>
+              <a:t>, and they have </a:t>
+            </a:r>
+            <a:r>
+              <a:rPr lang="en-US" b="1" u="sng" dirty="0"/>
+              <a:t>keys</a:t>
+            </a:r>
+            <a:r>
+              <a:rPr lang="en-US" dirty="0"/>
+              <a:t> and </a:t>
+            </a:r>
+            <a:r>
+              <a:rPr lang="en-US" b="1" u="sng" dirty="0"/>
+              <a:t>values</a:t>
+            </a:r>
+            <a:r>
+              <a:rPr lang="en-US" dirty="0"/>
+              <a:t>.</a:t>
+            </a:r>
+            <a:endParaRPr lang="en-IE" dirty="0"/>
+          </a:p>
+        </p:txBody>
+      </p:sp>
+    </p:spTree>
+    <p:extLst>
+      <p:ext uri="{BB962C8B-B14F-4D97-AF65-F5344CB8AC3E}">
+        <p14:creationId xmlns:p14="http://schemas.microsoft.com/office/powerpoint/2010/main" val="3660744957"/>
       </p:ext>
     </p:extLst>
   </p:cSld>
@@ -5679,6 +9641,1897 @@
 </p:sld>
 </file>
 
+<file path=ppt/slides/slide40.xml><?xml version="1.0" encoding="utf-8"?>
+<p:sld xmlns:a="http://schemas.openxmlformats.org/drawingml/2006/main" xmlns:r="http://schemas.openxmlformats.org/officeDocument/2006/relationships" xmlns:p="http://schemas.openxmlformats.org/presentationml/2006/main">
+  <p:cSld>
+    <p:spTree>
+      <p:nvGrpSpPr>
+        <p:cNvPr id="1" name=""/>
+        <p:cNvGrpSpPr/>
+        <p:nvPr/>
+      </p:nvGrpSpPr>
+      <p:grpSpPr>
+        <a:xfrm>
+          <a:off x="0" y="0"/>
+          <a:ext cx="0" cy="0"/>
+          <a:chOff x="0" y="0"/>
+          <a:chExt cx="0" cy="0"/>
+        </a:xfrm>
+      </p:grpSpPr>
+      <p:sp>
+        <p:nvSpPr>
+          <p:cNvPr id="2" name="Title 1">
+            <a:extLst>
+              <a:ext uri="{FF2B5EF4-FFF2-40B4-BE49-F238E27FC236}">
+                <a16:creationId xmlns:a16="http://schemas.microsoft.com/office/drawing/2014/main" xmlns="" id="{67AA01BE-A94D-499B-9585-E4873B7BC331}"/>
+              </a:ext>
+            </a:extLst>
+          </p:cNvPr>
+          <p:cNvSpPr>
+            <a:spLocks noGrp="1"/>
+          </p:cNvSpPr>
+          <p:nvPr>
+            <p:ph type="title"/>
+          </p:nvPr>
+        </p:nvSpPr>
+        <p:spPr>
+          <a:xfrm>
+            <a:off x="457200" y="274638"/>
+            <a:ext cx="8229600" cy="490066"/>
+          </a:xfrm>
+        </p:spPr>
+        <p:txBody>
+          <a:bodyPr>
+            <a:normAutofit fontScale="90000"/>
+          </a:bodyPr>
+          <a:lstStyle/>
+          <a:p>
+            <a:r>
+              <a:rPr lang="en-IE" b="1" dirty="0"/>
+              <a:t>Range</a:t>
+            </a:r>
+            <a:endParaRPr lang="en-IE" dirty="0"/>
+          </a:p>
+        </p:txBody>
+      </p:sp>
+      <p:sp>
+        <p:nvSpPr>
+          <p:cNvPr id="3" name="Content Placeholder 2">
+            <a:extLst>
+              <a:ext uri="{FF2B5EF4-FFF2-40B4-BE49-F238E27FC236}">
+                <a16:creationId xmlns:a16="http://schemas.microsoft.com/office/drawing/2014/main" xmlns="" id="{9F3D51B2-546B-4A89-AF95-292984958119}"/>
+              </a:ext>
+            </a:extLst>
+          </p:cNvPr>
+          <p:cNvSpPr>
+            <a:spLocks noGrp="1"/>
+          </p:cNvSpPr>
+          <p:nvPr>
+            <p:ph idx="1"/>
+          </p:nvPr>
+        </p:nvSpPr>
+        <p:spPr>
+          <a:xfrm>
+            <a:off x="457200" y="764704"/>
+            <a:ext cx="8229600" cy="5361459"/>
+          </a:xfrm>
+        </p:spPr>
+        <p:txBody>
+          <a:bodyPr>
+            <a:normAutofit fontScale="70000" lnSpcReduction="20000"/>
+          </a:bodyPr>
+          <a:lstStyle/>
+          <a:p>
+            <a:r>
+              <a:rPr lang="en-US" dirty="0"/>
+              <a:t>The </a:t>
+            </a:r>
+            <a:r>
+              <a:rPr lang="en-US" b="1" dirty="0"/>
+              <a:t>range</a:t>
+            </a:r>
+            <a:r>
+              <a:rPr lang="en-US" dirty="0"/>
+              <a:t> function creates a sequential list of </a:t>
+            </a:r>
+            <a:r>
+              <a:rPr lang="en-US" dirty="0" err="1"/>
+              <a:t>numbers.The</a:t>
+            </a:r>
+            <a:r>
+              <a:rPr lang="en-US" dirty="0"/>
+              <a:t> code below generates a list containing all of the integers, up to 10.</a:t>
+            </a:r>
+          </a:p>
+          <a:p>
+            <a:pPr marL="0" indent="0">
+              <a:buNone/>
+            </a:pPr>
+            <a:r>
+              <a:rPr lang="en-US" dirty="0"/>
+              <a:t>numbers = list(</a:t>
+            </a:r>
+            <a:r>
+              <a:rPr lang="en-US" b="1" dirty="0"/>
+              <a:t>range</a:t>
+            </a:r>
+            <a:r>
+              <a:rPr lang="en-US" dirty="0"/>
+              <a:t>(10))</a:t>
+            </a:r>
+            <a:br>
+              <a:rPr lang="en-US" dirty="0"/>
+            </a:br>
+            <a:r>
+              <a:rPr lang="en-US" dirty="0"/>
+              <a:t>print(numbers)</a:t>
+            </a:r>
+          </a:p>
+          <a:p>
+            <a:pPr marL="0" indent="0">
+              <a:buNone/>
+            </a:pPr>
+            <a:endParaRPr lang="en-US" dirty="0"/>
+          </a:p>
+          <a:p>
+            <a:r>
+              <a:rPr lang="en-US" dirty="0"/>
+              <a:t>If </a:t>
+            </a:r>
+            <a:r>
+              <a:rPr lang="en-US" b="1" dirty="0"/>
+              <a:t>range</a:t>
+            </a:r>
+            <a:r>
+              <a:rPr lang="en-US" dirty="0"/>
+              <a:t> is called with one argument, it produces an object with values from 0 to that argument. If it is called with two arguments, it produces values from the first to the second.</a:t>
+            </a:r>
+          </a:p>
+          <a:p>
+            <a:pPr marL="0" indent="0">
+              <a:buNone/>
+            </a:pPr>
+            <a:r>
+              <a:rPr lang="en-US" dirty="0"/>
+              <a:t>numbers = list(</a:t>
+            </a:r>
+            <a:r>
+              <a:rPr lang="en-US" b="1" dirty="0"/>
+              <a:t>range</a:t>
+            </a:r>
+            <a:r>
+              <a:rPr lang="en-US" dirty="0"/>
+              <a:t>(3, 8))</a:t>
+            </a:r>
+            <a:br>
+              <a:rPr lang="en-US" dirty="0"/>
+            </a:br>
+            <a:r>
+              <a:rPr lang="en-US" dirty="0"/>
+              <a:t>print(numbers)</a:t>
+            </a:r>
+            <a:br>
+              <a:rPr lang="en-US" dirty="0"/>
+            </a:br>
+            <a:r>
+              <a:rPr lang="en-US" dirty="0"/>
+              <a:t>print(range(20) == range(0, 20))</a:t>
+            </a:r>
+          </a:p>
+          <a:p>
+            <a:pPr marL="0" indent="0">
+              <a:buNone/>
+            </a:pPr>
+            <a:endParaRPr lang="en-US" dirty="0"/>
+          </a:p>
+          <a:p>
+            <a:r>
+              <a:rPr lang="en-US" b="1" dirty="0"/>
+              <a:t>range </a:t>
+            </a:r>
+            <a:r>
+              <a:rPr lang="en-US" dirty="0"/>
+              <a:t>can have a third argument, which determines the interval of the sequence produced. This third argument must be an integer.</a:t>
+            </a:r>
+          </a:p>
+          <a:p>
+            <a:pPr marL="0" indent="0">
+              <a:buNone/>
+            </a:pPr>
+            <a:r>
+              <a:rPr lang="en-US" dirty="0"/>
+              <a:t>numbers = list(range(5, 20, 2))</a:t>
+            </a:r>
+            <a:br>
+              <a:rPr lang="en-US" dirty="0"/>
+            </a:br>
+            <a:r>
+              <a:rPr lang="en-US" dirty="0"/>
+              <a:t>print(numbers)</a:t>
+            </a:r>
+            <a:endParaRPr lang="en-IE" dirty="0"/>
+          </a:p>
+        </p:txBody>
+      </p:sp>
+    </p:spTree>
+    <p:extLst>
+      <p:ext uri="{BB962C8B-B14F-4D97-AF65-F5344CB8AC3E}">
+        <p14:creationId xmlns:p14="http://schemas.microsoft.com/office/powerpoint/2010/main" val="2127623366"/>
+      </p:ext>
+    </p:extLst>
+  </p:cSld>
+  <p:clrMapOvr>
+    <a:masterClrMapping/>
+  </p:clrMapOvr>
+</p:sld>
+</file>
+
+<file path=ppt/slides/slide41.xml><?xml version="1.0" encoding="utf-8"?>
+<p:sld xmlns:a="http://schemas.openxmlformats.org/drawingml/2006/main" xmlns:r="http://schemas.openxmlformats.org/officeDocument/2006/relationships" xmlns:p="http://schemas.openxmlformats.org/presentationml/2006/main">
+  <p:cSld>
+    <p:spTree>
+      <p:nvGrpSpPr>
+        <p:cNvPr id="1" name=""/>
+        <p:cNvGrpSpPr/>
+        <p:nvPr/>
+      </p:nvGrpSpPr>
+      <p:grpSpPr>
+        <a:xfrm>
+          <a:off x="0" y="0"/>
+          <a:ext cx="0" cy="0"/>
+          <a:chOff x="0" y="0"/>
+          <a:chExt cx="0" cy="0"/>
+        </a:xfrm>
+      </p:grpSpPr>
+      <p:sp>
+        <p:nvSpPr>
+          <p:cNvPr id="2" name="Title 1">
+            <a:extLst>
+              <a:ext uri="{FF2B5EF4-FFF2-40B4-BE49-F238E27FC236}">
+                <a16:creationId xmlns:a16="http://schemas.microsoft.com/office/drawing/2014/main" xmlns="" id="{E66456A5-DEB6-4C2C-9B67-3E616F78E405}"/>
+              </a:ext>
+            </a:extLst>
+          </p:cNvPr>
+          <p:cNvSpPr>
+            <a:spLocks noGrp="1"/>
+          </p:cNvSpPr>
+          <p:nvPr>
+            <p:ph type="title"/>
+          </p:nvPr>
+        </p:nvSpPr>
+        <p:spPr>
+          <a:xfrm>
+            <a:off x="457200" y="274638"/>
+            <a:ext cx="8229600" cy="850106"/>
+          </a:xfrm>
+        </p:spPr>
+        <p:txBody>
+          <a:bodyPr/>
+          <a:lstStyle/>
+          <a:p>
+            <a:r>
+              <a:rPr lang="en-IE" b="1" dirty="0"/>
+              <a:t>Loops</a:t>
+            </a:r>
+            <a:endParaRPr lang="en-IE" dirty="0"/>
+          </a:p>
+        </p:txBody>
+      </p:sp>
+      <p:sp>
+        <p:nvSpPr>
+          <p:cNvPr id="3" name="Content Placeholder 2">
+            <a:extLst>
+              <a:ext uri="{FF2B5EF4-FFF2-40B4-BE49-F238E27FC236}">
+                <a16:creationId xmlns:a16="http://schemas.microsoft.com/office/drawing/2014/main" xmlns="" id="{03174DED-1C70-4D70-AF77-09F5C0900278}"/>
+              </a:ext>
+            </a:extLst>
+          </p:cNvPr>
+          <p:cNvSpPr>
+            <a:spLocks noGrp="1"/>
+          </p:cNvSpPr>
+          <p:nvPr>
+            <p:ph idx="1"/>
+          </p:nvPr>
+        </p:nvSpPr>
+        <p:spPr>
+          <a:xfrm>
+            <a:off x="457200" y="1124744"/>
+            <a:ext cx="8229600" cy="5001419"/>
+          </a:xfrm>
+        </p:spPr>
+        <p:txBody>
+          <a:bodyPr>
+            <a:normAutofit fontScale="85000" lnSpcReduction="10000"/>
+          </a:bodyPr>
+          <a:lstStyle/>
+          <a:p>
+            <a:r>
+              <a:rPr lang="en-US" dirty="0"/>
+              <a:t>Sometimes, you need to perform code on each item in a list. This is called iteration, and it can be accomplished with a </a:t>
+            </a:r>
+            <a:r>
+              <a:rPr lang="en-US" b="1" dirty="0"/>
+              <a:t>while</a:t>
+            </a:r>
+            <a:r>
+              <a:rPr lang="en-US" dirty="0"/>
+              <a:t> loop and a counter </a:t>
+            </a:r>
+            <a:r>
+              <a:rPr lang="en-US"/>
+              <a:t>variable.</a:t>
+            </a:r>
+          </a:p>
+          <a:p>
+            <a:pPr marL="0" indent="0">
+              <a:buNone/>
+            </a:pPr>
+            <a:endParaRPr lang="en-US" dirty="0"/>
+          </a:p>
+          <a:p>
+            <a:pPr marL="0" indent="0">
+              <a:buNone/>
+            </a:pPr>
+            <a:r>
+              <a:rPr lang="en-US" dirty="0"/>
+              <a:t>words = ["hello", "world", "spam", "eggs"]</a:t>
+            </a:r>
+            <a:br>
+              <a:rPr lang="en-US" dirty="0"/>
+            </a:br>
+            <a:r>
+              <a:rPr lang="en-US" dirty="0"/>
+              <a:t>counter = 0</a:t>
+            </a:r>
+            <a:br>
+              <a:rPr lang="en-US" dirty="0"/>
+            </a:br>
+            <a:r>
+              <a:rPr lang="en-US" dirty="0" err="1"/>
+              <a:t>max_index</a:t>
+            </a:r>
+            <a:r>
+              <a:rPr lang="en-US" dirty="0"/>
+              <a:t> = </a:t>
+            </a:r>
+            <a:r>
+              <a:rPr lang="en-US" dirty="0" err="1"/>
+              <a:t>len</a:t>
+            </a:r>
+            <a:r>
+              <a:rPr lang="en-US" dirty="0"/>
+              <a:t>(words) - 1</a:t>
+            </a:r>
+            <a:br>
+              <a:rPr lang="en-US" dirty="0"/>
+            </a:br>
+            <a:r>
+              <a:rPr lang="en-US" dirty="0"/>
+              <a:t/>
+            </a:r>
+            <a:br>
+              <a:rPr lang="en-US" dirty="0"/>
+            </a:br>
+            <a:r>
+              <a:rPr lang="en-US" b="1" dirty="0"/>
+              <a:t>while </a:t>
+            </a:r>
+            <a:r>
+              <a:rPr lang="en-US" dirty="0"/>
+              <a:t>counter &lt;= </a:t>
+            </a:r>
+            <a:r>
+              <a:rPr lang="en-US" dirty="0" err="1"/>
+              <a:t>max_index</a:t>
+            </a:r>
+            <a:r>
+              <a:rPr lang="en-US" dirty="0"/>
+              <a:t>:</a:t>
+            </a:r>
+            <a:br>
+              <a:rPr lang="en-US" dirty="0"/>
+            </a:br>
+            <a:r>
+              <a:rPr lang="en-US" dirty="0"/>
+              <a:t>word = words[counter]</a:t>
+            </a:r>
+            <a:br>
+              <a:rPr lang="en-US" dirty="0"/>
+            </a:br>
+            <a:r>
+              <a:rPr lang="en-US" dirty="0"/>
+              <a:t>print(word + "!")</a:t>
+            </a:r>
+            <a:br>
+              <a:rPr lang="en-US" dirty="0"/>
+            </a:br>
+            <a:r>
+              <a:rPr lang="en-US" dirty="0"/>
+              <a:t>counter = counter + 1 </a:t>
+            </a:r>
+            <a:endParaRPr lang="en-IE" dirty="0"/>
+          </a:p>
+        </p:txBody>
+      </p:sp>
+    </p:spTree>
+    <p:extLst>
+      <p:ext uri="{BB962C8B-B14F-4D97-AF65-F5344CB8AC3E}">
+        <p14:creationId xmlns:p14="http://schemas.microsoft.com/office/powerpoint/2010/main" val="507293170"/>
+      </p:ext>
+    </p:extLst>
+  </p:cSld>
+  <p:clrMapOvr>
+    <a:masterClrMapping/>
+  </p:clrMapOvr>
+</p:sld>
+</file>
+
+<file path=ppt/slides/slide42.xml><?xml version="1.0" encoding="utf-8"?>
+<p:sld xmlns:a="http://schemas.openxmlformats.org/drawingml/2006/main" xmlns:r="http://schemas.openxmlformats.org/officeDocument/2006/relationships" xmlns:p="http://schemas.openxmlformats.org/presentationml/2006/main">
+  <p:cSld>
+    <p:spTree>
+      <p:nvGrpSpPr>
+        <p:cNvPr id="1" name=""/>
+        <p:cNvGrpSpPr/>
+        <p:nvPr/>
+      </p:nvGrpSpPr>
+      <p:grpSpPr>
+        <a:xfrm>
+          <a:off x="0" y="0"/>
+          <a:ext cx="0" cy="0"/>
+          <a:chOff x="0" y="0"/>
+          <a:chExt cx="0" cy="0"/>
+        </a:xfrm>
+      </p:grpSpPr>
+      <p:sp>
+        <p:nvSpPr>
+          <p:cNvPr id="2" name="Title 1">
+            <a:extLst>
+              <a:ext uri="{FF2B5EF4-FFF2-40B4-BE49-F238E27FC236}">
+                <a16:creationId xmlns:a16="http://schemas.microsoft.com/office/drawing/2014/main" xmlns="" id="{726BB2B2-26DC-4C69-B019-925E1A5010C4}"/>
+              </a:ext>
+            </a:extLst>
+          </p:cNvPr>
+          <p:cNvSpPr>
+            <a:spLocks noGrp="1"/>
+          </p:cNvSpPr>
+          <p:nvPr>
+            <p:ph type="title"/>
+          </p:nvPr>
+        </p:nvSpPr>
+        <p:spPr>
+          <a:xfrm>
+            <a:off x="457200" y="274638"/>
+            <a:ext cx="8229600" cy="634082"/>
+          </a:xfrm>
+        </p:spPr>
+        <p:txBody>
+          <a:bodyPr>
+            <a:normAutofit fontScale="90000"/>
+          </a:bodyPr>
+          <a:lstStyle/>
+          <a:p>
+            <a:r>
+              <a:rPr lang="en-IE" b="1" dirty="0"/>
+              <a:t>for Loop</a:t>
+            </a:r>
+            <a:endParaRPr lang="en-IE" dirty="0"/>
+          </a:p>
+        </p:txBody>
+      </p:sp>
+      <p:sp>
+        <p:nvSpPr>
+          <p:cNvPr id="3" name="Content Placeholder 2">
+            <a:extLst>
+              <a:ext uri="{FF2B5EF4-FFF2-40B4-BE49-F238E27FC236}">
+                <a16:creationId xmlns:a16="http://schemas.microsoft.com/office/drawing/2014/main" xmlns="" id="{1C952ED9-10BB-44D1-9033-5571E67E1750}"/>
+              </a:ext>
+            </a:extLst>
+          </p:cNvPr>
+          <p:cNvSpPr>
+            <a:spLocks noGrp="1"/>
+          </p:cNvSpPr>
+          <p:nvPr>
+            <p:ph idx="1"/>
+          </p:nvPr>
+        </p:nvSpPr>
+        <p:spPr>
+          <a:xfrm>
+            <a:off x="457200" y="908720"/>
+            <a:ext cx="8229600" cy="5760640"/>
+          </a:xfrm>
+        </p:spPr>
+        <p:txBody>
+          <a:bodyPr>
+            <a:normAutofit fontScale="85000" lnSpcReduction="10000"/>
+          </a:bodyPr>
+          <a:lstStyle/>
+          <a:p>
+            <a:r>
+              <a:rPr lang="en-US" dirty="0"/>
+              <a:t>Iterating through a list using a </a:t>
+            </a:r>
+            <a:r>
+              <a:rPr lang="en-US" b="1" dirty="0"/>
+              <a:t>while</a:t>
+            </a:r>
+            <a:r>
+              <a:rPr lang="en-US" dirty="0"/>
+              <a:t> loop requires quite a lot of code, so Python provides the </a:t>
+            </a:r>
+            <a:r>
+              <a:rPr lang="en-US" b="1" dirty="0" err="1"/>
+              <a:t>for</a:t>
+            </a:r>
+            <a:r>
+              <a:rPr lang="en-US" dirty="0" err="1"/>
+              <a:t>loop</a:t>
+            </a:r>
+            <a:r>
+              <a:rPr lang="en-US" dirty="0"/>
+              <a:t> as a shortcut that accomplishes the same thing.</a:t>
+            </a:r>
+            <a:br>
+              <a:rPr lang="en-US" dirty="0"/>
+            </a:br>
+            <a:r>
+              <a:rPr lang="en-US" dirty="0"/>
+              <a:t>The same code from the previous example can be written with a </a:t>
+            </a:r>
+            <a:r>
+              <a:rPr lang="en-US" b="1" dirty="0"/>
+              <a:t>for</a:t>
+            </a:r>
+            <a:r>
+              <a:rPr lang="en-US" dirty="0"/>
+              <a:t> loop, as follows:</a:t>
+            </a:r>
+          </a:p>
+          <a:p>
+            <a:pPr marL="0" indent="0">
+              <a:buNone/>
+            </a:pPr>
+            <a:r>
+              <a:rPr lang="en-US" dirty="0"/>
+              <a:t>words = ["hello", "world", "spam", "eggs"]</a:t>
+            </a:r>
+          </a:p>
+          <a:p>
+            <a:pPr marL="0" indent="0">
+              <a:buNone/>
+            </a:pPr>
+            <a:r>
+              <a:rPr lang="en-US" dirty="0"/>
+              <a:t>for word in words:</a:t>
+            </a:r>
+          </a:p>
+          <a:p>
+            <a:pPr marL="0" indent="0">
+              <a:buNone/>
+            </a:pPr>
+            <a:r>
+              <a:rPr lang="en-US" dirty="0"/>
+              <a:t>  print(word + "!")</a:t>
+            </a:r>
+          </a:p>
+          <a:p>
+            <a:r>
+              <a:rPr lang="en-US" dirty="0"/>
+              <a:t>The </a:t>
+            </a:r>
+            <a:r>
+              <a:rPr lang="en-US" b="1" dirty="0"/>
+              <a:t>for</a:t>
+            </a:r>
+            <a:r>
+              <a:rPr lang="en-US" dirty="0"/>
+              <a:t> loop is commonly used to repeat some code a certain number of times. This is done by combining for loops with </a:t>
+            </a:r>
+            <a:r>
+              <a:rPr lang="en-US" b="1" dirty="0"/>
+              <a:t>range</a:t>
+            </a:r>
+            <a:r>
+              <a:rPr lang="en-US" dirty="0"/>
+              <a:t> objects.</a:t>
+            </a:r>
+          </a:p>
+          <a:p>
+            <a:pPr marL="0" indent="0">
+              <a:buNone/>
+            </a:pPr>
+            <a:r>
+              <a:rPr lang="en-US" dirty="0"/>
+              <a:t>for </a:t>
+            </a:r>
+            <a:r>
+              <a:rPr lang="en-US" dirty="0" err="1"/>
+              <a:t>i</a:t>
+            </a:r>
+            <a:r>
+              <a:rPr lang="en-US" dirty="0"/>
+              <a:t> in range(5):</a:t>
+            </a:r>
+          </a:p>
+          <a:p>
+            <a:pPr marL="0" indent="0">
+              <a:buNone/>
+            </a:pPr>
+            <a:r>
+              <a:rPr lang="en-US" dirty="0"/>
+              <a:t>  print("hello!")</a:t>
+            </a:r>
+          </a:p>
+          <a:p>
+            <a:pPr marL="0" indent="0">
+              <a:buNone/>
+            </a:pPr>
+            <a:endParaRPr lang="en-IE" dirty="0"/>
+          </a:p>
+        </p:txBody>
+      </p:sp>
+    </p:spTree>
+    <p:extLst>
+      <p:ext uri="{BB962C8B-B14F-4D97-AF65-F5344CB8AC3E}">
+        <p14:creationId xmlns:p14="http://schemas.microsoft.com/office/powerpoint/2010/main" val="1916851416"/>
+      </p:ext>
+    </p:extLst>
+  </p:cSld>
+  <p:clrMapOvr>
+    <a:masterClrMapping/>
+  </p:clrMapOvr>
+</p:sld>
+</file>
+
+<file path=ppt/slides/slide43.xml><?xml version="1.0" encoding="utf-8"?>
+<p:sld xmlns:a="http://schemas.openxmlformats.org/drawingml/2006/main" xmlns:r="http://schemas.openxmlformats.org/officeDocument/2006/relationships" xmlns:p="http://schemas.openxmlformats.org/presentationml/2006/main">
+  <p:cSld>
+    <p:spTree>
+      <p:nvGrpSpPr>
+        <p:cNvPr id="1" name=""/>
+        <p:cNvGrpSpPr/>
+        <p:nvPr/>
+      </p:nvGrpSpPr>
+      <p:grpSpPr>
+        <a:xfrm>
+          <a:off x="0" y="0"/>
+          <a:ext cx="0" cy="0"/>
+          <a:chOff x="0" y="0"/>
+          <a:chExt cx="0" cy="0"/>
+        </a:xfrm>
+      </p:grpSpPr>
+      <p:sp>
+        <p:nvSpPr>
+          <p:cNvPr id="2" name="Title 1">
+            <a:extLst>
+              <a:ext uri="{FF2B5EF4-FFF2-40B4-BE49-F238E27FC236}">
+                <a16:creationId xmlns:a16="http://schemas.microsoft.com/office/drawing/2014/main" xmlns="" id="{282B87DF-0AFE-4557-B24C-8A7DF8A82FBD}"/>
+              </a:ext>
+            </a:extLst>
+          </p:cNvPr>
+          <p:cNvSpPr>
+            <a:spLocks noGrp="1"/>
+          </p:cNvSpPr>
+          <p:nvPr>
+            <p:ph type="title"/>
+          </p:nvPr>
+        </p:nvSpPr>
+        <p:spPr>
+          <a:xfrm>
+            <a:off x="457200" y="274638"/>
+            <a:ext cx="8229600" cy="778098"/>
+          </a:xfrm>
+        </p:spPr>
+        <p:txBody>
+          <a:bodyPr/>
+          <a:lstStyle/>
+          <a:p>
+            <a:r>
+              <a:rPr lang="en-IE" b="1" dirty="0"/>
+              <a:t>Functions</a:t>
+            </a:r>
+            <a:endParaRPr lang="en-IE" dirty="0"/>
+          </a:p>
+        </p:txBody>
+      </p:sp>
+      <p:sp>
+        <p:nvSpPr>
+          <p:cNvPr id="3" name="Content Placeholder 2">
+            <a:extLst>
+              <a:ext uri="{FF2B5EF4-FFF2-40B4-BE49-F238E27FC236}">
+                <a16:creationId xmlns:a16="http://schemas.microsoft.com/office/drawing/2014/main" xmlns="" id="{B28F22E7-4FF1-404A-B634-1FB26A917006}"/>
+              </a:ext>
+            </a:extLst>
+          </p:cNvPr>
+          <p:cNvSpPr>
+            <a:spLocks noGrp="1"/>
+          </p:cNvSpPr>
+          <p:nvPr>
+            <p:ph idx="1"/>
+          </p:nvPr>
+        </p:nvSpPr>
+        <p:spPr/>
+        <p:txBody>
+          <a:bodyPr>
+            <a:normAutofit fontScale="92500" lnSpcReduction="10000"/>
+          </a:bodyPr>
+          <a:lstStyle/>
+          <a:p>
+            <a:r>
+              <a:rPr lang="en-US" dirty="0"/>
+              <a:t>You've already used </a:t>
+            </a:r>
+            <a:r>
+              <a:rPr lang="en-US" b="1" dirty="0"/>
+              <a:t>functions </a:t>
+            </a:r>
+            <a:r>
+              <a:rPr lang="en-US" dirty="0"/>
+              <a:t>in previous lessons. </a:t>
+            </a:r>
+            <a:br>
+              <a:rPr lang="en-US" dirty="0"/>
+            </a:br>
+            <a:r>
+              <a:rPr lang="en-US" dirty="0"/>
+              <a:t>Any statement that consists of a word followed by information in </a:t>
+            </a:r>
+            <a:r>
+              <a:rPr lang="en-US" b="1" dirty="0"/>
+              <a:t>parentheses </a:t>
+            </a:r>
+            <a:r>
+              <a:rPr lang="en-US" dirty="0"/>
+              <a:t>is a function call.</a:t>
+            </a:r>
+            <a:br>
+              <a:rPr lang="en-US" dirty="0"/>
+            </a:br>
+            <a:r>
+              <a:rPr lang="en-US" dirty="0"/>
+              <a:t>Here are some examples that you've already seen:</a:t>
+            </a:r>
+          </a:p>
+          <a:p>
+            <a:pPr marL="0" indent="0">
+              <a:buNone/>
+            </a:pPr>
+            <a:r>
+              <a:rPr lang="en-US" b="1" dirty="0"/>
+              <a:t>print</a:t>
+            </a:r>
+            <a:r>
+              <a:rPr lang="en-US" dirty="0"/>
+              <a:t>("Hello world!")</a:t>
+            </a:r>
+            <a:br>
+              <a:rPr lang="en-US" dirty="0"/>
+            </a:br>
+            <a:r>
+              <a:rPr lang="en-US" b="1" dirty="0"/>
+              <a:t>range</a:t>
+            </a:r>
+            <a:r>
+              <a:rPr lang="en-US" dirty="0"/>
+              <a:t>(2, 20)</a:t>
+            </a:r>
+            <a:br>
+              <a:rPr lang="en-US" dirty="0"/>
+            </a:br>
+            <a:r>
+              <a:rPr lang="en-US" b="1" dirty="0" err="1"/>
+              <a:t>str</a:t>
+            </a:r>
+            <a:r>
+              <a:rPr lang="en-US" dirty="0"/>
+              <a:t>(12)</a:t>
+            </a:r>
+            <a:br>
+              <a:rPr lang="en-US" dirty="0"/>
+            </a:br>
+            <a:r>
+              <a:rPr lang="en-US" b="1" dirty="0"/>
+              <a:t>range</a:t>
+            </a:r>
+            <a:r>
+              <a:rPr lang="en-US" dirty="0"/>
+              <a:t>(10, 20, 3)</a:t>
+            </a:r>
+            <a:endParaRPr lang="en-IE" dirty="0"/>
+          </a:p>
+        </p:txBody>
+      </p:sp>
+    </p:spTree>
+    <p:extLst>
+      <p:ext uri="{BB962C8B-B14F-4D97-AF65-F5344CB8AC3E}">
+        <p14:creationId xmlns:p14="http://schemas.microsoft.com/office/powerpoint/2010/main" val="2485845306"/>
+      </p:ext>
+    </p:extLst>
+  </p:cSld>
+  <p:clrMapOvr>
+    <a:masterClrMapping/>
+  </p:clrMapOvr>
+</p:sld>
+</file>
+
+<file path=ppt/slides/slide44.xml><?xml version="1.0" encoding="utf-8"?>
+<p:sld xmlns:a="http://schemas.openxmlformats.org/drawingml/2006/main" xmlns:r="http://schemas.openxmlformats.org/officeDocument/2006/relationships" xmlns:p="http://schemas.openxmlformats.org/presentationml/2006/main">
+  <p:cSld>
+    <p:spTree>
+      <p:nvGrpSpPr>
+        <p:cNvPr id="1" name=""/>
+        <p:cNvGrpSpPr/>
+        <p:nvPr/>
+      </p:nvGrpSpPr>
+      <p:grpSpPr>
+        <a:xfrm>
+          <a:off x="0" y="0"/>
+          <a:ext cx="0" cy="0"/>
+          <a:chOff x="0" y="0"/>
+          <a:chExt cx="0" cy="0"/>
+        </a:xfrm>
+      </p:grpSpPr>
+      <p:sp>
+        <p:nvSpPr>
+          <p:cNvPr id="2" name="Title 1">
+            <a:extLst>
+              <a:ext uri="{FF2B5EF4-FFF2-40B4-BE49-F238E27FC236}">
+                <a16:creationId xmlns:a16="http://schemas.microsoft.com/office/drawing/2014/main" xmlns="" id="{86913619-2901-4376-9615-B5180C0E830D}"/>
+              </a:ext>
+            </a:extLst>
+          </p:cNvPr>
+          <p:cNvSpPr>
+            <a:spLocks noGrp="1"/>
+          </p:cNvSpPr>
+          <p:nvPr>
+            <p:ph type="title"/>
+          </p:nvPr>
+        </p:nvSpPr>
+        <p:spPr>
+          <a:xfrm>
+            <a:off x="457200" y="274638"/>
+            <a:ext cx="8229600" cy="706090"/>
+          </a:xfrm>
+        </p:spPr>
+        <p:txBody>
+          <a:bodyPr>
+            <a:normAutofit fontScale="90000"/>
+          </a:bodyPr>
+          <a:lstStyle/>
+          <a:p>
+            <a:r>
+              <a:rPr lang="en-IE" b="1" dirty="0"/>
+              <a:t>Functions</a:t>
+            </a:r>
+            <a:endParaRPr lang="en-IE" dirty="0"/>
+          </a:p>
+        </p:txBody>
+      </p:sp>
+      <p:sp>
+        <p:nvSpPr>
+          <p:cNvPr id="3" name="Content Placeholder 2">
+            <a:extLst>
+              <a:ext uri="{FF2B5EF4-FFF2-40B4-BE49-F238E27FC236}">
+                <a16:creationId xmlns:a16="http://schemas.microsoft.com/office/drawing/2014/main" xmlns="" id="{05EE0742-C7EE-4693-A2F2-7AC7869867E0}"/>
+              </a:ext>
+            </a:extLst>
+          </p:cNvPr>
+          <p:cNvSpPr>
+            <a:spLocks noGrp="1"/>
+          </p:cNvSpPr>
+          <p:nvPr>
+            <p:ph idx="1"/>
+          </p:nvPr>
+        </p:nvSpPr>
+        <p:spPr>
+          <a:xfrm>
+            <a:off x="457200" y="1052736"/>
+            <a:ext cx="8229600" cy="5073427"/>
+          </a:xfrm>
+        </p:spPr>
+        <p:txBody>
+          <a:bodyPr>
+            <a:normAutofit fontScale="77500" lnSpcReduction="20000"/>
+          </a:bodyPr>
+          <a:lstStyle/>
+          <a:p>
+            <a:r>
+              <a:rPr lang="en-US" dirty="0"/>
+              <a:t>In addition to using pre-defined functions, you can create your own functions by using the </a:t>
+            </a:r>
+            <a:r>
+              <a:rPr lang="en-US" b="1" dirty="0" err="1"/>
+              <a:t>def</a:t>
+            </a:r>
+            <a:r>
+              <a:rPr lang="en-US" dirty="0" err="1"/>
+              <a:t>statement</a:t>
+            </a:r>
+            <a:r>
+              <a:rPr lang="en-US" dirty="0"/>
+              <a:t>.</a:t>
+            </a:r>
+            <a:br>
+              <a:rPr lang="en-US" dirty="0"/>
+            </a:br>
+            <a:r>
+              <a:rPr lang="en-US" dirty="0"/>
+              <a:t>Here is an example of a function named </a:t>
+            </a:r>
+            <a:r>
+              <a:rPr lang="en-US" b="1" dirty="0" err="1"/>
+              <a:t>my_func</a:t>
+            </a:r>
+            <a:r>
+              <a:rPr lang="en-US" dirty="0"/>
+              <a:t>. It takes no arguments, and prints "spam" three times. It is defined, and then called. The statements in the function are executed only when the function is called.</a:t>
+            </a:r>
+          </a:p>
+          <a:p>
+            <a:r>
+              <a:rPr lang="en-US" dirty="0"/>
+              <a:t>You must define functions before they are called, in the same way that you must assign variables before using them.</a:t>
+            </a:r>
+          </a:p>
+          <a:p>
+            <a:pPr marL="0" indent="0">
+              <a:buNone/>
+            </a:pPr>
+            <a:r>
+              <a:rPr lang="en-IE" dirty="0" err="1"/>
+              <a:t>my_func</a:t>
+            </a:r>
+            <a:r>
+              <a:rPr lang="en-IE" dirty="0"/>
+              <a:t>()</a:t>
+            </a:r>
+          </a:p>
+          <a:p>
+            <a:pPr marL="0" indent="0">
+              <a:buNone/>
+            </a:pPr>
+            <a:endParaRPr lang="en-US" dirty="0"/>
+          </a:p>
+          <a:p>
+            <a:pPr marL="0" indent="0">
+              <a:buNone/>
+            </a:pPr>
+            <a:r>
+              <a:rPr lang="en-US" b="1" dirty="0"/>
+              <a:t>def </a:t>
+            </a:r>
+            <a:r>
+              <a:rPr lang="en-US" dirty="0" err="1"/>
+              <a:t>my_func</a:t>
+            </a:r>
+            <a:r>
+              <a:rPr lang="en-US" dirty="0"/>
+              <a:t>()</a:t>
+            </a:r>
+            <a:r>
+              <a:rPr lang="en-US" b="1" dirty="0"/>
+              <a:t>:</a:t>
+            </a:r>
+            <a:r>
+              <a:rPr lang="en-US" dirty="0"/>
+              <a:t/>
+            </a:r>
+            <a:br>
+              <a:rPr lang="en-US" dirty="0"/>
+            </a:br>
+            <a:r>
+              <a:rPr lang="en-US" dirty="0"/>
+              <a:t>print("spam")</a:t>
+            </a:r>
+            <a:br>
+              <a:rPr lang="en-US" dirty="0"/>
+            </a:br>
+            <a:r>
+              <a:rPr lang="en-US" dirty="0"/>
+              <a:t>print("spam")</a:t>
+            </a:r>
+          </a:p>
+        </p:txBody>
+      </p:sp>
+    </p:spTree>
+    <p:extLst>
+      <p:ext uri="{BB962C8B-B14F-4D97-AF65-F5344CB8AC3E}">
+        <p14:creationId xmlns:p14="http://schemas.microsoft.com/office/powerpoint/2010/main" val="3422794572"/>
+      </p:ext>
+    </p:extLst>
+  </p:cSld>
+  <p:clrMapOvr>
+    <a:masterClrMapping/>
+  </p:clrMapOvr>
+</p:sld>
+</file>
+
+<file path=ppt/slides/slide45.xml><?xml version="1.0" encoding="utf-8"?>
+<p:sld xmlns:a="http://schemas.openxmlformats.org/drawingml/2006/main" xmlns:r="http://schemas.openxmlformats.org/officeDocument/2006/relationships" xmlns:p="http://schemas.openxmlformats.org/presentationml/2006/main">
+  <p:cSld>
+    <p:spTree>
+      <p:nvGrpSpPr>
+        <p:cNvPr id="1" name=""/>
+        <p:cNvGrpSpPr/>
+        <p:nvPr/>
+      </p:nvGrpSpPr>
+      <p:grpSpPr>
+        <a:xfrm>
+          <a:off x="0" y="0"/>
+          <a:ext cx="0" cy="0"/>
+          <a:chOff x="0" y="0"/>
+          <a:chExt cx="0" cy="0"/>
+        </a:xfrm>
+      </p:grpSpPr>
+      <p:sp>
+        <p:nvSpPr>
+          <p:cNvPr id="2" name="Title 1">
+            <a:extLst>
+              <a:ext uri="{FF2B5EF4-FFF2-40B4-BE49-F238E27FC236}">
+                <a16:creationId xmlns:a16="http://schemas.microsoft.com/office/drawing/2014/main" xmlns="" id="{60722DDD-2135-4551-96EE-E918499173BD}"/>
+              </a:ext>
+            </a:extLst>
+          </p:cNvPr>
+          <p:cNvSpPr>
+            <a:spLocks noGrp="1"/>
+          </p:cNvSpPr>
+          <p:nvPr>
+            <p:ph type="title"/>
+          </p:nvPr>
+        </p:nvSpPr>
+        <p:spPr>
+          <a:xfrm>
+            <a:off x="457200" y="274638"/>
+            <a:ext cx="8229600" cy="778098"/>
+          </a:xfrm>
+        </p:spPr>
+        <p:txBody>
+          <a:bodyPr/>
+          <a:lstStyle/>
+          <a:p>
+            <a:r>
+              <a:rPr lang="en-IE" b="1" dirty="0"/>
+              <a:t>Arguments</a:t>
+            </a:r>
+            <a:endParaRPr lang="en-IE" dirty="0"/>
+          </a:p>
+        </p:txBody>
+      </p:sp>
+      <p:sp>
+        <p:nvSpPr>
+          <p:cNvPr id="3" name="Content Placeholder 2">
+            <a:extLst>
+              <a:ext uri="{FF2B5EF4-FFF2-40B4-BE49-F238E27FC236}">
+                <a16:creationId xmlns:a16="http://schemas.microsoft.com/office/drawing/2014/main" xmlns="" id="{3FC7D1AE-589B-4D09-82A0-6C5530546851}"/>
+              </a:ext>
+            </a:extLst>
+          </p:cNvPr>
+          <p:cNvSpPr>
+            <a:spLocks noGrp="1"/>
+          </p:cNvSpPr>
+          <p:nvPr>
+            <p:ph idx="1"/>
+          </p:nvPr>
+        </p:nvSpPr>
+        <p:spPr>
+          <a:xfrm>
+            <a:off x="457200" y="1052736"/>
+            <a:ext cx="8229600" cy="5073427"/>
+          </a:xfrm>
+        </p:spPr>
+        <p:txBody>
+          <a:bodyPr>
+            <a:normAutofit fontScale="92500" lnSpcReduction="10000"/>
+          </a:bodyPr>
+          <a:lstStyle/>
+          <a:p>
+            <a:r>
+              <a:rPr lang="en-US" dirty="0"/>
+              <a:t>All the function definitions we've looked at so far have been functions of zero arguments, which are called with empty parentheses. </a:t>
+            </a:r>
+            <a:br>
+              <a:rPr lang="en-US" dirty="0"/>
+            </a:br>
+            <a:r>
+              <a:rPr lang="en-US" dirty="0"/>
+              <a:t>However, most functions take arguments.</a:t>
+            </a:r>
+            <a:br>
+              <a:rPr lang="en-US" dirty="0"/>
+            </a:br>
+            <a:r>
+              <a:rPr lang="en-US" dirty="0"/>
+              <a:t>The example below defines a function that takes one argument:</a:t>
+            </a:r>
+          </a:p>
+          <a:p>
+            <a:pPr marL="0" indent="0">
+              <a:buNone/>
+            </a:pPr>
+            <a:r>
+              <a:rPr lang="en-US" dirty="0"/>
+              <a:t>def </a:t>
+            </a:r>
+            <a:r>
+              <a:rPr lang="en-US" dirty="0" err="1"/>
+              <a:t>print_with_exclamation</a:t>
+            </a:r>
+            <a:r>
+              <a:rPr lang="en-US" dirty="0"/>
+              <a:t>(word):</a:t>
+            </a:r>
+            <a:br>
+              <a:rPr lang="en-US" dirty="0"/>
+            </a:br>
+            <a:r>
+              <a:rPr lang="en-US" dirty="0"/>
+              <a:t>       print(word + "!")</a:t>
+            </a:r>
+            <a:br>
+              <a:rPr lang="en-US" dirty="0"/>
+            </a:br>
+            <a:r>
+              <a:rPr lang="en-US" dirty="0"/>
+              <a:t/>
+            </a:r>
+            <a:br>
+              <a:rPr lang="en-US" dirty="0"/>
+            </a:br>
+            <a:r>
+              <a:rPr lang="en-US" dirty="0" err="1"/>
+              <a:t>print_with_exclamation</a:t>
+            </a:r>
+            <a:r>
+              <a:rPr lang="en-US" dirty="0"/>
+              <a:t>("spam")</a:t>
+            </a:r>
+            <a:br>
+              <a:rPr lang="en-US" dirty="0"/>
+            </a:br>
+            <a:r>
+              <a:rPr lang="en-US" dirty="0" err="1"/>
+              <a:t>print_with_exclamation</a:t>
+            </a:r>
+            <a:r>
+              <a:rPr lang="en-US" dirty="0"/>
+              <a:t>("python")</a:t>
+            </a:r>
+            <a:endParaRPr lang="en-IE" dirty="0"/>
+          </a:p>
+        </p:txBody>
+      </p:sp>
+    </p:spTree>
+    <p:extLst>
+      <p:ext uri="{BB962C8B-B14F-4D97-AF65-F5344CB8AC3E}">
+        <p14:creationId xmlns:p14="http://schemas.microsoft.com/office/powerpoint/2010/main" val="4010218238"/>
+      </p:ext>
+    </p:extLst>
+  </p:cSld>
+  <p:clrMapOvr>
+    <a:masterClrMapping/>
+  </p:clrMapOvr>
+</p:sld>
+</file>
+
+<file path=ppt/slides/slide46.xml><?xml version="1.0" encoding="utf-8"?>
+<p:sld xmlns:a="http://schemas.openxmlformats.org/drawingml/2006/main" xmlns:r="http://schemas.openxmlformats.org/officeDocument/2006/relationships" xmlns:p="http://schemas.openxmlformats.org/presentationml/2006/main">
+  <p:cSld>
+    <p:spTree>
+      <p:nvGrpSpPr>
+        <p:cNvPr id="1" name=""/>
+        <p:cNvGrpSpPr/>
+        <p:nvPr/>
+      </p:nvGrpSpPr>
+      <p:grpSpPr>
+        <a:xfrm>
+          <a:off x="0" y="0"/>
+          <a:ext cx="0" cy="0"/>
+          <a:chOff x="0" y="0"/>
+          <a:chExt cx="0" cy="0"/>
+        </a:xfrm>
+      </p:grpSpPr>
+      <p:sp>
+        <p:nvSpPr>
+          <p:cNvPr id="2" name="Title 1">
+            <a:extLst>
+              <a:ext uri="{FF2B5EF4-FFF2-40B4-BE49-F238E27FC236}">
+                <a16:creationId xmlns:a16="http://schemas.microsoft.com/office/drawing/2014/main" xmlns="" id="{55E22310-BD41-4DF2-8433-F516A34ECC85}"/>
+              </a:ext>
+            </a:extLst>
+          </p:cNvPr>
+          <p:cNvSpPr>
+            <a:spLocks noGrp="1"/>
+          </p:cNvSpPr>
+          <p:nvPr>
+            <p:ph type="title"/>
+          </p:nvPr>
+        </p:nvSpPr>
+        <p:spPr>
+          <a:xfrm>
+            <a:off x="457200" y="274638"/>
+            <a:ext cx="8229600" cy="850106"/>
+          </a:xfrm>
+        </p:spPr>
+        <p:txBody>
+          <a:bodyPr/>
+          <a:lstStyle/>
+          <a:p>
+            <a:r>
+              <a:rPr lang="en-IE" b="1" dirty="0"/>
+              <a:t>Arguments</a:t>
+            </a:r>
+            <a:endParaRPr lang="en-IE" dirty="0"/>
+          </a:p>
+        </p:txBody>
+      </p:sp>
+      <p:sp>
+        <p:nvSpPr>
+          <p:cNvPr id="3" name="Content Placeholder 2">
+            <a:extLst>
+              <a:ext uri="{FF2B5EF4-FFF2-40B4-BE49-F238E27FC236}">
+                <a16:creationId xmlns:a16="http://schemas.microsoft.com/office/drawing/2014/main" xmlns="" id="{D5356FFF-C7E2-41D3-A459-5D26E5DC3C70}"/>
+              </a:ext>
+            </a:extLst>
+          </p:cNvPr>
+          <p:cNvSpPr>
+            <a:spLocks noGrp="1"/>
+          </p:cNvSpPr>
+          <p:nvPr>
+            <p:ph idx="1"/>
+          </p:nvPr>
+        </p:nvSpPr>
+        <p:spPr>
+          <a:xfrm>
+            <a:off x="457200" y="1196752"/>
+            <a:ext cx="8229600" cy="4929411"/>
+          </a:xfrm>
+        </p:spPr>
+        <p:txBody>
+          <a:bodyPr>
+            <a:normAutofit fontScale="92500" lnSpcReduction="20000"/>
+          </a:bodyPr>
+          <a:lstStyle/>
+          <a:p>
+            <a:r>
+              <a:rPr lang="en-US" dirty="0"/>
+              <a:t>Function arguments can be used as variables inside the function definition. However, they cannot be referenced outside of the function's definition. This also applies to other variables created inside a function.</a:t>
+            </a:r>
+          </a:p>
+          <a:p>
+            <a:pPr marL="0" indent="0">
+              <a:buNone/>
+            </a:pPr>
+            <a:r>
+              <a:rPr lang="en-IE" dirty="0"/>
+              <a:t>def function(</a:t>
+            </a:r>
+            <a:r>
+              <a:rPr lang="en-IE" b="1" dirty="0"/>
+              <a:t>variable</a:t>
+            </a:r>
+            <a:r>
+              <a:rPr lang="en-IE" dirty="0"/>
+              <a:t>):</a:t>
+            </a:r>
+            <a:br>
+              <a:rPr lang="en-IE" dirty="0"/>
+            </a:br>
+            <a:r>
+              <a:rPr lang="en-IE" b="1" dirty="0"/>
+              <a:t>variable </a:t>
+            </a:r>
+            <a:r>
+              <a:rPr lang="en-IE" dirty="0"/>
+              <a:t>+= 1</a:t>
+            </a:r>
+            <a:br>
+              <a:rPr lang="en-IE" dirty="0"/>
+            </a:br>
+            <a:r>
+              <a:rPr lang="en-IE" dirty="0"/>
+              <a:t>print(</a:t>
+            </a:r>
+            <a:r>
+              <a:rPr lang="en-IE" b="1" dirty="0"/>
+              <a:t>variable</a:t>
+            </a:r>
+            <a:r>
+              <a:rPr lang="en-IE" dirty="0"/>
+              <a:t>)</a:t>
+            </a:r>
+            <a:br>
+              <a:rPr lang="en-IE" dirty="0"/>
+            </a:br>
+            <a:r>
+              <a:rPr lang="en-IE" dirty="0"/>
+              <a:t/>
+            </a:r>
+            <a:br>
+              <a:rPr lang="en-IE" dirty="0"/>
+            </a:br>
+            <a:r>
+              <a:rPr lang="en-IE" dirty="0"/>
+              <a:t>function(7)</a:t>
+            </a:r>
+          </a:p>
+          <a:p>
+            <a:pPr marL="0" indent="0">
+              <a:buNone/>
+            </a:pPr>
+            <a:r>
+              <a:rPr lang="en-IE" dirty="0"/>
+              <a:t/>
+            </a:r>
+            <a:br>
+              <a:rPr lang="en-IE" dirty="0"/>
+            </a:br>
+            <a:r>
+              <a:rPr lang="en-IE" dirty="0"/>
+              <a:t>print(</a:t>
+            </a:r>
+            <a:r>
+              <a:rPr lang="en-IE" b="1" dirty="0"/>
+              <a:t>variable</a:t>
+            </a:r>
+            <a:r>
+              <a:rPr lang="en-IE" dirty="0"/>
+              <a:t>)</a:t>
+            </a:r>
+          </a:p>
+        </p:txBody>
+      </p:sp>
+    </p:spTree>
+    <p:extLst>
+      <p:ext uri="{BB962C8B-B14F-4D97-AF65-F5344CB8AC3E}">
+        <p14:creationId xmlns:p14="http://schemas.microsoft.com/office/powerpoint/2010/main" val="1205518420"/>
+      </p:ext>
+    </p:extLst>
+  </p:cSld>
+  <p:clrMapOvr>
+    <a:masterClrMapping/>
+  </p:clrMapOvr>
+</p:sld>
+</file>
+
+<file path=ppt/slides/slide47.xml><?xml version="1.0" encoding="utf-8"?>
+<p:sld xmlns:a="http://schemas.openxmlformats.org/drawingml/2006/main" xmlns:r="http://schemas.openxmlformats.org/officeDocument/2006/relationships" xmlns:p="http://schemas.openxmlformats.org/presentationml/2006/main">
+  <p:cSld>
+    <p:spTree>
+      <p:nvGrpSpPr>
+        <p:cNvPr id="1" name=""/>
+        <p:cNvGrpSpPr/>
+        <p:nvPr/>
+      </p:nvGrpSpPr>
+      <p:grpSpPr>
+        <a:xfrm>
+          <a:off x="0" y="0"/>
+          <a:ext cx="0" cy="0"/>
+          <a:chOff x="0" y="0"/>
+          <a:chExt cx="0" cy="0"/>
+        </a:xfrm>
+      </p:grpSpPr>
+      <p:sp>
+        <p:nvSpPr>
+          <p:cNvPr id="2" name="Title 1">
+            <a:extLst>
+              <a:ext uri="{FF2B5EF4-FFF2-40B4-BE49-F238E27FC236}">
+                <a16:creationId xmlns:a16="http://schemas.microsoft.com/office/drawing/2014/main" xmlns="" id="{BAB9035E-CB8A-448C-953E-D09357568F77}"/>
+              </a:ext>
+            </a:extLst>
+          </p:cNvPr>
+          <p:cNvSpPr>
+            <a:spLocks noGrp="1"/>
+          </p:cNvSpPr>
+          <p:nvPr>
+            <p:ph type="title"/>
+          </p:nvPr>
+        </p:nvSpPr>
+        <p:spPr>
+          <a:xfrm>
+            <a:off x="457200" y="274638"/>
+            <a:ext cx="8229600" cy="706090"/>
+          </a:xfrm>
+        </p:spPr>
+        <p:txBody>
+          <a:bodyPr>
+            <a:normAutofit fontScale="90000"/>
+          </a:bodyPr>
+          <a:lstStyle/>
+          <a:p>
+            <a:r>
+              <a:rPr lang="en-IE" b="1" dirty="0"/>
+              <a:t>Arguments</a:t>
+            </a:r>
+            <a:endParaRPr lang="en-IE" dirty="0"/>
+          </a:p>
+        </p:txBody>
+      </p:sp>
+      <p:sp>
+        <p:nvSpPr>
+          <p:cNvPr id="3" name="Content Placeholder 2">
+            <a:extLst>
+              <a:ext uri="{FF2B5EF4-FFF2-40B4-BE49-F238E27FC236}">
+                <a16:creationId xmlns:a16="http://schemas.microsoft.com/office/drawing/2014/main" xmlns="" id="{57E60A61-A27B-4760-9506-267E6DC13906}"/>
+              </a:ext>
+            </a:extLst>
+          </p:cNvPr>
+          <p:cNvSpPr>
+            <a:spLocks noGrp="1"/>
+          </p:cNvSpPr>
+          <p:nvPr>
+            <p:ph idx="1"/>
+          </p:nvPr>
+        </p:nvSpPr>
+        <p:spPr>
+          <a:xfrm>
+            <a:off x="457200" y="980728"/>
+            <a:ext cx="8229600" cy="5145435"/>
+          </a:xfrm>
+        </p:spPr>
+        <p:txBody>
+          <a:bodyPr/>
+          <a:lstStyle/>
+          <a:p>
+            <a:r>
+              <a:rPr lang="en-US" dirty="0"/>
+              <a:t>You can also define functions with more than one argument; separate them with commas.</a:t>
+            </a:r>
+          </a:p>
+          <a:p>
+            <a:pPr marL="0" indent="0">
+              <a:buNone/>
+            </a:pPr>
+            <a:r>
+              <a:rPr lang="en-IE" dirty="0"/>
+              <a:t>def </a:t>
+            </a:r>
+            <a:r>
+              <a:rPr lang="en-IE" dirty="0" err="1"/>
+              <a:t>print_sum_twice</a:t>
+            </a:r>
+            <a:r>
+              <a:rPr lang="en-IE" dirty="0"/>
+              <a:t>(x, y):</a:t>
+            </a:r>
+            <a:br>
+              <a:rPr lang="en-IE" dirty="0"/>
+            </a:br>
+            <a:r>
+              <a:rPr lang="en-IE" dirty="0"/>
+              <a:t> print(x + y)</a:t>
+            </a:r>
+            <a:br>
+              <a:rPr lang="en-IE" dirty="0"/>
+            </a:br>
+            <a:r>
+              <a:rPr lang="en-IE" dirty="0"/>
+              <a:t> print(x + y)</a:t>
+            </a:r>
+            <a:br>
+              <a:rPr lang="en-IE" dirty="0"/>
+            </a:br>
+            <a:r>
+              <a:rPr lang="en-IE" dirty="0" err="1"/>
+              <a:t>print_sum_twice</a:t>
+            </a:r>
+            <a:r>
+              <a:rPr lang="en-IE" dirty="0"/>
+              <a:t>(5, 8)</a:t>
+            </a:r>
+          </a:p>
+        </p:txBody>
+      </p:sp>
+    </p:spTree>
+    <p:extLst>
+      <p:ext uri="{BB962C8B-B14F-4D97-AF65-F5344CB8AC3E}">
+        <p14:creationId xmlns:p14="http://schemas.microsoft.com/office/powerpoint/2010/main" val="2324927933"/>
+      </p:ext>
+    </p:extLst>
+  </p:cSld>
+  <p:clrMapOvr>
+    <a:masterClrMapping/>
+  </p:clrMapOvr>
+</p:sld>
+</file>
+
+<file path=ppt/slides/slide48.xml><?xml version="1.0" encoding="utf-8"?>
+<p:sld xmlns:a="http://schemas.openxmlformats.org/drawingml/2006/main" xmlns:r="http://schemas.openxmlformats.org/officeDocument/2006/relationships" xmlns:p="http://schemas.openxmlformats.org/presentationml/2006/main">
+  <p:cSld>
+    <p:spTree>
+      <p:nvGrpSpPr>
+        <p:cNvPr id="1" name=""/>
+        <p:cNvGrpSpPr/>
+        <p:nvPr/>
+      </p:nvGrpSpPr>
+      <p:grpSpPr>
+        <a:xfrm>
+          <a:off x="0" y="0"/>
+          <a:ext cx="0" cy="0"/>
+          <a:chOff x="0" y="0"/>
+          <a:chExt cx="0" cy="0"/>
+        </a:xfrm>
+      </p:grpSpPr>
+      <p:sp>
+        <p:nvSpPr>
+          <p:cNvPr id="2" name="Title 1">
+            <a:extLst>
+              <a:ext uri="{FF2B5EF4-FFF2-40B4-BE49-F238E27FC236}">
+                <a16:creationId xmlns:a16="http://schemas.microsoft.com/office/drawing/2014/main" xmlns="" id="{BA7B4C9D-1A58-4978-A3C5-550B29BCCF53}"/>
+              </a:ext>
+            </a:extLst>
+          </p:cNvPr>
+          <p:cNvSpPr>
+            <a:spLocks noGrp="1"/>
+          </p:cNvSpPr>
+          <p:nvPr>
+            <p:ph type="title"/>
+          </p:nvPr>
+        </p:nvSpPr>
+        <p:spPr>
+          <a:xfrm>
+            <a:off x="457200" y="274638"/>
+            <a:ext cx="8229600" cy="778098"/>
+          </a:xfrm>
+        </p:spPr>
+        <p:txBody>
+          <a:bodyPr/>
+          <a:lstStyle/>
+          <a:p>
+            <a:r>
+              <a:rPr lang="en-IE" b="1" dirty="0"/>
+              <a:t>Returning from Functions</a:t>
+            </a:r>
+            <a:endParaRPr lang="en-IE" dirty="0"/>
+          </a:p>
+        </p:txBody>
+      </p:sp>
+      <p:sp>
+        <p:nvSpPr>
+          <p:cNvPr id="3" name="Content Placeholder 2">
+            <a:extLst>
+              <a:ext uri="{FF2B5EF4-FFF2-40B4-BE49-F238E27FC236}">
+                <a16:creationId xmlns:a16="http://schemas.microsoft.com/office/drawing/2014/main" xmlns="" id="{2CA9EA30-59B8-4F4A-A6DC-07EB587E99FF}"/>
+              </a:ext>
+            </a:extLst>
+          </p:cNvPr>
+          <p:cNvSpPr>
+            <a:spLocks noGrp="1"/>
+          </p:cNvSpPr>
+          <p:nvPr>
+            <p:ph idx="1"/>
+          </p:nvPr>
+        </p:nvSpPr>
+        <p:spPr>
+          <a:xfrm>
+            <a:off x="457200" y="1124744"/>
+            <a:ext cx="8229600" cy="5001419"/>
+          </a:xfrm>
+        </p:spPr>
+        <p:txBody>
+          <a:bodyPr>
+            <a:normAutofit fontScale="92500" lnSpcReduction="20000"/>
+          </a:bodyPr>
+          <a:lstStyle/>
+          <a:p>
+            <a:r>
+              <a:rPr lang="en-US" dirty="0"/>
+              <a:t>Certain functions, such as </a:t>
+            </a:r>
+            <a:r>
+              <a:rPr lang="en-US" b="1" dirty="0" err="1"/>
+              <a:t>int</a:t>
+            </a:r>
+            <a:r>
+              <a:rPr lang="en-US" b="1" dirty="0"/>
+              <a:t> </a:t>
+            </a:r>
+            <a:r>
+              <a:rPr lang="en-US" dirty="0"/>
+              <a:t>or </a:t>
+            </a:r>
+            <a:r>
+              <a:rPr lang="en-US" b="1" dirty="0" err="1"/>
+              <a:t>str</a:t>
+            </a:r>
+            <a:r>
+              <a:rPr lang="en-US" dirty="0"/>
+              <a:t>, return a value that can be used later. </a:t>
+            </a:r>
+            <a:br>
+              <a:rPr lang="en-US" dirty="0"/>
+            </a:br>
+            <a:r>
+              <a:rPr lang="en-US" dirty="0"/>
+              <a:t>To do this for your defined functions, you can use the </a:t>
+            </a:r>
+            <a:r>
+              <a:rPr lang="en-US" b="1" dirty="0"/>
+              <a:t>return </a:t>
+            </a:r>
+            <a:r>
+              <a:rPr lang="en-US" dirty="0"/>
+              <a:t>statement.</a:t>
+            </a:r>
+          </a:p>
+          <a:p>
+            <a:pPr marL="0" indent="0">
+              <a:buNone/>
+            </a:pPr>
+            <a:r>
+              <a:rPr lang="en-US" dirty="0"/>
+              <a:t>def max(x, y):</a:t>
+            </a:r>
+            <a:br>
+              <a:rPr lang="en-US" dirty="0"/>
+            </a:br>
+            <a:r>
+              <a:rPr lang="en-US" dirty="0"/>
+              <a:t>   if x &gt;=y:</a:t>
+            </a:r>
+            <a:br>
+              <a:rPr lang="en-US" dirty="0"/>
+            </a:br>
+            <a:r>
+              <a:rPr lang="en-US" dirty="0"/>
+              <a:t>     </a:t>
+            </a:r>
+            <a:r>
+              <a:rPr lang="en-US" b="1" dirty="0"/>
+              <a:t>return </a:t>
+            </a:r>
+            <a:r>
+              <a:rPr lang="en-US" dirty="0"/>
+              <a:t>x</a:t>
+            </a:r>
+            <a:br>
+              <a:rPr lang="en-US" dirty="0"/>
+            </a:br>
+            <a:r>
+              <a:rPr lang="en-US" dirty="0"/>
+              <a:t>   else:</a:t>
+            </a:r>
+            <a:br>
+              <a:rPr lang="en-US" dirty="0"/>
+            </a:br>
+            <a:r>
+              <a:rPr lang="en-US" dirty="0"/>
+              <a:t>     </a:t>
+            </a:r>
+            <a:r>
+              <a:rPr lang="en-US" b="1" dirty="0"/>
+              <a:t>return </a:t>
+            </a:r>
+            <a:r>
+              <a:rPr lang="en-US" dirty="0"/>
+              <a:t>y</a:t>
+            </a:r>
+            <a:br>
+              <a:rPr lang="en-US" dirty="0"/>
+            </a:br>
+            <a:r>
+              <a:rPr lang="en-US" dirty="0"/>
+              <a:t/>
+            </a:r>
+            <a:br>
+              <a:rPr lang="en-US" dirty="0"/>
+            </a:br>
+            <a:r>
+              <a:rPr lang="en-US" dirty="0"/>
+              <a:t>print(max(4, 7))</a:t>
+            </a:r>
+            <a:br>
+              <a:rPr lang="en-US" dirty="0"/>
+            </a:br>
+            <a:r>
+              <a:rPr lang="en-US" dirty="0"/>
+              <a:t>z = max(8, 5)</a:t>
+            </a:r>
+            <a:br>
+              <a:rPr lang="en-US" dirty="0"/>
+            </a:br>
+            <a:r>
+              <a:rPr lang="en-US" dirty="0"/>
+              <a:t>print(z)</a:t>
+            </a:r>
+            <a:endParaRPr lang="en-IE" dirty="0"/>
+          </a:p>
+        </p:txBody>
+      </p:sp>
+    </p:spTree>
+    <p:extLst>
+      <p:ext uri="{BB962C8B-B14F-4D97-AF65-F5344CB8AC3E}">
+        <p14:creationId xmlns:p14="http://schemas.microsoft.com/office/powerpoint/2010/main" val="2793874950"/>
+      </p:ext>
+    </p:extLst>
+  </p:cSld>
+  <p:clrMapOvr>
+    <a:masterClrMapping/>
+  </p:clrMapOvr>
+</p:sld>
+</file>
+
+<file path=ppt/slides/slide49.xml><?xml version="1.0" encoding="utf-8"?>
+<p:sld xmlns:a="http://schemas.openxmlformats.org/drawingml/2006/main" xmlns:r="http://schemas.openxmlformats.org/officeDocument/2006/relationships" xmlns:p="http://schemas.openxmlformats.org/presentationml/2006/main">
+  <p:cSld>
+    <p:spTree>
+      <p:nvGrpSpPr>
+        <p:cNvPr id="1" name=""/>
+        <p:cNvGrpSpPr/>
+        <p:nvPr/>
+      </p:nvGrpSpPr>
+      <p:grpSpPr>
+        <a:xfrm>
+          <a:off x="0" y="0"/>
+          <a:ext cx="0" cy="0"/>
+          <a:chOff x="0" y="0"/>
+          <a:chExt cx="0" cy="0"/>
+        </a:xfrm>
+      </p:grpSpPr>
+      <p:sp>
+        <p:nvSpPr>
+          <p:cNvPr id="2" name="Title 1">
+            <a:extLst>
+              <a:ext uri="{FF2B5EF4-FFF2-40B4-BE49-F238E27FC236}">
+                <a16:creationId xmlns:a16="http://schemas.microsoft.com/office/drawing/2014/main" xmlns="" id="{B204AF8A-4252-433B-8FDA-5F4F6248A804}"/>
+              </a:ext>
+            </a:extLst>
+          </p:cNvPr>
+          <p:cNvSpPr>
+            <a:spLocks noGrp="1"/>
+          </p:cNvSpPr>
+          <p:nvPr>
+            <p:ph type="title"/>
+          </p:nvPr>
+        </p:nvSpPr>
+        <p:spPr>
+          <a:xfrm>
+            <a:off x="457200" y="274638"/>
+            <a:ext cx="8229600" cy="778098"/>
+          </a:xfrm>
+        </p:spPr>
+        <p:txBody>
+          <a:bodyPr/>
+          <a:lstStyle/>
+          <a:p>
+            <a:r>
+              <a:rPr lang="en-IE" b="1" dirty="0"/>
+              <a:t>Returning from Functions</a:t>
+            </a:r>
+            <a:endParaRPr lang="en-IE" dirty="0"/>
+          </a:p>
+        </p:txBody>
+      </p:sp>
+      <p:sp>
+        <p:nvSpPr>
+          <p:cNvPr id="3" name="Content Placeholder 2">
+            <a:extLst>
+              <a:ext uri="{FF2B5EF4-FFF2-40B4-BE49-F238E27FC236}">
+                <a16:creationId xmlns:a16="http://schemas.microsoft.com/office/drawing/2014/main" xmlns="" id="{C61AD874-308B-4703-B0A5-89D154438941}"/>
+              </a:ext>
+            </a:extLst>
+          </p:cNvPr>
+          <p:cNvSpPr>
+            <a:spLocks noGrp="1"/>
+          </p:cNvSpPr>
+          <p:nvPr>
+            <p:ph idx="1"/>
+          </p:nvPr>
+        </p:nvSpPr>
+        <p:spPr>
+          <a:xfrm>
+            <a:off x="457200" y="1052736"/>
+            <a:ext cx="8229600" cy="5073427"/>
+          </a:xfrm>
+        </p:spPr>
+        <p:txBody>
+          <a:bodyPr>
+            <a:normAutofit lnSpcReduction="10000"/>
+          </a:bodyPr>
+          <a:lstStyle/>
+          <a:p>
+            <a:r>
+              <a:rPr lang="en-US" dirty="0"/>
+              <a:t>Once you return a value from a function, it immediately stops being executed. Any code after the </a:t>
+            </a:r>
+            <a:r>
+              <a:rPr lang="en-US" b="1" dirty="0"/>
+              <a:t>return </a:t>
+            </a:r>
+            <a:r>
+              <a:rPr lang="en-US" dirty="0"/>
+              <a:t>statement will never happen.</a:t>
+            </a:r>
+          </a:p>
+          <a:p>
+            <a:pPr marL="0" indent="0">
+              <a:buNone/>
+            </a:pPr>
+            <a:endParaRPr lang="en-US" dirty="0"/>
+          </a:p>
+          <a:p>
+            <a:pPr marL="0" indent="0">
+              <a:buNone/>
+            </a:pPr>
+            <a:r>
+              <a:rPr lang="en-US" dirty="0"/>
+              <a:t>def </a:t>
+            </a:r>
+            <a:r>
+              <a:rPr lang="en-US" dirty="0" err="1"/>
+              <a:t>add_numbers</a:t>
+            </a:r>
+            <a:r>
+              <a:rPr lang="en-US" dirty="0"/>
+              <a:t>(x, y):</a:t>
+            </a:r>
+            <a:br>
+              <a:rPr lang="en-US" dirty="0"/>
+            </a:br>
+            <a:r>
+              <a:rPr lang="en-US" dirty="0"/>
+              <a:t>  total = x + y</a:t>
+            </a:r>
+            <a:br>
+              <a:rPr lang="en-US" dirty="0"/>
+            </a:br>
+            <a:r>
+              <a:rPr lang="en-US" dirty="0"/>
+              <a:t>  </a:t>
+            </a:r>
+            <a:r>
+              <a:rPr lang="en-US" b="1" dirty="0"/>
+              <a:t>return </a:t>
+            </a:r>
+            <a:r>
+              <a:rPr lang="en-US" dirty="0"/>
+              <a:t>total</a:t>
+            </a:r>
+            <a:br>
+              <a:rPr lang="en-US" dirty="0"/>
+            </a:br>
+            <a:r>
+              <a:rPr lang="en-US" dirty="0"/>
+              <a:t>  print("This won't be printed")</a:t>
+            </a:r>
+            <a:br>
+              <a:rPr lang="en-US" dirty="0"/>
+            </a:br>
+            <a:r>
+              <a:rPr lang="en-US" dirty="0"/>
+              <a:t/>
+            </a:r>
+            <a:br>
+              <a:rPr lang="en-US" dirty="0"/>
+            </a:br>
+            <a:r>
+              <a:rPr lang="en-US" dirty="0"/>
+              <a:t>print(</a:t>
+            </a:r>
+            <a:r>
+              <a:rPr lang="en-US" dirty="0" err="1"/>
+              <a:t>add_numbers</a:t>
+            </a:r>
+            <a:r>
+              <a:rPr lang="en-US" dirty="0"/>
+              <a:t>(4, 5))</a:t>
+            </a:r>
+            <a:endParaRPr lang="en-IE" dirty="0"/>
+          </a:p>
+        </p:txBody>
+      </p:sp>
+    </p:spTree>
+    <p:extLst>
+      <p:ext uri="{BB962C8B-B14F-4D97-AF65-F5344CB8AC3E}">
+        <p14:creationId xmlns:p14="http://schemas.microsoft.com/office/powerpoint/2010/main" val="387632236"/>
+      </p:ext>
+    </p:extLst>
+  </p:cSld>
+  <p:clrMapOvr>
+    <a:masterClrMapping/>
+  </p:clrMapOvr>
+</p:sld>
+</file>
+
 <file path=ppt/slides/slide5.xml><?xml version="1.0" encoding="utf-8"?>
 <p:sld xmlns:a="http://schemas.openxmlformats.org/drawingml/2006/main" xmlns:r="http://schemas.openxmlformats.org/officeDocument/2006/relationships" xmlns:p="http://schemas.openxmlformats.org/presentationml/2006/main">
   <p:cSld>
@@ -5812,6 +11665,843 @@
     <p:extLst>
       <p:ext uri="{BB962C8B-B14F-4D97-AF65-F5344CB8AC3E}">
         <p14:creationId xmlns:p14="http://schemas.microsoft.com/office/powerpoint/2010/main" val="30445301"/>
+      </p:ext>
+    </p:extLst>
+  </p:cSld>
+  <p:clrMapOvr>
+    <a:masterClrMapping/>
+  </p:clrMapOvr>
+</p:sld>
+</file>
+
+<file path=ppt/slides/slide50.xml><?xml version="1.0" encoding="utf-8"?>
+<p:sld xmlns:a="http://schemas.openxmlformats.org/drawingml/2006/main" xmlns:r="http://schemas.openxmlformats.org/officeDocument/2006/relationships" xmlns:p="http://schemas.openxmlformats.org/presentationml/2006/main">
+  <p:cSld>
+    <p:spTree>
+      <p:nvGrpSpPr>
+        <p:cNvPr id="1" name=""/>
+        <p:cNvGrpSpPr/>
+        <p:nvPr/>
+      </p:nvGrpSpPr>
+      <p:grpSpPr>
+        <a:xfrm>
+          <a:off x="0" y="0"/>
+          <a:ext cx="0" cy="0"/>
+          <a:chOff x="0" y="0"/>
+          <a:chExt cx="0" cy="0"/>
+        </a:xfrm>
+      </p:grpSpPr>
+      <p:sp>
+        <p:nvSpPr>
+          <p:cNvPr id="2" name="Title 1">
+            <a:extLst>
+              <a:ext uri="{FF2B5EF4-FFF2-40B4-BE49-F238E27FC236}">
+                <a16:creationId xmlns:a16="http://schemas.microsoft.com/office/drawing/2014/main" xmlns="" id="{CEE0A2EA-7835-4EEE-8CC6-F51B3D7AA73A}"/>
+              </a:ext>
+            </a:extLst>
+          </p:cNvPr>
+          <p:cNvSpPr>
+            <a:spLocks noGrp="1"/>
+          </p:cNvSpPr>
+          <p:nvPr>
+            <p:ph type="title"/>
+          </p:nvPr>
+        </p:nvSpPr>
+        <p:spPr>
+          <a:xfrm>
+            <a:off x="457200" y="274638"/>
+            <a:ext cx="8229600" cy="778098"/>
+          </a:xfrm>
+        </p:spPr>
+        <p:txBody>
+          <a:bodyPr/>
+          <a:lstStyle/>
+          <a:p>
+            <a:r>
+              <a:rPr lang="en-IE" b="1" dirty="0"/>
+              <a:t>Docstrings</a:t>
+            </a:r>
+            <a:endParaRPr lang="en-IE" dirty="0"/>
+          </a:p>
+        </p:txBody>
+      </p:sp>
+      <p:sp>
+        <p:nvSpPr>
+          <p:cNvPr id="3" name="Content Placeholder 2">
+            <a:extLst>
+              <a:ext uri="{FF2B5EF4-FFF2-40B4-BE49-F238E27FC236}">
+                <a16:creationId xmlns:a16="http://schemas.microsoft.com/office/drawing/2014/main" xmlns="" id="{BA32B933-42CB-4D2A-8628-DDB36FB6CECB}"/>
+              </a:ext>
+            </a:extLst>
+          </p:cNvPr>
+          <p:cNvSpPr>
+            <a:spLocks noGrp="1"/>
+          </p:cNvSpPr>
+          <p:nvPr>
+            <p:ph idx="1"/>
+          </p:nvPr>
+        </p:nvSpPr>
+        <p:spPr>
+          <a:xfrm>
+            <a:off x="457200" y="1124744"/>
+            <a:ext cx="8229600" cy="5001419"/>
+          </a:xfrm>
+        </p:spPr>
+        <p:txBody>
+          <a:bodyPr>
+            <a:normAutofit fontScale="85000" lnSpcReduction="20000"/>
+          </a:bodyPr>
+          <a:lstStyle/>
+          <a:p>
+            <a:r>
+              <a:rPr lang="en-US" b="1" dirty="0"/>
+              <a:t>Docstrings</a:t>
+            </a:r>
+            <a:r>
+              <a:rPr lang="en-US" dirty="0"/>
+              <a:t> (documentation strings) serve a similar purpose to comments, as they are designed to explain code. They are created by putting a multiline string containing an explanation of the function below the </a:t>
+            </a:r>
+            <a:r>
+              <a:rPr lang="en-US" b="1" dirty="0"/>
+              <a:t>function's first line</a:t>
+            </a:r>
+            <a:r>
+              <a:rPr lang="en-US" dirty="0"/>
+              <a:t>.</a:t>
+            </a:r>
+          </a:p>
+          <a:p>
+            <a:pPr marL="0" indent="0">
+              <a:buNone/>
+            </a:pPr>
+            <a:r>
+              <a:rPr lang="en-US" u="sng" dirty="0"/>
+              <a:t>def</a:t>
+            </a:r>
+            <a:r>
+              <a:rPr lang="en-US" dirty="0"/>
+              <a:t> shout(word):</a:t>
+            </a:r>
+            <a:br>
+              <a:rPr lang="en-US" dirty="0"/>
+            </a:br>
+            <a:r>
+              <a:rPr lang="en-US" dirty="0"/>
+              <a:t>  </a:t>
+            </a:r>
+            <a:r>
+              <a:rPr lang="en-US" b="1" dirty="0"/>
+              <a:t>"""</a:t>
+            </a:r>
+            <a:br>
+              <a:rPr lang="en-US" b="1" dirty="0"/>
+            </a:br>
+            <a:r>
+              <a:rPr lang="en-US" b="1" dirty="0"/>
+              <a:t>  Line1</a:t>
+            </a:r>
+            <a:br>
+              <a:rPr lang="en-US" b="1" dirty="0"/>
+            </a:br>
+            <a:r>
+              <a:rPr lang="en-US" b="1" dirty="0"/>
+              <a:t>  Line2</a:t>
+            </a:r>
+            <a:br>
+              <a:rPr lang="en-US" b="1" dirty="0"/>
+            </a:br>
+            <a:r>
+              <a:rPr lang="en-US" b="1" dirty="0"/>
+              <a:t>  ""“</a:t>
+            </a:r>
+          </a:p>
+          <a:p>
+            <a:pPr marL="0" indent="0">
+              <a:buNone/>
+            </a:pPr>
+            <a:r>
+              <a:rPr lang="en-US" dirty="0"/>
+              <a:t> print(word + "!")</a:t>
+            </a:r>
+            <a:br>
+              <a:rPr lang="en-US" dirty="0"/>
+            </a:br>
+            <a:r>
+              <a:rPr lang="en-US" dirty="0"/>
+              <a:t/>
+            </a:r>
+            <a:br>
+              <a:rPr lang="en-US" dirty="0"/>
+            </a:br>
+            <a:r>
+              <a:rPr lang="en-US" dirty="0"/>
+              <a:t>shout("spam")</a:t>
+            </a:r>
+            <a:endParaRPr lang="en-IE" dirty="0"/>
+          </a:p>
+        </p:txBody>
+      </p:sp>
+    </p:spTree>
+    <p:extLst>
+      <p:ext uri="{BB962C8B-B14F-4D97-AF65-F5344CB8AC3E}">
+        <p14:creationId xmlns:p14="http://schemas.microsoft.com/office/powerpoint/2010/main" val="3865860450"/>
+      </p:ext>
+    </p:extLst>
+  </p:cSld>
+  <p:clrMapOvr>
+    <a:masterClrMapping/>
+  </p:clrMapOvr>
+</p:sld>
+</file>
+
+<file path=ppt/slides/slide51.xml><?xml version="1.0" encoding="utf-8"?>
+<p:sld xmlns:a="http://schemas.openxmlformats.org/drawingml/2006/main" xmlns:r="http://schemas.openxmlformats.org/officeDocument/2006/relationships" xmlns:p="http://schemas.openxmlformats.org/presentationml/2006/main">
+  <p:cSld>
+    <p:spTree>
+      <p:nvGrpSpPr>
+        <p:cNvPr id="1" name=""/>
+        <p:cNvGrpSpPr/>
+        <p:nvPr/>
+      </p:nvGrpSpPr>
+      <p:grpSpPr>
+        <a:xfrm>
+          <a:off x="0" y="0"/>
+          <a:ext cx="0" cy="0"/>
+          <a:chOff x="0" y="0"/>
+          <a:chExt cx="0" cy="0"/>
+        </a:xfrm>
+      </p:grpSpPr>
+      <p:sp>
+        <p:nvSpPr>
+          <p:cNvPr id="2" name="Title 1">
+            <a:extLst>
+              <a:ext uri="{FF2B5EF4-FFF2-40B4-BE49-F238E27FC236}">
+                <a16:creationId xmlns:a16="http://schemas.microsoft.com/office/drawing/2014/main" xmlns="" id="{C4D7F48C-EB14-45C6-AC1E-64B31FEE45DA}"/>
+              </a:ext>
+            </a:extLst>
+          </p:cNvPr>
+          <p:cNvSpPr>
+            <a:spLocks noGrp="1"/>
+          </p:cNvSpPr>
+          <p:nvPr>
+            <p:ph type="title"/>
+          </p:nvPr>
+        </p:nvSpPr>
+        <p:spPr>
+          <a:xfrm>
+            <a:off x="457200" y="274638"/>
+            <a:ext cx="8229600" cy="778098"/>
+          </a:xfrm>
+        </p:spPr>
+        <p:txBody>
+          <a:bodyPr/>
+          <a:lstStyle/>
+          <a:p>
+            <a:r>
+              <a:rPr lang="en-IE" dirty="0"/>
+              <a:t>Functions as Objects</a:t>
+            </a:r>
+          </a:p>
+        </p:txBody>
+      </p:sp>
+      <p:sp>
+        <p:nvSpPr>
+          <p:cNvPr id="3" name="Content Placeholder 2">
+            <a:extLst>
+              <a:ext uri="{FF2B5EF4-FFF2-40B4-BE49-F238E27FC236}">
+                <a16:creationId xmlns:a16="http://schemas.microsoft.com/office/drawing/2014/main" xmlns="" id="{34E7EF68-0F63-4FBE-A1A1-5EB97628B922}"/>
+              </a:ext>
+            </a:extLst>
+          </p:cNvPr>
+          <p:cNvSpPr>
+            <a:spLocks noGrp="1"/>
+          </p:cNvSpPr>
+          <p:nvPr>
+            <p:ph idx="1"/>
+          </p:nvPr>
+        </p:nvSpPr>
+        <p:spPr>
+          <a:xfrm>
+            <a:off x="457200" y="1196752"/>
+            <a:ext cx="8229600" cy="4929411"/>
+          </a:xfrm>
+        </p:spPr>
+        <p:txBody>
+          <a:bodyPr>
+            <a:normAutofit fontScale="92500" lnSpcReduction="20000"/>
+          </a:bodyPr>
+          <a:lstStyle/>
+          <a:p>
+            <a:r>
+              <a:rPr lang="en-US" dirty="0"/>
+              <a:t>Although they are created differently from normal variables, </a:t>
+            </a:r>
+            <a:r>
+              <a:rPr lang="en-US" b="1" dirty="0"/>
+              <a:t>functions </a:t>
+            </a:r>
+            <a:r>
+              <a:rPr lang="en-US" dirty="0"/>
+              <a:t>are just like any other kind of value. </a:t>
+            </a:r>
+            <a:br>
+              <a:rPr lang="en-US" dirty="0"/>
+            </a:br>
+            <a:r>
+              <a:rPr lang="en-US" dirty="0"/>
+              <a:t>They can be assigned and reassigned to variables, and later referenced by those names.</a:t>
+            </a:r>
+          </a:p>
+          <a:p>
+            <a:pPr marL="0" indent="0">
+              <a:buNone/>
+            </a:pPr>
+            <a:r>
+              <a:rPr lang="en-US" dirty="0"/>
+              <a:t>def multiply(x, y):</a:t>
+            </a:r>
+            <a:br>
+              <a:rPr lang="en-US" dirty="0"/>
+            </a:br>
+            <a:r>
+              <a:rPr lang="en-US" dirty="0"/>
+              <a:t>  return x * y</a:t>
+            </a:r>
+            <a:br>
+              <a:rPr lang="en-US" dirty="0"/>
+            </a:br>
+            <a:r>
+              <a:rPr lang="en-US" dirty="0"/>
+              <a:t/>
+            </a:r>
+            <a:br>
+              <a:rPr lang="en-US" dirty="0"/>
+            </a:br>
+            <a:r>
+              <a:rPr lang="en-US" dirty="0"/>
+              <a:t>a = 4</a:t>
+            </a:r>
+            <a:br>
+              <a:rPr lang="en-US" dirty="0"/>
+            </a:br>
+            <a:r>
+              <a:rPr lang="en-US" dirty="0"/>
+              <a:t>b = 7</a:t>
+            </a:r>
+            <a:br>
+              <a:rPr lang="en-US" dirty="0"/>
+            </a:br>
+            <a:r>
+              <a:rPr lang="en-US" b="1" dirty="0"/>
+              <a:t>operation = multiply</a:t>
+            </a:r>
+            <a:r>
+              <a:rPr lang="en-US" dirty="0"/>
+              <a:t/>
+            </a:r>
+            <a:br>
+              <a:rPr lang="en-US" dirty="0"/>
+            </a:br>
+            <a:r>
+              <a:rPr lang="en-US" dirty="0"/>
+              <a:t>print(</a:t>
+            </a:r>
+            <a:r>
+              <a:rPr lang="en-US" b="1" dirty="0"/>
+              <a:t>operation</a:t>
+            </a:r>
+            <a:r>
+              <a:rPr lang="en-US" dirty="0"/>
+              <a:t>(a, b))</a:t>
+            </a:r>
+            <a:endParaRPr lang="en-IE" dirty="0"/>
+          </a:p>
+        </p:txBody>
+      </p:sp>
+    </p:spTree>
+    <p:extLst>
+      <p:ext uri="{BB962C8B-B14F-4D97-AF65-F5344CB8AC3E}">
+        <p14:creationId xmlns:p14="http://schemas.microsoft.com/office/powerpoint/2010/main" val="2475323163"/>
+      </p:ext>
+    </p:extLst>
+  </p:cSld>
+  <p:clrMapOvr>
+    <a:masterClrMapping/>
+  </p:clrMapOvr>
+</p:sld>
+</file>
+
+<file path=ppt/slides/slide52.xml><?xml version="1.0" encoding="utf-8"?>
+<p:sld xmlns:a="http://schemas.openxmlformats.org/drawingml/2006/main" xmlns:r="http://schemas.openxmlformats.org/officeDocument/2006/relationships" xmlns:p="http://schemas.openxmlformats.org/presentationml/2006/main">
+  <p:cSld>
+    <p:spTree>
+      <p:nvGrpSpPr>
+        <p:cNvPr id="1" name=""/>
+        <p:cNvGrpSpPr/>
+        <p:nvPr/>
+      </p:nvGrpSpPr>
+      <p:grpSpPr>
+        <a:xfrm>
+          <a:off x="0" y="0"/>
+          <a:ext cx="0" cy="0"/>
+          <a:chOff x="0" y="0"/>
+          <a:chExt cx="0" cy="0"/>
+        </a:xfrm>
+      </p:grpSpPr>
+      <p:sp>
+        <p:nvSpPr>
+          <p:cNvPr id="2" name="Title 1">
+            <a:extLst>
+              <a:ext uri="{FF2B5EF4-FFF2-40B4-BE49-F238E27FC236}">
+                <a16:creationId xmlns:a16="http://schemas.microsoft.com/office/drawing/2014/main" xmlns="" id="{98D7B585-4BD9-4DB7-883F-D8872D6A0D14}"/>
+              </a:ext>
+            </a:extLst>
+          </p:cNvPr>
+          <p:cNvSpPr>
+            <a:spLocks noGrp="1"/>
+          </p:cNvSpPr>
+          <p:nvPr>
+            <p:ph type="title"/>
+          </p:nvPr>
+        </p:nvSpPr>
+        <p:spPr>
+          <a:xfrm>
+            <a:off x="457200" y="274638"/>
+            <a:ext cx="8229600" cy="850106"/>
+          </a:xfrm>
+        </p:spPr>
+        <p:txBody>
+          <a:bodyPr/>
+          <a:lstStyle/>
+          <a:p>
+            <a:r>
+              <a:rPr lang="en-IE" dirty="0"/>
+              <a:t>Functions as Objects</a:t>
+            </a:r>
+          </a:p>
+        </p:txBody>
+      </p:sp>
+      <p:sp>
+        <p:nvSpPr>
+          <p:cNvPr id="3" name="Content Placeholder 2">
+            <a:extLst>
+              <a:ext uri="{FF2B5EF4-FFF2-40B4-BE49-F238E27FC236}">
+                <a16:creationId xmlns:a16="http://schemas.microsoft.com/office/drawing/2014/main" xmlns="" id="{994E9D02-A1ED-456B-97B5-2EA2B8C2730B}"/>
+              </a:ext>
+            </a:extLst>
+          </p:cNvPr>
+          <p:cNvSpPr>
+            <a:spLocks noGrp="1"/>
+          </p:cNvSpPr>
+          <p:nvPr>
+            <p:ph idx="1"/>
+          </p:nvPr>
+        </p:nvSpPr>
+        <p:spPr>
+          <a:xfrm>
+            <a:off x="457200" y="1124744"/>
+            <a:ext cx="8229600" cy="5001419"/>
+          </a:xfrm>
+        </p:spPr>
+        <p:txBody>
+          <a:bodyPr>
+            <a:normAutofit fontScale="85000" lnSpcReduction="20000"/>
+          </a:bodyPr>
+          <a:lstStyle/>
+          <a:p>
+            <a:r>
+              <a:rPr lang="en-US" dirty="0"/>
+              <a:t>Functions can also be used as </a:t>
+            </a:r>
+            <a:r>
+              <a:rPr lang="en-US" b="1" dirty="0"/>
+              <a:t>arguments </a:t>
+            </a:r>
+            <a:r>
+              <a:rPr lang="en-US" dirty="0"/>
+              <a:t>of other functions.</a:t>
+            </a:r>
+          </a:p>
+          <a:p>
+            <a:pPr marL="0" indent="0">
+              <a:buNone/>
+            </a:pPr>
+            <a:endParaRPr lang="en-US" dirty="0"/>
+          </a:p>
+          <a:p>
+            <a:pPr marL="0" indent="0">
+              <a:buNone/>
+            </a:pPr>
+            <a:r>
+              <a:rPr lang="en-US" dirty="0"/>
+              <a:t>def add(x, y):</a:t>
+            </a:r>
+            <a:br>
+              <a:rPr lang="en-US" dirty="0"/>
+            </a:br>
+            <a:r>
+              <a:rPr lang="en-US" dirty="0"/>
+              <a:t> return x + y</a:t>
+            </a:r>
+            <a:br>
+              <a:rPr lang="en-US" dirty="0"/>
+            </a:br>
+            <a:r>
+              <a:rPr lang="en-US" dirty="0"/>
+              <a:t/>
+            </a:r>
+            <a:br>
+              <a:rPr lang="en-US" dirty="0"/>
+            </a:br>
+            <a:r>
+              <a:rPr lang="en-US" dirty="0"/>
+              <a:t>def </a:t>
+            </a:r>
+            <a:r>
+              <a:rPr lang="en-US" dirty="0" err="1"/>
+              <a:t>do_twice</a:t>
+            </a:r>
+            <a:r>
+              <a:rPr lang="en-US" dirty="0"/>
+              <a:t>(</a:t>
+            </a:r>
+            <a:r>
+              <a:rPr lang="en-US" b="1" dirty="0" err="1"/>
+              <a:t>func</a:t>
+            </a:r>
+            <a:r>
+              <a:rPr lang="en-US" dirty="0"/>
+              <a:t>, x, y):</a:t>
+            </a:r>
+            <a:br>
+              <a:rPr lang="en-US" dirty="0"/>
+            </a:br>
+            <a:r>
+              <a:rPr lang="en-US" dirty="0"/>
+              <a:t> return </a:t>
+            </a:r>
+            <a:r>
+              <a:rPr lang="en-US" b="1" dirty="0" err="1"/>
+              <a:t>func</a:t>
+            </a:r>
+            <a:r>
+              <a:rPr lang="en-US" dirty="0"/>
+              <a:t>(</a:t>
+            </a:r>
+            <a:r>
+              <a:rPr lang="en-US" b="1" dirty="0" err="1"/>
+              <a:t>func</a:t>
+            </a:r>
+            <a:r>
+              <a:rPr lang="en-US" dirty="0"/>
+              <a:t>(x, y), </a:t>
+            </a:r>
+            <a:r>
+              <a:rPr lang="en-US" b="1" dirty="0" err="1"/>
+              <a:t>func</a:t>
+            </a:r>
+            <a:r>
+              <a:rPr lang="en-US" dirty="0"/>
+              <a:t>(x, y))</a:t>
+            </a:r>
+            <a:br>
+              <a:rPr lang="en-US" dirty="0"/>
+            </a:br>
+            <a:r>
+              <a:rPr lang="en-US" dirty="0"/>
+              <a:t/>
+            </a:r>
+            <a:br>
+              <a:rPr lang="en-US" dirty="0"/>
+            </a:br>
+            <a:r>
+              <a:rPr lang="en-US" dirty="0"/>
+              <a:t>a = 5</a:t>
+            </a:r>
+            <a:br>
+              <a:rPr lang="en-US" dirty="0"/>
+            </a:br>
+            <a:r>
+              <a:rPr lang="en-US" dirty="0"/>
+              <a:t>b = 10</a:t>
+            </a:r>
+            <a:br>
+              <a:rPr lang="en-US" dirty="0"/>
+            </a:br>
+            <a:r>
+              <a:rPr lang="en-US" dirty="0"/>
+              <a:t/>
+            </a:r>
+            <a:br>
+              <a:rPr lang="en-US" dirty="0"/>
+            </a:br>
+            <a:r>
+              <a:rPr lang="en-US" dirty="0"/>
+              <a:t>print(</a:t>
+            </a:r>
+            <a:r>
+              <a:rPr lang="en-US" dirty="0" err="1"/>
+              <a:t>do_twice</a:t>
+            </a:r>
+            <a:r>
+              <a:rPr lang="en-US" dirty="0"/>
+              <a:t>(</a:t>
+            </a:r>
+            <a:r>
+              <a:rPr lang="en-US" b="1" dirty="0"/>
+              <a:t>add</a:t>
+            </a:r>
+            <a:r>
+              <a:rPr lang="en-US" dirty="0"/>
+              <a:t>, a, b))</a:t>
+            </a:r>
+            <a:endParaRPr lang="en-IE" dirty="0"/>
+          </a:p>
+        </p:txBody>
+      </p:sp>
+    </p:spTree>
+    <p:extLst>
+      <p:ext uri="{BB962C8B-B14F-4D97-AF65-F5344CB8AC3E}">
+        <p14:creationId xmlns:p14="http://schemas.microsoft.com/office/powerpoint/2010/main" val="595750060"/>
+      </p:ext>
+    </p:extLst>
+  </p:cSld>
+  <p:clrMapOvr>
+    <a:masterClrMapping/>
+  </p:clrMapOvr>
+</p:sld>
+</file>
+
+<file path=ppt/slides/slide53.xml><?xml version="1.0" encoding="utf-8"?>
+<p:sld xmlns:a="http://schemas.openxmlformats.org/drawingml/2006/main" xmlns:r="http://schemas.openxmlformats.org/officeDocument/2006/relationships" xmlns:p="http://schemas.openxmlformats.org/presentationml/2006/main">
+  <p:cSld>
+    <p:spTree>
+      <p:nvGrpSpPr>
+        <p:cNvPr id="1" name=""/>
+        <p:cNvGrpSpPr/>
+        <p:nvPr/>
+      </p:nvGrpSpPr>
+      <p:grpSpPr>
+        <a:xfrm>
+          <a:off x="0" y="0"/>
+          <a:ext cx="0" cy="0"/>
+          <a:chOff x="0" y="0"/>
+          <a:chExt cx="0" cy="0"/>
+        </a:xfrm>
+      </p:grpSpPr>
+      <p:sp>
+        <p:nvSpPr>
+          <p:cNvPr id="2" name="标题 1"/>
+          <p:cNvSpPr>
+            <a:spLocks noGrp="1"/>
+          </p:cNvSpPr>
+          <p:nvPr>
+            <p:ph type="title"/>
+          </p:nvPr>
+        </p:nvSpPr>
+        <p:spPr>
+          <a:xfrm>
+            <a:off x="457200" y="274638"/>
+            <a:ext cx="8229600" cy="778098"/>
+          </a:xfrm>
+        </p:spPr>
+        <p:txBody>
+          <a:bodyPr/>
+          <a:lstStyle/>
+          <a:p>
+            <a:r>
+              <a:rPr lang="en-US" altLang="zh-CN" b="1" dirty="0"/>
+              <a:t>Modules</a:t>
+            </a:r>
+            <a:endParaRPr lang="zh-CN" altLang="en-US" dirty="0"/>
+          </a:p>
+        </p:txBody>
+      </p:sp>
+      <p:sp>
+        <p:nvSpPr>
+          <p:cNvPr id="3" name="内容占位符 2"/>
+          <p:cNvSpPr>
+            <a:spLocks noGrp="1"/>
+          </p:cNvSpPr>
+          <p:nvPr>
+            <p:ph idx="1"/>
+          </p:nvPr>
+        </p:nvSpPr>
+        <p:spPr>
+          <a:xfrm>
+            <a:off x="457200" y="1052736"/>
+            <a:ext cx="8229600" cy="5073427"/>
+          </a:xfrm>
+        </p:spPr>
+        <p:txBody>
+          <a:bodyPr>
+            <a:normAutofit fontScale="77500" lnSpcReduction="20000"/>
+          </a:bodyPr>
+          <a:lstStyle/>
+          <a:p>
+            <a:r>
+              <a:rPr lang="en-US" altLang="zh-CN" b="1" dirty="0"/>
+              <a:t>Modules </a:t>
+            </a:r>
+            <a:r>
+              <a:rPr lang="en-US" altLang="zh-CN" dirty="0"/>
+              <a:t>are pieces of code that other people have written to fulfill common tasks, such as generating random numbers, performing mathematical operations, etc.</a:t>
+            </a:r>
+            <a:r>
+              <a:rPr lang="en-US" altLang="zh-CN" dirty="0"/>
+              <a:t/>
+            </a:r>
+            <a:br>
+              <a:rPr lang="en-US" altLang="zh-CN" dirty="0"/>
+            </a:br>
+            <a:r>
+              <a:rPr lang="en-US" altLang="zh-CN" dirty="0" smtClean="0"/>
+              <a:t>The </a:t>
+            </a:r>
+            <a:r>
+              <a:rPr lang="en-US" altLang="zh-CN" dirty="0"/>
+              <a:t>basic way to use a module is to add </a:t>
+            </a:r>
+            <a:r>
+              <a:rPr lang="en-US" altLang="zh-CN" b="1" dirty="0"/>
+              <a:t>import </a:t>
+            </a:r>
+            <a:r>
+              <a:rPr lang="en-US" altLang="zh-CN" b="1" dirty="0" err="1"/>
+              <a:t>module_name</a:t>
+            </a:r>
+            <a:r>
+              <a:rPr lang="en-US" altLang="zh-CN" dirty="0"/>
+              <a:t> at the top of your code, and then using </a:t>
+            </a:r>
+            <a:r>
+              <a:rPr lang="en-US" altLang="zh-CN" b="1" dirty="0" err="1"/>
+              <a:t>module_name.var</a:t>
+            </a:r>
+            <a:r>
+              <a:rPr lang="en-US" altLang="zh-CN" b="1" dirty="0"/>
+              <a:t> </a:t>
+            </a:r>
+            <a:r>
+              <a:rPr lang="en-US" altLang="zh-CN" dirty="0"/>
+              <a:t>to access functions and values with the name </a:t>
+            </a:r>
+            <a:r>
+              <a:rPr lang="en-US" altLang="zh-CN" b="1" dirty="0" err="1"/>
+              <a:t>var</a:t>
+            </a:r>
+            <a:r>
+              <a:rPr lang="en-US" altLang="zh-CN" b="1" dirty="0"/>
+              <a:t> </a:t>
+            </a:r>
+            <a:r>
+              <a:rPr lang="en-US" altLang="zh-CN" dirty="0"/>
+              <a:t>in the module.</a:t>
+            </a:r>
+            <a:r>
+              <a:rPr lang="en-US" altLang="zh-CN" dirty="0"/>
+              <a:t/>
+            </a:r>
+            <a:br>
+              <a:rPr lang="en-US" altLang="zh-CN" dirty="0"/>
+            </a:br>
+            <a:r>
+              <a:rPr lang="en-US" altLang="zh-CN" dirty="0"/>
+              <a:t>For example, the following example uses the </a:t>
+            </a:r>
+            <a:r>
+              <a:rPr lang="en-US" altLang="zh-CN" b="1" dirty="0"/>
+              <a:t>random </a:t>
+            </a:r>
+            <a:r>
+              <a:rPr lang="en-US" altLang="zh-CN" dirty="0"/>
+              <a:t>module to generate random numbers</a:t>
+            </a:r>
+            <a:r>
+              <a:rPr lang="en-US" altLang="zh-CN" dirty="0" smtClean="0"/>
+              <a:t>:</a:t>
+            </a:r>
+          </a:p>
+          <a:p>
+            <a:endParaRPr lang="en-US" altLang="zh-CN" dirty="0" smtClean="0"/>
+          </a:p>
+          <a:p>
+            <a:r>
+              <a:rPr lang="en-US" altLang="zh-CN" b="1" dirty="0"/>
+              <a:t>import random</a:t>
+            </a:r>
+            <a:r>
+              <a:rPr lang="en-US" altLang="zh-CN" dirty="0"/>
+              <a:t/>
+            </a:r>
+            <a:br>
+              <a:rPr lang="en-US" altLang="zh-CN" dirty="0"/>
+            </a:br>
+            <a:r>
+              <a:rPr lang="en-US" altLang="zh-CN" dirty="0"/>
+              <a:t/>
+            </a:r>
+            <a:br>
+              <a:rPr lang="en-US" altLang="zh-CN" dirty="0"/>
+            </a:br>
+            <a:r>
+              <a:rPr lang="en-US" altLang="zh-CN" dirty="0"/>
+              <a:t>for i in range(5):</a:t>
+            </a:r>
+            <a:r>
+              <a:rPr lang="en-US" altLang="zh-CN" dirty="0"/>
+              <a:t/>
+            </a:r>
+            <a:br>
+              <a:rPr lang="en-US" altLang="zh-CN" dirty="0"/>
+            </a:br>
+            <a:r>
+              <a:rPr lang="en-US" altLang="zh-CN" dirty="0" smtClean="0"/>
+              <a:t>  value </a:t>
+            </a:r>
+            <a:r>
+              <a:rPr lang="en-US" altLang="zh-CN" dirty="0"/>
+              <a:t>= </a:t>
+            </a:r>
+            <a:r>
+              <a:rPr lang="en-US" altLang="zh-CN" b="1" dirty="0" err="1"/>
+              <a:t>random</a:t>
+            </a:r>
+            <a:r>
+              <a:rPr lang="en-US" altLang="zh-CN" dirty="0" err="1"/>
+              <a:t>.</a:t>
+            </a:r>
+            <a:r>
+              <a:rPr lang="en-US" altLang="zh-CN" b="1" dirty="0" err="1"/>
+              <a:t>randint</a:t>
+            </a:r>
+            <a:r>
+              <a:rPr lang="en-US" altLang="zh-CN" dirty="0"/>
+              <a:t>(1, 6)</a:t>
+            </a:r>
+            <a:r>
+              <a:rPr lang="en-US" altLang="zh-CN"/>
+              <a:t/>
+            </a:r>
+            <a:br>
+              <a:rPr lang="en-US" altLang="zh-CN"/>
+            </a:br>
+            <a:r>
+              <a:rPr lang="en-US" altLang="zh-CN" smtClean="0"/>
+              <a:t>  print(value</a:t>
+            </a:r>
+            <a:r>
+              <a:rPr lang="en-US" altLang="zh-CN" dirty="0"/>
+              <a:t>)</a:t>
+            </a:r>
+            <a:endParaRPr lang="zh-CN" altLang="en-US" dirty="0"/>
+          </a:p>
+        </p:txBody>
+      </p:sp>
+    </p:spTree>
+    <p:extLst>
+      <p:ext uri="{BB962C8B-B14F-4D97-AF65-F5344CB8AC3E}">
+        <p14:creationId xmlns:p14="http://schemas.microsoft.com/office/powerpoint/2010/main" val="3335658798"/>
       </p:ext>
     </p:extLst>
   </p:cSld>
@@ -5919,6 +12609,10 @@
             <a:br>
               <a:rPr lang="en-US" altLang="zh-CN" dirty="0"/>
             </a:br>
+            <a:r>
+              <a:rPr lang="en-US" altLang="zh-CN" dirty="0"/>
+              <a:t/>
+            </a:r>
             <a:br>
               <a:rPr lang="en-US" altLang="zh-CN" dirty="0"/>
             </a:br>
@@ -5945,6 +12639,10 @@
             <a:br>
               <a:rPr lang="en-US" altLang="zh-CN" dirty="0"/>
             </a:br>
+            <a:r>
+              <a:rPr lang="en-US" altLang="zh-CN" dirty="0"/>
+              <a:t/>
+            </a:r>
             <a:br>
               <a:rPr lang="en-US" altLang="zh-CN" dirty="0"/>
             </a:br>

--- a/What is Python.pptx
+++ b/What is Python.pptx
@@ -5,7 +5,7 @@
     <p:sldMasterId id="2147483648" r:id="rId1"/>
   </p:sldMasterIdLst>
   <p:notesMasterIdLst>
-    <p:notesMasterId r:id="rId55"/>
+    <p:notesMasterId r:id="rId69"/>
   </p:notesMasterIdLst>
   <p:sldIdLst>
     <p:sldId id="256" r:id="rId2"/>
@@ -47,20 +47,34 @@
     <p:sldId id="302" r:id="rId38"/>
     <p:sldId id="303" r:id="rId39"/>
     <p:sldId id="304" r:id="rId40"/>
-    <p:sldId id="291" r:id="rId41"/>
-    <p:sldId id="292" r:id="rId42"/>
-    <p:sldId id="293" r:id="rId43"/>
-    <p:sldId id="294" r:id="rId44"/>
-    <p:sldId id="295" r:id="rId45"/>
-    <p:sldId id="296" r:id="rId46"/>
-    <p:sldId id="297" r:id="rId47"/>
-    <p:sldId id="298" r:id="rId48"/>
-    <p:sldId id="299" r:id="rId49"/>
-    <p:sldId id="300" r:id="rId50"/>
-    <p:sldId id="305" r:id="rId51"/>
-    <p:sldId id="306" r:id="rId52"/>
-    <p:sldId id="307" r:id="rId53"/>
-    <p:sldId id="308" r:id="rId54"/>
+    <p:sldId id="309" r:id="rId41"/>
+    <p:sldId id="291" r:id="rId42"/>
+    <p:sldId id="292" r:id="rId43"/>
+    <p:sldId id="293" r:id="rId44"/>
+    <p:sldId id="294" r:id="rId45"/>
+    <p:sldId id="295" r:id="rId46"/>
+    <p:sldId id="311" r:id="rId47"/>
+    <p:sldId id="312" r:id="rId48"/>
+    <p:sldId id="296" r:id="rId49"/>
+    <p:sldId id="297" r:id="rId50"/>
+    <p:sldId id="298" r:id="rId51"/>
+    <p:sldId id="299" r:id="rId52"/>
+    <p:sldId id="300" r:id="rId53"/>
+    <p:sldId id="305" r:id="rId54"/>
+    <p:sldId id="306" r:id="rId55"/>
+    <p:sldId id="307" r:id="rId56"/>
+    <p:sldId id="318" r:id="rId57"/>
+    <p:sldId id="319" r:id="rId58"/>
+    <p:sldId id="320" r:id="rId59"/>
+    <p:sldId id="313" r:id="rId60"/>
+    <p:sldId id="314" r:id="rId61"/>
+    <p:sldId id="315" r:id="rId62"/>
+    <p:sldId id="316" r:id="rId63"/>
+    <p:sldId id="317" r:id="rId64"/>
+    <p:sldId id="321" r:id="rId65"/>
+    <p:sldId id="322" r:id="rId66"/>
+    <p:sldId id="323" r:id="rId67"/>
+    <p:sldId id="308" r:id="rId68"/>
   </p:sldIdLst>
   <p:sldSz cx="9144000" cy="6858000" type="screen4x3"/>
   <p:notesSz cx="6858000" cy="9144000"/>
@@ -161,7 +175,7 @@
   </p:defaultTextStyle>
   <p:extLst>
     <p:ext uri="{EFAFB233-063F-42B5-8137-9DF3F51BA10A}">
-      <p15:sldGuideLst xmlns:p15="http://schemas.microsoft.com/office/powerpoint/2012/main" xmlns="">
+      <p15:sldGuideLst xmlns:p15="http://schemas.microsoft.com/office/powerpoint/2012/main">
         <p15:guide id="1" orient="horz" pos="2160">
           <p15:clr>
             <a:srgbClr val="A4A3A4"/>
@@ -176,6 +190,42 @@
     </p:ext>
   </p:extLst>
 </p:presentation>
+</file>
+
+<file path=ppt/changesInfos/changesInfo1.xml><?xml version="1.0" encoding="utf-8"?>
+<pc:chgInfo xmlns:a="http://schemas.openxmlformats.org/drawingml/2006/main" xmlns:r="http://schemas.openxmlformats.org/officeDocument/2006/relationships" xmlns:ac="http://schemas.microsoft.com/office/drawing/2013/main/command" xmlns:pc="http://schemas.microsoft.com/office/powerpoint/2013/main/command">
+  <pc:docChgLst>
+    <pc:chgData name="Sen Heng" userId="S::sen.heng@paddypowerbetfair.com::656a4608-62a3-4838-9e9e-73a4542380fc" providerId="AD" clId="Web-{5E55625F-10E3-444E-AEB5-4FDA7DE0BC6C}"/>
+    <pc:docChg chg="delSld modSld">
+      <pc:chgData name="Sen Heng" userId="S::sen.heng@paddypowerbetfair.com::656a4608-62a3-4838-9e9e-73a4542380fc" providerId="AD" clId="Web-{5E55625F-10E3-444E-AEB5-4FDA7DE0BC6C}" dt="2018-12-05T20:03:20.238" v="6" actId="20577"/>
+      <pc:docMkLst>
+        <pc:docMk/>
+      </pc:docMkLst>
+      <pc:sldChg chg="del">
+        <pc:chgData name="Sen Heng" userId="S::sen.heng@paddypowerbetfair.com::656a4608-62a3-4838-9e9e-73a4542380fc" providerId="AD" clId="Web-{5E55625F-10E3-444E-AEB5-4FDA7DE0BC6C}" dt="2018-12-05T20:00:27.223" v="0"/>
+        <pc:sldMkLst>
+          <pc:docMk/>
+          <pc:sldMk cId="2772229053" sldId="310"/>
+        </pc:sldMkLst>
+      </pc:sldChg>
+      <pc:sldChg chg="modSp">
+        <pc:chgData name="Sen Heng" userId="S::sen.heng@paddypowerbetfair.com::656a4608-62a3-4838-9e9e-73a4542380fc" providerId="AD" clId="Web-{5E55625F-10E3-444E-AEB5-4FDA7DE0BC6C}" dt="2018-12-05T20:03:20.238" v="5" actId="20577"/>
+        <pc:sldMkLst>
+          <pc:docMk/>
+          <pc:sldMk cId="655865920" sldId="312"/>
+        </pc:sldMkLst>
+        <pc:spChg chg="mod">
+          <ac:chgData name="Sen Heng" userId="S::sen.heng@paddypowerbetfair.com::656a4608-62a3-4838-9e9e-73a4542380fc" providerId="AD" clId="Web-{5E55625F-10E3-444E-AEB5-4FDA7DE0BC6C}" dt="2018-12-05T20:03:20.238" v="5" actId="20577"/>
+          <ac:spMkLst>
+            <pc:docMk/>
+            <pc:sldMk cId="655865920" sldId="312"/>
+            <ac:spMk id="3" creationId="{09252B3B-93C4-4BE8-ACFD-496993F032DB}"/>
+          </ac:spMkLst>
+        </pc:spChg>
+      </pc:sldChg>
+    </pc:docChg>
+  </pc:docChgLst>
+</pc:chgInfo>
 </file>
 
 <file path=ppt/notesMasters/notesMaster1.xml><?xml version="1.0" encoding="utf-8"?>
@@ -260,7 +310,7 @@
           <a:p>
             <a:fld id="{78A1ACCA-0670-4AB6-8808-B54F3B10A969}" type="datetimeFigureOut">
               <a:rPr lang="zh-CN" altLang="en-US" smtClean="0"/>
-              <a:t>2018/11/18</a:t>
+              <a:t>2018/12/20</a:t>
             </a:fld>
             <a:endParaRPr lang="zh-CN" altLang="en-US"/>
           </a:p>
@@ -790,7 +840,7 @@
           <a:p>
             <a:fld id="{B0CC54DC-89A8-4FF9-9ED8-F10BF8BEA781}" type="datetimeFigureOut">
               <a:rPr lang="zh-CN" altLang="en-US" smtClean="0"/>
-              <a:t>2018/11/18</a:t>
+              <a:t>2018/12/20</a:t>
             </a:fld>
             <a:endParaRPr lang="zh-CN" altLang="en-US"/>
           </a:p>
@@ -958,7 +1008,7 @@
           <a:p>
             <a:fld id="{B0CC54DC-89A8-4FF9-9ED8-F10BF8BEA781}" type="datetimeFigureOut">
               <a:rPr lang="zh-CN" altLang="en-US" smtClean="0"/>
-              <a:t>2018/11/18</a:t>
+              <a:t>2018/12/20</a:t>
             </a:fld>
             <a:endParaRPr lang="zh-CN" altLang="en-US"/>
           </a:p>
@@ -1136,7 +1186,7 @@
           <a:p>
             <a:fld id="{B0CC54DC-89A8-4FF9-9ED8-F10BF8BEA781}" type="datetimeFigureOut">
               <a:rPr lang="zh-CN" altLang="en-US" smtClean="0"/>
-              <a:t>2018/11/18</a:t>
+              <a:t>2018/12/20</a:t>
             </a:fld>
             <a:endParaRPr lang="zh-CN" altLang="en-US"/>
           </a:p>
@@ -1304,7 +1354,7 @@
           <a:p>
             <a:fld id="{B0CC54DC-89A8-4FF9-9ED8-F10BF8BEA781}" type="datetimeFigureOut">
               <a:rPr lang="zh-CN" altLang="en-US" smtClean="0"/>
-              <a:t>2018/11/18</a:t>
+              <a:t>2018/12/20</a:t>
             </a:fld>
             <a:endParaRPr lang="zh-CN" altLang="en-US"/>
           </a:p>
@@ -1549,7 +1599,7 @@
           <a:p>
             <a:fld id="{B0CC54DC-89A8-4FF9-9ED8-F10BF8BEA781}" type="datetimeFigureOut">
               <a:rPr lang="zh-CN" altLang="en-US" smtClean="0"/>
-              <a:t>2018/11/18</a:t>
+              <a:t>2018/12/20</a:t>
             </a:fld>
             <a:endParaRPr lang="zh-CN" altLang="en-US"/>
           </a:p>
@@ -1834,7 +1884,7 @@
           <a:p>
             <a:fld id="{B0CC54DC-89A8-4FF9-9ED8-F10BF8BEA781}" type="datetimeFigureOut">
               <a:rPr lang="zh-CN" altLang="en-US" smtClean="0"/>
-              <a:t>2018/11/18</a:t>
+              <a:t>2018/12/20</a:t>
             </a:fld>
             <a:endParaRPr lang="zh-CN" altLang="en-US"/>
           </a:p>
@@ -2253,7 +2303,7 @@
           <a:p>
             <a:fld id="{B0CC54DC-89A8-4FF9-9ED8-F10BF8BEA781}" type="datetimeFigureOut">
               <a:rPr lang="zh-CN" altLang="en-US" smtClean="0"/>
-              <a:t>2018/11/18</a:t>
+              <a:t>2018/12/20</a:t>
             </a:fld>
             <a:endParaRPr lang="zh-CN" altLang="en-US"/>
           </a:p>
@@ -2370,7 +2420,7 @@
           <a:p>
             <a:fld id="{B0CC54DC-89A8-4FF9-9ED8-F10BF8BEA781}" type="datetimeFigureOut">
               <a:rPr lang="zh-CN" altLang="en-US" smtClean="0"/>
-              <a:t>2018/11/18</a:t>
+              <a:t>2018/12/20</a:t>
             </a:fld>
             <a:endParaRPr lang="zh-CN" altLang="en-US"/>
           </a:p>
@@ -2465,7 +2515,7 @@
           <a:p>
             <a:fld id="{B0CC54DC-89A8-4FF9-9ED8-F10BF8BEA781}" type="datetimeFigureOut">
               <a:rPr lang="zh-CN" altLang="en-US" smtClean="0"/>
-              <a:t>2018/11/18</a:t>
+              <a:t>2018/12/20</a:t>
             </a:fld>
             <a:endParaRPr lang="zh-CN" altLang="en-US"/>
           </a:p>
@@ -2740,7 +2790,7 @@
           <a:p>
             <a:fld id="{B0CC54DC-89A8-4FF9-9ED8-F10BF8BEA781}" type="datetimeFigureOut">
               <a:rPr lang="zh-CN" altLang="en-US" smtClean="0"/>
-              <a:t>2018/11/18</a:t>
+              <a:t>2018/12/20</a:t>
             </a:fld>
             <a:endParaRPr lang="zh-CN" altLang="en-US"/>
           </a:p>
@@ -2992,7 +3042,7 @@
           <a:p>
             <a:fld id="{B0CC54DC-89A8-4FF9-9ED8-F10BF8BEA781}" type="datetimeFigureOut">
               <a:rPr lang="zh-CN" altLang="en-US" smtClean="0"/>
-              <a:t>2018/11/18</a:t>
+              <a:t>2018/12/20</a:t>
             </a:fld>
             <a:endParaRPr lang="zh-CN" altLang="en-US"/>
           </a:p>
@@ -3203,7 +3253,7 @@
           <a:p>
             <a:fld id="{B0CC54DC-89A8-4FF9-9ED8-F10BF8BEA781}" type="datetimeFigureOut">
               <a:rPr lang="zh-CN" altLang="en-US" smtClean="0"/>
-              <a:t>2018/11/18</a:t>
+              <a:t>2018/12/20</a:t>
             </a:fld>
             <a:endParaRPr lang="zh-CN" altLang="en-US"/>
           </a:p>
@@ -3651,14 +3701,6 @@
                 </a:solidFill>
               </a:rPr>
             </a:br>
-            <a:r>
-              <a:rPr lang="en-US" altLang="zh-CN" dirty="0">
-                <a:solidFill>
-                  <a:schemeClr val="tx1"/>
-                </a:solidFill>
-              </a:rPr>
-              <a:t/>
-            </a:r>
             <a:br>
               <a:rPr lang="en-US" altLang="zh-CN" dirty="0">
                 <a:solidFill>
@@ -4503,7 +4545,7 @@
           <p:cNvPr id="2" name="Title 1">
             <a:extLst>
               <a:ext uri="{FF2B5EF4-FFF2-40B4-BE49-F238E27FC236}">
-                <a16:creationId xmlns:a16="http://schemas.microsoft.com/office/drawing/2014/main" xmlns="" id="{5DF74792-A19C-400D-AA89-05C6D9291BB1}"/>
+                <a16:creationId xmlns:a16="http://schemas.microsoft.com/office/drawing/2014/main" id="{5DF74792-A19C-400D-AA89-05C6D9291BB1}"/>
               </a:ext>
             </a:extLst>
           </p:cNvPr>
@@ -4532,7 +4574,7 @@
           <p:cNvPr id="3" name="Content Placeholder 2">
             <a:extLst>
               <a:ext uri="{FF2B5EF4-FFF2-40B4-BE49-F238E27FC236}">
-                <a16:creationId xmlns:a16="http://schemas.microsoft.com/office/drawing/2014/main" xmlns="" id="{90DA33D6-F68D-4967-95F4-F8971F532915}"/>
+                <a16:creationId xmlns:a16="http://schemas.microsoft.com/office/drawing/2014/main" id="{90DA33D6-F68D-4967-95F4-F8971F532915}"/>
               </a:ext>
             </a:extLst>
           </p:cNvPr>
@@ -4644,7 +4686,7 @@
           <p:cNvPr id="2" name="Title 1">
             <a:extLst>
               <a:ext uri="{FF2B5EF4-FFF2-40B4-BE49-F238E27FC236}">
-                <a16:creationId xmlns:a16="http://schemas.microsoft.com/office/drawing/2014/main" xmlns="" id="{1CC9C312-69AF-45FD-A0A0-CCCB871C1FE5}"/>
+                <a16:creationId xmlns:a16="http://schemas.microsoft.com/office/drawing/2014/main" id="{1CC9C312-69AF-45FD-A0A0-CCCB871C1FE5}"/>
               </a:ext>
             </a:extLst>
           </p:cNvPr>
@@ -4673,7 +4715,7 @@
           <p:cNvPr id="3" name="Content Placeholder 2">
             <a:extLst>
               <a:ext uri="{FF2B5EF4-FFF2-40B4-BE49-F238E27FC236}">
-                <a16:creationId xmlns:a16="http://schemas.microsoft.com/office/drawing/2014/main" xmlns="" id="{CA1BD2F2-CA64-4AC4-9CEF-D3C9F79D5685}"/>
+                <a16:creationId xmlns:a16="http://schemas.microsoft.com/office/drawing/2014/main" id="{CA1BD2F2-CA64-4AC4-9CEF-D3C9F79D5685}"/>
               </a:ext>
             </a:extLst>
           </p:cNvPr>
@@ -4812,7 +4854,7 @@
           <p:cNvPr id="2" name="Title 1">
             <a:extLst>
               <a:ext uri="{FF2B5EF4-FFF2-40B4-BE49-F238E27FC236}">
-                <a16:creationId xmlns:a16="http://schemas.microsoft.com/office/drawing/2014/main" xmlns="" id="{C3CEB4BB-F58C-44F0-A48F-32B308F30E1B}"/>
+                <a16:creationId xmlns:a16="http://schemas.microsoft.com/office/drawing/2014/main" id="{C3CEB4BB-F58C-44F0-A48F-32B308F30E1B}"/>
               </a:ext>
             </a:extLst>
           </p:cNvPr>
@@ -4841,7 +4883,7 @@
           <p:cNvPr id="3" name="Content Placeholder 2">
             <a:extLst>
               <a:ext uri="{FF2B5EF4-FFF2-40B4-BE49-F238E27FC236}">
-                <a16:creationId xmlns:a16="http://schemas.microsoft.com/office/drawing/2014/main" xmlns="" id="{2E58313B-2D12-4ABF-96B3-A226EEFFBF09}"/>
+                <a16:creationId xmlns:a16="http://schemas.microsoft.com/office/drawing/2014/main" id="{2E58313B-2D12-4ABF-96B3-A226EEFFBF09}"/>
               </a:ext>
             </a:extLst>
           </p:cNvPr>
@@ -4957,7 +4999,7 @@
           <p:cNvPr id="2" name="Title 1">
             <a:extLst>
               <a:ext uri="{FF2B5EF4-FFF2-40B4-BE49-F238E27FC236}">
-                <a16:creationId xmlns:a16="http://schemas.microsoft.com/office/drawing/2014/main" xmlns="" id="{3662B262-6BB7-4036-AE91-B6FDD7BBEEAA}"/>
+                <a16:creationId xmlns:a16="http://schemas.microsoft.com/office/drawing/2014/main" id="{3662B262-6BB7-4036-AE91-B6FDD7BBEEAA}"/>
               </a:ext>
             </a:extLst>
           </p:cNvPr>
@@ -4986,7 +5028,7 @@
           <p:cNvPr id="3" name="Content Placeholder 2">
             <a:extLst>
               <a:ext uri="{FF2B5EF4-FFF2-40B4-BE49-F238E27FC236}">
-                <a16:creationId xmlns:a16="http://schemas.microsoft.com/office/drawing/2014/main" xmlns="" id="{EDA4155B-0B0C-4A1C-A961-DA202C2ED221}"/>
+                <a16:creationId xmlns:a16="http://schemas.microsoft.com/office/drawing/2014/main" id="{EDA4155B-0B0C-4A1C-A961-DA202C2ED221}"/>
               </a:ext>
             </a:extLst>
           </p:cNvPr>
@@ -5224,7 +5266,7 @@
           <p:cNvPr id="2" name="Title 1">
             <a:extLst>
               <a:ext uri="{FF2B5EF4-FFF2-40B4-BE49-F238E27FC236}">
-                <a16:creationId xmlns:a16="http://schemas.microsoft.com/office/drawing/2014/main" xmlns="" id="{8EF783C9-48F8-4F28-BD8C-24F565567931}"/>
+                <a16:creationId xmlns:a16="http://schemas.microsoft.com/office/drawing/2014/main" id="{8EF783C9-48F8-4F28-BD8C-24F565567931}"/>
               </a:ext>
             </a:extLst>
           </p:cNvPr>
@@ -5253,7 +5295,7 @@
           <p:cNvPr id="3" name="Content Placeholder 2">
             <a:extLst>
               <a:ext uri="{FF2B5EF4-FFF2-40B4-BE49-F238E27FC236}">
-                <a16:creationId xmlns:a16="http://schemas.microsoft.com/office/drawing/2014/main" xmlns="" id="{DB33174B-7AD3-4347-A5FD-100A61FD20CB}"/>
+                <a16:creationId xmlns:a16="http://schemas.microsoft.com/office/drawing/2014/main" id="{DB33174B-7AD3-4347-A5FD-100A61FD20CB}"/>
               </a:ext>
             </a:extLst>
           </p:cNvPr>
@@ -5365,7 +5407,7 @@
           <p:cNvPr id="2" name="Title 1">
             <a:extLst>
               <a:ext uri="{FF2B5EF4-FFF2-40B4-BE49-F238E27FC236}">
-                <a16:creationId xmlns:a16="http://schemas.microsoft.com/office/drawing/2014/main" xmlns="" id="{F1EFD85B-6594-451A-8941-8CF7A08AE5F5}"/>
+                <a16:creationId xmlns:a16="http://schemas.microsoft.com/office/drawing/2014/main" id="{F1EFD85B-6594-451A-8941-8CF7A08AE5F5}"/>
               </a:ext>
             </a:extLst>
           </p:cNvPr>
@@ -5394,7 +5436,7 @@
           <p:cNvPr id="3" name="Content Placeholder 2">
             <a:extLst>
               <a:ext uri="{FF2B5EF4-FFF2-40B4-BE49-F238E27FC236}">
-                <a16:creationId xmlns:a16="http://schemas.microsoft.com/office/drawing/2014/main" xmlns="" id="{11768B79-F38A-4CCC-9AC2-DCDB7950A6AA}"/>
+                <a16:creationId xmlns:a16="http://schemas.microsoft.com/office/drawing/2014/main" id="{11768B79-F38A-4CCC-9AC2-DCDB7950A6AA}"/>
               </a:ext>
             </a:extLst>
           </p:cNvPr>
@@ -5536,7 +5578,7 @@
           <p:cNvPr id="2" name="Title 1">
             <a:extLst>
               <a:ext uri="{FF2B5EF4-FFF2-40B4-BE49-F238E27FC236}">
-                <a16:creationId xmlns:a16="http://schemas.microsoft.com/office/drawing/2014/main" xmlns="" id="{16ABCC5B-611C-4E84-AB42-FE67943BF513}"/>
+                <a16:creationId xmlns:a16="http://schemas.microsoft.com/office/drawing/2014/main" id="{16ABCC5B-611C-4E84-AB42-FE67943BF513}"/>
               </a:ext>
             </a:extLst>
           </p:cNvPr>
@@ -5565,7 +5607,7 @@
           <p:cNvPr id="3" name="Content Placeholder 2">
             <a:extLst>
               <a:ext uri="{FF2B5EF4-FFF2-40B4-BE49-F238E27FC236}">
-                <a16:creationId xmlns:a16="http://schemas.microsoft.com/office/drawing/2014/main" xmlns="" id="{BA44EF3D-840C-445B-BE5A-79679F26DD41}"/>
+                <a16:creationId xmlns:a16="http://schemas.microsoft.com/office/drawing/2014/main" id="{BA44EF3D-840C-445B-BE5A-79679F26DD41}"/>
               </a:ext>
             </a:extLst>
           </p:cNvPr>
@@ -5652,10 +5694,6 @@
             <a:r>
               <a:rPr lang="en-US" b="1" dirty="0"/>
               <a:t>else:</a:t>
-            </a:r>
-            <a:r>
-              <a:rPr lang="en-US" dirty="0"/>
-              <a:t/>
             </a:r>
             <a:br>
               <a:rPr lang="en-US" dirty="0"/>
@@ -5703,7 +5741,7 @@
           <p:cNvPr id="2" name="Title 1">
             <a:extLst>
               <a:ext uri="{FF2B5EF4-FFF2-40B4-BE49-F238E27FC236}">
-                <a16:creationId xmlns:a16="http://schemas.microsoft.com/office/drawing/2014/main" xmlns="" id="{D45A8502-0DD5-4CC9-ACEC-2090074AE4EC}"/>
+                <a16:creationId xmlns:a16="http://schemas.microsoft.com/office/drawing/2014/main" id="{D45A8502-0DD5-4CC9-ACEC-2090074AE4EC}"/>
               </a:ext>
             </a:extLst>
           </p:cNvPr>
@@ -5732,7 +5770,7 @@
           <p:cNvPr id="3" name="Content Placeholder 2">
             <a:extLst>
               <a:ext uri="{FF2B5EF4-FFF2-40B4-BE49-F238E27FC236}">
-                <a16:creationId xmlns:a16="http://schemas.microsoft.com/office/drawing/2014/main" xmlns="" id="{FB905481-2D47-43BA-BECE-B960AF5A35D6}"/>
+                <a16:creationId xmlns:a16="http://schemas.microsoft.com/office/drawing/2014/main" id="{FB905481-2D47-43BA-BECE-B960AF5A35D6}"/>
               </a:ext>
             </a:extLst>
           </p:cNvPr>
@@ -5911,7 +5949,7 @@
           <p:cNvPr id="2" name="Title 1">
             <a:extLst>
               <a:ext uri="{FF2B5EF4-FFF2-40B4-BE49-F238E27FC236}">
-                <a16:creationId xmlns:a16="http://schemas.microsoft.com/office/drawing/2014/main" xmlns="" id="{EAB568C5-0809-4E54-A36C-43388F6A8E21}"/>
+                <a16:creationId xmlns:a16="http://schemas.microsoft.com/office/drawing/2014/main" id="{EAB568C5-0809-4E54-A36C-43388F6A8E21}"/>
               </a:ext>
             </a:extLst>
           </p:cNvPr>
@@ -5944,7 +5982,7 @@
           <p:cNvPr id="3" name="Content Placeholder 2">
             <a:extLst>
               <a:ext uri="{FF2B5EF4-FFF2-40B4-BE49-F238E27FC236}">
-                <a16:creationId xmlns:a16="http://schemas.microsoft.com/office/drawing/2014/main" xmlns="" id="{BA08DEEC-056A-4314-A4EF-2365B487350A}"/>
+                <a16:creationId xmlns:a16="http://schemas.microsoft.com/office/drawing/2014/main" id="{BA08DEEC-056A-4314-A4EF-2365B487350A}"/>
               </a:ext>
             </a:extLst>
           </p:cNvPr>
@@ -6193,7 +6231,7 @@
           <p:cNvPr id="2" name="Title 1">
             <a:extLst>
               <a:ext uri="{FF2B5EF4-FFF2-40B4-BE49-F238E27FC236}">
-                <a16:creationId xmlns:a16="http://schemas.microsoft.com/office/drawing/2014/main" xmlns="" id="{9A35D746-9482-4489-810A-BE7367C72E02}"/>
+                <a16:creationId xmlns:a16="http://schemas.microsoft.com/office/drawing/2014/main" id="{9A35D746-9482-4489-810A-BE7367C72E02}"/>
               </a:ext>
             </a:extLst>
           </p:cNvPr>
@@ -6222,7 +6260,7 @@
           <p:cNvPr id="3" name="Content Placeholder 2">
             <a:extLst>
               <a:ext uri="{FF2B5EF4-FFF2-40B4-BE49-F238E27FC236}">
-                <a16:creationId xmlns:a16="http://schemas.microsoft.com/office/drawing/2014/main" xmlns="" id="{81BF39C5-91A0-4232-BD7B-14DC53BC1C6D}"/>
+                <a16:creationId xmlns:a16="http://schemas.microsoft.com/office/drawing/2014/main" id="{81BF39C5-91A0-4232-BD7B-14DC53BC1C6D}"/>
               </a:ext>
             </a:extLst>
           </p:cNvPr>
@@ -6446,7 +6484,7 @@
           <p:cNvPr id="2" name="Title 1">
             <a:extLst>
               <a:ext uri="{FF2B5EF4-FFF2-40B4-BE49-F238E27FC236}">
-                <a16:creationId xmlns:a16="http://schemas.microsoft.com/office/drawing/2014/main" xmlns="" id="{78FE4648-AE6F-4D78-B5F8-82AB43894CA9}"/>
+                <a16:creationId xmlns:a16="http://schemas.microsoft.com/office/drawing/2014/main" id="{78FE4648-AE6F-4D78-B5F8-82AB43894CA9}"/>
               </a:ext>
             </a:extLst>
           </p:cNvPr>
@@ -6475,7 +6513,7 @@
           <p:cNvPr id="3" name="Content Placeholder 2">
             <a:extLst>
               <a:ext uri="{FF2B5EF4-FFF2-40B4-BE49-F238E27FC236}">
-                <a16:creationId xmlns:a16="http://schemas.microsoft.com/office/drawing/2014/main" xmlns="" id="{50E3EDB1-59C1-4FCC-87C3-C4C5320DA213}"/>
+                <a16:creationId xmlns:a16="http://schemas.microsoft.com/office/drawing/2014/main" id="{50E3EDB1-59C1-4FCC-87C3-C4C5320DA213}"/>
               </a:ext>
             </a:extLst>
           </p:cNvPr>
@@ -6600,10 +6638,6 @@
               <a:rPr lang="en-IE" b="1" dirty="0"/>
               <a:t>:</a:t>
             </a:r>
-            <a:r>
-              <a:rPr lang="en-IE" dirty="0"/>
-              <a:t/>
-            </a:r>
             <a:br>
               <a:rPr lang="en-IE" dirty="0"/>
             </a:br>
@@ -6645,10 +6679,6 @@
             <a:br>
               <a:rPr lang="en-IE" dirty="0"/>
             </a:br>
-            <a:r>
-              <a:rPr lang="en-IE" dirty="0"/>
-              <a:t/>
-            </a:r>
             <a:br>
               <a:rPr lang="en-IE" dirty="0"/>
             </a:br>
@@ -6694,7 +6724,7 @@
           <p:cNvPr id="2" name="Title 1">
             <a:extLst>
               <a:ext uri="{FF2B5EF4-FFF2-40B4-BE49-F238E27FC236}">
-                <a16:creationId xmlns:a16="http://schemas.microsoft.com/office/drawing/2014/main" xmlns="" id="{883B42CB-7445-419A-A61B-7F062E077AFE}"/>
+                <a16:creationId xmlns:a16="http://schemas.microsoft.com/office/drawing/2014/main" id="{883B42CB-7445-419A-A61B-7F062E077AFE}"/>
               </a:ext>
             </a:extLst>
           </p:cNvPr>
@@ -6723,7 +6753,7 @@
           <p:cNvPr id="3" name="Content Placeholder 2">
             <a:extLst>
               <a:ext uri="{FF2B5EF4-FFF2-40B4-BE49-F238E27FC236}">
-                <a16:creationId xmlns:a16="http://schemas.microsoft.com/office/drawing/2014/main" xmlns="" id="{70476B5A-0897-48B3-80C3-941242279C6B}"/>
+                <a16:creationId xmlns:a16="http://schemas.microsoft.com/office/drawing/2014/main" id="{70476B5A-0897-48B3-80C3-941242279C6B}"/>
               </a:ext>
             </a:extLst>
           </p:cNvPr>
@@ -6929,7 +6959,7 @@
           <p:cNvPr id="2" name="Title 1">
             <a:extLst>
               <a:ext uri="{FF2B5EF4-FFF2-40B4-BE49-F238E27FC236}">
-                <a16:creationId xmlns:a16="http://schemas.microsoft.com/office/drawing/2014/main" xmlns="" id="{3D44F017-6C05-4038-9E46-EA736C0A9B2D}"/>
+                <a16:creationId xmlns:a16="http://schemas.microsoft.com/office/drawing/2014/main" id="{3D44F017-6C05-4038-9E46-EA736C0A9B2D}"/>
               </a:ext>
             </a:extLst>
           </p:cNvPr>
@@ -6963,7 +6993,7 @@
           <p:cNvPr id="3" name="Content Placeholder 2">
             <a:extLst>
               <a:ext uri="{FF2B5EF4-FFF2-40B4-BE49-F238E27FC236}">
-                <a16:creationId xmlns:a16="http://schemas.microsoft.com/office/drawing/2014/main" xmlns="" id="{7F9DF4A1-B4B9-49A1-AACD-8BA263C14B31}"/>
+                <a16:creationId xmlns:a16="http://schemas.microsoft.com/office/drawing/2014/main" id="{7F9DF4A1-B4B9-49A1-AACD-8BA263C14B31}"/>
               </a:ext>
             </a:extLst>
           </p:cNvPr>
@@ -7202,7 +7232,7 @@
           <p:cNvPr id="2" name="Title 1">
             <a:extLst>
               <a:ext uri="{FF2B5EF4-FFF2-40B4-BE49-F238E27FC236}">
-                <a16:creationId xmlns:a16="http://schemas.microsoft.com/office/drawing/2014/main" xmlns="" id="{08C64DD6-B039-4691-8EA3-84BC05CF6CB2}"/>
+                <a16:creationId xmlns:a16="http://schemas.microsoft.com/office/drawing/2014/main" id="{08C64DD6-B039-4691-8EA3-84BC05CF6CB2}"/>
               </a:ext>
             </a:extLst>
           </p:cNvPr>
@@ -7231,7 +7261,7 @@
           <p:cNvPr id="3" name="Content Placeholder 2">
             <a:extLst>
               <a:ext uri="{FF2B5EF4-FFF2-40B4-BE49-F238E27FC236}">
-                <a16:creationId xmlns:a16="http://schemas.microsoft.com/office/drawing/2014/main" xmlns="" id="{70D85980-80EF-4CEB-AB40-0203AD64ED8E}"/>
+                <a16:creationId xmlns:a16="http://schemas.microsoft.com/office/drawing/2014/main" id="{70D85980-80EF-4CEB-AB40-0203AD64ED8E}"/>
               </a:ext>
             </a:extLst>
           </p:cNvPr>
@@ -7296,31 +7326,19 @@
               <a:rPr lang="en-US" dirty="0"/>
               <a:t>words = ["Hello", "world", "!"]</a:t>
             </a:r>
-            <a:r>
+            <a:br>
               <a:rPr lang="en-US" sz="2400" dirty="0"/>
-              <a:t/>
+            </a:br>
+            <a:r>
+              <a:rPr lang="en-US" dirty="0"/>
+              <a:t>print(words[0])</a:t>
             </a:r>
             <a:br>
               <a:rPr lang="en-US" sz="2400" dirty="0"/>
             </a:br>
             <a:r>
               <a:rPr lang="en-US" dirty="0"/>
-              <a:t>print(words[0])</a:t>
-            </a:r>
-            <a:r>
-              <a:rPr lang="en-US" sz="2400" dirty="0"/>
-              <a:t/>
-            </a:r>
-            <a:br>
-              <a:rPr lang="en-US" sz="2400" dirty="0"/>
-            </a:br>
-            <a:r>
-              <a:rPr lang="en-US" dirty="0"/>
               <a:t>print(words[1])</a:t>
-            </a:r>
-            <a:r>
-              <a:rPr lang="en-US" sz="2400" dirty="0"/>
-              <a:t/>
             </a:r>
             <a:br>
               <a:rPr lang="en-US" sz="2400" dirty="0"/>
@@ -7451,20 +7469,12 @@
               <a:rPr lang="en-US" altLang="zh-CN" dirty="0"/>
               <a:t>    14</a:t>
             </a:r>
-            <a:r>
-              <a:rPr lang="zh-CN" altLang="en-US" dirty="0"/>
-              <a:t/>
-            </a:r>
             <a:br>
               <a:rPr lang="zh-CN" altLang="en-US" dirty="0"/>
             </a:br>
             <a:r>
               <a:rPr lang="en-US" altLang="zh-CN" dirty="0"/>
               <a:t>    print ( 10 / 2)</a:t>
-            </a:r>
-            <a:r>
-              <a:rPr lang="zh-CN" altLang="en-US" dirty="0"/>
-              <a:t/>
             </a:r>
             <a:br>
               <a:rPr lang="zh-CN" altLang="en-US" dirty="0"/>
@@ -7543,7 +7553,7 @@
           <p:cNvPr id="2" name="Title 1">
             <a:extLst>
               <a:ext uri="{FF2B5EF4-FFF2-40B4-BE49-F238E27FC236}">
-                <a16:creationId xmlns:a16="http://schemas.microsoft.com/office/drawing/2014/main" xmlns="" id="{9226891E-C1FF-4831-9E1A-5C64C31B1775}"/>
+                <a16:creationId xmlns:a16="http://schemas.microsoft.com/office/drawing/2014/main" id="{9226891E-C1FF-4831-9E1A-5C64C31B1775}"/>
               </a:ext>
             </a:extLst>
           </p:cNvPr>
@@ -7577,7 +7587,7 @@
           <p:cNvPr id="3" name="Content Placeholder 2">
             <a:extLst>
               <a:ext uri="{FF2B5EF4-FFF2-40B4-BE49-F238E27FC236}">
-                <a16:creationId xmlns:a16="http://schemas.microsoft.com/office/drawing/2014/main" xmlns="" id="{DB8B01FD-8ACE-4EE4-AF85-1E5B5926539A}"/>
+                <a16:creationId xmlns:a16="http://schemas.microsoft.com/office/drawing/2014/main" id="{DB8B01FD-8ACE-4EE4-AF85-1E5B5926539A}"/>
               </a:ext>
             </a:extLst>
           </p:cNvPr>
@@ -7700,7 +7710,7 @@
           <p:cNvPr id="2" name="Title 1">
             <a:extLst>
               <a:ext uri="{FF2B5EF4-FFF2-40B4-BE49-F238E27FC236}">
-                <a16:creationId xmlns:a16="http://schemas.microsoft.com/office/drawing/2014/main" xmlns="" id="{1987D919-CD45-4754-B30D-51AED3336D07}"/>
+                <a16:creationId xmlns:a16="http://schemas.microsoft.com/office/drawing/2014/main" id="{1987D919-CD45-4754-B30D-51AED3336D07}"/>
               </a:ext>
             </a:extLst>
           </p:cNvPr>
@@ -7736,7 +7746,7 @@
           <p:cNvPr id="3" name="Content Placeholder 2">
             <a:extLst>
               <a:ext uri="{FF2B5EF4-FFF2-40B4-BE49-F238E27FC236}">
-                <a16:creationId xmlns:a16="http://schemas.microsoft.com/office/drawing/2014/main" xmlns="" id="{A039E961-7297-4C8C-B5EE-380309383569}"/>
+                <a16:creationId xmlns:a16="http://schemas.microsoft.com/office/drawing/2014/main" id="{A039E961-7297-4C8C-B5EE-380309383569}"/>
               </a:ext>
             </a:extLst>
           </p:cNvPr>
@@ -7863,7 +7873,7 @@
           <p:cNvPr id="2" name="Title 1">
             <a:extLst>
               <a:ext uri="{FF2B5EF4-FFF2-40B4-BE49-F238E27FC236}">
-                <a16:creationId xmlns:a16="http://schemas.microsoft.com/office/drawing/2014/main" xmlns="" id="{966DA94C-4311-474C-92B1-D9F2A89A191A}"/>
+                <a16:creationId xmlns:a16="http://schemas.microsoft.com/office/drawing/2014/main" id="{966DA94C-4311-474C-92B1-D9F2A89A191A}"/>
               </a:ext>
             </a:extLst>
           </p:cNvPr>
@@ -7892,7 +7902,7 @@
           <p:cNvPr id="3" name="Content Placeholder 2">
             <a:extLst>
               <a:ext uri="{FF2B5EF4-FFF2-40B4-BE49-F238E27FC236}">
-                <a16:creationId xmlns:a16="http://schemas.microsoft.com/office/drawing/2014/main" xmlns="" id="{7A210E57-EEDD-470E-ADD7-125D304F10FA}"/>
+                <a16:creationId xmlns:a16="http://schemas.microsoft.com/office/drawing/2014/main" id="{7A210E57-EEDD-470E-ADD7-125D304F10FA}"/>
               </a:ext>
             </a:extLst>
           </p:cNvPr>
@@ -8039,7 +8049,7 @@
           <p:cNvPr id="2" name="Title 1">
             <a:extLst>
               <a:ext uri="{FF2B5EF4-FFF2-40B4-BE49-F238E27FC236}">
-                <a16:creationId xmlns:a16="http://schemas.microsoft.com/office/drawing/2014/main" xmlns="" id="{ACB581C3-8D84-47BC-A39D-30330786D912}"/>
+                <a16:creationId xmlns:a16="http://schemas.microsoft.com/office/drawing/2014/main" id="{ACB581C3-8D84-47BC-A39D-30330786D912}"/>
               </a:ext>
             </a:extLst>
           </p:cNvPr>
@@ -8073,7 +8083,7 @@
           <p:cNvPr id="3" name="Content Placeholder 2">
             <a:extLst>
               <a:ext uri="{FF2B5EF4-FFF2-40B4-BE49-F238E27FC236}">
-                <a16:creationId xmlns:a16="http://schemas.microsoft.com/office/drawing/2014/main" xmlns="" id="{F6DA342E-A241-471B-B74D-2004E2CA09B8}"/>
+                <a16:creationId xmlns:a16="http://schemas.microsoft.com/office/drawing/2014/main" id="{F6DA342E-A241-471B-B74D-2004E2CA09B8}"/>
               </a:ext>
             </a:extLst>
           </p:cNvPr>
@@ -8319,7 +8329,7 @@
           <p:cNvPr id="2" name="Title 1">
             <a:extLst>
               <a:ext uri="{FF2B5EF4-FFF2-40B4-BE49-F238E27FC236}">
-                <a16:creationId xmlns:a16="http://schemas.microsoft.com/office/drawing/2014/main" xmlns="" id="{2D7085AA-1A3F-4E87-B43A-47783AE6C9F5}"/>
+                <a16:creationId xmlns:a16="http://schemas.microsoft.com/office/drawing/2014/main" id="{2D7085AA-1A3F-4E87-B43A-47783AE6C9F5}"/>
               </a:ext>
             </a:extLst>
           </p:cNvPr>
@@ -8353,7 +8363,7 @@
           <p:cNvPr id="3" name="Content Placeholder 2">
             <a:extLst>
               <a:ext uri="{FF2B5EF4-FFF2-40B4-BE49-F238E27FC236}">
-                <a16:creationId xmlns:a16="http://schemas.microsoft.com/office/drawing/2014/main" xmlns="" id="{967A5C71-9AE3-4699-A1BD-DA4073241DA5}"/>
+                <a16:creationId xmlns:a16="http://schemas.microsoft.com/office/drawing/2014/main" id="{967A5C71-9AE3-4699-A1BD-DA4073241DA5}"/>
               </a:ext>
             </a:extLst>
           </p:cNvPr>
@@ -8529,7 +8539,7 @@
           <p:cNvPr id="2" name="Title 1">
             <a:extLst>
               <a:ext uri="{FF2B5EF4-FFF2-40B4-BE49-F238E27FC236}">
-                <a16:creationId xmlns:a16="http://schemas.microsoft.com/office/drawing/2014/main" xmlns="" id="{ED7492E1-6E5C-4D39-9598-0C54B263A2CF}"/>
+                <a16:creationId xmlns:a16="http://schemas.microsoft.com/office/drawing/2014/main" id="{ED7492E1-6E5C-4D39-9598-0C54B263A2CF}"/>
               </a:ext>
             </a:extLst>
           </p:cNvPr>
@@ -8565,7 +8575,7 @@
           <p:cNvPr id="3" name="Content Placeholder 2">
             <a:extLst>
               <a:ext uri="{FF2B5EF4-FFF2-40B4-BE49-F238E27FC236}">
-                <a16:creationId xmlns:a16="http://schemas.microsoft.com/office/drawing/2014/main" xmlns="" id="{A201F562-8E17-4F05-B845-DCC527ED99C9}"/>
+                <a16:creationId xmlns:a16="http://schemas.microsoft.com/office/drawing/2014/main" id="{A201F562-8E17-4F05-B845-DCC527ED99C9}"/>
               </a:ext>
             </a:extLst>
           </p:cNvPr>
@@ -8758,7 +8768,7 @@
           <p:cNvPr id="2" name="Title 1">
             <a:extLst>
               <a:ext uri="{FF2B5EF4-FFF2-40B4-BE49-F238E27FC236}">
-                <a16:creationId xmlns:a16="http://schemas.microsoft.com/office/drawing/2014/main" xmlns="" id="{73EB5DE2-242E-4073-ABE1-10E062357D1F}"/>
+                <a16:creationId xmlns:a16="http://schemas.microsoft.com/office/drawing/2014/main" id="{73EB5DE2-242E-4073-ABE1-10E062357D1F}"/>
               </a:ext>
             </a:extLst>
           </p:cNvPr>
@@ -8791,7 +8801,7 @@
           <p:cNvPr id="3" name="Content Placeholder 2">
             <a:extLst>
               <a:ext uri="{FF2B5EF4-FFF2-40B4-BE49-F238E27FC236}">
-                <a16:creationId xmlns:a16="http://schemas.microsoft.com/office/drawing/2014/main" xmlns="" id="{C4830E13-488F-49F6-9AB7-86A28BAADAF2}"/>
+                <a16:creationId xmlns:a16="http://schemas.microsoft.com/office/drawing/2014/main" id="{C4830E13-488F-49F6-9AB7-86A28BAADAF2}"/>
               </a:ext>
             </a:extLst>
           </p:cNvPr>
@@ -8921,7 +8931,7 @@
           <p:cNvPr id="2" name="Title 1">
             <a:extLst>
               <a:ext uri="{FF2B5EF4-FFF2-40B4-BE49-F238E27FC236}">
-                <a16:creationId xmlns:a16="http://schemas.microsoft.com/office/drawing/2014/main" xmlns="" id="{CA9C9B06-6BBE-40C9-8295-2ABA22CCC2E2}"/>
+                <a16:creationId xmlns:a16="http://schemas.microsoft.com/office/drawing/2014/main" id="{CA9C9B06-6BBE-40C9-8295-2ABA22CCC2E2}"/>
               </a:ext>
             </a:extLst>
           </p:cNvPr>
@@ -8956,7 +8966,7 @@
           <p:cNvPr id="3" name="Content Placeholder 2">
             <a:extLst>
               <a:ext uri="{FF2B5EF4-FFF2-40B4-BE49-F238E27FC236}">
-                <a16:creationId xmlns:a16="http://schemas.microsoft.com/office/drawing/2014/main" xmlns="" id="{CF54C422-6565-4680-B4A8-BCEEFEFD2080}"/>
+                <a16:creationId xmlns:a16="http://schemas.microsoft.com/office/drawing/2014/main" id="{CF54C422-6565-4680-B4A8-BCEEFEFD2080}"/>
               </a:ext>
             </a:extLst>
           </p:cNvPr>
@@ -9027,10 +9037,6 @@
             <a:br>
               <a:rPr lang="en-US" dirty="0"/>
             </a:br>
-            <a:r>
-              <a:rPr lang="en-US" dirty="0"/>
-              <a:t/>
-            </a:r>
             <a:br>
               <a:rPr lang="en-US" dirty="0"/>
             </a:br>
@@ -9084,7 +9090,7 @@
           <p:cNvPr id="2" name="Title 1">
             <a:extLst>
               <a:ext uri="{FF2B5EF4-FFF2-40B4-BE49-F238E27FC236}">
-                <a16:creationId xmlns:a16="http://schemas.microsoft.com/office/drawing/2014/main" xmlns="" id="{8D34C9E9-C22C-46D1-A93C-C5282DF5749D}"/>
+                <a16:creationId xmlns:a16="http://schemas.microsoft.com/office/drawing/2014/main" id="{8D34C9E9-C22C-46D1-A93C-C5282DF5749D}"/>
               </a:ext>
             </a:extLst>
           </p:cNvPr>
@@ -9119,7 +9125,7 @@
           <p:cNvPr id="3" name="Content Placeholder 2">
             <a:extLst>
               <a:ext uri="{FF2B5EF4-FFF2-40B4-BE49-F238E27FC236}">
-                <a16:creationId xmlns:a16="http://schemas.microsoft.com/office/drawing/2014/main" xmlns="" id="{CD110E9C-5468-458C-BA7E-7F38D8F8C73E}"/>
+                <a16:creationId xmlns:a16="http://schemas.microsoft.com/office/drawing/2014/main" id="{CD110E9C-5468-458C-BA7E-7F38D8F8C73E}"/>
               </a:ext>
             </a:extLst>
           </p:cNvPr>
@@ -9281,7 +9287,7 @@
           <p:cNvPr id="2" name="Title 1">
             <a:extLst>
               <a:ext uri="{FF2B5EF4-FFF2-40B4-BE49-F238E27FC236}">
-                <a16:creationId xmlns:a16="http://schemas.microsoft.com/office/drawing/2014/main" xmlns="" id="{9D08E7A6-88A8-4D8B-A785-E7D235FB4D3C}"/>
+                <a16:creationId xmlns:a16="http://schemas.microsoft.com/office/drawing/2014/main" id="{9D08E7A6-88A8-4D8B-A785-E7D235FB4D3C}"/>
               </a:ext>
             </a:extLst>
           </p:cNvPr>
@@ -9314,7 +9320,7 @@
           <p:cNvPr id="3" name="Content Placeholder 2">
             <a:extLst>
               <a:ext uri="{FF2B5EF4-FFF2-40B4-BE49-F238E27FC236}">
-                <a16:creationId xmlns:a16="http://schemas.microsoft.com/office/drawing/2014/main" xmlns="" id="{0BF75DAF-6849-48BA-8963-E5E495576CC2}"/>
+                <a16:creationId xmlns:a16="http://schemas.microsoft.com/office/drawing/2014/main" id="{0BF75DAF-6849-48BA-8963-E5E495576CC2}"/>
               </a:ext>
             </a:extLst>
           </p:cNvPr>
@@ -9660,13 +9666,7 @@
       </p:grpSpPr>
       <p:sp>
         <p:nvSpPr>
-          <p:cNvPr id="2" name="Title 1">
-            <a:extLst>
-              <a:ext uri="{FF2B5EF4-FFF2-40B4-BE49-F238E27FC236}">
-                <a16:creationId xmlns:a16="http://schemas.microsoft.com/office/drawing/2014/main" xmlns="" id="{67AA01BE-A94D-499B-9585-E4873B7BC331}"/>
-              </a:ext>
-            </a:extLst>
-          </p:cNvPr>
+          <p:cNvPr id="2" name="标题 1"/>
           <p:cNvSpPr>
             <a:spLocks noGrp="1"/>
           </p:cNvSpPr>
@@ -9677,7 +9677,7 @@
         <p:spPr>
           <a:xfrm>
             <a:off x="457200" y="274638"/>
-            <a:ext cx="8229600" cy="490066"/>
+            <a:ext cx="8229600" cy="706090"/>
           </a:xfrm>
         </p:spPr>
         <p:txBody>
@@ -9687,22 +9687,16 @@
           <a:lstStyle/>
           <a:p>
             <a:r>
-              <a:rPr lang="en-IE" b="1" dirty="0"/>
-              <a:t>Range</a:t>
-            </a:r>
-            <a:endParaRPr lang="en-IE" dirty="0"/>
-          </a:p>
-        </p:txBody>
-      </p:sp>
-      <p:sp>
-        <p:nvSpPr>
-          <p:cNvPr id="3" name="Content Placeholder 2">
-            <a:extLst>
-              <a:ext uri="{FF2B5EF4-FFF2-40B4-BE49-F238E27FC236}">
-                <a16:creationId xmlns:a16="http://schemas.microsoft.com/office/drawing/2014/main" xmlns="" id="{9F3D51B2-546B-4A89-AF95-292984958119}"/>
-              </a:ext>
-            </a:extLst>
-          </p:cNvPr>
+              <a:rPr lang="en-US" altLang="zh-CN" dirty="0"/>
+              <a:t>Printing</a:t>
+            </a:r>
+            <a:endParaRPr lang="zh-CN" altLang="en-US" dirty="0"/>
+          </a:p>
+        </p:txBody>
+      </p:sp>
+      <p:sp>
+        <p:nvSpPr>
+          <p:cNvPr id="3" name="内容占位符 2"/>
           <p:cNvSpPr>
             <a:spLocks noGrp="1"/>
           </p:cNvSpPr>
@@ -9712,151 +9706,119 @@
         </p:nvSpPr>
         <p:spPr>
           <a:xfrm>
-            <a:off x="457200" y="764704"/>
-            <a:ext cx="8229600" cy="5361459"/>
+            <a:off x="457200" y="980728"/>
+            <a:ext cx="8229600" cy="5145435"/>
           </a:xfrm>
         </p:spPr>
         <p:txBody>
           <a:bodyPr>
-            <a:normAutofit fontScale="70000" lnSpcReduction="20000"/>
+            <a:normAutofit fontScale="85000" lnSpcReduction="20000"/>
           </a:bodyPr>
           <a:lstStyle/>
           <a:p>
             <a:r>
-              <a:rPr lang="en-US" dirty="0"/>
-              <a:t>The </a:t>
-            </a:r>
-            <a:r>
-              <a:rPr lang="en-US" b="1" dirty="0"/>
-              <a:t>range</a:t>
-            </a:r>
-            <a:r>
-              <a:rPr lang="en-US" dirty="0"/>
-              <a:t> function creates a sequential list of </a:t>
-            </a:r>
-            <a:r>
-              <a:rPr lang="en-US" dirty="0" err="1"/>
-              <a:t>numbers.The</a:t>
-            </a:r>
-            <a:r>
-              <a:rPr lang="en-US" dirty="0"/>
-              <a:t> code below generates a list containing all of the integers, up to 10.</a:t>
-            </a:r>
-          </a:p>
-          <a:p>
-            <a:pPr marL="0" indent="0">
-              <a:buNone/>
-            </a:pPr>
-            <a:r>
-              <a:rPr lang="en-US" dirty="0"/>
-              <a:t>numbers = list(</a:t>
-            </a:r>
-            <a:r>
-              <a:rPr lang="en-US" b="1" dirty="0"/>
-              <a:t>range</a:t>
-            </a:r>
-            <a:r>
-              <a:rPr lang="en-US" dirty="0"/>
-              <a:t>(10))</a:t>
-            </a:r>
-            <a:br>
-              <a:rPr lang="en-US" dirty="0"/>
-            </a:br>
-            <a:r>
-              <a:rPr lang="en-US" dirty="0"/>
-              <a:t>print(numbers)</a:t>
-            </a:r>
-          </a:p>
-          <a:p>
-            <a:pPr marL="0" indent="0">
-              <a:buNone/>
-            </a:pPr>
-            <a:endParaRPr lang="en-US" dirty="0"/>
-          </a:p>
-          <a:p>
-            <a:r>
-              <a:rPr lang="en-US" dirty="0"/>
-              <a:t>If </a:t>
-            </a:r>
-            <a:r>
-              <a:rPr lang="en-US" b="1" dirty="0"/>
-              <a:t>range</a:t>
-            </a:r>
-            <a:r>
-              <a:rPr lang="en-US" dirty="0"/>
-              <a:t> is called with one argument, it produces an object with values from 0 to that argument. If it is called with two arguments, it produces values from the first to the second.</a:t>
-            </a:r>
-          </a:p>
-          <a:p>
-            <a:pPr marL="0" indent="0">
-              <a:buNone/>
-            </a:pPr>
-            <a:r>
-              <a:rPr lang="en-US" dirty="0"/>
-              <a:t>numbers = list(</a:t>
-            </a:r>
-            <a:r>
-              <a:rPr lang="en-US" b="1" dirty="0"/>
-              <a:t>range</a:t>
-            </a:r>
-            <a:r>
-              <a:rPr lang="en-US" dirty="0"/>
-              <a:t>(3, 8))</a:t>
-            </a:r>
-            <a:br>
-              <a:rPr lang="en-US" dirty="0"/>
-            </a:br>
-            <a:r>
-              <a:rPr lang="en-US" dirty="0"/>
-              <a:t>print(numbers)</a:t>
-            </a:r>
-            <a:br>
-              <a:rPr lang="en-US" dirty="0"/>
-            </a:br>
-            <a:r>
-              <a:rPr lang="en-US" dirty="0"/>
-              <a:t>print(range(20) == range(0, 20))</a:t>
-            </a:r>
-          </a:p>
-          <a:p>
-            <a:pPr marL="0" indent="0">
-              <a:buNone/>
-            </a:pPr>
-            <a:endParaRPr lang="en-US" dirty="0"/>
-          </a:p>
-          <a:p>
-            <a:r>
-              <a:rPr lang="en-US" b="1" dirty="0"/>
-              <a:t>range </a:t>
-            </a:r>
-            <a:r>
-              <a:rPr lang="en-US" dirty="0"/>
-              <a:t>can have a third argument, which determines the interval of the sequence produced. This third argument must be an integer.</a:t>
-            </a:r>
-          </a:p>
-          <a:p>
-            <a:pPr marL="0" indent="0">
-              <a:buNone/>
-            </a:pPr>
-            <a:r>
-              <a:rPr lang="en-US" dirty="0"/>
-              <a:t>numbers = list(range(5, 20, 2))</a:t>
-            </a:r>
-            <a:br>
-              <a:rPr lang="en-US" dirty="0"/>
-            </a:br>
-            <a:r>
-              <a:rPr lang="en-US" dirty="0"/>
-              <a:t>print(numbers)</a:t>
-            </a:r>
-            <a:endParaRPr lang="en-IE" dirty="0"/>
+              <a:rPr lang="en-US" altLang="zh-CN" dirty="0"/>
+              <a:t>What does %s, %r, and %d do ?</a:t>
+            </a:r>
+          </a:p>
+          <a:p>
+            <a:r>
+              <a:rPr lang="en-US" altLang="zh-CN" dirty="0"/>
+              <a:t>%s print string</a:t>
+            </a:r>
+          </a:p>
+          <a:p>
+            <a:r>
+              <a:rPr lang="en-US" altLang="zh-CN" dirty="0"/>
+              <a:t>%d print number</a:t>
+            </a:r>
+          </a:p>
+          <a:p>
+            <a:r>
+              <a:rPr lang="en-US" altLang="zh-CN" dirty="0"/>
+              <a:t>%r print this no matter what</a:t>
+            </a:r>
+          </a:p>
+          <a:p>
+            <a:pPr marL="0" indent="0">
+              <a:buNone/>
+            </a:pPr>
+            <a:r>
+              <a:rPr lang="en-US" altLang="zh-CN" dirty="0"/>
+              <a:t>job = 'teacher'</a:t>
+            </a:r>
+            <a:br>
+              <a:rPr lang="en-US" altLang="zh-CN" dirty="0"/>
+            </a:br>
+            <a:r>
+              <a:rPr lang="en-US" altLang="zh-CN" dirty="0"/>
+              <a:t>student = 10</a:t>
+            </a:r>
+            <a:br>
+              <a:rPr lang="en-US" altLang="zh-CN" dirty="0"/>
+            </a:br>
+            <a:r>
+              <a:rPr lang="en-US" altLang="zh-CN" dirty="0"/>
+              <a:t>language = "python"</a:t>
+            </a:r>
+            <a:br>
+              <a:rPr lang="en-US" altLang="zh-CN" dirty="0"/>
+            </a:br>
+            <a:br>
+              <a:rPr lang="en-US" altLang="zh-CN" dirty="0"/>
+            </a:br>
+            <a:r>
+              <a:rPr lang="en-US" altLang="zh-CN" dirty="0"/>
+              <a:t>print ("I am %s, have %d student. I am teaching %s" % (job, </a:t>
+            </a:r>
+            <a:r>
+              <a:rPr lang="en-US" altLang="zh-CN" dirty="0" err="1"/>
+              <a:t>student,language</a:t>
+            </a:r>
+            <a:r>
+              <a:rPr lang="en-US" altLang="zh-CN" dirty="0"/>
+              <a:t>))</a:t>
+            </a:r>
+            <a:br>
+              <a:rPr lang="en-US" altLang="zh-CN" dirty="0"/>
+            </a:br>
+            <a:r>
+              <a:rPr lang="en-US" altLang="zh-CN" dirty="0"/>
+              <a:t>print ("I am %r, have %r student. I am teaching %r" % (job, </a:t>
+            </a:r>
+            <a:r>
+              <a:rPr lang="en-US" altLang="zh-CN" dirty="0" err="1"/>
+              <a:t>student,language</a:t>
+            </a:r>
+            <a:r>
+              <a:rPr lang="en-US" altLang="zh-CN" dirty="0"/>
+              <a:t>))</a:t>
+            </a:r>
+          </a:p>
+          <a:p>
+            <a:pPr marL="0" indent="0">
+              <a:buNone/>
+            </a:pPr>
+            <a:r>
+              <a:rPr lang="en-US" altLang="zh-CN" dirty="0"/>
+              <a:t>print (</a:t>
+            </a:r>
+            <a:r>
+              <a:rPr lang="en-US" altLang="zh-CN" dirty="0" err="1"/>
+              <a:t>f"I</a:t>
+            </a:r>
+            <a:r>
+              <a:rPr lang="en-US" altLang="zh-CN" dirty="0"/>
+              <a:t> am {job}, have {student} student. I am teaching {language}.")</a:t>
+            </a:r>
+            <a:endParaRPr lang="zh-CN" altLang="en-US" dirty="0"/>
           </a:p>
         </p:txBody>
       </p:sp>
     </p:spTree>
     <p:extLst>
       <p:ext uri="{BB962C8B-B14F-4D97-AF65-F5344CB8AC3E}">
-        <p14:creationId xmlns:p14="http://schemas.microsoft.com/office/powerpoint/2010/main" val="2127623366"/>
+        <p14:creationId xmlns:p14="http://schemas.microsoft.com/office/powerpoint/2010/main" val="1868164348"/>
       </p:ext>
     </p:extLst>
   </p:cSld>
@@ -9888,7 +9850,7 @@
           <p:cNvPr id="2" name="Title 1">
             <a:extLst>
               <a:ext uri="{FF2B5EF4-FFF2-40B4-BE49-F238E27FC236}">
-                <a16:creationId xmlns:a16="http://schemas.microsoft.com/office/drawing/2014/main" xmlns="" id="{E66456A5-DEB6-4C2C-9B67-3E616F78E405}"/>
+                <a16:creationId xmlns:a16="http://schemas.microsoft.com/office/drawing/2014/main" id="{67AA01BE-A94D-499B-9585-E4873B7BC331}"/>
               </a:ext>
             </a:extLst>
           </p:cNvPr>
@@ -9902,16 +9864,18 @@
         <p:spPr>
           <a:xfrm>
             <a:off x="457200" y="274638"/>
-            <a:ext cx="8229600" cy="850106"/>
+            <a:ext cx="8229600" cy="490066"/>
           </a:xfrm>
         </p:spPr>
         <p:txBody>
-          <a:bodyPr/>
+          <a:bodyPr>
+            <a:normAutofit fontScale="90000"/>
+          </a:bodyPr>
           <a:lstStyle/>
           <a:p>
             <a:r>
               <a:rPr lang="en-IE" b="1" dirty="0"/>
-              <a:t>Loops</a:t>
+              <a:t>Range</a:t>
             </a:r>
             <a:endParaRPr lang="en-IE" dirty="0"/>
           </a:p>
@@ -9922,7 +9886,7 @@
           <p:cNvPr id="3" name="Content Placeholder 2">
             <a:extLst>
               <a:ext uri="{FF2B5EF4-FFF2-40B4-BE49-F238E27FC236}">
-                <a16:creationId xmlns:a16="http://schemas.microsoft.com/office/drawing/2014/main" xmlns="" id="{03174DED-1C70-4D70-AF77-09F5C0900278}"/>
+                <a16:creationId xmlns:a16="http://schemas.microsoft.com/office/drawing/2014/main" id="{9F3D51B2-546B-4A89-AF95-292984958119}"/>
               </a:ext>
             </a:extLst>
           </p:cNvPr>
@@ -9935,31 +9899,59 @@
         </p:nvSpPr>
         <p:spPr>
           <a:xfrm>
-            <a:off x="457200" y="1124744"/>
-            <a:ext cx="8229600" cy="5001419"/>
+            <a:off x="457200" y="764704"/>
+            <a:ext cx="8229600" cy="5361459"/>
           </a:xfrm>
         </p:spPr>
         <p:txBody>
           <a:bodyPr>
-            <a:normAutofit fontScale="85000" lnSpcReduction="10000"/>
+            <a:normAutofit fontScale="70000" lnSpcReduction="20000"/>
           </a:bodyPr>
           <a:lstStyle/>
           <a:p>
             <a:r>
               <a:rPr lang="en-US" dirty="0"/>
-              <a:t>Sometimes, you need to perform code on each item in a list. This is called iteration, and it can be accomplished with a </a:t>
+              <a:t>The </a:t>
             </a:r>
             <a:r>
               <a:rPr lang="en-US" b="1" dirty="0"/>
-              <a:t>while</a:t>
-            </a:r>
-            <a:r>
-              <a:rPr lang="en-US" dirty="0"/>
-              <a:t> loop and a counter </a:t>
-            </a:r>
-            <a:r>
-              <a:rPr lang="en-US"/>
-              <a:t>variable.</a:t>
+              <a:t>range</a:t>
+            </a:r>
+            <a:r>
+              <a:rPr lang="en-US" dirty="0"/>
+              <a:t> function creates a sequential list of </a:t>
+            </a:r>
+            <a:r>
+              <a:rPr lang="en-US" dirty="0" err="1"/>
+              <a:t>numbers.The</a:t>
+            </a:r>
+            <a:r>
+              <a:rPr lang="en-US" dirty="0"/>
+              <a:t> code below generates a list containing all of the integers, up to 10.</a:t>
+            </a:r>
+          </a:p>
+          <a:p>
+            <a:pPr marL="0" indent="0">
+              <a:buNone/>
+            </a:pPr>
+            <a:r>
+              <a:rPr lang="en-US" dirty="0"/>
+              <a:t>numbers = list(</a:t>
+            </a:r>
+            <a:r>
+              <a:rPr lang="en-US" b="1" dirty="0"/>
+              <a:t>range</a:t>
+            </a:r>
+            <a:r>
+              <a:rPr lang="en-US" dirty="0"/>
+              <a:t>(10))</a:t>
+            </a:r>
+            <a:br>
+              <a:rPr lang="en-US" dirty="0"/>
+            </a:br>
+            <a:r>
+              <a:rPr lang="en-US" dirty="0"/>
+              <a:t>print(numbers)</a:t>
             </a:r>
           </a:p>
           <a:p>
@@ -9969,85 +9961,80 @@
             <a:endParaRPr lang="en-US" dirty="0"/>
           </a:p>
           <a:p>
-            <a:pPr marL="0" indent="0">
-              <a:buNone/>
-            </a:pPr>
-            <a:r>
-              <a:rPr lang="en-US" dirty="0"/>
-              <a:t>words = ["hello", "world", "spam", "eggs"]</a:t>
-            </a:r>
-            <a:br>
-              <a:rPr lang="en-US" dirty="0"/>
-            </a:br>
-            <a:r>
-              <a:rPr lang="en-US" dirty="0"/>
-              <a:t>counter = 0</a:t>
-            </a:r>
-            <a:br>
-              <a:rPr lang="en-US" dirty="0"/>
-            </a:br>
-            <a:r>
-              <a:rPr lang="en-US" dirty="0" err="1"/>
-              <a:t>max_index</a:t>
-            </a:r>
-            <a:r>
-              <a:rPr lang="en-US" dirty="0"/>
-              <a:t> = </a:t>
-            </a:r>
-            <a:r>
-              <a:rPr lang="en-US" dirty="0" err="1"/>
-              <a:t>len</a:t>
-            </a:r>
-            <a:r>
-              <a:rPr lang="en-US" dirty="0"/>
-              <a:t>(words) - 1</a:t>
-            </a:r>
-            <a:br>
-              <a:rPr lang="en-US" dirty="0"/>
-            </a:br>
-            <a:r>
-              <a:rPr lang="en-US" dirty="0"/>
-              <a:t/>
-            </a:r>
-            <a:br>
-              <a:rPr lang="en-US" dirty="0"/>
-            </a:br>
+            <a:r>
+              <a:rPr lang="en-US" dirty="0"/>
+              <a:t>If </a:t>
+            </a:r>
             <a:r>
               <a:rPr lang="en-US" b="1" dirty="0"/>
-              <a:t>while </a:t>
-            </a:r>
-            <a:r>
-              <a:rPr lang="en-US" dirty="0"/>
-              <a:t>counter &lt;= </a:t>
-            </a:r>
-            <a:r>
-              <a:rPr lang="en-US" dirty="0" err="1"/>
-              <a:t>max_index</a:t>
-            </a:r>
-            <a:r>
-              <a:rPr lang="en-US" dirty="0"/>
-              <a:t>:</a:t>
-            </a:r>
-            <a:br>
-              <a:rPr lang="en-US" dirty="0"/>
-            </a:br>
-            <a:r>
-              <a:rPr lang="en-US" dirty="0"/>
-              <a:t>word = words[counter]</a:t>
-            </a:r>
-            <a:br>
-              <a:rPr lang="en-US" dirty="0"/>
-            </a:br>
-            <a:r>
-              <a:rPr lang="en-US" dirty="0"/>
-              <a:t>print(word + "!")</a:t>
-            </a:r>
-            <a:br>
-              <a:rPr lang="en-US" dirty="0"/>
-            </a:br>
-            <a:r>
-              <a:rPr lang="en-US" dirty="0"/>
-              <a:t>counter = counter + 1 </a:t>
+              <a:t>range</a:t>
+            </a:r>
+            <a:r>
+              <a:rPr lang="en-US" dirty="0"/>
+              <a:t> is called with one argument, it produces an object with values from 0 to that argument. If it is called with two arguments, it produces values from the first to the second.</a:t>
+            </a:r>
+          </a:p>
+          <a:p>
+            <a:pPr marL="0" indent="0">
+              <a:buNone/>
+            </a:pPr>
+            <a:r>
+              <a:rPr lang="en-US" dirty="0"/>
+              <a:t>numbers = list(</a:t>
+            </a:r>
+            <a:r>
+              <a:rPr lang="en-US" b="1" dirty="0"/>
+              <a:t>range</a:t>
+            </a:r>
+            <a:r>
+              <a:rPr lang="en-US" dirty="0"/>
+              <a:t>(3, 8))</a:t>
+            </a:r>
+            <a:br>
+              <a:rPr lang="en-US" dirty="0"/>
+            </a:br>
+            <a:r>
+              <a:rPr lang="en-US" dirty="0"/>
+              <a:t>print(numbers)</a:t>
+            </a:r>
+            <a:br>
+              <a:rPr lang="en-US" dirty="0"/>
+            </a:br>
+            <a:r>
+              <a:rPr lang="en-US" dirty="0"/>
+              <a:t>print(range(20) == range(0, 20))</a:t>
+            </a:r>
+          </a:p>
+          <a:p>
+            <a:pPr marL="0" indent="0">
+              <a:buNone/>
+            </a:pPr>
+            <a:endParaRPr lang="en-US" dirty="0"/>
+          </a:p>
+          <a:p>
+            <a:r>
+              <a:rPr lang="en-US" b="1" dirty="0"/>
+              <a:t>range </a:t>
+            </a:r>
+            <a:r>
+              <a:rPr lang="en-US" dirty="0"/>
+              <a:t>can have a third argument, which determines the interval of the sequence produced. This third argument must be an integer.</a:t>
+            </a:r>
+          </a:p>
+          <a:p>
+            <a:pPr marL="0" indent="0">
+              <a:buNone/>
+            </a:pPr>
+            <a:r>
+              <a:rPr lang="en-US" dirty="0"/>
+              <a:t>numbers = list(range(5, 20, 2))</a:t>
+            </a:r>
+            <a:br>
+              <a:rPr lang="en-US" dirty="0"/>
+            </a:br>
+            <a:r>
+              <a:rPr lang="en-US" dirty="0"/>
+              <a:t>print(numbers)</a:t>
             </a:r>
             <a:endParaRPr lang="en-IE" dirty="0"/>
           </a:p>
@@ -10056,7 +10043,7 @@
     </p:spTree>
     <p:extLst>
       <p:ext uri="{BB962C8B-B14F-4D97-AF65-F5344CB8AC3E}">
-        <p14:creationId xmlns:p14="http://schemas.microsoft.com/office/powerpoint/2010/main" val="507293170"/>
+        <p14:creationId xmlns:p14="http://schemas.microsoft.com/office/powerpoint/2010/main" val="2127623366"/>
       </p:ext>
     </p:extLst>
   </p:cSld>
@@ -10088,7 +10075,7 @@
           <p:cNvPr id="2" name="Title 1">
             <a:extLst>
               <a:ext uri="{FF2B5EF4-FFF2-40B4-BE49-F238E27FC236}">
-                <a16:creationId xmlns:a16="http://schemas.microsoft.com/office/drawing/2014/main" xmlns="" id="{726BB2B2-26DC-4C69-B019-925E1A5010C4}"/>
+                <a16:creationId xmlns:a16="http://schemas.microsoft.com/office/drawing/2014/main" id="{E66456A5-DEB6-4C2C-9B67-3E616F78E405}"/>
               </a:ext>
             </a:extLst>
           </p:cNvPr>
@@ -10102,18 +10089,16 @@
         <p:spPr>
           <a:xfrm>
             <a:off x="457200" y="274638"/>
-            <a:ext cx="8229600" cy="634082"/>
+            <a:ext cx="8229600" cy="850106"/>
           </a:xfrm>
         </p:spPr>
         <p:txBody>
-          <a:bodyPr>
-            <a:normAutofit fontScale="90000"/>
-          </a:bodyPr>
+          <a:bodyPr/>
           <a:lstStyle/>
           <a:p>
             <a:r>
               <a:rPr lang="en-IE" b="1" dirty="0"/>
-              <a:t>for Loop</a:t>
+              <a:t>Loops</a:t>
             </a:r>
             <a:endParaRPr lang="en-IE" dirty="0"/>
           </a:p>
@@ -10124,7 +10109,7 @@
           <p:cNvPr id="3" name="Content Placeholder 2">
             <a:extLst>
               <a:ext uri="{FF2B5EF4-FFF2-40B4-BE49-F238E27FC236}">
-                <a16:creationId xmlns:a16="http://schemas.microsoft.com/office/drawing/2014/main" xmlns="" id="{1C952ED9-10BB-44D1-9033-5571E67E1750}"/>
+                <a16:creationId xmlns:a16="http://schemas.microsoft.com/office/drawing/2014/main" id="{03174DED-1C70-4D70-AF77-09F5C0900278}"/>
               </a:ext>
             </a:extLst>
           </p:cNvPr>
@@ -10137,8 +10122,8 @@
         </p:nvSpPr>
         <p:spPr>
           <a:xfrm>
-            <a:off x="457200" y="908720"/>
-            <a:ext cx="8229600" cy="5760640"/>
+            <a:off x="457200" y="1124744"/>
+            <a:ext cx="8229600" cy="5001419"/>
           </a:xfrm>
         </p:spPr>
         <p:txBody>
@@ -10149,7 +10134,7 @@
           <a:p>
             <a:r>
               <a:rPr lang="en-US" dirty="0"/>
-              <a:t>Iterating through a list using a </a:t>
+              <a:t>Sometimes, you need to perform code on each item in a list. This is called iteration, and it can be accomplished with a </a:t>
             </a:r>
             <a:r>
               <a:rPr lang="en-US" b="1" dirty="0"/>
@@ -10157,115 +10142,92 @@
             </a:r>
             <a:r>
               <a:rPr lang="en-US" dirty="0"/>
-              <a:t> loop requires quite a lot of code, so Python provides the </a:t>
-            </a:r>
-            <a:r>
-              <a:rPr lang="en-US" b="1" dirty="0" err="1"/>
-              <a:t>for</a:t>
-            </a:r>
+              <a:t> loop and a counter variable.</a:t>
+            </a:r>
+          </a:p>
+          <a:p>
+            <a:pPr marL="0" indent="0">
+              <a:buNone/>
+            </a:pPr>
+            <a:endParaRPr lang="en-US" dirty="0"/>
+          </a:p>
+          <a:p>
+            <a:pPr marL="0" indent="0">
+              <a:buNone/>
+            </a:pPr>
+            <a:r>
+              <a:rPr lang="en-US" dirty="0"/>
+              <a:t>words = ["hello", "world", "spam", "eggs"]</a:t>
+            </a:r>
+            <a:br>
+              <a:rPr lang="en-US" dirty="0"/>
+            </a:br>
+            <a:r>
+              <a:rPr lang="en-US" dirty="0"/>
+              <a:t>counter = 0</a:t>
+            </a:r>
+            <a:br>
+              <a:rPr lang="en-US" dirty="0"/>
+            </a:br>
             <a:r>
               <a:rPr lang="en-US" dirty="0" err="1"/>
-              <a:t>loop</a:t>
-            </a:r>
-            <a:r>
-              <a:rPr lang="en-US" dirty="0"/>
-              <a:t> as a shortcut that accomplishes the same thing.</a:t>
-            </a:r>
-            <a:br>
-              <a:rPr lang="en-US" dirty="0"/>
-            </a:br>
-            <a:r>
-              <a:rPr lang="en-US" dirty="0"/>
-              <a:t>The same code from the previous example can be written with a </a:t>
-            </a:r>
+              <a:t>max_index</a:t>
+            </a:r>
+            <a:r>
+              <a:rPr lang="en-US" dirty="0"/>
+              <a:t> = </a:t>
+            </a:r>
+            <a:r>
+              <a:rPr lang="en-US" dirty="0" err="1"/>
+              <a:t>len</a:t>
+            </a:r>
+            <a:r>
+              <a:rPr lang="en-US" dirty="0"/>
+              <a:t>(words) - 1</a:t>
+            </a:r>
+            <a:br>
+              <a:rPr lang="en-US" dirty="0"/>
+            </a:br>
+            <a:br>
+              <a:rPr lang="en-US" dirty="0"/>
+            </a:br>
             <a:r>
               <a:rPr lang="en-US" b="1" dirty="0"/>
-              <a:t>for</a:t>
-            </a:r>
-            <a:r>
-              <a:rPr lang="en-US" dirty="0"/>
-              <a:t> loop, as follows:</a:t>
-            </a:r>
-          </a:p>
-          <a:p>
-            <a:pPr marL="0" indent="0">
-              <a:buNone/>
-            </a:pPr>
-            <a:r>
-              <a:rPr lang="en-US" dirty="0"/>
-              <a:t>words = ["hello", "world", "spam", "eggs"]</a:t>
-            </a:r>
-          </a:p>
-          <a:p>
-            <a:pPr marL="0" indent="0">
-              <a:buNone/>
-            </a:pPr>
-            <a:r>
-              <a:rPr lang="en-US" dirty="0"/>
-              <a:t>for word in words:</a:t>
-            </a:r>
-          </a:p>
-          <a:p>
-            <a:pPr marL="0" indent="0">
-              <a:buNone/>
-            </a:pPr>
-            <a:r>
-              <a:rPr lang="en-US" dirty="0"/>
-              <a:t>  print(word + "!")</a:t>
-            </a:r>
-          </a:p>
-          <a:p>
-            <a:r>
-              <a:rPr lang="en-US" dirty="0"/>
-              <a:t>The </a:t>
-            </a:r>
-            <a:r>
-              <a:rPr lang="en-US" b="1" dirty="0"/>
-              <a:t>for</a:t>
-            </a:r>
-            <a:r>
-              <a:rPr lang="en-US" dirty="0"/>
-              <a:t> loop is commonly used to repeat some code a certain number of times. This is done by combining for loops with </a:t>
-            </a:r>
-            <a:r>
-              <a:rPr lang="en-US" b="1" dirty="0"/>
-              <a:t>range</a:t>
-            </a:r>
-            <a:r>
-              <a:rPr lang="en-US" dirty="0"/>
-              <a:t> objects.</a:t>
-            </a:r>
-          </a:p>
-          <a:p>
-            <a:pPr marL="0" indent="0">
-              <a:buNone/>
-            </a:pPr>
-            <a:r>
-              <a:rPr lang="en-US" dirty="0"/>
-              <a:t>for </a:t>
+              <a:t>while </a:t>
+            </a:r>
+            <a:r>
+              <a:rPr lang="en-US" dirty="0"/>
+              <a:t>counter &lt;= </a:t>
             </a:r>
             <a:r>
               <a:rPr lang="en-US" dirty="0" err="1"/>
-              <a:t>i</a:t>
-            </a:r>
-            <a:r>
-              <a:rPr lang="en-US" dirty="0"/>
-              <a:t> in range(5):</a:t>
-            </a:r>
-          </a:p>
-          <a:p>
-            <a:pPr marL="0" indent="0">
-              <a:buNone/>
-            </a:pPr>
-            <a:r>
-              <a:rPr lang="en-US" dirty="0"/>
-              <a:t>  print("hello!")</a:t>
-            </a:r>
-          </a:p>
-          <a:p>
-            <a:pPr marL="0" indent="0">
-              <a:buNone/>
-            </a:pPr>
+              <a:t>max_index</a:t>
+            </a:r>
+            <a:r>
+              <a:rPr lang="en-US" dirty="0"/>
+              <a:t>:</a:t>
+            </a:r>
+            <a:br>
+              <a:rPr lang="en-US" dirty="0"/>
+            </a:br>
+            <a:r>
+              <a:rPr lang="en-US" dirty="0"/>
+              <a:t>word = words[counter]</a:t>
+            </a:r>
+            <a:br>
+              <a:rPr lang="en-US" dirty="0"/>
+            </a:br>
+            <a:r>
+              <a:rPr lang="en-US" dirty="0"/>
+              <a:t>print(word + "!")</a:t>
+            </a:r>
+            <a:br>
+              <a:rPr lang="en-US" dirty="0"/>
+            </a:br>
+            <a:r>
+              <a:rPr lang="en-US" dirty="0"/>
+              <a:t>counter = counter + 1 </a:t>
+            </a:r>
             <a:endParaRPr lang="en-IE" dirty="0"/>
           </a:p>
         </p:txBody>
@@ -10273,7 +10235,7 @@
     </p:spTree>
     <p:extLst>
       <p:ext uri="{BB962C8B-B14F-4D97-AF65-F5344CB8AC3E}">
-        <p14:creationId xmlns:p14="http://schemas.microsoft.com/office/powerpoint/2010/main" val="1916851416"/>
+        <p14:creationId xmlns:p14="http://schemas.microsoft.com/office/powerpoint/2010/main" val="507293170"/>
       </p:ext>
     </p:extLst>
   </p:cSld>
@@ -10305,7 +10267,7 @@
           <p:cNvPr id="2" name="Title 1">
             <a:extLst>
               <a:ext uri="{FF2B5EF4-FFF2-40B4-BE49-F238E27FC236}">
-                <a16:creationId xmlns:a16="http://schemas.microsoft.com/office/drawing/2014/main" xmlns="" id="{282B87DF-0AFE-4557-B24C-8A7DF8A82FBD}"/>
+                <a16:creationId xmlns:a16="http://schemas.microsoft.com/office/drawing/2014/main" id="{726BB2B2-26DC-4C69-B019-925E1A5010C4}"/>
               </a:ext>
             </a:extLst>
           </p:cNvPr>
@@ -10319,16 +10281,18 @@
         <p:spPr>
           <a:xfrm>
             <a:off x="457200" y="274638"/>
-            <a:ext cx="8229600" cy="778098"/>
+            <a:ext cx="8229600" cy="634082"/>
           </a:xfrm>
         </p:spPr>
         <p:txBody>
-          <a:bodyPr/>
+          <a:bodyPr>
+            <a:normAutofit fontScale="90000"/>
+          </a:bodyPr>
           <a:lstStyle/>
           <a:p>
             <a:r>
               <a:rPr lang="en-IE" b="1" dirty="0"/>
-              <a:t>Functions</a:t>
+              <a:t>for Loop</a:t>
             </a:r>
             <a:endParaRPr lang="en-IE" dirty="0"/>
           </a:p>
@@ -10339,7 +10303,7 @@
           <p:cNvPr id="3" name="Content Placeholder 2">
             <a:extLst>
               <a:ext uri="{FF2B5EF4-FFF2-40B4-BE49-F238E27FC236}">
-                <a16:creationId xmlns:a16="http://schemas.microsoft.com/office/drawing/2014/main" xmlns="" id="{B28F22E7-4FF1-404A-B634-1FB26A917006}"/>
+                <a16:creationId xmlns:a16="http://schemas.microsoft.com/office/drawing/2014/main" id="{1C952ED9-10BB-44D1-9033-5571E67E1750}"/>
               </a:ext>
             </a:extLst>
           </p:cNvPr>
@@ -10350,93 +10314,137 @@
             <p:ph idx="1"/>
           </p:nvPr>
         </p:nvSpPr>
-        <p:spPr/>
+        <p:spPr>
+          <a:xfrm>
+            <a:off x="457200" y="908720"/>
+            <a:ext cx="8229600" cy="5760640"/>
+          </a:xfrm>
+        </p:spPr>
         <p:txBody>
           <a:bodyPr>
-            <a:normAutofit fontScale="92500" lnSpcReduction="10000"/>
+            <a:normAutofit fontScale="85000" lnSpcReduction="10000"/>
           </a:bodyPr>
           <a:lstStyle/>
           <a:p>
             <a:r>
               <a:rPr lang="en-US" dirty="0"/>
-              <a:t>You've already used </a:t>
+              <a:t>Iterating through a list using a </a:t>
             </a:r>
             <a:r>
               <a:rPr lang="en-US" b="1" dirty="0"/>
-              <a:t>functions </a:t>
-            </a:r>
-            <a:r>
-              <a:rPr lang="en-US" dirty="0"/>
-              <a:t>in previous lessons. </a:t>
-            </a:r>
-            <a:br>
-              <a:rPr lang="en-US" dirty="0"/>
-            </a:br>
-            <a:r>
-              <a:rPr lang="en-US" dirty="0"/>
-              <a:t>Any statement that consists of a word followed by information in </a:t>
+              <a:t>while</a:t>
+            </a:r>
+            <a:r>
+              <a:rPr lang="en-US" dirty="0"/>
+              <a:t> loop requires quite a lot of code, so Python provides the </a:t>
+            </a:r>
+            <a:r>
+              <a:rPr lang="en-US" b="1" dirty="0" err="1"/>
+              <a:t>for</a:t>
+            </a:r>
+            <a:r>
+              <a:rPr lang="en-US" dirty="0" err="1"/>
+              <a:t>loop</a:t>
+            </a:r>
+            <a:r>
+              <a:rPr lang="en-US" dirty="0"/>
+              <a:t> as a shortcut that accomplishes the same thing.</a:t>
+            </a:r>
+            <a:br>
+              <a:rPr lang="en-US" dirty="0"/>
+            </a:br>
+            <a:r>
+              <a:rPr lang="en-US" dirty="0"/>
+              <a:t>The same code from the previous example can be written with a </a:t>
             </a:r>
             <a:r>
               <a:rPr lang="en-US" b="1" dirty="0"/>
-              <a:t>parentheses </a:t>
-            </a:r>
-            <a:r>
-              <a:rPr lang="en-US" dirty="0"/>
-              <a:t>is a function call.</a:t>
-            </a:r>
-            <a:br>
-              <a:rPr lang="en-US" dirty="0"/>
-            </a:br>
-            <a:r>
-              <a:rPr lang="en-US" dirty="0"/>
-              <a:t>Here are some examples that you've already seen:</a:t>
-            </a:r>
-          </a:p>
-          <a:p>
-            <a:pPr marL="0" indent="0">
-              <a:buNone/>
-            </a:pPr>
+              <a:t>for</a:t>
+            </a:r>
+            <a:r>
+              <a:rPr lang="en-US" dirty="0"/>
+              <a:t> loop, as follows:</a:t>
+            </a:r>
+          </a:p>
+          <a:p>
+            <a:pPr marL="0" indent="0">
+              <a:buNone/>
+            </a:pPr>
+            <a:r>
+              <a:rPr lang="en-US" dirty="0"/>
+              <a:t>words = ["hello", "world", "spam", "eggs"]</a:t>
+            </a:r>
+          </a:p>
+          <a:p>
+            <a:pPr marL="0" indent="0">
+              <a:buNone/>
+            </a:pPr>
+            <a:r>
+              <a:rPr lang="en-US" dirty="0"/>
+              <a:t>for word in words:</a:t>
+            </a:r>
+          </a:p>
+          <a:p>
+            <a:pPr marL="0" indent="0">
+              <a:buNone/>
+            </a:pPr>
+            <a:r>
+              <a:rPr lang="en-US" dirty="0"/>
+              <a:t>  print(word + "!")</a:t>
+            </a:r>
+          </a:p>
+          <a:p>
+            <a:r>
+              <a:rPr lang="en-US" dirty="0"/>
+              <a:t>The </a:t>
+            </a:r>
             <a:r>
               <a:rPr lang="en-US" b="1" dirty="0"/>
-              <a:t>print</a:t>
-            </a:r>
-            <a:r>
-              <a:rPr lang="en-US" dirty="0"/>
-              <a:t>("Hello world!")</a:t>
-            </a:r>
-            <a:br>
-              <a:rPr lang="en-US" dirty="0"/>
-            </a:br>
+              <a:t>for</a:t>
+            </a:r>
+            <a:r>
+              <a:rPr lang="en-US" dirty="0"/>
+              <a:t> loop is commonly used to repeat some code a certain number of times. This is done by combining for loops with </a:t>
+            </a:r>
             <a:r>
               <a:rPr lang="en-US" b="1" dirty="0"/>
               <a:t>range</a:t>
             </a:r>
             <a:r>
               <a:rPr lang="en-US" dirty="0"/>
-              <a:t>(2, 20)</a:t>
-            </a:r>
-            <a:br>
-              <a:rPr lang="en-US" dirty="0"/>
-            </a:br>
-            <a:r>
-              <a:rPr lang="en-US" b="1" dirty="0" err="1"/>
-              <a:t>str</a:t>
-            </a:r>
-            <a:r>
-              <a:rPr lang="en-US" dirty="0"/>
-              <a:t>(12)</a:t>
-            </a:r>
-            <a:br>
-              <a:rPr lang="en-US" dirty="0"/>
-            </a:br>
-            <a:r>
-              <a:rPr lang="en-US" b="1" dirty="0"/>
-              <a:t>range</a:t>
-            </a:r>
-            <a:r>
-              <a:rPr lang="en-US" dirty="0"/>
-              <a:t>(10, 20, 3)</a:t>
-            </a:r>
+              <a:t> objects.</a:t>
+            </a:r>
+          </a:p>
+          <a:p>
+            <a:pPr marL="0" indent="0">
+              <a:buNone/>
+            </a:pPr>
+            <a:r>
+              <a:rPr lang="en-US" dirty="0"/>
+              <a:t>for </a:t>
+            </a:r>
+            <a:r>
+              <a:rPr lang="en-US" dirty="0" err="1"/>
+              <a:t>i</a:t>
+            </a:r>
+            <a:r>
+              <a:rPr lang="en-US" dirty="0"/>
+              <a:t> in range(5):</a:t>
+            </a:r>
+          </a:p>
+          <a:p>
+            <a:pPr marL="0" indent="0">
+              <a:buNone/>
+            </a:pPr>
+            <a:r>
+              <a:rPr lang="en-US" dirty="0"/>
+              <a:t>  print("hello!")</a:t>
+            </a:r>
+          </a:p>
+          <a:p>
+            <a:pPr marL="0" indent="0">
+              <a:buNone/>
+            </a:pPr>
             <a:endParaRPr lang="en-IE" dirty="0"/>
           </a:p>
         </p:txBody>
@@ -10444,7 +10452,7 @@
     </p:spTree>
     <p:extLst>
       <p:ext uri="{BB962C8B-B14F-4D97-AF65-F5344CB8AC3E}">
-        <p14:creationId xmlns:p14="http://schemas.microsoft.com/office/powerpoint/2010/main" val="2485845306"/>
+        <p14:creationId xmlns:p14="http://schemas.microsoft.com/office/powerpoint/2010/main" val="1916851416"/>
       </p:ext>
     </p:extLst>
   </p:cSld>
@@ -10476,7 +10484,7 @@
           <p:cNvPr id="2" name="Title 1">
             <a:extLst>
               <a:ext uri="{FF2B5EF4-FFF2-40B4-BE49-F238E27FC236}">
-                <a16:creationId xmlns:a16="http://schemas.microsoft.com/office/drawing/2014/main" xmlns="" id="{86913619-2901-4376-9615-B5180C0E830D}"/>
+                <a16:creationId xmlns:a16="http://schemas.microsoft.com/office/drawing/2014/main" id="{282B87DF-0AFE-4557-B24C-8A7DF8A82FBD}"/>
               </a:ext>
             </a:extLst>
           </p:cNvPr>
@@ -10490,13 +10498,11 @@
         <p:spPr>
           <a:xfrm>
             <a:off x="457200" y="274638"/>
-            <a:ext cx="8229600" cy="706090"/>
+            <a:ext cx="8229600" cy="778098"/>
           </a:xfrm>
         </p:spPr>
         <p:txBody>
-          <a:bodyPr>
-            <a:normAutofit fontScale="90000"/>
-          </a:bodyPr>
+          <a:bodyPr/>
           <a:lstStyle/>
           <a:p>
             <a:r>
@@ -10512,7 +10518,7 @@
           <p:cNvPr id="3" name="Content Placeholder 2">
             <a:extLst>
               <a:ext uri="{FF2B5EF4-FFF2-40B4-BE49-F238E27FC236}">
-                <a16:creationId xmlns:a16="http://schemas.microsoft.com/office/drawing/2014/main" xmlns="" id="{05EE0742-C7EE-4693-A2F2-7AC7869867E0}"/>
+                <a16:creationId xmlns:a16="http://schemas.microsoft.com/office/drawing/2014/main" id="{B28F22E7-4FF1-404A-B634-1FB26A917006}"/>
               </a:ext>
             </a:extLst>
           </p:cNvPr>
@@ -10523,120 +10529,101 @@
             <p:ph idx="1"/>
           </p:nvPr>
         </p:nvSpPr>
-        <p:spPr>
-          <a:xfrm>
-            <a:off x="457200" y="1052736"/>
-            <a:ext cx="8229600" cy="5073427"/>
-          </a:xfrm>
-        </p:spPr>
+        <p:spPr/>
         <p:txBody>
           <a:bodyPr>
-            <a:normAutofit fontScale="77500" lnSpcReduction="20000"/>
+            <a:normAutofit fontScale="92500" lnSpcReduction="10000"/>
           </a:bodyPr>
           <a:lstStyle/>
           <a:p>
             <a:r>
               <a:rPr lang="en-US" dirty="0"/>
-              <a:t>In addition to using pre-defined functions, you can create your own functions by using the </a:t>
-            </a:r>
+              <a:t>You've already used </a:t>
+            </a:r>
+            <a:r>
+              <a:rPr lang="en-US" b="1" dirty="0"/>
+              <a:t>functions </a:t>
+            </a:r>
+            <a:r>
+              <a:rPr lang="en-US" dirty="0"/>
+              <a:t>in previous lessons. </a:t>
+            </a:r>
+            <a:br>
+              <a:rPr lang="en-US" dirty="0"/>
+            </a:br>
+            <a:r>
+              <a:rPr lang="en-US" dirty="0"/>
+              <a:t>Any statement that consists of a word followed by information in </a:t>
+            </a:r>
+            <a:r>
+              <a:rPr lang="en-US" b="1" dirty="0"/>
+              <a:t>parentheses </a:t>
+            </a:r>
+            <a:r>
+              <a:rPr lang="en-US" dirty="0"/>
+              <a:t>is a function call.</a:t>
+            </a:r>
+            <a:br>
+              <a:rPr lang="en-US" dirty="0"/>
+            </a:br>
+            <a:r>
+              <a:rPr lang="en-US" dirty="0"/>
+              <a:t>Here are some examples that you've already seen:</a:t>
+            </a:r>
+          </a:p>
+          <a:p>
+            <a:pPr marL="0" indent="0">
+              <a:buNone/>
+            </a:pPr>
+            <a:r>
+              <a:rPr lang="en-US" b="1" dirty="0"/>
+              <a:t>print</a:t>
+            </a:r>
+            <a:r>
+              <a:rPr lang="en-US" dirty="0"/>
+              <a:t>("Hello world!")</a:t>
+            </a:r>
+            <a:br>
+              <a:rPr lang="en-US" dirty="0"/>
+            </a:br>
+            <a:r>
+              <a:rPr lang="en-US" b="1" dirty="0"/>
+              <a:t>range</a:t>
+            </a:r>
+            <a:r>
+              <a:rPr lang="en-US" dirty="0"/>
+              <a:t>(2, 20)</a:t>
+            </a:r>
+            <a:br>
+              <a:rPr lang="en-US" dirty="0"/>
+            </a:br>
             <a:r>
               <a:rPr lang="en-US" b="1" dirty="0" err="1"/>
-              <a:t>def</a:t>
-            </a:r>
-            <a:r>
-              <a:rPr lang="en-US" dirty="0" err="1"/>
-              <a:t>statement</a:t>
-            </a:r>
-            <a:r>
-              <a:rPr lang="en-US" dirty="0"/>
-              <a:t>.</a:t>
-            </a:r>
-            <a:br>
-              <a:rPr lang="en-US" dirty="0"/>
-            </a:br>
-            <a:r>
-              <a:rPr lang="en-US" dirty="0"/>
-              <a:t>Here is an example of a function named </a:t>
-            </a:r>
-            <a:r>
-              <a:rPr lang="en-US" b="1" dirty="0" err="1"/>
-              <a:t>my_func</a:t>
-            </a:r>
-            <a:r>
-              <a:rPr lang="en-US" dirty="0"/>
-              <a:t>. It takes no arguments, and prints "spam" three times. It is defined, and then called. The statements in the function are executed only when the function is called.</a:t>
-            </a:r>
-          </a:p>
-          <a:p>
-            <a:r>
-              <a:rPr lang="en-US" dirty="0"/>
-              <a:t>You must define functions before they are called, in the same way that you must assign variables before using them.</a:t>
-            </a:r>
-          </a:p>
-          <a:p>
-            <a:pPr marL="0" indent="0">
-              <a:buNone/>
-            </a:pPr>
-            <a:r>
-              <a:rPr lang="en-IE" dirty="0" err="1"/>
-              <a:t>my_func</a:t>
-            </a:r>
-            <a:r>
-              <a:rPr lang="en-IE" dirty="0"/>
-              <a:t>()</a:t>
-            </a:r>
-          </a:p>
-          <a:p>
-            <a:pPr marL="0" indent="0">
-              <a:buNone/>
-            </a:pPr>
-            <a:endParaRPr lang="en-US" dirty="0"/>
-          </a:p>
-          <a:p>
-            <a:pPr marL="0" indent="0">
-              <a:buNone/>
-            </a:pPr>
+              <a:t>str</a:t>
+            </a:r>
+            <a:r>
+              <a:rPr lang="en-US" dirty="0"/>
+              <a:t>(12)</a:t>
+            </a:r>
+            <a:br>
+              <a:rPr lang="en-US" dirty="0"/>
+            </a:br>
             <a:r>
               <a:rPr lang="en-US" b="1" dirty="0"/>
-              <a:t>def </a:t>
-            </a:r>
-            <a:r>
-              <a:rPr lang="en-US" dirty="0" err="1"/>
-              <a:t>my_func</a:t>
-            </a:r>
-            <a:r>
-              <a:rPr lang="en-US" dirty="0"/>
-              <a:t>()</a:t>
-            </a:r>
-            <a:r>
-              <a:rPr lang="en-US" b="1" dirty="0"/>
-              <a:t>:</a:t>
-            </a:r>
-            <a:r>
-              <a:rPr lang="en-US" dirty="0"/>
-              <a:t/>
-            </a:r>
-            <a:br>
-              <a:rPr lang="en-US" dirty="0"/>
-            </a:br>
-            <a:r>
-              <a:rPr lang="en-US" dirty="0"/>
-              <a:t>print("spam")</a:t>
-            </a:r>
-            <a:br>
-              <a:rPr lang="en-US" dirty="0"/>
-            </a:br>
-            <a:r>
-              <a:rPr lang="en-US" dirty="0"/>
-              <a:t>print("spam")</a:t>
-            </a:r>
+              <a:t>range</a:t>
+            </a:r>
+            <a:r>
+              <a:rPr lang="en-US" dirty="0"/>
+              <a:t>(10, 20, 3)</a:t>
+            </a:r>
+            <a:endParaRPr lang="en-IE" dirty="0"/>
           </a:p>
         </p:txBody>
       </p:sp>
     </p:spTree>
     <p:extLst>
       <p:ext uri="{BB962C8B-B14F-4D97-AF65-F5344CB8AC3E}">
-        <p14:creationId xmlns:p14="http://schemas.microsoft.com/office/powerpoint/2010/main" val="3422794572"/>
+        <p14:creationId xmlns:p14="http://schemas.microsoft.com/office/powerpoint/2010/main" val="2485845306"/>
       </p:ext>
     </p:extLst>
   </p:cSld>
@@ -10668,7 +10655,7 @@
           <p:cNvPr id="2" name="Title 1">
             <a:extLst>
               <a:ext uri="{FF2B5EF4-FFF2-40B4-BE49-F238E27FC236}">
-                <a16:creationId xmlns:a16="http://schemas.microsoft.com/office/drawing/2014/main" xmlns="" id="{60722DDD-2135-4551-96EE-E918499173BD}"/>
+                <a16:creationId xmlns:a16="http://schemas.microsoft.com/office/drawing/2014/main" id="{86913619-2901-4376-9615-B5180C0E830D}"/>
               </a:ext>
             </a:extLst>
           </p:cNvPr>
@@ -10682,16 +10669,18 @@
         <p:spPr>
           <a:xfrm>
             <a:off x="457200" y="274638"/>
-            <a:ext cx="8229600" cy="778098"/>
+            <a:ext cx="8229600" cy="706090"/>
           </a:xfrm>
         </p:spPr>
         <p:txBody>
-          <a:bodyPr/>
+          <a:bodyPr>
+            <a:normAutofit fontScale="90000"/>
+          </a:bodyPr>
           <a:lstStyle/>
           <a:p>
             <a:r>
               <a:rPr lang="en-IE" b="1" dirty="0"/>
-              <a:t>Arguments</a:t>
+              <a:t>Functions</a:t>
             </a:r>
             <a:endParaRPr lang="en-IE" dirty="0"/>
           </a:p>
@@ -10702,7 +10691,7 @@
           <p:cNvPr id="3" name="Content Placeholder 2">
             <a:extLst>
               <a:ext uri="{FF2B5EF4-FFF2-40B4-BE49-F238E27FC236}">
-                <a16:creationId xmlns:a16="http://schemas.microsoft.com/office/drawing/2014/main" xmlns="" id="{3FC7D1AE-589B-4D09-82A0-6C5530546851}"/>
+                <a16:creationId xmlns:a16="http://schemas.microsoft.com/office/drawing/2014/main" id="{05EE0742-C7EE-4693-A2F2-7AC7869867E0}"/>
               </a:ext>
             </a:extLst>
           </p:cNvPr>
@@ -10721,89 +10710,108 @@
         </p:spPr>
         <p:txBody>
           <a:bodyPr>
-            <a:normAutofit fontScale="92500" lnSpcReduction="10000"/>
+            <a:normAutofit fontScale="77500" lnSpcReduction="20000"/>
           </a:bodyPr>
           <a:lstStyle/>
           <a:p>
             <a:r>
               <a:rPr lang="en-US" dirty="0"/>
-              <a:t>All the function definitions we've looked at so far have been functions of zero arguments, which are called with empty parentheses. </a:t>
-            </a:r>
-            <a:br>
-              <a:rPr lang="en-US" dirty="0"/>
-            </a:br>
-            <a:r>
-              <a:rPr lang="en-US" dirty="0"/>
-              <a:t>However, most functions take arguments.</a:t>
-            </a:r>
-            <a:br>
-              <a:rPr lang="en-US" dirty="0"/>
-            </a:br>
-            <a:r>
-              <a:rPr lang="en-US" dirty="0"/>
-              <a:t>The example below defines a function that takes one argument:</a:t>
-            </a:r>
-          </a:p>
-          <a:p>
-            <a:pPr marL="0" indent="0">
-              <a:buNone/>
-            </a:pPr>
-            <a:r>
-              <a:rPr lang="en-US" dirty="0"/>
+              <a:t>In addition to using pre-defined functions, you can create your own functions by using the </a:t>
+            </a:r>
+            <a:r>
+              <a:rPr lang="en-US" b="1" dirty="0" err="1"/>
+              <a:t>def</a:t>
+            </a:r>
+            <a:r>
+              <a:rPr lang="en-US" dirty="0" err="1"/>
+              <a:t>statement</a:t>
+            </a:r>
+            <a:r>
+              <a:rPr lang="en-US" dirty="0"/>
+              <a:t>.</a:t>
+            </a:r>
+            <a:br>
+              <a:rPr lang="en-US" dirty="0"/>
+            </a:br>
+            <a:r>
+              <a:rPr lang="en-US" dirty="0"/>
+              <a:t>Here is an example of a function named </a:t>
+            </a:r>
+            <a:r>
+              <a:rPr lang="en-US" b="1" dirty="0" err="1"/>
+              <a:t>my_func</a:t>
+            </a:r>
+            <a:r>
+              <a:rPr lang="en-US" dirty="0"/>
+              <a:t>. It takes no arguments, and prints "spam" three times. It is defined, and then called. The statements in the function are executed only when the function is called.</a:t>
+            </a:r>
+          </a:p>
+          <a:p>
+            <a:r>
+              <a:rPr lang="en-US" dirty="0"/>
+              <a:t>You must define functions before they are called, in the same way that you must assign variables before using them.</a:t>
+            </a:r>
+          </a:p>
+          <a:p>
+            <a:pPr marL="0" indent="0">
+              <a:buNone/>
+            </a:pPr>
+            <a:r>
+              <a:rPr lang="en-IE" dirty="0" err="1"/>
+              <a:t>my_func</a:t>
+            </a:r>
+            <a:r>
+              <a:rPr lang="en-IE" dirty="0"/>
+              <a:t>()</a:t>
+            </a:r>
+          </a:p>
+          <a:p>
+            <a:pPr marL="0" indent="0">
+              <a:buNone/>
+            </a:pPr>
+            <a:endParaRPr lang="en-US" dirty="0"/>
+          </a:p>
+          <a:p>
+            <a:pPr marL="0" indent="0">
+              <a:buNone/>
+            </a:pPr>
+            <a:r>
+              <a:rPr lang="en-US" b="1" dirty="0"/>
               <a:t>def </a:t>
             </a:r>
             <a:r>
               <a:rPr lang="en-US" dirty="0" err="1"/>
-              <a:t>print_with_exclamation</a:t>
-            </a:r>
-            <a:r>
-              <a:rPr lang="en-US" dirty="0"/>
-              <a:t>(word):</a:t>
-            </a:r>
-            <a:br>
-              <a:rPr lang="en-US" dirty="0"/>
-            </a:br>
-            <a:r>
-              <a:rPr lang="en-US" dirty="0"/>
-              <a:t>       print(word + "!")</a:t>
-            </a:r>
-            <a:br>
-              <a:rPr lang="en-US" dirty="0"/>
-            </a:br>
-            <a:r>
-              <a:rPr lang="en-US" dirty="0"/>
-              <a:t/>
-            </a:r>
-            <a:br>
-              <a:rPr lang="en-US" dirty="0"/>
-            </a:br>
-            <a:r>
-              <a:rPr lang="en-US" dirty="0" err="1"/>
-              <a:t>print_with_exclamation</a:t>
-            </a:r>
-            <a:r>
-              <a:rPr lang="en-US" dirty="0"/>
-              <a:t>("spam")</a:t>
-            </a:r>
-            <a:br>
-              <a:rPr lang="en-US" dirty="0"/>
-            </a:br>
-            <a:r>
-              <a:rPr lang="en-US" dirty="0" err="1"/>
-              <a:t>print_with_exclamation</a:t>
-            </a:r>
-            <a:r>
-              <a:rPr lang="en-US" dirty="0"/>
-              <a:t>("python")</a:t>
-            </a:r>
-            <a:endParaRPr lang="en-IE" dirty="0"/>
+              <a:t>my_func</a:t>
+            </a:r>
+            <a:r>
+              <a:rPr lang="en-US" dirty="0"/>
+              <a:t>()</a:t>
+            </a:r>
+            <a:r>
+              <a:rPr lang="en-US" b="1" dirty="0"/>
+              <a:t>:</a:t>
+            </a:r>
+            <a:br>
+              <a:rPr lang="en-US" dirty="0"/>
+            </a:br>
+            <a:r>
+              <a:rPr lang="en-US" dirty="0"/>
+              <a:t>print("spam")</a:t>
+            </a:r>
+            <a:br>
+              <a:rPr lang="en-US" dirty="0"/>
+            </a:br>
+            <a:r>
+              <a:rPr lang="en-US" dirty="0"/>
+              <a:t>print("spam")</a:t>
+            </a:r>
           </a:p>
         </p:txBody>
       </p:sp>
     </p:spTree>
     <p:extLst>
       <p:ext uri="{BB962C8B-B14F-4D97-AF65-F5344CB8AC3E}">
-        <p14:creationId xmlns:p14="http://schemas.microsoft.com/office/powerpoint/2010/main" val="4010218238"/>
+        <p14:creationId xmlns:p14="http://schemas.microsoft.com/office/powerpoint/2010/main" val="3422794572"/>
       </p:ext>
     </p:extLst>
   </p:cSld>
@@ -10835,7 +10843,7 @@
           <p:cNvPr id="2" name="Title 1">
             <a:extLst>
               <a:ext uri="{FF2B5EF4-FFF2-40B4-BE49-F238E27FC236}">
-                <a16:creationId xmlns:a16="http://schemas.microsoft.com/office/drawing/2014/main" xmlns="" id="{55E22310-BD41-4DF2-8433-F516A34ECC85}"/>
+                <a16:creationId xmlns:a16="http://schemas.microsoft.com/office/drawing/2014/main" id="{4B4AB945-DA38-4C80-BFC7-2781728275E3}"/>
               </a:ext>
             </a:extLst>
           </p:cNvPr>
@@ -10849,7 +10857,7 @@
         <p:spPr>
           <a:xfrm>
             <a:off x="457200" y="274638"/>
-            <a:ext cx="8229600" cy="850106"/>
+            <a:ext cx="8229600" cy="778098"/>
           </a:xfrm>
         </p:spPr>
         <p:txBody>
@@ -10858,7 +10866,7 @@
           <a:p>
             <a:r>
               <a:rPr lang="en-IE" b="1" dirty="0"/>
-              <a:t>Arguments</a:t>
+              <a:t>Parameters, Unpacking, Variables</a:t>
             </a:r>
             <a:endParaRPr lang="en-IE" dirty="0"/>
           </a:p>
@@ -10869,7 +10877,7 @@
           <p:cNvPr id="3" name="Content Placeholder 2">
             <a:extLst>
               <a:ext uri="{FF2B5EF4-FFF2-40B4-BE49-F238E27FC236}">
-                <a16:creationId xmlns:a16="http://schemas.microsoft.com/office/drawing/2014/main" xmlns="" id="{D5356FFF-C7E2-41D3-A459-5D26E5DC3C70}"/>
+                <a16:creationId xmlns:a16="http://schemas.microsoft.com/office/drawing/2014/main" id="{EEB2BD22-B46C-4006-9F2C-9E23145DC92D}"/>
               </a:ext>
             </a:extLst>
           </p:cNvPr>
@@ -10882,8 +10890,8 @@
         </p:nvSpPr>
         <p:spPr>
           <a:xfrm>
-            <a:off x="457200" y="1196752"/>
-            <a:ext cx="8229600" cy="4929411"/>
+            <a:off x="457200" y="1268760"/>
+            <a:ext cx="8229600" cy="4857403"/>
           </a:xfrm>
         </p:spPr>
         <p:txBody>
@@ -10892,98 +10900,122 @@
           </a:bodyPr>
           <a:lstStyle/>
           <a:p>
-            <a:r>
-              <a:rPr lang="en-US" dirty="0"/>
-              <a:t>Function arguments can be used as variables inside the function definition. However, they cannot be referenced outside of the function's definition. This also applies to other variables created inside a function.</a:t>
-            </a:r>
-          </a:p>
-          <a:p>
-            <a:pPr marL="0" indent="0">
-              <a:buNone/>
-            </a:pPr>
-            <a:r>
-              <a:rPr lang="en-IE" dirty="0"/>
-              <a:t>def function(</a:t>
-            </a:r>
-            <a:r>
-              <a:rPr lang="en-IE" b="1" dirty="0"/>
-              <a:t>variable</a:t>
-            </a:r>
-            <a:r>
-              <a:rPr lang="en-IE" dirty="0"/>
-              <a:t>):</a:t>
-            </a:r>
-            <a:br>
-              <a:rPr lang="en-IE" dirty="0"/>
-            </a:br>
-            <a:r>
-              <a:rPr lang="en-IE" b="1" dirty="0"/>
-              <a:t>variable </a:t>
-            </a:r>
-            <a:r>
-              <a:rPr lang="en-IE" dirty="0"/>
-              <a:t>+= 1</a:t>
-            </a:r>
-            <a:br>
-              <a:rPr lang="en-IE" dirty="0"/>
-            </a:br>
-            <a:r>
-              <a:rPr lang="en-IE" dirty="0"/>
-              <a:t>print(</a:t>
-            </a:r>
-            <a:r>
-              <a:rPr lang="en-IE" b="1" dirty="0"/>
-              <a:t>variable</a:t>
-            </a:r>
-            <a:r>
-              <a:rPr lang="en-IE" dirty="0"/>
+            <a:pPr marL="0" indent="0">
+              <a:buNone/>
+            </a:pPr>
+            <a:r>
+              <a:rPr lang="en-US" dirty="0"/>
+              <a:t>The </a:t>
+            </a:r>
+            <a:r>
+              <a:rPr lang="en-US" dirty="0" err="1"/>
+              <a:t>argv</a:t>
+            </a:r>
+            <a:r>
+              <a:rPr lang="en-US" dirty="0"/>
+              <a:t> is the ”argument variable,” a very standard name in programming that you will find used in many other languages. This variable holds the arguments you pass to your Python script when you run it.</a:t>
+            </a:r>
+          </a:p>
+          <a:p>
+            <a:pPr marL="0" indent="0">
+              <a:buNone/>
+            </a:pPr>
+            <a:endParaRPr lang="en-US" dirty="0"/>
+          </a:p>
+          <a:p>
+            <a:pPr marL="0" indent="0">
+              <a:buNone/>
+            </a:pPr>
+            <a:r>
+              <a:rPr lang="en-US" dirty="0"/>
+              <a:t>from sys import </a:t>
+            </a:r>
+            <a:r>
+              <a:rPr lang="en-US" dirty="0" err="1"/>
+              <a:t>argv</a:t>
+            </a:r>
+            <a:endParaRPr lang="en-US" dirty="0"/>
+          </a:p>
+          <a:p>
+            <a:pPr marL="0" indent="0">
+              <a:buNone/>
+            </a:pPr>
+            <a:r>
+              <a:rPr lang="en-US" dirty="0"/>
+              <a:t>script, </a:t>
+            </a:r>
+            <a:r>
+              <a:rPr lang="en-US" dirty="0" err="1"/>
+              <a:t>first_arg</a:t>
+            </a:r>
+            <a:r>
+              <a:rPr lang="en-US" dirty="0"/>
+              <a:t>, </a:t>
+            </a:r>
+            <a:r>
+              <a:rPr lang="en-US" dirty="0" err="1"/>
+              <a:t>sec_arg</a:t>
+            </a:r>
+            <a:r>
+              <a:rPr lang="en-US" dirty="0"/>
+              <a:t> = </a:t>
+            </a:r>
+            <a:r>
+              <a:rPr lang="en-US" dirty="0" err="1"/>
+              <a:t>argv</a:t>
+            </a:r>
+            <a:endParaRPr lang="en-US" dirty="0"/>
+          </a:p>
+          <a:p>
+            <a:pPr marL="0" indent="0">
+              <a:buNone/>
+            </a:pPr>
+            <a:r>
+              <a:rPr lang="en-US" dirty="0"/>
+              <a:t>print ("The script is called:", script)</a:t>
+            </a:r>
+          </a:p>
+          <a:p>
+            <a:pPr marL="0" indent="0">
+              <a:buNone/>
+            </a:pPr>
+            <a:r>
+              <a:rPr lang="en-US" dirty="0"/>
+              <a:t>print ("The variable is:", </a:t>
+            </a:r>
+            <a:r>
+              <a:rPr lang="en-US" dirty="0" err="1"/>
+              <a:t>sec_arg</a:t>
+            </a:r>
+            <a:r>
+              <a:rPr lang="en-US" dirty="0"/>
               <a:t>)</a:t>
             </a:r>
-            <a:br>
-              <a:rPr lang="en-IE" dirty="0"/>
-            </a:br>
-            <a:r>
-              <a:rPr lang="en-IE" dirty="0"/>
-              <a:t/>
-            </a:r>
-            <a:br>
-              <a:rPr lang="en-IE" dirty="0"/>
-            </a:br>
-            <a:r>
-              <a:rPr lang="en-IE" dirty="0"/>
-              <a:t>function(7)</a:t>
-            </a:r>
-          </a:p>
-          <a:p>
-            <a:pPr marL="0" indent="0">
-              <a:buNone/>
-            </a:pPr>
-            <a:r>
-              <a:rPr lang="en-IE" dirty="0"/>
-              <a:t/>
-            </a:r>
-            <a:br>
-              <a:rPr lang="en-IE" dirty="0"/>
-            </a:br>
-            <a:r>
-              <a:rPr lang="en-IE" dirty="0"/>
-              <a:t>print(</a:t>
-            </a:r>
-            <a:r>
-              <a:rPr lang="en-IE" b="1" dirty="0"/>
-              <a:t>variable</a:t>
-            </a:r>
-            <a:r>
-              <a:rPr lang="en-IE" dirty="0"/>
+          </a:p>
+          <a:p>
+            <a:pPr marL="0" indent="0">
+              <a:buNone/>
+            </a:pPr>
+            <a:r>
+              <a:rPr lang="en-US" dirty="0"/>
+              <a:t>print ("The variable is:", </a:t>
+            </a:r>
+            <a:r>
+              <a:rPr lang="en-US" dirty="0" err="1"/>
+              <a:t>first_arg</a:t>
+            </a:r>
+            <a:r>
+              <a:rPr lang="en-US" dirty="0"/>
               <a:t>)</a:t>
             </a:r>
+            <a:endParaRPr lang="en-IE" dirty="0"/>
           </a:p>
         </p:txBody>
       </p:sp>
     </p:spTree>
     <p:extLst>
       <p:ext uri="{BB962C8B-B14F-4D97-AF65-F5344CB8AC3E}">
-        <p14:creationId xmlns:p14="http://schemas.microsoft.com/office/powerpoint/2010/main" val="1205518420"/>
+        <p14:creationId xmlns:p14="http://schemas.microsoft.com/office/powerpoint/2010/main" val="620033229"/>
       </p:ext>
     </p:extLst>
   </p:cSld>
@@ -11015,7 +11047,7 @@
           <p:cNvPr id="2" name="Title 1">
             <a:extLst>
               <a:ext uri="{FF2B5EF4-FFF2-40B4-BE49-F238E27FC236}">
-                <a16:creationId xmlns:a16="http://schemas.microsoft.com/office/drawing/2014/main" xmlns="" id="{BAB9035E-CB8A-448C-953E-D09357568F77}"/>
+                <a16:creationId xmlns:a16="http://schemas.microsoft.com/office/drawing/2014/main" id="{63A3456C-2A37-49F4-87E1-A3739360BA23}"/>
               </a:ext>
             </a:extLst>
           </p:cNvPr>
@@ -11029,18 +11061,16 @@
         <p:spPr>
           <a:xfrm>
             <a:off x="457200" y="274638"/>
-            <a:ext cx="8229600" cy="706090"/>
+            <a:ext cx="8229600" cy="778098"/>
           </a:xfrm>
         </p:spPr>
         <p:txBody>
-          <a:bodyPr>
-            <a:normAutofit fontScale="90000"/>
-          </a:bodyPr>
+          <a:bodyPr/>
           <a:lstStyle/>
           <a:p>
             <a:r>
               <a:rPr lang="en-IE" b="1" dirty="0"/>
-              <a:t>Arguments</a:t>
+              <a:t>Prompting and Passing</a:t>
             </a:r>
             <a:endParaRPr lang="en-IE" dirty="0"/>
           </a:p>
@@ -11051,7 +11081,7 @@
           <p:cNvPr id="3" name="Content Placeholder 2">
             <a:extLst>
               <a:ext uri="{FF2B5EF4-FFF2-40B4-BE49-F238E27FC236}">
-                <a16:creationId xmlns:a16="http://schemas.microsoft.com/office/drawing/2014/main" xmlns="" id="{57E60A61-A27B-4760-9506-267E6DC13906}"/>
+                <a16:creationId xmlns:a16="http://schemas.microsoft.com/office/drawing/2014/main" id="{09252B3B-93C4-4BE8-ACFD-496993F032DB}"/>
               </a:ext>
             </a:extLst>
           </p:cNvPr>
@@ -11064,59 +11094,130 @@
         </p:nvSpPr>
         <p:spPr>
           <a:xfrm>
-            <a:off x="457200" y="980728"/>
-            <a:ext cx="8229600" cy="5145435"/>
+            <a:off x="457200" y="1196752"/>
+            <a:ext cx="8229600" cy="4929411"/>
           </a:xfrm>
         </p:spPr>
         <p:txBody>
-          <a:bodyPr/>
-          <a:lstStyle/>
-          <a:p>
-            <a:r>
-              <a:rPr lang="en-US" dirty="0"/>
-              <a:t>You can also define functions with more than one argument; separate them with commas.</a:t>
-            </a:r>
-          </a:p>
+          <a:bodyPr vert="horz" lIns="91440" tIns="45720" rIns="91440" bIns="45720" rtlCol="0" anchor="t">
+            <a:normAutofit/>
+          </a:bodyPr>
+          <a:lstStyle/>
           <a:p>
             <a:pPr marL="0" indent="0">
               <a:buNone/>
             </a:pPr>
             <a:r>
               <a:rPr lang="en-IE" dirty="0"/>
-              <a:t>def </a:t>
+              <a:t>from sys import </a:t>
             </a:r>
             <a:r>
               <a:rPr lang="en-IE" dirty="0" err="1"/>
-              <a:t>print_sum_twice</a:t>
+              <a:t>argv</a:t>
+            </a:r>
+            <a:endParaRPr lang="en-IE" dirty="0"/>
+          </a:p>
+          <a:p>
+            <a:pPr marL="0" indent="0">
+              <a:buNone/>
+            </a:pPr>
+            <a:r>
+              <a:rPr lang="en-IE" dirty="0" err="1"/>
+              <a:t>pyfile</a:t>
             </a:r>
             <a:r>
               <a:rPr lang="en-IE" dirty="0"/>
-              <a:t>(x, y):</a:t>
-            </a:r>
-            <a:br>
+              <a:t> , </a:t>
+            </a:r>
+            <a:r>
+              <a:rPr lang="en-IE" dirty="0" err="1"/>
+              <a:t>tech_var</a:t>
+            </a:r>
+            <a:r>
               <a:rPr lang="en-IE" dirty="0"/>
-            </a:br>
+              <a:t> , language = </a:t>
+            </a:r>
+            <a:r>
+              <a:rPr lang="en-IE" dirty="0" err="1"/>
+              <a:t>argv</a:t>
+            </a:r>
+            <a:endParaRPr lang="en-IE" dirty="0"/>
+          </a:p>
+          <a:p>
+            <a:pPr marL="0" indent="0">
+              <a:buNone/>
+            </a:pPr>
             <a:r>
               <a:rPr lang="en-IE" dirty="0"/>
-              <a:t> print(x + y)</a:t>
-            </a:r>
-            <a:br>
+              <a:t>prompt = '&gt;'</a:t>
+            </a:r>
+          </a:p>
+          <a:p>
+            <a:pPr marL="0" indent="0">
+              <a:buNone/>
+            </a:pPr>
+            <a:endParaRPr lang="en-IE" dirty="0"/>
+          </a:p>
+          <a:p>
+            <a:pPr marL="0" indent="0">
+              <a:buNone/>
+            </a:pPr>
+            <a:r>
               <a:rPr lang="en-IE" dirty="0"/>
-            </a:br>
+              <a:t>print (</a:t>
+            </a:r>
+            <a:r>
+              <a:rPr lang="en-IE" dirty="0" err="1"/>
+              <a:t>f"Hi</a:t>
+            </a:r>
             <a:r>
               <a:rPr lang="en-IE" dirty="0"/>
-              <a:t> print(x + y)</a:t>
-            </a:r>
-            <a:br>
+              <a:t> {</a:t>
+            </a:r>
+            <a:r>
+              <a:rPr lang="en-IE" dirty="0" err="1"/>
+              <a:t>tech_var</a:t>
+            </a:r>
+            <a:r>
               <a:rPr lang="en-IE" dirty="0"/>
-            </a:br>
+              <a:t>}, I am the {</a:t>
+            </a:r>
             <a:r>
               <a:rPr lang="en-IE" dirty="0" err="1"/>
-              <a:t>print_sum_twice</a:t>
+              <a:t>pyfile</a:t>
             </a:r>
             <a:r>
               <a:rPr lang="en-IE" dirty="0"/>
-              <a:t>(5, 8)</a:t>
+              <a:t>}")</a:t>
+            </a:r>
+          </a:p>
+          <a:p>
+            <a:pPr marL="0" indent="0">
+              <a:buNone/>
+            </a:pPr>
+            <a:r>
+              <a:rPr lang="en-IE" dirty="0"/>
+              <a:t>pause = input(prompt)</a:t>
+            </a:r>
+            <a:endParaRPr lang="en-IE" dirty="0">
+              <a:cs typeface="Calibri"/>
+            </a:endParaRPr>
+          </a:p>
+          <a:p>
+            <a:pPr marL="0" indent="0">
+              <a:buNone/>
+            </a:pPr>
+            <a:r>
+              <a:rPr lang="en-IE" dirty="0"/>
+              <a:t>print (</a:t>
+            </a:r>
+            <a:r>
+              <a:rPr lang="en-IE" dirty="0" err="1"/>
+              <a:t>f"We</a:t>
+            </a:r>
+            <a:r>
+              <a:rPr lang="en-IE" dirty="0"/>
+              <a:t> are learning {language}")</a:t>
             </a:r>
           </a:p>
         </p:txBody>
@@ -11124,7 +11225,7 @@
     </p:spTree>
     <p:extLst>
       <p:ext uri="{BB962C8B-B14F-4D97-AF65-F5344CB8AC3E}">
-        <p14:creationId xmlns:p14="http://schemas.microsoft.com/office/powerpoint/2010/main" val="2324927933"/>
+        <p14:creationId xmlns:p14="http://schemas.microsoft.com/office/powerpoint/2010/main" val="655865920"/>
       </p:ext>
     </p:extLst>
   </p:cSld>
@@ -11156,7 +11257,7 @@
           <p:cNvPr id="2" name="Title 1">
             <a:extLst>
               <a:ext uri="{FF2B5EF4-FFF2-40B4-BE49-F238E27FC236}">
-                <a16:creationId xmlns:a16="http://schemas.microsoft.com/office/drawing/2014/main" xmlns="" id="{BA7B4C9D-1A58-4978-A3C5-550B29BCCF53}"/>
+                <a16:creationId xmlns:a16="http://schemas.microsoft.com/office/drawing/2014/main" id="{60722DDD-2135-4551-96EE-E918499173BD}"/>
               </a:ext>
             </a:extLst>
           </p:cNvPr>
@@ -11179,7 +11280,7 @@
           <a:p>
             <a:r>
               <a:rPr lang="en-IE" b="1" dirty="0"/>
-              <a:t>Returning from Functions</a:t>
+              <a:t>Arguments</a:t>
             </a:r>
             <a:endParaRPr lang="en-IE" dirty="0"/>
           </a:p>
@@ -11190,7 +11291,7 @@
           <p:cNvPr id="3" name="Content Placeholder 2">
             <a:extLst>
               <a:ext uri="{FF2B5EF4-FFF2-40B4-BE49-F238E27FC236}">
-                <a16:creationId xmlns:a16="http://schemas.microsoft.com/office/drawing/2014/main" xmlns="" id="{2CA9EA30-59B8-4F4A-A6DC-07EB587E99FF}"/>
+                <a16:creationId xmlns:a16="http://schemas.microsoft.com/office/drawing/2014/main" id="{3FC7D1AE-589B-4D09-82A0-6C5530546851}"/>
               </a:ext>
             </a:extLst>
           </p:cNvPr>
@@ -11203,135 +11304,82 @@
         </p:nvSpPr>
         <p:spPr>
           <a:xfrm>
-            <a:off x="457200" y="1124744"/>
-            <a:ext cx="8229600" cy="5001419"/>
+            <a:off x="457200" y="1052736"/>
+            <a:ext cx="8229600" cy="5073427"/>
           </a:xfrm>
         </p:spPr>
         <p:txBody>
           <a:bodyPr>
-            <a:normAutofit fontScale="92500" lnSpcReduction="20000"/>
+            <a:normAutofit fontScale="92500" lnSpcReduction="10000"/>
           </a:bodyPr>
           <a:lstStyle/>
           <a:p>
             <a:r>
               <a:rPr lang="en-US" dirty="0"/>
-              <a:t>Certain functions, such as </a:t>
-            </a:r>
-            <a:r>
-              <a:rPr lang="en-US" b="1" dirty="0" err="1"/>
-              <a:t>int</a:t>
-            </a:r>
-            <a:r>
-              <a:rPr lang="en-US" b="1" dirty="0"/>
-              <a:t> </a:t>
-            </a:r>
-            <a:r>
-              <a:rPr lang="en-US" dirty="0"/>
-              <a:t>or </a:t>
-            </a:r>
-            <a:r>
-              <a:rPr lang="en-US" b="1" dirty="0" err="1"/>
-              <a:t>str</a:t>
-            </a:r>
-            <a:r>
-              <a:rPr lang="en-US" dirty="0"/>
-              <a:t>, return a value that can be used later. </a:t>
-            </a:r>
-            <a:br>
-              <a:rPr lang="en-US" dirty="0"/>
-            </a:br>
-            <a:r>
-              <a:rPr lang="en-US" dirty="0"/>
-              <a:t>To do this for your defined functions, you can use the </a:t>
-            </a:r>
-            <a:r>
-              <a:rPr lang="en-US" b="1" dirty="0"/>
-              <a:t>return </a:t>
-            </a:r>
-            <a:r>
-              <a:rPr lang="en-US" dirty="0"/>
-              <a:t>statement.</a:t>
-            </a:r>
-          </a:p>
-          <a:p>
-            <a:pPr marL="0" indent="0">
-              <a:buNone/>
-            </a:pPr>
-            <a:r>
-              <a:rPr lang="en-US" dirty="0"/>
-              <a:t>def max(x, y):</a:t>
-            </a:r>
-            <a:br>
-              <a:rPr lang="en-US" dirty="0"/>
-            </a:br>
-            <a:r>
-              <a:rPr lang="en-US" dirty="0"/>
-              <a:t>   if x &gt;=y:</a:t>
-            </a:r>
-            <a:br>
-              <a:rPr lang="en-US" dirty="0"/>
-            </a:br>
-            <a:r>
-              <a:rPr lang="en-US" dirty="0"/>
-              <a:t>     </a:t>
-            </a:r>
-            <a:r>
-              <a:rPr lang="en-US" b="1" dirty="0"/>
-              <a:t>return </a:t>
-            </a:r>
-            <a:r>
-              <a:rPr lang="en-US" dirty="0"/>
-              <a:t>x</a:t>
-            </a:r>
-            <a:br>
-              <a:rPr lang="en-US" dirty="0"/>
-            </a:br>
-            <a:r>
-              <a:rPr lang="en-US" dirty="0"/>
-              <a:t>   else:</a:t>
-            </a:r>
-            <a:br>
-              <a:rPr lang="en-US" dirty="0"/>
-            </a:br>
-            <a:r>
-              <a:rPr lang="en-US" dirty="0"/>
-              <a:t>     </a:t>
-            </a:r>
-            <a:r>
-              <a:rPr lang="en-US" b="1" dirty="0"/>
-              <a:t>return </a:t>
-            </a:r>
-            <a:r>
-              <a:rPr lang="en-US" dirty="0"/>
-              <a:t>y</a:t>
-            </a:r>
-            <a:br>
-              <a:rPr lang="en-US" dirty="0"/>
-            </a:br>
-            <a:r>
-              <a:rPr lang="en-US" dirty="0"/>
-              <a:t/>
-            </a:r>
-            <a:br>
-              <a:rPr lang="en-US" dirty="0"/>
-            </a:br>
-            <a:r>
-              <a:rPr lang="en-US" dirty="0"/>
-              <a:t>print(max(4, 7))</a:t>
-            </a:r>
-            <a:br>
-              <a:rPr lang="en-US" dirty="0"/>
-            </a:br>
-            <a:r>
-              <a:rPr lang="en-US" dirty="0"/>
-              <a:t>z = max(8, 5)</a:t>
-            </a:r>
-            <a:br>
-              <a:rPr lang="en-US" dirty="0"/>
-            </a:br>
-            <a:r>
-              <a:rPr lang="en-US" dirty="0"/>
-              <a:t>print(z)</a:t>
+              <a:t>All the function definitions we've looked at so far have been functions of zero arguments, which are called with empty parentheses. </a:t>
+            </a:r>
+            <a:br>
+              <a:rPr lang="en-US" dirty="0"/>
+            </a:br>
+            <a:r>
+              <a:rPr lang="en-US" dirty="0"/>
+              <a:t>However, most functions take arguments.</a:t>
+            </a:r>
+            <a:br>
+              <a:rPr lang="en-US" dirty="0"/>
+            </a:br>
+            <a:r>
+              <a:rPr lang="en-US" dirty="0"/>
+              <a:t>The example below defines a function that takes one argument:</a:t>
+            </a:r>
+          </a:p>
+          <a:p>
+            <a:pPr marL="0" indent="0">
+              <a:buNone/>
+            </a:pPr>
+            <a:r>
+              <a:rPr lang="en-US" dirty="0"/>
+              <a:t>def </a:t>
+            </a:r>
+            <a:r>
+              <a:rPr lang="en-US" dirty="0" err="1"/>
+              <a:t>print_with_exclamation</a:t>
+            </a:r>
+            <a:r>
+              <a:rPr lang="en-US" dirty="0"/>
+              <a:t>(word):</a:t>
+            </a:r>
+            <a:br>
+              <a:rPr lang="en-US" dirty="0"/>
+            </a:br>
+            <a:r>
+              <a:rPr lang="en-US" dirty="0"/>
+              <a:t>       print(word + "!")</a:t>
+            </a:r>
+            <a:br>
+              <a:rPr lang="en-US" dirty="0"/>
+            </a:br>
+            <a:br>
+              <a:rPr lang="en-US" dirty="0"/>
+            </a:br>
+            <a:r>
+              <a:rPr lang="en-US" dirty="0" err="1"/>
+              <a:t>print_with_exclamation</a:t>
+            </a:r>
+            <a:r>
+              <a:rPr lang="en-US" dirty="0"/>
+              <a:t>("spam")</a:t>
+            </a:r>
+            <a:br>
+              <a:rPr lang="en-US" dirty="0"/>
+            </a:br>
+            <a:r>
+              <a:rPr lang="en-US" dirty="0" err="1"/>
+              <a:t>print_with_exclamation</a:t>
+            </a:r>
+            <a:r>
+              <a:rPr lang="en-US" dirty="0"/>
+              <a:t>("python")</a:t>
             </a:r>
             <a:endParaRPr lang="en-IE" dirty="0"/>
           </a:p>
@@ -11340,7 +11388,7 @@
     </p:spTree>
     <p:extLst>
       <p:ext uri="{BB962C8B-B14F-4D97-AF65-F5344CB8AC3E}">
-        <p14:creationId xmlns:p14="http://schemas.microsoft.com/office/powerpoint/2010/main" val="2793874950"/>
+        <p14:creationId xmlns:p14="http://schemas.microsoft.com/office/powerpoint/2010/main" val="4010218238"/>
       </p:ext>
     </p:extLst>
   </p:cSld>
@@ -11372,7 +11420,7 @@
           <p:cNvPr id="2" name="Title 1">
             <a:extLst>
               <a:ext uri="{FF2B5EF4-FFF2-40B4-BE49-F238E27FC236}">
-                <a16:creationId xmlns:a16="http://schemas.microsoft.com/office/drawing/2014/main" xmlns="" id="{B204AF8A-4252-433B-8FDA-5F4F6248A804}"/>
+                <a16:creationId xmlns:a16="http://schemas.microsoft.com/office/drawing/2014/main" id="{55E22310-BD41-4DF2-8433-F516A34ECC85}"/>
               </a:ext>
             </a:extLst>
           </p:cNvPr>
@@ -11386,7 +11434,7 @@
         <p:spPr>
           <a:xfrm>
             <a:off x="457200" y="274638"/>
-            <a:ext cx="8229600" cy="778098"/>
+            <a:ext cx="8229600" cy="850106"/>
           </a:xfrm>
         </p:spPr>
         <p:txBody>
@@ -11395,7 +11443,7 @@
           <a:p>
             <a:r>
               <a:rPr lang="en-IE" b="1" dirty="0"/>
-              <a:t>Returning from Functions</a:t>
+              <a:t>Arguments</a:t>
             </a:r>
             <a:endParaRPr lang="en-IE" dirty="0"/>
           </a:p>
@@ -11406,7 +11454,7 @@
           <p:cNvPr id="3" name="Content Placeholder 2">
             <a:extLst>
               <a:ext uri="{FF2B5EF4-FFF2-40B4-BE49-F238E27FC236}">
-                <a16:creationId xmlns:a16="http://schemas.microsoft.com/office/drawing/2014/main" xmlns="" id="{C61AD874-308B-4703-B0A5-89D154438941}"/>
+                <a16:creationId xmlns:a16="http://schemas.microsoft.com/office/drawing/2014/main" id="{D5356FFF-C7E2-41D3-A459-5D26E5DC3C70}"/>
               </a:ext>
             </a:extLst>
           </p:cNvPr>
@@ -11419,102 +11467,81 @@
         </p:nvSpPr>
         <p:spPr>
           <a:xfrm>
-            <a:off x="457200" y="1052736"/>
-            <a:ext cx="8229600" cy="5073427"/>
+            <a:off x="457200" y="1196752"/>
+            <a:ext cx="8229600" cy="4929411"/>
           </a:xfrm>
         </p:spPr>
         <p:txBody>
           <a:bodyPr>
-            <a:normAutofit lnSpcReduction="10000"/>
+            <a:normAutofit fontScale="92500" lnSpcReduction="20000"/>
           </a:bodyPr>
           <a:lstStyle/>
           <a:p>
             <a:r>
               <a:rPr lang="en-US" dirty="0"/>
-              <a:t>Once you return a value from a function, it immediately stops being executed. Any code after the </a:t>
-            </a:r>
-            <a:r>
-              <a:rPr lang="en-US" b="1" dirty="0"/>
-              <a:t>return </a:t>
-            </a:r>
-            <a:r>
-              <a:rPr lang="en-US" dirty="0"/>
-              <a:t>statement will never happen.</a:t>
-            </a:r>
-          </a:p>
-          <a:p>
-            <a:pPr marL="0" indent="0">
-              <a:buNone/>
-            </a:pPr>
-            <a:endParaRPr lang="en-US" dirty="0"/>
-          </a:p>
-          <a:p>
-            <a:pPr marL="0" indent="0">
-              <a:buNone/>
-            </a:pPr>
-            <a:r>
-              <a:rPr lang="en-US" dirty="0"/>
-              <a:t>def </a:t>
-            </a:r>
-            <a:r>
-              <a:rPr lang="en-US" dirty="0" err="1"/>
-              <a:t>add_numbers</a:t>
-            </a:r>
-            <a:r>
-              <a:rPr lang="en-US" dirty="0"/>
-              <a:t>(x, y):</a:t>
-            </a:r>
-            <a:br>
-              <a:rPr lang="en-US" dirty="0"/>
-            </a:br>
-            <a:r>
-              <a:rPr lang="en-US" dirty="0"/>
-              <a:t>  total = x + y</a:t>
-            </a:r>
-            <a:br>
-              <a:rPr lang="en-US" dirty="0"/>
-            </a:br>
-            <a:r>
-              <a:rPr lang="en-US" dirty="0"/>
-              <a:t>  </a:t>
-            </a:r>
-            <a:r>
-              <a:rPr lang="en-US" b="1" dirty="0"/>
-              <a:t>return </a:t>
-            </a:r>
-            <a:r>
-              <a:rPr lang="en-US" dirty="0"/>
-              <a:t>total</a:t>
-            </a:r>
-            <a:br>
-              <a:rPr lang="en-US" dirty="0"/>
-            </a:br>
-            <a:r>
-              <a:rPr lang="en-US" dirty="0"/>
-              <a:t>  print("This won't be printed")</a:t>
-            </a:r>
-            <a:br>
-              <a:rPr lang="en-US" dirty="0"/>
-            </a:br>
-            <a:r>
-              <a:rPr lang="en-US" dirty="0"/>
-              <a:t/>
-            </a:r>
-            <a:br>
-              <a:rPr lang="en-US" dirty="0"/>
-            </a:br>
-            <a:r>
-              <a:rPr lang="en-US" dirty="0"/>
+              <a:t>Function arguments can be used as variables inside the function definition. However, they cannot be referenced outside of the function's definition. This also applies to other variables created inside a function.</a:t>
+            </a:r>
+          </a:p>
+          <a:p>
+            <a:pPr marL="0" indent="0">
+              <a:buNone/>
+            </a:pPr>
+            <a:r>
+              <a:rPr lang="en-IE" dirty="0"/>
+              <a:t>def function(</a:t>
+            </a:r>
+            <a:r>
+              <a:rPr lang="en-IE" b="1" dirty="0"/>
+              <a:t>variable</a:t>
+            </a:r>
+            <a:r>
+              <a:rPr lang="en-IE" dirty="0"/>
+              <a:t>):</a:t>
+            </a:r>
+            <a:br>
+              <a:rPr lang="en-IE" dirty="0"/>
+            </a:br>
+            <a:r>
+              <a:rPr lang="en-IE" b="1" dirty="0"/>
+              <a:t>variable </a:t>
+            </a:r>
+            <a:r>
+              <a:rPr lang="en-IE" dirty="0"/>
+              <a:t>+= 1</a:t>
+            </a:r>
+            <a:br>
+              <a:rPr lang="en-IE" dirty="0"/>
+            </a:br>
+            <a:r>
+              <a:rPr lang="en-IE" dirty="0"/>
               <a:t>print(</a:t>
             </a:r>
             <a:r>
-              <a:rPr lang="en-US" dirty="0" err="1"/>
-              <a:t>add_numbers</a:t>
-            </a:r>
-            <a:r>
-              <a:rPr lang="en-US" dirty="0"/>
-              <a:t>(4, 5))</a:t>
-            </a:r>
+              <a:rPr lang="en-IE" b="1" dirty="0"/>
+              <a:t>variable</a:t>
+            </a:r>
+            <a:r>
+              <a:rPr lang="en-IE" dirty="0"/>
+              <a:t>)</a:t>
+            </a:r>
+            <a:br>
+              <a:rPr lang="en-IE" dirty="0"/>
+            </a:br>
+            <a:br>
+              <a:rPr lang="en-IE" dirty="0"/>
+            </a:br>
+            <a:r>
+              <a:rPr lang="en-IE" dirty="0"/>
+              <a:t>function(7)</a:t>
+            </a:r>
+          </a:p>
+          <a:p>
+            <a:pPr marL="0" indent="0">
+              <a:buNone/>
+            </a:pPr>
+            <a:br>
+              <a:rPr lang="en-IE"/>
+            </a:br>
             <a:endParaRPr lang="en-IE" dirty="0"/>
           </a:p>
         </p:txBody>
@@ -11522,7 +11549,7 @@
     </p:spTree>
     <p:extLst>
       <p:ext uri="{BB962C8B-B14F-4D97-AF65-F5344CB8AC3E}">
-        <p14:creationId xmlns:p14="http://schemas.microsoft.com/office/powerpoint/2010/main" val="387632236"/>
+        <p14:creationId xmlns:p14="http://schemas.microsoft.com/office/powerpoint/2010/main" val="1205518420"/>
       </p:ext>
     </p:extLst>
   </p:cSld>
@@ -11696,7 +11723,7 @@
           <p:cNvPr id="2" name="Title 1">
             <a:extLst>
               <a:ext uri="{FF2B5EF4-FFF2-40B4-BE49-F238E27FC236}">
-                <a16:creationId xmlns:a16="http://schemas.microsoft.com/office/drawing/2014/main" xmlns="" id="{CEE0A2EA-7835-4EEE-8CC6-F51B3D7AA73A}"/>
+                <a16:creationId xmlns:a16="http://schemas.microsoft.com/office/drawing/2014/main" id="{BAB9035E-CB8A-448C-953E-D09357568F77}"/>
               </a:ext>
             </a:extLst>
           </p:cNvPr>
@@ -11710,16 +11737,18 @@
         <p:spPr>
           <a:xfrm>
             <a:off x="457200" y="274638"/>
-            <a:ext cx="8229600" cy="778098"/>
+            <a:ext cx="8229600" cy="706090"/>
           </a:xfrm>
         </p:spPr>
         <p:txBody>
-          <a:bodyPr/>
+          <a:bodyPr>
+            <a:normAutofit fontScale="90000"/>
+          </a:bodyPr>
           <a:lstStyle/>
           <a:p>
             <a:r>
               <a:rPr lang="en-IE" b="1" dirty="0"/>
-              <a:t>Docstrings</a:t>
+              <a:t>Arguments</a:t>
             </a:r>
             <a:endParaRPr lang="en-IE" dirty="0"/>
           </a:p>
@@ -11730,7 +11759,7 @@
           <p:cNvPr id="3" name="Content Placeholder 2">
             <a:extLst>
               <a:ext uri="{FF2B5EF4-FFF2-40B4-BE49-F238E27FC236}">
-                <a16:creationId xmlns:a16="http://schemas.microsoft.com/office/drawing/2014/main" xmlns="" id="{BA32B933-42CB-4D2A-8628-DDB36FB6CECB}"/>
+                <a16:creationId xmlns:a16="http://schemas.microsoft.com/office/drawing/2014/main" id="{57E60A61-A27B-4760-9506-267E6DC13906}"/>
               </a:ext>
             </a:extLst>
           </p:cNvPr>
@@ -11743,108 +11772,67 @@
         </p:nvSpPr>
         <p:spPr>
           <a:xfrm>
-            <a:off x="457200" y="1124744"/>
-            <a:ext cx="8229600" cy="5001419"/>
+            <a:off x="457200" y="980728"/>
+            <a:ext cx="8229600" cy="5145435"/>
           </a:xfrm>
         </p:spPr>
         <p:txBody>
-          <a:bodyPr>
-            <a:normAutofit fontScale="85000" lnSpcReduction="20000"/>
-          </a:bodyPr>
-          <a:lstStyle/>
-          <a:p>
-            <a:r>
-              <a:rPr lang="en-US" b="1" dirty="0"/>
-              <a:t>Docstrings</a:t>
-            </a:r>
-            <a:r>
-              <a:rPr lang="en-US" dirty="0"/>
-              <a:t> (documentation strings) serve a similar purpose to comments, as they are designed to explain code. They are created by putting a multiline string containing an explanation of the function below the </a:t>
-            </a:r>
-            <a:r>
-              <a:rPr lang="en-US" b="1" dirty="0"/>
-              <a:t>function's first line</a:t>
-            </a:r>
-            <a:r>
-              <a:rPr lang="en-US" dirty="0"/>
-              <a:t>.</a:t>
-            </a:r>
-          </a:p>
-          <a:p>
-            <a:pPr marL="0" indent="0">
-              <a:buNone/>
-            </a:pPr>
-            <a:r>
-              <a:rPr lang="en-US" u="sng" dirty="0"/>
-              <a:t>def</a:t>
-            </a:r>
-            <a:r>
-              <a:rPr lang="en-US" dirty="0"/>
-              <a:t> shout(word):</a:t>
-            </a:r>
-            <a:br>
-              <a:rPr lang="en-US" dirty="0"/>
-            </a:br>
-            <a:r>
-              <a:rPr lang="en-US" dirty="0"/>
-              <a:t>  </a:t>
-            </a:r>
-            <a:r>
-              <a:rPr lang="en-US" b="1" dirty="0"/>
-              <a:t>"""</a:t>
-            </a:r>
-            <a:br>
-              <a:rPr lang="en-US" b="1" dirty="0"/>
-            </a:br>
-            <a:r>
-              <a:rPr lang="en-US" b="1" dirty="0"/>
-              <a:t>  Line1</a:t>
-            </a:r>
-            <a:br>
-              <a:rPr lang="en-US" b="1" dirty="0"/>
-            </a:br>
-            <a:r>
-              <a:rPr lang="en-US" b="1" dirty="0"/>
-              <a:t>  Line2</a:t>
-            </a:r>
-            <a:br>
-              <a:rPr lang="en-US" b="1" dirty="0"/>
-            </a:br>
-            <a:r>
-              <a:rPr lang="en-US" b="1" dirty="0"/>
-              <a:t>  ""“</a:t>
-            </a:r>
-          </a:p>
-          <a:p>
-            <a:pPr marL="0" indent="0">
-              <a:buNone/>
-            </a:pPr>
-            <a:r>
-              <a:rPr lang="en-US" dirty="0"/>
-              <a:t> print(word + "!")</a:t>
-            </a:r>
-            <a:br>
-              <a:rPr lang="en-US" dirty="0"/>
-            </a:br>
-            <a:r>
-              <a:rPr lang="en-US" dirty="0"/>
-              <a:t/>
-            </a:r>
-            <a:br>
-              <a:rPr lang="en-US" dirty="0"/>
-            </a:br>
-            <a:r>
-              <a:rPr lang="en-US" dirty="0"/>
-              <a:t>shout("spam")</a:t>
-            </a:r>
-            <a:endParaRPr lang="en-IE" dirty="0"/>
+          <a:bodyPr/>
+          <a:lstStyle/>
+          <a:p>
+            <a:r>
+              <a:rPr lang="en-US" dirty="0"/>
+              <a:t>You can also define functions with more than one argument; separate them with commas.</a:t>
+            </a:r>
+          </a:p>
+          <a:p>
+            <a:pPr marL="0" indent="0">
+              <a:buNone/>
+            </a:pPr>
+            <a:r>
+              <a:rPr lang="en-IE" dirty="0"/>
+              <a:t>def </a:t>
+            </a:r>
+            <a:r>
+              <a:rPr lang="en-IE" dirty="0" err="1"/>
+              <a:t>print_sum_twice</a:t>
+            </a:r>
+            <a:r>
+              <a:rPr lang="en-IE" dirty="0"/>
+              <a:t>(x, y):</a:t>
+            </a:r>
+            <a:br>
+              <a:rPr lang="en-IE" dirty="0"/>
+            </a:br>
+            <a:r>
+              <a:rPr lang="en-IE" dirty="0"/>
+              <a:t> print(x + y)</a:t>
+            </a:r>
+            <a:br>
+              <a:rPr lang="en-IE" dirty="0"/>
+            </a:br>
+            <a:r>
+              <a:rPr lang="en-IE" dirty="0"/>
+              <a:t> print(x + y)</a:t>
+            </a:r>
+            <a:br>
+              <a:rPr lang="en-IE" dirty="0"/>
+            </a:br>
+            <a:r>
+              <a:rPr lang="en-IE" dirty="0" err="1"/>
+              <a:t>print_sum_twice</a:t>
+            </a:r>
+            <a:r>
+              <a:rPr lang="en-IE" dirty="0"/>
+              <a:t>(5, 8)</a:t>
+            </a:r>
           </a:p>
         </p:txBody>
       </p:sp>
     </p:spTree>
     <p:extLst>
       <p:ext uri="{BB962C8B-B14F-4D97-AF65-F5344CB8AC3E}">
-        <p14:creationId xmlns:p14="http://schemas.microsoft.com/office/powerpoint/2010/main" val="3865860450"/>
+        <p14:creationId xmlns:p14="http://schemas.microsoft.com/office/powerpoint/2010/main" val="2324927933"/>
       </p:ext>
     </p:extLst>
   </p:cSld>
@@ -11876,7 +11864,7 @@
           <p:cNvPr id="2" name="Title 1">
             <a:extLst>
               <a:ext uri="{FF2B5EF4-FFF2-40B4-BE49-F238E27FC236}">
-                <a16:creationId xmlns:a16="http://schemas.microsoft.com/office/drawing/2014/main" xmlns="" id="{C4D7F48C-EB14-45C6-AC1E-64B31FEE45DA}"/>
+                <a16:creationId xmlns:a16="http://schemas.microsoft.com/office/drawing/2014/main" id="{BA7B4C9D-1A58-4978-A3C5-550B29BCCF53}"/>
               </a:ext>
             </a:extLst>
           </p:cNvPr>
@@ -11898,9 +11886,10 @@
           <a:lstStyle/>
           <a:p>
             <a:r>
-              <a:rPr lang="en-IE" dirty="0"/>
-              <a:t>Functions as Objects</a:t>
-            </a:r>
+              <a:rPr lang="en-IE" b="1" dirty="0"/>
+              <a:t>Returning from Functions</a:t>
+            </a:r>
+            <a:endParaRPr lang="en-IE" dirty="0"/>
           </a:p>
         </p:txBody>
       </p:sp>
@@ -11909,7 +11898,7 @@
           <p:cNvPr id="3" name="Content Placeholder 2">
             <a:extLst>
               <a:ext uri="{FF2B5EF4-FFF2-40B4-BE49-F238E27FC236}">
-                <a16:creationId xmlns:a16="http://schemas.microsoft.com/office/drawing/2014/main" xmlns="" id="{34E7EF68-0F63-4FBE-A1A1-5EB97628B922}"/>
+                <a16:creationId xmlns:a16="http://schemas.microsoft.com/office/drawing/2014/main" id="{2CA9EA30-59B8-4F4A-A6DC-07EB587E99FF}"/>
               </a:ext>
             </a:extLst>
           </p:cNvPr>
@@ -11922,8 +11911,8 @@
         </p:nvSpPr>
         <p:spPr>
           <a:xfrm>
-            <a:off x="457200" y="1196752"/>
-            <a:ext cx="8229600" cy="4929411"/>
+            <a:off x="457200" y="1124744"/>
+            <a:ext cx="8229600" cy="5001419"/>
           </a:xfrm>
         </p:spPr>
         <p:txBody>
@@ -11934,85 +11923,119 @@
           <a:p>
             <a:r>
               <a:rPr lang="en-US" dirty="0"/>
-              <a:t>Although they are created differently from normal variables, </a:t>
+              <a:t>Certain functions, such as </a:t>
+            </a:r>
+            <a:r>
+              <a:rPr lang="en-US" b="1" dirty="0" err="1"/>
+              <a:t>int</a:t>
             </a:r>
             <a:r>
               <a:rPr lang="en-US" b="1" dirty="0"/>
-              <a:t>functions </a:t>
-            </a:r>
-            <a:r>
-              <a:rPr lang="en-US" dirty="0"/>
-              <a:t>are just like any other kind of value. </a:t>
-            </a:r>
-            <a:br>
-              <a:rPr lang="en-US" dirty="0"/>
-            </a:br>
-            <a:r>
-              <a:rPr lang="en-US" dirty="0"/>
-              <a:t>They can be assigned and reassigned to variables, and later referenced by those names.</a:t>
-            </a:r>
-          </a:p>
-          <a:p>
-            <a:pPr marL="0" indent="0">
-              <a:buNone/>
-            </a:pPr>
-            <a:r>
-              <a:rPr lang="en-US" dirty="0"/>
-              <a:t>def multiply(x, y):</a:t>
-            </a:r>
-            <a:br>
-              <a:rPr lang="en-US" dirty="0"/>
-            </a:br>
-            <a:r>
-              <a:rPr lang="en-US" dirty="0"/>
-              <a:t>  return x * y</a:t>
-            </a:r>
-            <a:br>
-              <a:rPr lang="en-US" dirty="0"/>
-            </a:br>
-            <a:r>
-              <a:rPr lang="en-US" dirty="0"/>
-              <a:t/>
-            </a:r>
-            <a:br>
-              <a:rPr lang="en-US" dirty="0"/>
-            </a:br>
-            <a:r>
-              <a:rPr lang="en-US" dirty="0"/>
-              <a:t>a = 4</a:t>
-            </a:r>
-            <a:br>
-              <a:rPr lang="en-US" dirty="0"/>
-            </a:br>
-            <a:r>
-              <a:rPr lang="en-US" dirty="0"/>
-              <a:t>b = 7</a:t>
-            </a:r>
-            <a:br>
-              <a:rPr lang="en-US" dirty="0"/>
-            </a:br>
+              <a:t> </a:t>
+            </a:r>
+            <a:r>
+              <a:rPr lang="en-US" dirty="0"/>
+              <a:t>or </a:t>
+            </a:r>
+            <a:r>
+              <a:rPr lang="en-US" b="1" dirty="0" err="1"/>
+              <a:t>str</a:t>
+            </a:r>
+            <a:r>
+              <a:rPr lang="en-US" dirty="0"/>
+              <a:t>, return a value that can be used later. </a:t>
+            </a:r>
+            <a:br>
+              <a:rPr lang="en-US" dirty="0"/>
+            </a:br>
+            <a:r>
+              <a:rPr lang="en-US" dirty="0"/>
+              <a:t>To do this for your defined functions, you can use the </a:t>
+            </a:r>
             <a:r>
               <a:rPr lang="en-US" b="1" dirty="0"/>
-              <a:t>operation = multiply</a:t>
-            </a:r>
-            <a:r>
-              <a:rPr lang="en-US" dirty="0"/>
-              <a:t/>
-            </a:r>
-            <a:br>
-              <a:rPr lang="en-US" dirty="0"/>
-            </a:br>
-            <a:r>
-              <a:rPr lang="en-US" dirty="0"/>
-              <a:t>print(</a:t>
+              <a:t>return </a:t>
+            </a:r>
+            <a:r>
+              <a:rPr lang="en-US" dirty="0"/>
+              <a:t>statement.</a:t>
+            </a:r>
+          </a:p>
+          <a:p>
+            <a:pPr marL="0" indent="0">
+              <a:buNone/>
+            </a:pPr>
+            <a:r>
+              <a:rPr lang="en-US" dirty="0"/>
+              <a:t>def max(x, y):</a:t>
+            </a:r>
+            <a:br>
+              <a:rPr lang="en-US" dirty="0"/>
+            </a:br>
+            <a:r>
+              <a:rPr lang="en-US" dirty="0"/>
+              <a:t>   if x &gt;=y:</a:t>
+            </a:r>
+            <a:br>
+              <a:rPr lang="en-US" dirty="0"/>
+            </a:br>
+            <a:r>
+              <a:rPr lang="en-US" dirty="0"/>
+              <a:t>     </a:t>
             </a:r>
             <a:r>
               <a:rPr lang="en-US" b="1" dirty="0"/>
-              <a:t>operation</a:t>
-            </a:r>
-            <a:r>
-              <a:rPr lang="en-US" dirty="0"/>
-              <a:t>(a, b))</a:t>
+              <a:t>return </a:t>
+            </a:r>
+            <a:r>
+              <a:rPr lang="en-US" dirty="0"/>
+              <a:t>x</a:t>
+            </a:r>
+            <a:br>
+              <a:rPr lang="en-US" dirty="0"/>
+            </a:br>
+            <a:r>
+              <a:rPr lang="en-US" dirty="0"/>
+              <a:t>   else:</a:t>
+            </a:r>
+            <a:br>
+              <a:rPr lang="en-US" dirty="0"/>
+            </a:br>
+            <a:r>
+              <a:rPr lang="en-US" dirty="0"/>
+              <a:t>     </a:t>
+            </a:r>
+            <a:r>
+              <a:rPr lang="en-US" b="1" dirty="0"/>
+              <a:t>return </a:t>
+            </a:r>
+            <a:r>
+              <a:rPr lang="en-US" dirty="0"/>
+              <a:t>y</a:t>
+            </a:r>
+            <a:br>
+              <a:rPr lang="en-US" dirty="0"/>
+            </a:br>
+            <a:br>
+              <a:rPr lang="en-US" dirty="0"/>
+            </a:br>
+            <a:r>
+              <a:rPr lang="en-US" dirty="0"/>
+              <a:t>print(max(4, 7))</a:t>
+            </a:r>
+            <a:br>
+              <a:rPr lang="en-US" dirty="0"/>
+            </a:br>
+            <a:r>
+              <a:rPr lang="en-US" dirty="0"/>
+              <a:t>z = max(8, 5)</a:t>
+            </a:r>
+            <a:br>
+              <a:rPr lang="en-US" dirty="0"/>
+            </a:br>
+            <a:r>
+              <a:rPr lang="en-US" dirty="0"/>
+              <a:t>print(z)</a:t>
             </a:r>
             <a:endParaRPr lang="en-IE" dirty="0"/>
           </a:p>
@@ -12021,7 +12044,7 @@
     </p:spTree>
     <p:extLst>
       <p:ext uri="{BB962C8B-B14F-4D97-AF65-F5344CB8AC3E}">
-        <p14:creationId xmlns:p14="http://schemas.microsoft.com/office/powerpoint/2010/main" val="2475323163"/>
+        <p14:creationId xmlns:p14="http://schemas.microsoft.com/office/powerpoint/2010/main" val="2793874950"/>
       </p:ext>
     </p:extLst>
   </p:cSld>
@@ -12053,7 +12076,7 @@
           <p:cNvPr id="2" name="Title 1">
             <a:extLst>
               <a:ext uri="{FF2B5EF4-FFF2-40B4-BE49-F238E27FC236}">
-                <a16:creationId xmlns:a16="http://schemas.microsoft.com/office/drawing/2014/main" xmlns="" id="{98D7B585-4BD9-4DB7-883F-D8872D6A0D14}"/>
+                <a16:creationId xmlns:a16="http://schemas.microsoft.com/office/drawing/2014/main" id="{B204AF8A-4252-433B-8FDA-5F4F6248A804}"/>
               </a:ext>
             </a:extLst>
           </p:cNvPr>
@@ -12067,7 +12090,7 @@
         <p:spPr>
           <a:xfrm>
             <a:off x="457200" y="274638"/>
-            <a:ext cx="8229600" cy="850106"/>
+            <a:ext cx="8229600" cy="778098"/>
           </a:xfrm>
         </p:spPr>
         <p:txBody>
@@ -12075,9 +12098,10 @@
           <a:lstStyle/>
           <a:p>
             <a:r>
-              <a:rPr lang="en-IE" dirty="0"/>
-              <a:t>Functions as Objects</a:t>
-            </a:r>
+              <a:rPr lang="en-IE" b="1" dirty="0"/>
+              <a:t>Returning from Functions</a:t>
+            </a:r>
+            <a:endParaRPr lang="en-IE" dirty="0"/>
           </a:p>
         </p:txBody>
       </p:sp>
@@ -12086,7 +12110,7 @@
           <p:cNvPr id="3" name="Content Placeholder 2">
             <a:extLst>
               <a:ext uri="{FF2B5EF4-FFF2-40B4-BE49-F238E27FC236}">
-                <a16:creationId xmlns:a16="http://schemas.microsoft.com/office/drawing/2014/main" xmlns="" id="{994E9D02-A1ED-456B-97B5-2EA2B8C2730B}"/>
+                <a16:creationId xmlns:a16="http://schemas.microsoft.com/office/drawing/2014/main" id="{C61AD874-308B-4703-B0A5-89D154438941}"/>
               </a:ext>
             </a:extLst>
           </p:cNvPr>
@@ -12099,27 +12123,27 @@
         </p:nvSpPr>
         <p:spPr>
           <a:xfrm>
-            <a:off x="457200" y="1124744"/>
-            <a:ext cx="8229600" cy="5001419"/>
+            <a:off x="457200" y="1052736"/>
+            <a:ext cx="8229600" cy="5073427"/>
           </a:xfrm>
         </p:spPr>
         <p:txBody>
           <a:bodyPr>
-            <a:normAutofit fontScale="85000" lnSpcReduction="20000"/>
+            <a:normAutofit lnSpcReduction="10000"/>
           </a:bodyPr>
           <a:lstStyle/>
           <a:p>
             <a:r>
               <a:rPr lang="en-US" dirty="0"/>
-              <a:t>Functions can also be used as </a:t>
+              <a:t>Once you return a value from a function, it immediately stops being executed. Any code after the </a:t>
             </a:r>
             <a:r>
               <a:rPr lang="en-US" b="1" dirty="0"/>
-              <a:t>arguments </a:t>
-            </a:r>
-            <a:r>
-              <a:rPr lang="en-US" dirty="0"/>
-              <a:t>of other functions.</a:t>
+              <a:t>return </a:t>
+            </a:r>
+            <a:r>
+              <a:rPr lang="en-US" dirty="0"/>
+              <a:t>statement will never happen.</a:t>
             </a:r>
           </a:p>
           <a:p>
@@ -12134,104 +12158,48 @@
             </a:pPr>
             <a:r>
               <a:rPr lang="en-US" dirty="0"/>
-              <a:t>def add(x, y):</a:t>
-            </a:r>
-            <a:br>
-              <a:rPr lang="en-US" dirty="0"/>
-            </a:br>
-            <a:r>
-              <a:rPr lang="en-US" dirty="0"/>
-              <a:t> return x + y</a:t>
-            </a:r>
-            <a:br>
-              <a:rPr lang="en-US" dirty="0"/>
-            </a:br>
-            <a:r>
-              <a:rPr lang="en-US" dirty="0"/>
-              <a:t/>
-            </a:r>
-            <a:br>
-              <a:rPr lang="en-US" dirty="0"/>
-            </a:br>
-            <a:r>
-              <a:rPr lang="en-US" dirty="0"/>
               <a:t>def </a:t>
             </a:r>
             <a:r>
               <a:rPr lang="en-US" dirty="0" err="1"/>
-              <a:t>do_twice</a:t>
-            </a:r>
-            <a:r>
-              <a:rPr lang="en-US" dirty="0"/>
-              <a:t>(</a:t>
-            </a:r>
-            <a:r>
-              <a:rPr lang="en-US" b="1" dirty="0" err="1"/>
-              <a:t>func</a:t>
-            </a:r>
-            <a:r>
-              <a:rPr lang="en-US" dirty="0"/>
-              <a:t>, x, y):</a:t>
-            </a:r>
-            <a:br>
-              <a:rPr lang="en-US" dirty="0"/>
-            </a:br>
-            <a:r>
-              <a:rPr lang="en-US" dirty="0"/>
-              <a:t> return </a:t>
-            </a:r>
-            <a:r>
-              <a:rPr lang="en-US" b="1" dirty="0" err="1"/>
-              <a:t>func</a:t>
-            </a:r>
-            <a:r>
-              <a:rPr lang="en-US" dirty="0"/>
-              <a:t>(</a:t>
-            </a:r>
-            <a:r>
-              <a:rPr lang="en-US" b="1" dirty="0" err="1"/>
-              <a:t>func</a:t>
-            </a:r>
-            <a:r>
-              <a:rPr lang="en-US" dirty="0"/>
-              <a:t>(x, y), </a:t>
-            </a:r>
-            <a:r>
-              <a:rPr lang="en-US" b="1" dirty="0" err="1"/>
-              <a:t>func</a:t>
-            </a:r>
-            <a:r>
-              <a:rPr lang="en-US" dirty="0"/>
-              <a:t>(x, y))</a:t>
-            </a:r>
-            <a:br>
-              <a:rPr lang="en-US" dirty="0"/>
-            </a:br>
-            <a:r>
-              <a:rPr lang="en-US" dirty="0"/>
-              <a:t/>
-            </a:r>
-            <a:br>
-              <a:rPr lang="en-US" dirty="0"/>
-            </a:br>
-            <a:r>
-              <a:rPr lang="en-US" dirty="0"/>
-              <a:t>a = 5</a:t>
-            </a:r>
-            <a:br>
-              <a:rPr lang="en-US" dirty="0"/>
-            </a:br>
-            <a:r>
-              <a:rPr lang="en-US" dirty="0"/>
-              <a:t>b = 10</a:t>
-            </a:r>
-            <a:br>
-              <a:rPr lang="en-US" dirty="0"/>
-            </a:br>
-            <a:r>
-              <a:rPr lang="en-US" dirty="0"/>
-              <a:t/>
-            </a:r>
+              <a:t>add_numbers</a:t>
+            </a:r>
+            <a:r>
+              <a:rPr lang="en-US" dirty="0"/>
+              <a:t>(x, y):</a:t>
+            </a:r>
+            <a:br>
+              <a:rPr lang="en-US" dirty="0"/>
+            </a:br>
+            <a:r>
+              <a:rPr lang="en-US" dirty="0"/>
+              <a:t>  total = x + y</a:t>
+            </a:r>
+            <a:br>
+              <a:rPr lang="en-US" dirty="0"/>
+            </a:br>
+            <a:r>
+              <a:rPr lang="en-US" dirty="0"/>
+              <a:t>  </a:t>
+            </a:r>
+            <a:r>
+              <a:rPr lang="en-US" b="1" dirty="0"/>
+              <a:t>return </a:t>
+            </a:r>
+            <a:r>
+              <a:rPr lang="en-US" dirty="0"/>
+              <a:t>total</a:t>
+            </a:r>
+            <a:br>
+              <a:rPr lang="en-US" dirty="0"/>
+            </a:br>
+            <a:r>
+              <a:rPr lang="en-US" dirty="0"/>
+              <a:t>  print("This won't be printed")</a:t>
+            </a:r>
+            <a:br>
+              <a:rPr lang="en-US" dirty="0"/>
+            </a:br>
             <a:br>
               <a:rPr lang="en-US" dirty="0"/>
             </a:br>
@@ -12241,19 +12209,11 @@
             </a:r>
             <a:r>
               <a:rPr lang="en-US" dirty="0" err="1"/>
-              <a:t>do_twice</a:t>
-            </a:r>
-            <a:r>
-              <a:rPr lang="en-US" dirty="0"/>
-              <a:t>(</a:t>
-            </a:r>
-            <a:r>
-              <a:rPr lang="en-US" b="1" dirty="0"/>
-              <a:t>add</a:t>
-            </a:r>
-            <a:r>
-              <a:rPr lang="en-US" dirty="0"/>
-              <a:t>, a, b))</a:t>
+              <a:t>add_numbers</a:t>
+            </a:r>
+            <a:r>
+              <a:rPr lang="en-US" dirty="0"/>
+              <a:t>(4, 5))</a:t>
             </a:r>
             <a:endParaRPr lang="en-IE" dirty="0"/>
           </a:p>
@@ -12262,7 +12222,7 @@
     </p:spTree>
     <p:extLst>
       <p:ext uri="{BB962C8B-B14F-4D97-AF65-F5344CB8AC3E}">
-        <p14:creationId xmlns:p14="http://schemas.microsoft.com/office/powerpoint/2010/main" val="595750060"/>
+        <p14:creationId xmlns:p14="http://schemas.microsoft.com/office/powerpoint/2010/main" val="387632236"/>
       </p:ext>
     </p:extLst>
   </p:cSld>
@@ -12291,7 +12251,13 @@
       </p:grpSpPr>
       <p:sp>
         <p:nvSpPr>
-          <p:cNvPr id="2" name="标题 1"/>
+          <p:cNvPr id="2" name="Title 1">
+            <a:extLst>
+              <a:ext uri="{FF2B5EF4-FFF2-40B4-BE49-F238E27FC236}">
+                <a16:creationId xmlns:a16="http://schemas.microsoft.com/office/drawing/2014/main" id="{CEE0A2EA-7835-4EEE-8CC6-F51B3D7AA73A}"/>
+              </a:ext>
+            </a:extLst>
+          </p:cNvPr>
           <p:cNvSpPr>
             <a:spLocks noGrp="1"/>
           </p:cNvSpPr>
@@ -12310,16 +12276,983 @@
           <a:lstStyle/>
           <a:p>
             <a:r>
-              <a:rPr lang="en-US" altLang="zh-CN" b="1" dirty="0"/>
-              <a:t>Modules</a:t>
-            </a:r>
-            <a:endParaRPr lang="zh-CN" altLang="en-US" dirty="0"/>
-          </a:p>
-        </p:txBody>
-      </p:sp>
-      <p:sp>
-        <p:nvSpPr>
-          <p:cNvPr id="3" name="内容占位符 2"/>
+              <a:rPr lang="en-IE" b="1" dirty="0"/>
+              <a:t>Docstrings</a:t>
+            </a:r>
+            <a:endParaRPr lang="en-IE" dirty="0"/>
+          </a:p>
+        </p:txBody>
+      </p:sp>
+      <p:sp>
+        <p:nvSpPr>
+          <p:cNvPr id="3" name="Content Placeholder 2">
+            <a:extLst>
+              <a:ext uri="{FF2B5EF4-FFF2-40B4-BE49-F238E27FC236}">
+                <a16:creationId xmlns:a16="http://schemas.microsoft.com/office/drawing/2014/main" id="{BA32B933-42CB-4D2A-8628-DDB36FB6CECB}"/>
+              </a:ext>
+            </a:extLst>
+          </p:cNvPr>
+          <p:cNvSpPr>
+            <a:spLocks noGrp="1"/>
+          </p:cNvSpPr>
+          <p:nvPr>
+            <p:ph idx="1"/>
+          </p:nvPr>
+        </p:nvSpPr>
+        <p:spPr>
+          <a:xfrm>
+            <a:off x="457200" y="1124744"/>
+            <a:ext cx="8229600" cy="5001419"/>
+          </a:xfrm>
+        </p:spPr>
+        <p:txBody>
+          <a:bodyPr>
+            <a:normAutofit fontScale="85000" lnSpcReduction="20000"/>
+          </a:bodyPr>
+          <a:lstStyle/>
+          <a:p>
+            <a:r>
+              <a:rPr lang="en-US" b="1" dirty="0"/>
+              <a:t>Docstrings</a:t>
+            </a:r>
+            <a:r>
+              <a:rPr lang="en-US" dirty="0"/>
+              <a:t> (documentation strings) serve a similar purpose to comments, as they are designed to explain code. They are created by putting a multiline string containing an explanation of the function below the </a:t>
+            </a:r>
+            <a:r>
+              <a:rPr lang="en-US" b="1" dirty="0"/>
+              <a:t>function's first line</a:t>
+            </a:r>
+            <a:r>
+              <a:rPr lang="en-US" dirty="0"/>
+              <a:t>.</a:t>
+            </a:r>
+          </a:p>
+          <a:p>
+            <a:pPr marL="0" indent="0">
+              <a:buNone/>
+            </a:pPr>
+            <a:r>
+              <a:rPr lang="en-US" u="sng" dirty="0"/>
+              <a:t>def</a:t>
+            </a:r>
+            <a:r>
+              <a:rPr lang="en-US" dirty="0"/>
+              <a:t> shout(word):</a:t>
+            </a:r>
+            <a:br>
+              <a:rPr lang="en-US" dirty="0"/>
+            </a:br>
+            <a:r>
+              <a:rPr lang="en-US" dirty="0"/>
+              <a:t>  </a:t>
+            </a:r>
+            <a:r>
+              <a:rPr lang="en-US" b="1" dirty="0"/>
+              <a:t>"""</a:t>
+            </a:r>
+            <a:br>
+              <a:rPr lang="en-US" b="1" dirty="0"/>
+            </a:br>
+            <a:r>
+              <a:rPr lang="en-US" b="1" dirty="0"/>
+              <a:t>  Line1</a:t>
+            </a:r>
+            <a:br>
+              <a:rPr lang="en-US" b="1" dirty="0"/>
+            </a:br>
+            <a:r>
+              <a:rPr lang="en-US" b="1" dirty="0"/>
+              <a:t>  Line2</a:t>
+            </a:r>
+            <a:br>
+              <a:rPr lang="en-US" b="1" dirty="0"/>
+            </a:br>
+            <a:r>
+              <a:rPr lang="en-US" b="1" dirty="0"/>
+              <a:t>  ""“</a:t>
+            </a:r>
+          </a:p>
+          <a:p>
+            <a:pPr marL="0" indent="0">
+              <a:buNone/>
+            </a:pPr>
+            <a:r>
+              <a:rPr lang="en-US" dirty="0"/>
+              <a:t> print(word + "!")</a:t>
+            </a:r>
+            <a:br>
+              <a:rPr lang="en-US" dirty="0"/>
+            </a:br>
+            <a:br>
+              <a:rPr lang="en-US" dirty="0"/>
+            </a:br>
+            <a:r>
+              <a:rPr lang="en-US" dirty="0"/>
+              <a:t>shout("spam")</a:t>
+            </a:r>
+            <a:endParaRPr lang="en-IE" dirty="0"/>
+          </a:p>
+        </p:txBody>
+      </p:sp>
+    </p:spTree>
+    <p:extLst>
+      <p:ext uri="{BB962C8B-B14F-4D97-AF65-F5344CB8AC3E}">
+        <p14:creationId xmlns:p14="http://schemas.microsoft.com/office/powerpoint/2010/main" val="3865860450"/>
+      </p:ext>
+    </p:extLst>
+  </p:cSld>
+  <p:clrMapOvr>
+    <a:masterClrMapping/>
+  </p:clrMapOvr>
+</p:sld>
+</file>
+
+<file path=ppt/slides/slide54.xml><?xml version="1.0" encoding="utf-8"?>
+<p:sld xmlns:a="http://schemas.openxmlformats.org/drawingml/2006/main" xmlns:r="http://schemas.openxmlformats.org/officeDocument/2006/relationships" xmlns:p="http://schemas.openxmlformats.org/presentationml/2006/main">
+  <p:cSld>
+    <p:spTree>
+      <p:nvGrpSpPr>
+        <p:cNvPr id="1" name=""/>
+        <p:cNvGrpSpPr/>
+        <p:nvPr/>
+      </p:nvGrpSpPr>
+      <p:grpSpPr>
+        <a:xfrm>
+          <a:off x="0" y="0"/>
+          <a:ext cx="0" cy="0"/>
+          <a:chOff x="0" y="0"/>
+          <a:chExt cx="0" cy="0"/>
+        </a:xfrm>
+      </p:grpSpPr>
+      <p:sp>
+        <p:nvSpPr>
+          <p:cNvPr id="2" name="Title 1">
+            <a:extLst>
+              <a:ext uri="{FF2B5EF4-FFF2-40B4-BE49-F238E27FC236}">
+                <a16:creationId xmlns:a16="http://schemas.microsoft.com/office/drawing/2014/main" id="{C4D7F48C-EB14-45C6-AC1E-64B31FEE45DA}"/>
+              </a:ext>
+            </a:extLst>
+          </p:cNvPr>
+          <p:cNvSpPr>
+            <a:spLocks noGrp="1"/>
+          </p:cNvSpPr>
+          <p:nvPr>
+            <p:ph type="title"/>
+          </p:nvPr>
+        </p:nvSpPr>
+        <p:spPr>
+          <a:xfrm>
+            <a:off x="457200" y="274638"/>
+            <a:ext cx="8229600" cy="778098"/>
+          </a:xfrm>
+        </p:spPr>
+        <p:txBody>
+          <a:bodyPr/>
+          <a:lstStyle/>
+          <a:p>
+            <a:r>
+              <a:rPr lang="en-IE" dirty="0"/>
+              <a:t>Functions as Objects</a:t>
+            </a:r>
+          </a:p>
+        </p:txBody>
+      </p:sp>
+      <p:sp>
+        <p:nvSpPr>
+          <p:cNvPr id="3" name="Content Placeholder 2">
+            <a:extLst>
+              <a:ext uri="{FF2B5EF4-FFF2-40B4-BE49-F238E27FC236}">
+                <a16:creationId xmlns:a16="http://schemas.microsoft.com/office/drawing/2014/main" id="{34E7EF68-0F63-4FBE-A1A1-5EB97628B922}"/>
+              </a:ext>
+            </a:extLst>
+          </p:cNvPr>
+          <p:cNvSpPr>
+            <a:spLocks noGrp="1"/>
+          </p:cNvSpPr>
+          <p:nvPr>
+            <p:ph idx="1"/>
+          </p:nvPr>
+        </p:nvSpPr>
+        <p:spPr>
+          <a:xfrm>
+            <a:off x="457200" y="1196752"/>
+            <a:ext cx="8229600" cy="4929411"/>
+          </a:xfrm>
+        </p:spPr>
+        <p:txBody>
+          <a:bodyPr>
+            <a:normAutofit fontScale="92500" lnSpcReduction="20000"/>
+          </a:bodyPr>
+          <a:lstStyle/>
+          <a:p>
+            <a:r>
+              <a:rPr lang="en-US" dirty="0"/>
+              <a:t>Although they are created differently from normal variables, </a:t>
+            </a:r>
+            <a:r>
+              <a:rPr lang="en-US" b="1" dirty="0"/>
+              <a:t>functions </a:t>
+            </a:r>
+            <a:r>
+              <a:rPr lang="en-US" dirty="0"/>
+              <a:t>are just like any other kind of value. </a:t>
+            </a:r>
+            <a:br>
+              <a:rPr lang="en-US" dirty="0"/>
+            </a:br>
+            <a:r>
+              <a:rPr lang="en-US" dirty="0"/>
+              <a:t>They can be assigned and reassigned to variables, and later referenced by those names.</a:t>
+            </a:r>
+          </a:p>
+          <a:p>
+            <a:pPr marL="0" indent="0">
+              <a:buNone/>
+            </a:pPr>
+            <a:r>
+              <a:rPr lang="en-US" dirty="0"/>
+              <a:t>def multiply(x, y):</a:t>
+            </a:r>
+            <a:br>
+              <a:rPr lang="en-US" dirty="0"/>
+            </a:br>
+            <a:r>
+              <a:rPr lang="en-US" dirty="0"/>
+              <a:t>  return x * y</a:t>
+            </a:r>
+            <a:br>
+              <a:rPr lang="en-US" dirty="0"/>
+            </a:br>
+            <a:br>
+              <a:rPr lang="en-US" dirty="0"/>
+            </a:br>
+            <a:r>
+              <a:rPr lang="en-US" dirty="0"/>
+              <a:t>a = 4</a:t>
+            </a:r>
+            <a:br>
+              <a:rPr lang="en-US" dirty="0"/>
+            </a:br>
+            <a:r>
+              <a:rPr lang="en-US" dirty="0"/>
+              <a:t>b = 7</a:t>
+            </a:r>
+            <a:br>
+              <a:rPr lang="en-US" dirty="0"/>
+            </a:br>
+            <a:r>
+              <a:rPr lang="en-US" b="1" dirty="0"/>
+              <a:t>operation = multiply</a:t>
+            </a:r>
+            <a:br>
+              <a:rPr lang="en-US" dirty="0"/>
+            </a:br>
+            <a:r>
+              <a:rPr lang="en-US" dirty="0"/>
+              <a:t>print(</a:t>
+            </a:r>
+            <a:r>
+              <a:rPr lang="en-US" b="1" dirty="0"/>
+              <a:t>operation</a:t>
+            </a:r>
+            <a:r>
+              <a:rPr lang="en-US" dirty="0"/>
+              <a:t>(a, b))</a:t>
+            </a:r>
+            <a:endParaRPr lang="en-IE" dirty="0"/>
+          </a:p>
+        </p:txBody>
+      </p:sp>
+    </p:spTree>
+    <p:extLst>
+      <p:ext uri="{BB962C8B-B14F-4D97-AF65-F5344CB8AC3E}">
+        <p14:creationId xmlns:p14="http://schemas.microsoft.com/office/powerpoint/2010/main" val="2475323163"/>
+      </p:ext>
+    </p:extLst>
+  </p:cSld>
+  <p:clrMapOvr>
+    <a:masterClrMapping/>
+  </p:clrMapOvr>
+</p:sld>
+</file>
+
+<file path=ppt/slides/slide55.xml><?xml version="1.0" encoding="utf-8"?>
+<p:sld xmlns:a="http://schemas.openxmlformats.org/drawingml/2006/main" xmlns:r="http://schemas.openxmlformats.org/officeDocument/2006/relationships" xmlns:p="http://schemas.openxmlformats.org/presentationml/2006/main">
+  <p:cSld>
+    <p:spTree>
+      <p:nvGrpSpPr>
+        <p:cNvPr id="1" name=""/>
+        <p:cNvGrpSpPr/>
+        <p:nvPr/>
+      </p:nvGrpSpPr>
+      <p:grpSpPr>
+        <a:xfrm>
+          <a:off x="0" y="0"/>
+          <a:ext cx="0" cy="0"/>
+          <a:chOff x="0" y="0"/>
+          <a:chExt cx="0" cy="0"/>
+        </a:xfrm>
+      </p:grpSpPr>
+      <p:sp>
+        <p:nvSpPr>
+          <p:cNvPr id="2" name="Title 1">
+            <a:extLst>
+              <a:ext uri="{FF2B5EF4-FFF2-40B4-BE49-F238E27FC236}">
+                <a16:creationId xmlns:a16="http://schemas.microsoft.com/office/drawing/2014/main" id="{98D7B585-4BD9-4DB7-883F-D8872D6A0D14}"/>
+              </a:ext>
+            </a:extLst>
+          </p:cNvPr>
+          <p:cNvSpPr>
+            <a:spLocks noGrp="1"/>
+          </p:cNvSpPr>
+          <p:nvPr>
+            <p:ph type="title"/>
+          </p:nvPr>
+        </p:nvSpPr>
+        <p:spPr>
+          <a:xfrm>
+            <a:off x="457200" y="274638"/>
+            <a:ext cx="8229600" cy="850106"/>
+          </a:xfrm>
+        </p:spPr>
+        <p:txBody>
+          <a:bodyPr/>
+          <a:lstStyle/>
+          <a:p>
+            <a:r>
+              <a:rPr lang="en-IE" dirty="0"/>
+              <a:t>Functions as Objects</a:t>
+            </a:r>
+          </a:p>
+        </p:txBody>
+      </p:sp>
+      <p:sp>
+        <p:nvSpPr>
+          <p:cNvPr id="3" name="Content Placeholder 2">
+            <a:extLst>
+              <a:ext uri="{FF2B5EF4-FFF2-40B4-BE49-F238E27FC236}">
+                <a16:creationId xmlns:a16="http://schemas.microsoft.com/office/drawing/2014/main" id="{994E9D02-A1ED-456B-97B5-2EA2B8C2730B}"/>
+              </a:ext>
+            </a:extLst>
+          </p:cNvPr>
+          <p:cNvSpPr>
+            <a:spLocks noGrp="1"/>
+          </p:cNvSpPr>
+          <p:nvPr>
+            <p:ph idx="1"/>
+          </p:nvPr>
+        </p:nvSpPr>
+        <p:spPr>
+          <a:xfrm>
+            <a:off x="457200" y="1124744"/>
+            <a:ext cx="8229600" cy="5001419"/>
+          </a:xfrm>
+        </p:spPr>
+        <p:txBody>
+          <a:bodyPr>
+            <a:normAutofit fontScale="85000" lnSpcReduction="20000"/>
+          </a:bodyPr>
+          <a:lstStyle/>
+          <a:p>
+            <a:r>
+              <a:rPr lang="en-US" dirty="0"/>
+              <a:t>Functions can also be used as </a:t>
+            </a:r>
+            <a:r>
+              <a:rPr lang="en-US" b="1" dirty="0"/>
+              <a:t>arguments </a:t>
+            </a:r>
+            <a:r>
+              <a:rPr lang="en-US" dirty="0"/>
+              <a:t>of other functions.</a:t>
+            </a:r>
+          </a:p>
+          <a:p>
+            <a:pPr marL="0" indent="0">
+              <a:buNone/>
+            </a:pPr>
+            <a:endParaRPr lang="en-US" dirty="0"/>
+          </a:p>
+          <a:p>
+            <a:pPr marL="0" indent="0">
+              <a:buNone/>
+            </a:pPr>
+            <a:r>
+              <a:rPr lang="en-US" dirty="0"/>
+              <a:t>def add(x, y):</a:t>
+            </a:r>
+            <a:br>
+              <a:rPr lang="en-US" dirty="0"/>
+            </a:br>
+            <a:r>
+              <a:rPr lang="en-US" dirty="0"/>
+              <a:t> return x + y</a:t>
+            </a:r>
+            <a:br>
+              <a:rPr lang="en-US" dirty="0"/>
+            </a:br>
+            <a:br>
+              <a:rPr lang="en-US" dirty="0"/>
+            </a:br>
+            <a:r>
+              <a:rPr lang="en-US" dirty="0"/>
+              <a:t>def </a:t>
+            </a:r>
+            <a:r>
+              <a:rPr lang="en-US" dirty="0" err="1"/>
+              <a:t>do_twice</a:t>
+            </a:r>
+            <a:r>
+              <a:rPr lang="en-US" dirty="0"/>
+              <a:t>(</a:t>
+            </a:r>
+            <a:r>
+              <a:rPr lang="en-US" b="1" dirty="0" err="1"/>
+              <a:t>func</a:t>
+            </a:r>
+            <a:r>
+              <a:rPr lang="en-US" dirty="0"/>
+              <a:t>, x, y):</a:t>
+            </a:r>
+            <a:br>
+              <a:rPr lang="en-US" dirty="0"/>
+            </a:br>
+            <a:r>
+              <a:rPr lang="en-US" dirty="0"/>
+              <a:t> return </a:t>
+            </a:r>
+            <a:r>
+              <a:rPr lang="en-US" b="1" dirty="0" err="1"/>
+              <a:t>func</a:t>
+            </a:r>
+            <a:r>
+              <a:rPr lang="en-US" dirty="0"/>
+              <a:t>(</a:t>
+            </a:r>
+            <a:r>
+              <a:rPr lang="en-US" b="1" dirty="0" err="1"/>
+              <a:t>func</a:t>
+            </a:r>
+            <a:r>
+              <a:rPr lang="en-US" dirty="0"/>
+              <a:t>(x, y), </a:t>
+            </a:r>
+            <a:r>
+              <a:rPr lang="en-US" b="1" dirty="0" err="1"/>
+              <a:t>func</a:t>
+            </a:r>
+            <a:r>
+              <a:rPr lang="en-US" dirty="0"/>
+              <a:t>(x, y))</a:t>
+            </a:r>
+            <a:br>
+              <a:rPr lang="en-US" dirty="0"/>
+            </a:br>
+            <a:br>
+              <a:rPr lang="en-US" dirty="0"/>
+            </a:br>
+            <a:r>
+              <a:rPr lang="en-US" dirty="0"/>
+              <a:t>a = 5</a:t>
+            </a:r>
+            <a:br>
+              <a:rPr lang="en-US" dirty="0"/>
+            </a:br>
+            <a:r>
+              <a:rPr lang="en-US" dirty="0"/>
+              <a:t>b = 10</a:t>
+            </a:r>
+            <a:br>
+              <a:rPr lang="en-US" dirty="0"/>
+            </a:br>
+            <a:br>
+              <a:rPr lang="en-US" dirty="0"/>
+            </a:br>
+            <a:r>
+              <a:rPr lang="en-US" dirty="0"/>
+              <a:t>print(</a:t>
+            </a:r>
+            <a:r>
+              <a:rPr lang="en-US" dirty="0" err="1"/>
+              <a:t>do_twice</a:t>
+            </a:r>
+            <a:r>
+              <a:rPr lang="en-US" dirty="0"/>
+              <a:t>(</a:t>
+            </a:r>
+            <a:r>
+              <a:rPr lang="en-US" b="1" dirty="0"/>
+              <a:t>add</a:t>
+            </a:r>
+            <a:r>
+              <a:rPr lang="en-US" dirty="0"/>
+              <a:t>, a, b))</a:t>
+            </a:r>
+            <a:endParaRPr lang="en-IE" dirty="0"/>
+          </a:p>
+        </p:txBody>
+      </p:sp>
+    </p:spTree>
+    <p:extLst>
+      <p:ext uri="{BB962C8B-B14F-4D97-AF65-F5344CB8AC3E}">
+        <p14:creationId xmlns:p14="http://schemas.microsoft.com/office/powerpoint/2010/main" val="595750060"/>
+      </p:ext>
+    </p:extLst>
+  </p:cSld>
+  <p:clrMapOvr>
+    <a:masterClrMapping/>
+  </p:clrMapOvr>
+</p:sld>
+</file>
+
+<file path=ppt/slides/slide56.xml><?xml version="1.0" encoding="utf-8"?>
+<p:sld xmlns:a="http://schemas.openxmlformats.org/drawingml/2006/main" xmlns:r="http://schemas.openxmlformats.org/officeDocument/2006/relationships" xmlns:p="http://schemas.openxmlformats.org/presentationml/2006/main">
+  <p:cSld>
+    <p:spTree>
+      <p:nvGrpSpPr>
+        <p:cNvPr id="1" name=""/>
+        <p:cNvGrpSpPr/>
+        <p:nvPr/>
+      </p:nvGrpSpPr>
+      <p:grpSpPr>
+        <a:xfrm>
+          <a:off x="0" y="0"/>
+          <a:ext cx="0" cy="0"/>
+          <a:chOff x="0" y="0"/>
+          <a:chExt cx="0" cy="0"/>
+        </a:xfrm>
+      </p:grpSpPr>
+      <p:sp>
+        <p:nvSpPr>
+          <p:cNvPr id="2" name="Title 1">
+            <a:extLst>
+              <a:ext uri="{FF2B5EF4-FFF2-40B4-BE49-F238E27FC236}">
+                <a16:creationId xmlns:a16="http://schemas.microsoft.com/office/drawing/2014/main" id="{DDBE399D-7C51-464E-8192-EF92BC8FB25E}"/>
+              </a:ext>
+            </a:extLst>
+          </p:cNvPr>
+          <p:cNvSpPr>
+            <a:spLocks noGrp="1"/>
+          </p:cNvSpPr>
+          <p:nvPr>
+            <p:ph type="title"/>
+          </p:nvPr>
+        </p:nvSpPr>
+        <p:spPr>
+          <a:xfrm>
+            <a:off x="457200" y="274638"/>
+            <a:ext cx="8229600" cy="850106"/>
+          </a:xfrm>
+        </p:spPr>
+        <p:txBody>
+          <a:bodyPr/>
+          <a:lstStyle/>
+          <a:p>
+            <a:r>
+              <a:rPr lang="en-IE" b="1" dirty="0"/>
+              <a:t>Functional Programming</a:t>
+            </a:r>
+            <a:endParaRPr lang="en-IE" dirty="0"/>
+          </a:p>
+        </p:txBody>
+      </p:sp>
+      <p:sp>
+        <p:nvSpPr>
+          <p:cNvPr id="3" name="Content Placeholder 2">
+            <a:extLst>
+              <a:ext uri="{FF2B5EF4-FFF2-40B4-BE49-F238E27FC236}">
+                <a16:creationId xmlns:a16="http://schemas.microsoft.com/office/drawing/2014/main" id="{3D4C23C5-6F8E-43BF-A33F-13EC6296D384}"/>
+              </a:ext>
+            </a:extLst>
+          </p:cNvPr>
+          <p:cNvSpPr>
+            <a:spLocks noGrp="1"/>
+          </p:cNvSpPr>
+          <p:nvPr>
+            <p:ph idx="1"/>
+          </p:nvPr>
+        </p:nvSpPr>
+        <p:spPr>
+          <a:xfrm>
+            <a:off x="457200" y="1268760"/>
+            <a:ext cx="8229600" cy="4857403"/>
+          </a:xfrm>
+        </p:spPr>
+        <p:txBody>
+          <a:bodyPr>
+            <a:normAutofit fontScale="85000" lnSpcReduction="20000"/>
+          </a:bodyPr>
+          <a:lstStyle/>
+          <a:p>
+            <a:r>
+              <a:rPr lang="en-US" b="1" dirty="0"/>
+              <a:t>Functional programming</a:t>
+            </a:r>
+            <a:r>
+              <a:rPr lang="en-US" dirty="0"/>
+              <a:t> is a style of programming that (as the name suggests) is based around functions. </a:t>
+            </a:r>
+            <a:br>
+              <a:rPr lang="en-US" dirty="0"/>
+            </a:br>
+            <a:r>
+              <a:rPr lang="en-US" dirty="0"/>
+              <a:t>A key part of functional programming is </a:t>
+            </a:r>
+            <a:r>
+              <a:rPr lang="en-US" b="1" dirty="0"/>
+              <a:t>higher-order functions</a:t>
+            </a:r>
+            <a:r>
+              <a:rPr lang="en-US" dirty="0"/>
+              <a:t>. We have seen this idea briefly in the previous lesson on functions as objects. Higher-order functions take other functions as arguments, or return them as results.</a:t>
+            </a:r>
+          </a:p>
+          <a:p>
+            <a:pPr marL="0" indent="0">
+              <a:buNone/>
+            </a:pPr>
+            <a:r>
+              <a:rPr lang="en-US" dirty="0"/>
+              <a:t>def </a:t>
+            </a:r>
+            <a:r>
+              <a:rPr lang="en-US" dirty="0" err="1"/>
+              <a:t>apply_twice</a:t>
+            </a:r>
+            <a:r>
+              <a:rPr lang="en-US" dirty="0"/>
+              <a:t>(</a:t>
+            </a:r>
+            <a:r>
+              <a:rPr lang="en-US" dirty="0" err="1"/>
+              <a:t>func</a:t>
+            </a:r>
+            <a:r>
+              <a:rPr lang="en-US" dirty="0"/>
+              <a:t>, </a:t>
+            </a:r>
+            <a:r>
+              <a:rPr lang="en-US" dirty="0" err="1"/>
+              <a:t>arg</a:t>
+            </a:r>
+            <a:r>
+              <a:rPr lang="en-US" dirty="0"/>
+              <a:t>):</a:t>
+            </a:r>
+            <a:br>
+              <a:rPr lang="en-US" dirty="0"/>
+            </a:br>
+            <a:r>
+              <a:rPr lang="en-US" dirty="0"/>
+              <a:t>return </a:t>
+            </a:r>
+            <a:r>
+              <a:rPr lang="en-US" dirty="0" err="1"/>
+              <a:t>func</a:t>
+            </a:r>
+            <a:r>
+              <a:rPr lang="en-US" dirty="0"/>
+              <a:t>(</a:t>
+            </a:r>
+            <a:r>
+              <a:rPr lang="en-US" dirty="0" err="1"/>
+              <a:t>func</a:t>
+            </a:r>
+            <a:r>
+              <a:rPr lang="en-US" dirty="0"/>
+              <a:t>(</a:t>
+            </a:r>
+            <a:r>
+              <a:rPr lang="en-US" dirty="0" err="1"/>
+              <a:t>arg</a:t>
+            </a:r>
+            <a:r>
+              <a:rPr lang="en-US" dirty="0"/>
+              <a:t>))</a:t>
+            </a:r>
+            <a:br>
+              <a:rPr lang="en-US" dirty="0"/>
+            </a:br>
+            <a:br>
+              <a:rPr lang="en-US" dirty="0"/>
+            </a:br>
+            <a:r>
+              <a:rPr lang="en-US" dirty="0"/>
+              <a:t>def </a:t>
+            </a:r>
+            <a:r>
+              <a:rPr lang="en-US" dirty="0" err="1"/>
+              <a:t>add_five</a:t>
+            </a:r>
+            <a:r>
+              <a:rPr lang="en-US" dirty="0"/>
+              <a:t>(x):</a:t>
+            </a:r>
+            <a:br>
+              <a:rPr lang="en-US" dirty="0"/>
+            </a:br>
+            <a:r>
+              <a:rPr lang="en-US" dirty="0"/>
+              <a:t>return x + 5</a:t>
+            </a:r>
+            <a:br>
+              <a:rPr lang="en-US" dirty="0"/>
+            </a:br>
+            <a:br>
+              <a:rPr lang="en-US" dirty="0"/>
+            </a:br>
+            <a:r>
+              <a:rPr lang="en-US" dirty="0"/>
+              <a:t>print(</a:t>
+            </a:r>
+            <a:r>
+              <a:rPr lang="en-US" dirty="0" err="1"/>
+              <a:t>apply_twice</a:t>
+            </a:r>
+            <a:r>
+              <a:rPr lang="en-US" dirty="0"/>
+              <a:t>(</a:t>
+            </a:r>
+            <a:r>
+              <a:rPr lang="en-US" dirty="0" err="1"/>
+              <a:t>add_five</a:t>
+            </a:r>
+            <a:r>
+              <a:rPr lang="en-US" dirty="0"/>
+              <a:t>, 10))</a:t>
+            </a:r>
+            <a:endParaRPr lang="en-IE" dirty="0"/>
+          </a:p>
+        </p:txBody>
+      </p:sp>
+    </p:spTree>
+    <p:extLst>
+      <p:ext uri="{BB962C8B-B14F-4D97-AF65-F5344CB8AC3E}">
+        <p14:creationId xmlns:p14="http://schemas.microsoft.com/office/powerpoint/2010/main" val="330769274"/>
+      </p:ext>
+    </p:extLst>
+  </p:cSld>
+  <p:clrMapOvr>
+    <a:masterClrMapping/>
+  </p:clrMapOvr>
+</p:sld>
+</file>
+
+<file path=ppt/slides/slide57.xml><?xml version="1.0" encoding="utf-8"?>
+<p:sld xmlns:a="http://schemas.openxmlformats.org/drawingml/2006/main" xmlns:r="http://schemas.openxmlformats.org/officeDocument/2006/relationships" xmlns:p="http://schemas.openxmlformats.org/presentationml/2006/main">
+  <p:cSld>
+    <p:spTree>
+      <p:nvGrpSpPr>
+        <p:cNvPr id="1" name=""/>
+        <p:cNvGrpSpPr/>
+        <p:nvPr/>
+      </p:nvGrpSpPr>
+      <p:grpSpPr>
+        <a:xfrm>
+          <a:off x="0" y="0"/>
+          <a:ext cx="0" cy="0"/>
+          <a:chOff x="0" y="0"/>
+          <a:chExt cx="0" cy="0"/>
+        </a:xfrm>
+      </p:grpSpPr>
+      <p:sp>
+        <p:nvSpPr>
+          <p:cNvPr id="2" name="Title 1">
+            <a:extLst>
+              <a:ext uri="{FF2B5EF4-FFF2-40B4-BE49-F238E27FC236}">
+                <a16:creationId xmlns:a16="http://schemas.microsoft.com/office/drawing/2014/main" id="{1F8603A3-E652-4F3E-ADB4-7D2E884E4C7A}"/>
+              </a:ext>
+            </a:extLst>
+          </p:cNvPr>
+          <p:cNvSpPr>
+            <a:spLocks noGrp="1"/>
+          </p:cNvSpPr>
+          <p:nvPr>
+            <p:ph type="title"/>
+          </p:nvPr>
+        </p:nvSpPr>
+        <p:spPr>
+          <a:xfrm>
+            <a:off x="457200" y="274638"/>
+            <a:ext cx="8229600" cy="634082"/>
+          </a:xfrm>
+        </p:spPr>
+        <p:txBody>
+          <a:bodyPr>
+            <a:normAutofit fontScale="90000"/>
+          </a:bodyPr>
+          <a:lstStyle/>
+          <a:p>
+            <a:r>
+              <a:rPr lang="en-IE" b="1" dirty="0"/>
+              <a:t>Pure Functions</a:t>
+            </a:r>
+            <a:endParaRPr lang="en-IE" dirty="0"/>
+          </a:p>
+        </p:txBody>
+      </p:sp>
+      <p:sp>
+        <p:nvSpPr>
+          <p:cNvPr id="3" name="Content Placeholder 2">
+            <a:extLst>
+              <a:ext uri="{FF2B5EF4-FFF2-40B4-BE49-F238E27FC236}">
+                <a16:creationId xmlns:a16="http://schemas.microsoft.com/office/drawing/2014/main" id="{BE607C6E-5461-4415-8639-584DE2C1203A}"/>
+              </a:ext>
+            </a:extLst>
+          </p:cNvPr>
+          <p:cNvSpPr>
+            <a:spLocks noGrp="1"/>
+          </p:cNvSpPr>
+          <p:nvPr>
+            <p:ph idx="1"/>
+          </p:nvPr>
+        </p:nvSpPr>
+        <p:spPr>
+          <a:xfrm>
+            <a:off x="457200" y="980728"/>
+            <a:ext cx="8229600" cy="5145435"/>
+          </a:xfrm>
+        </p:spPr>
+        <p:txBody>
+          <a:bodyPr/>
+          <a:lstStyle/>
+          <a:p>
+            <a:r>
+              <a:rPr lang="en-US" dirty="0"/>
+              <a:t>Functional programming seeks to use </a:t>
+            </a:r>
+            <a:r>
+              <a:rPr lang="en-US" b="1" dirty="0"/>
+              <a:t>pure functions</a:t>
+            </a:r>
+            <a:r>
+              <a:rPr lang="en-US" dirty="0"/>
+              <a:t>. Pure functions have no side effects, and return a value that depends </a:t>
+            </a:r>
+            <a:r>
+              <a:rPr lang="en-US" b="1" dirty="0"/>
+              <a:t>only </a:t>
+            </a:r>
+            <a:r>
+              <a:rPr lang="en-US" dirty="0"/>
+              <a:t>on their arguments.</a:t>
+            </a:r>
+            <a:br>
+              <a:rPr lang="en-US" dirty="0"/>
+            </a:br>
+            <a:r>
+              <a:rPr lang="en-US" dirty="0"/>
+              <a:t>This is how functions in math work: for example, The cos(x) will, for the same value of x, always return the same result.</a:t>
+            </a:r>
+          </a:p>
+          <a:p>
+            <a:pPr marL="0" indent="0">
+              <a:buNone/>
+            </a:pPr>
+            <a:r>
+              <a:rPr lang="en-IE" dirty="0"/>
+              <a:t>def </a:t>
+            </a:r>
+            <a:r>
+              <a:rPr lang="en-IE" dirty="0" err="1"/>
+              <a:t>pure_function</a:t>
+            </a:r>
+            <a:r>
+              <a:rPr lang="en-IE" dirty="0"/>
+              <a:t>(x, y):</a:t>
+            </a:r>
+            <a:br>
+              <a:rPr lang="en-IE" dirty="0"/>
+            </a:br>
+            <a:r>
+              <a:rPr lang="en-IE" dirty="0"/>
+              <a:t>temp = x + 2*y</a:t>
+            </a:r>
+            <a:br>
+              <a:rPr lang="en-IE" dirty="0"/>
+            </a:br>
+            <a:r>
+              <a:rPr lang="en-IE" dirty="0"/>
+              <a:t>return temp / (2*x + y)</a:t>
+            </a:r>
+          </a:p>
+        </p:txBody>
+      </p:sp>
+    </p:spTree>
+    <p:extLst>
+      <p:ext uri="{BB962C8B-B14F-4D97-AF65-F5344CB8AC3E}">
+        <p14:creationId xmlns:p14="http://schemas.microsoft.com/office/powerpoint/2010/main" val="3710131492"/>
+      </p:ext>
+    </p:extLst>
+  </p:cSld>
+  <p:clrMapOvr>
+    <a:masterClrMapping/>
+  </p:clrMapOvr>
+</p:sld>
+</file>
+
+<file path=ppt/slides/slide58.xml><?xml version="1.0" encoding="utf-8"?>
+<p:sld xmlns:a="http://schemas.openxmlformats.org/drawingml/2006/main" xmlns:r="http://schemas.openxmlformats.org/officeDocument/2006/relationships" xmlns:p="http://schemas.openxmlformats.org/presentationml/2006/main">
+  <p:cSld>
+    <p:spTree>
+      <p:nvGrpSpPr>
+        <p:cNvPr id="1" name=""/>
+        <p:cNvGrpSpPr/>
+        <p:nvPr/>
+      </p:nvGrpSpPr>
+      <p:grpSpPr>
+        <a:xfrm>
+          <a:off x="0" y="0"/>
+          <a:ext cx="0" cy="0"/>
+          <a:chOff x="0" y="0"/>
+          <a:chExt cx="0" cy="0"/>
+        </a:xfrm>
+      </p:grpSpPr>
+      <p:sp>
+        <p:nvSpPr>
+          <p:cNvPr id="2" name="Title 1">
+            <a:extLst>
+              <a:ext uri="{FF2B5EF4-FFF2-40B4-BE49-F238E27FC236}">
+                <a16:creationId xmlns:a16="http://schemas.microsoft.com/office/drawing/2014/main" id="{0FEB0676-8DCD-4E27-BC40-48F447A8DF49}"/>
+              </a:ext>
+            </a:extLst>
+          </p:cNvPr>
+          <p:cNvSpPr>
+            <a:spLocks noGrp="1"/>
+          </p:cNvSpPr>
+          <p:nvPr>
+            <p:ph type="title"/>
+          </p:nvPr>
+        </p:nvSpPr>
+        <p:spPr>
+          <a:xfrm>
+            <a:off x="457200" y="274638"/>
+            <a:ext cx="8229600" cy="778098"/>
+          </a:xfrm>
+        </p:spPr>
+        <p:txBody>
+          <a:bodyPr/>
+          <a:lstStyle/>
+          <a:p>
+            <a:r>
+              <a:rPr lang="en-IE" b="1" dirty="0"/>
+              <a:t>Pure Functions</a:t>
+            </a:r>
+            <a:endParaRPr lang="en-IE" dirty="0"/>
+          </a:p>
+        </p:txBody>
+      </p:sp>
+      <p:sp>
+        <p:nvSpPr>
+          <p:cNvPr id="3" name="Content Placeholder 2">
+            <a:extLst>
+              <a:ext uri="{FF2B5EF4-FFF2-40B4-BE49-F238E27FC236}">
+                <a16:creationId xmlns:a16="http://schemas.microsoft.com/office/drawing/2014/main" id="{20EE277A-1FDF-4966-B69B-BDFE3FB2542E}"/>
+              </a:ext>
+            </a:extLst>
+          </p:cNvPr>
           <p:cNvSpPr>
             <a:spLocks noGrp="1"/>
           </p:cNvSpPr>
@@ -12340,168 +13273,212 @@
           <a:lstStyle/>
           <a:p>
             <a:r>
-              <a:rPr lang="en-US" altLang="zh-CN" b="1" dirty="0"/>
-              <a:t>Modules </a:t>
-            </a:r>
-            <a:r>
-              <a:rPr lang="en-US" altLang="zh-CN" dirty="0"/>
-              <a:t>are pieces of code that other people have written to fulfill common tasks, such as generating random numbers, performing mathematical operations, etc.</a:t>
-            </a:r>
-            <a:r>
-              <a:rPr lang="en-US" altLang="zh-CN" dirty="0"/>
-              <a:t/>
-            </a:r>
-            <a:br>
-              <a:rPr lang="en-US" altLang="zh-CN" dirty="0"/>
-            </a:br>
-            <a:r>
-              <a:rPr lang="en-US" altLang="zh-CN" dirty="0" smtClean="0"/>
-              <a:t>The </a:t>
-            </a:r>
-            <a:r>
-              <a:rPr lang="en-US" altLang="zh-CN" dirty="0"/>
-              <a:t>basic way to use a module is to add </a:t>
-            </a:r>
-            <a:r>
-              <a:rPr lang="en-US" altLang="zh-CN" b="1" dirty="0"/>
-              <a:t>import </a:t>
-            </a:r>
-            <a:r>
-              <a:rPr lang="en-US" altLang="zh-CN" b="1" dirty="0" err="1"/>
-              <a:t>module_name</a:t>
-            </a:r>
-            <a:r>
-              <a:rPr lang="en-US" altLang="zh-CN" dirty="0"/>
-              <a:t> at the top of your code, and then using </a:t>
-            </a:r>
-            <a:r>
-              <a:rPr lang="en-US" altLang="zh-CN" b="1" dirty="0" err="1"/>
-              <a:t>module_name.var</a:t>
-            </a:r>
-            <a:r>
-              <a:rPr lang="en-US" altLang="zh-CN" b="1" dirty="0"/>
-              <a:t> </a:t>
-            </a:r>
-            <a:r>
-              <a:rPr lang="en-US" altLang="zh-CN" dirty="0"/>
-              <a:t>to access functions and values with the name </a:t>
-            </a:r>
-            <a:r>
-              <a:rPr lang="en-US" altLang="zh-CN" b="1" dirty="0" err="1"/>
-              <a:t>var</a:t>
-            </a:r>
-            <a:r>
-              <a:rPr lang="en-US" altLang="zh-CN" b="1" dirty="0"/>
-              <a:t> </a:t>
-            </a:r>
-            <a:r>
-              <a:rPr lang="en-US" altLang="zh-CN" dirty="0"/>
-              <a:t>in the module.</a:t>
-            </a:r>
-            <a:r>
-              <a:rPr lang="en-US" altLang="zh-CN" dirty="0"/>
-              <a:t/>
-            </a:r>
-            <a:br>
-              <a:rPr lang="en-US" altLang="zh-CN" dirty="0"/>
-            </a:br>
-            <a:r>
-              <a:rPr lang="en-US" altLang="zh-CN" dirty="0"/>
-              <a:t>For example, the following example uses the </a:t>
-            </a:r>
-            <a:r>
-              <a:rPr lang="en-US" altLang="zh-CN" b="1" dirty="0"/>
-              <a:t>random </a:t>
-            </a:r>
-            <a:r>
-              <a:rPr lang="en-US" altLang="zh-CN" dirty="0"/>
-              <a:t>module to generate random numbers</a:t>
-            </a:r>
-            <a:r>
-              <a:rPr lang="en-US" altLang="zh-CN" dirty="0" smtClean="0"/>
-              <a:t>:</a:t>
-            </a:r>
-          </a:p>
-          <a:p>
-            <a:endParaRPr lang="en-US" altLang="zh-CN" dirty="0" smtClean="0"/>
-          </a:p>
-          <a:p>
-            <a:r>
-              <a:rPr lang="en-US" altLang="zh-CN" b="1" dirty="0"/>
-              <a:t>import random</a:t>
-            </a:r>
-            <a:r>
-              <a:rPr lang="en-US" altLang="zh-CN" dirty="0"/>
-              <a:t/>
-            </a:r>
-            <a:br>
-              <a:rPr lang="en-US" altLang="zh-CN" dirty="0"/>
-            </a:br>
-            <a:r>
-              <a:rPr lang="en-US" altLang="zh-CN" dirty="0"/>
-              <a:t/>
-            </a:r>
-            <a:br>
-              <a:rPr lang="en-US" altLang="zh-CN" dirty="0"/>
-            </a:br>
-            <a:r>
-              <a:rPr lang="en-US" altLang="zh-CN" dirty="0"/>
-              <a:t>for i in range(5):</a:t>
-            </a:r>
-            <a:r>
-              <a:rPr lang="en-US" altLang="zh-CN" dirty="0"/>
-              <a:t/>
-            </a:r>
-            <a:br>
-              <a:rPr lang="en-US" altLang="zh-CN" dirty="0"/>
-            </a:br>
-            <a:r>
-              <a:rPr lang="en-US" altLang="zh-CN" dirty="0" smtClean="0"/>
-              <a:t>  value </a:t>
-            </a:r>
-            <a:r>
-              <a:rPr lang="en-US" altLang="zh-CN" dirty="0"/>
-              <a:t>= </a:t>
-            </a:r>
-            <a:r>
-              <a:rPr lang="en-US" altLang="zh-CN" b="1" dirty="0" err="1"/>
-              <a:t>random</a:t>
-            </a:r>
-            <a:r>
-              <a:rPr lang="en-US" altLang="zh-CN" dirty="0" err="1"/>
+              <a:rPr lang="en-US" dirty="0"/>
+              <a:t>Using pure functions has both advantages and disadvantages. </a:t>
+            </a:r>
+            <a:br>
+              <a:rPr lang="en-US" dirty="0"/>
+            </a:br>
+            <a:r>
+              <a:rPr lang="en-US" dirty="0"/>
+              <a:t>Pure functions are:</a:t>
+            </a:r>
+            <a:br>
+              <a:rPr lang="en-US" dirty="0"/>
+            </a:br>
+            <a:r>
+              <a:rPr lang="en-US" dirty="0"/>
+              <a:t>- easier to reason about and test.</a:t>
+            </a:r>
+            <a:br>
+              <a:rPr lang="en-US" dirty="0"/>
+            </a:br>
+            <a:r>
+              <a:rPr lang="en-US" dirty="0"/>
+              <a:t>- more efficient. Once the function has been evaluated for an input, the result can be stored and referred to the next time the function of that input is needed, reducing the number of times the function is called. This is called </a:t>
+            </a:r>
+            <a:r>
+              <a:rPr lang="en-US" b="1" dirty="0" err="1"/>
+              <a:t>memoization</a:t>
+            </a:r>
+            <a:r>
+              <a:rPr lang="en-US" dirty="0"/>
               <a:t>.</a:t>
             </a:r>
-            <a:r>
-              <a:rPr lang="en-US" altLang="zh-CN" b="1" dirty="0" err="1"/>
-              <a:t>randint</a:t>
-            </a:r>
-            <a:r>
-              <a:rPr lang="en-US" altLang="zh-CN" dirty="0"/>
-              <a:t>(1, 6)</a:t>
-            </a:r>
-            <a:r>
-              <a:rPr lang="en-US" altLang="zh-CN"/>
-              <a:t/>
-            </a:r>
-            <a:br>
-              <a:rPr lang="en-US" altLang="zh-CN"/>
-            </a:br>
-            <a:r>
-              <a:rPr lang="en-US" altLang="zh-CN" smtClean="0"/>
-              <a:t>  print(value</a:t>
-            </a:r>
-            <a:r>
-              <a:rPr lang="en-US" altLang="zh-CN" dirty="0"/>
-              <a:t>)</a:t>
-            </a:r>
-            <a:endParaRPr lang="zh-CN" altLang="en-US" dirty="0"/>
+            <a:br>
+              <a:rPr lang="en-US" dirty="0"/>
+            </a:br>
+            <a:r>
+              <a:rPr lang="en-US" dirty="0"/>
+              <a:t>- easier to run in parallel.</a:t>
+            </a:r>
+          </a:p>
+          <a:p>
+            <a:r>
+              <a:rPr lang="en-US" dirty="0"/>
+              <a:t>The main disadvantage of using only pure functions is that they majorly complicate the otherwise simple task of I/O, since this appears to inherently require side effects. </a:t>
+            </a:r>
+            <a:br>
+              <a:rPr lang="en-US" dirty="0"/>
+            </a:br>
+            <a:r>
+              <a:rPr lang="en-US" dirty="0"/>
+              <a:t>They can also be more difficult to write in some situations.</a:t>
+            </a:r>
+            <a:endParaRPr lang="en-IE" dirty="0"/>
           </a:p>
         </p:txBody>
       </p:sp>
     </p:spTree>
     <p:extLst>
       <p:ext uri="{BB962C8B-B14F-4D97-AF65-F5344CB8AC3E}">
-        <p14:creationId xmlns:p14="http://schemas.microsoft.com/office/powerpoint/2010/main" val="3335658798"/>
+        <p14:creationId xmlns:p14="http://schemas.microsoft.com/office/powerpoint/2010/main" val="1992110375"/>
+      </p:ext>
+    </p:extLst>
+  </p:cSld>
+  <p:clrMapOvr>
+    <a:masterClrMapping/>
+  </p:clrMapOvr>
+</p:sld>
+</file>
+
+<file path=ppt/slides/slide59.xml><?xml version="1.0" encoding="utf-8"?>
+<p:sld xmlns:a="http://schemas.openxmlformats.org/drawingml/2006/main" xmlns:r="http://schemas.openxmlformats.org/officeDocument/2006/relationships" xmlns:p="http://schemas.openxmlformats.org/presentationml/2006/main">
+  <p:cSld>
+    <p:spTree>
+      <p:nvGrpSpPr>
+        <p:cNvPr id="1" name=""/>
+        <p:cNvGrpSpPr/>
+        <p:nvPr/>
+      </p:nvGrpSpPr>
+      <p:grpSpPr>
+        <a:xfrm>
+          <a:off x="0" y="0"/>
+          <a:ext cx="0" cy="0"/>
+          <a:chOff x="0" y="0"/>
+          <a:chExt cx="0" cy="0"/>
+        </a:xfrm>
+      </p:grpSpPr>
+      <p:sp>
+        <p:nvSpPr>
+          <p:cNvPr id="2" name="Title 1">
+            <a:extLst>
+              <a:ext uri="{FF2B5EF4-FFF2-40B4-BE49-F238E27FC236}">
+                <a16:creationId xmlns:a16="http://schemas.microsoft.com/office/drawing/2014/main" id="{DFC81558-177B-4B67-9646-1E5DA7AB6905}"/>
+              </a:ext>
+            </a:extLst>
+          </p:cNvPr>
+          <p:cNvSpPr>
+            <a:spLocks noGrp="1"/>
+          </p:cNvSpPr>
+          <p:nvPr>
+            <p:ph type="title"/>
+          </p:nvPr>
+        </p:nvSpPr>
+        <p:spPr>
+          <a:xfrm>
+            <a:off x="457200" y="274638"/>
+            <a:ext cx="8229600" cy="922114"/>
+          </a:xfrm>
+        </p:spPr>
+        <p:txBody>
+          <a:bodyPr/>
+          <a:lstStyle/>
+          <a:p>
+            <a:r>
+              <a:rPr lang="en-IE" b="1" dirty="0"/>
+              <a:t>Exceptions</a:t>
+            </a:r>
+            <a:endParaRPr lang="en-IE" dirty="0"/>
+          </a:p>
+        </p:txBody>
+      </p:sp>
+      <p:sp>
+        <p:nvSpPr>
+          <p:cNvPr id="3" name="Content Placeholder 2">
+            <a:extLst>
+              <a:ext uri="{FF2B5EF4-FFF2-40B4-BE49-F238E27FC236}">
+                <a16:creationId xmlns:a16="http://schemas.microsoft.com/office/drawing/2014/main" id="{5FEA6B24-59D5-4C74-9BEB-3199DF81C344}"/>
+              </a:ext>
+            </a:extLst>
+          </p:cNvPr>
+          <p:cNvSpPr>
+            <a:spLocks noGrp="1"/>
+          </p:cNvSpPr>
+          <p:nvPr>
+            <p:ph idx="1"/>
+          </p:nvPr>
+        </p:nvSpPr>
+        <p:spPr>
+          <a:xfrm>
+            <a:off x="457200" y="1196752"/>
+            <a:ext cx="8229600" cy="4929411"/>
+          </a:xfrm>
+        </p:spPr>
+        <p:txBody>
+          <a:bodyPr>
+            <a:normAutofit fontScale="92500" lnSpcReduction="10000"/>
+          </a:bodyPr>
+          <a:lstStyle/>
+          <a:p>
+            <a:r>
+              <a:rPr lang="en-US" dirty="0"/>
+              <a:t>You have already seen </a:t>
+            </a:r>
+            <a:r>
+              <a:rPr lang="en-US" b="1" dirty="0"/>
+              <a:t>exceptions </a:t>
+            </a:r>
+            <a:r>
+              <a:rPr lang="en-US" dirty="0"/>
+              <a:t>in previous code. They occur when something goes wrong, due to incorrect code or input. When an exception occurs, the program immediately stops.</a:t>
+            </a:r>
+            <a:br>
+              <a:rPr lang="en-US" dirty="0"/>
+            </a:br>
+            <a:r>
+              <a:rPr lang="en-US" dirty="0"/>
+              <a:t>The following code produces the </a:t>
+            </a:r>
+            <a:r>
+              <a:rPr lang="en-US" dirty="0" err="1"/>
+              <a:t>ZeroDivisionError</a:t>
+            </a:r>
+            <a:r>
+              <a:rPr lang="en-US" dirty="0"/>
+              <a:t> exception by trying to divide 7 by 0.</a:t>
+            </a:r>
+          </a:p>
+          <a:p>
+            <a:pPr marL="0" indent="0">
+              <a:buNone/>
+            </a:pPr>
+            <a:r>
+              <a:rPr lang="pt-BR" dirty="0"/>
+              <a:t>num1 = 7</a:t>
+            </a:r>
+            <a:br>
+              <a:rPr lang="pt-BR" dirty="0"/>
+            </a:br>
+            <a:r>
+              <a:rPr lang="pt-BR" dirty="0"/>
+              <a:t>num2 = 0</a:t>
+            </a:r>
+            <a:br>
+              <a:rPr lang="pt-BR" dirty="0"/>
+            </a:br>
+            <a:r>
+              <a:rPr lang="pt-BR" dirty="0"/>
+              <a:t>print(num1/num2)</a:t>
+            </a:r>
+            <a:endParaRPr lang="en-IE" dirty="0"/>
+          </a:p>
+        </p:txBody>
+      </p:sp>
+    </p:spTree>
+    <p:extLst>
+      <p:ext uri="{BB962C8B-B14F-4D97-AF65-F5344CB8AC3E}">
+        <p14:creationId xmlns:p14="http://schemas.microsoft.com/office/powerpoint/2010/main" val="3788428140"/>
       </p:ext>
     </p:extLst>
   </p:cSld>
@@ -12609,10 +13586,6 @@
             <a:br>
               <a:rPr lang="en-US" altLang="zh-CN" dirty="0"/>
             </a:br>
-            <a:r>
-              <a:rPr lang="en-US" altLang="zh-CN" dirty="0"/>
-              <a:t/>
-            </a:r>
             <a:br>
               <a:rPr lang="en-US" altLang="zh-CN" dirty="0"/>
             </a:br>
@@ -12639,10 +13612,6 @@
             <a:br>
               <a:rPr lang="en-US" altLang="zh-CN" dirty="0"/>
             </a:br>
-            <a:r>
-              <a:rPr lang="en-US" altLang="zh-CN" dirty="0"/>
-              <a:t/>
-            </a:r>
             <a:br>
               <a:rPr lang="en-US" altLang="zh-CN" dirty="0"/>
             </a:br>
@@ -12674,6 +13643,1851 @@
     <p:extLst>
       <p:ext uri="{BB962C8B-B14F-4D97-AF65-F5344CB8AC3E}">
         <p14:creationId xmlns:p14="http://schemas.microsoft.com/office/powerpoint/2010/main" val="730790783"/>
+      </p:ext>
+    </p:extLst>
+  </p:cSld>
+  <p:clrMapOvr>
+    <a:masterClrMapping/>
+  </p:clrMapOvr>
+</p:sld>
+</file>
+
+<file path=ppt/slides/slide60.xml><?xml version="1.0" encoding="utf-8"?>
+<p:sld xmlns:a="http://schemas.openxmlformats.org/drawingml/2006/main" xmlns:r="http://schemas.openxmlformats.org/officeDocument/2006/relationships" xmlns:p="http://schemas.openxmlformats.org/presentationml/2006/main">
+  <p:cSld>
+    <p:spTree>
+      <p:nvGrpSpPr>
+        <p:cNvPr id="1" name=""/>
+        <p:cNvGrpSpPr/>
+        <p:nvPr/>
+      </p:nvGrpSpPr>
+      <p:grpSpPr>
+        <a:xfrm>
+          <a:off x="0" y="0"/>
+          <a:ext cx="0" cy="0"/>
+          <a:chOff x="0" y="0"/>
+          <a:chExt cx="0" cy="0"/>
+        </a:xfrm>
+      </p:grpSpPr>
+      <p:sp>
+        <p:nvSpPr>
+          <p:cNvPr id="2" name="Title 1">
+            <a:extLst>
+              <a:ext uri="{FF2B5EF4-FFF2-40B4-BE49-F238E27FC236}">
+                <a16:creationId xmlns:a16="http://schemas.microsoft.com/office/drawing/2014/main" id="{0AFCF4E8-E310-4EBD-8023-7C12B9D35B08}"/>
+              </a:ext>
+            </a:extLst>
+          </p:cNvPr>
+          <p:cNvSpPr>
+            <a:spLocks noGrp="1"/>
+          </p:cNvSpPr>
+          <p:nvPr>
+            <p:ph type="title"/>
+          </p:nvPr>
+        </p:nvSpPr>
+        <p:spPr>
+          <a:xfrm>
+            <a:off x="457200" y="274638"/>
+            <a:ext cx="8229600" cy="778098"/>
+          </a:xfrm>
+        </p:spPr>
+        <p:txBody>
+          <a:bodyPr/>
+          <a:lstStyle/>
+          <a:p>
+            <a:r>
+              <a:rPr lang="en-IE" b="1" dirty="0"/>
+              <a:t>Exceptions</a:t>
+            </a:r>
+            <a:endParaRPr lang="en-IE" dirty="0"/>
+          </a:p>
+        </p:txBody>
+      </p:sp>
+      <p:sp>
+        <p:nvSpPr>
+          <p:cNvPr id="3" name="Content Placeholder 2">
+            <a:extLst>
+              <a:ext uri="{FF2B5EF4-FFF2-40B4-BE49-F238E27FC236}">
+                <a16:creationId xmlns:a16="http://schemas.microsoft.com/office/drawing/2014/main" id="{6B5EB8C4-E36F-4214-A697-0C54897905A8}"/>
+              </a:ext>
+            </a:extLst>
+          </p:cNvPr>
+          <p:cNvSpPr>
+            <a:spLocks noGrp="1"/>
+          </p:cNvSpPr>
+          <p:nvPr>
+            <p:ph idx="1"/>
+          </p:nvPr>
+        </p:nvSpPr>
+        <p:spPr>
+          <a:xfrm>
+            <a:off x="457200" y="1052736"/>
+            <a:ext cx="8229600" cy="5073427"/>
+          </a:xfrm>
+        </p:spPr>
+        <p:txBody>
+          <a:bodyPr>
+            <a:normAutofit fontScale="92500" lnSpcReduction="10000"/>
+          </a:bodyPr>
+          <a:lstStyle/>
+          <a:p>
+            <a:pPr marL="0" indent="0">
+              <a:buNone/>
+            </a:pPr>
+            <a:r>
+              <a:rPr lang="en-US" dirty="0"/>
+              <a:t>Different exceptions are raised for different reasons. </a:t>
+            </a:r>
+            <a:br>
+              <a:rPr lang="en-US" dirty="0"/>
+            </a:br>
+            <a:r>
+              <a:rPr lang="en-US" dirty="0"/>
+              <a:t>Common exceptions:</a:t>
+            </a:r>
+            <a:br>
+              <a:rPr lang="en-US" dirty="0"/>
+            </a:br>
+            <a:r>
+              <a:rPr lang="en-US" b="1" dirty="0" err="1"/>
+              <a:t>ImportError</a:t>
+            </a:r>
+            <a:r>
+              <a:rPr lang="en-US" dirty="0"/>
+              <a:t>: an import fails;</a:t>
+            </a:r>
+            <a:br>
+              <a:rPr lang="en-US" dirty="0"/>
+            </a:br>
+            <a:r>
+              <a:rPr lang="en-US" b="1" dirty="0" err="1"/>
+              <a:t>IndexError</a:t>
+            </a:r>
+            <a:r>
+              <a:rPr lang="en-US" dirty="0"/>
+              <a:t>: a list is indexed with an out-of-range number;</a:t>
+            </a:r>
+            <a:br>
+              <a:rPr lang="en-US" dirty="0"/>
+            </a:br>
+            <a:r>
+              <a:rPr lang="en-US" b="1" dirty="0" err="1"/>
+              <a:t>NameError</a:t>
+            </a:r>
+            <a:r>
+              <a:rPr lang="en-US" dirty="0"/>
+              <a:t>: an unknown variable is used;</a:t>
+            </a:r>
+            <a:br>
+              <a:rPr lang="en-US" dirty="0"/>
+            </a:br>
+            <a:r>
+              <a:rPr lang="en-US" b="1" dirty="0" err="1"/>
+              <a:t>SyntaxError</a:t>
+            </a:r>
+            <a:r>
+              <a:rPr lang="en-US" dirty="0"/>
+              <a:t>: the code can't be parsed properly; </a:t>
+            </a:r>
+            <a:br>
+              <a:rPr lang="en-US" dirty="0"/>
+            </a:br>
+            <a:r>
+              <a:rPr lang="en-US" b="1" dirty="0" err="1"/>
+              <a:t>TypeError</a:t>
+            </a:r>
+            <a:r>
+              <a:rPr lang="en-US" dirty="0"/>
+              <a:t>: a function is called on a value of an inappropriate type;</a:t>
+            </a:r>
+            <a:br>
+              <a:rPr lang="en-US" dirty="0"/>
+            </a:br>
+            <a:r>
+              <a:rPr lang="en-US" b="1" dirty="0" err="1"/>
+              <a:t>ValueError</a:t>
+            </a:r>
+            <a:r>
+              <a:rPr lang="en-US" dirty="0"/>
+              <a:t>: a function is called on a value of the correct type, but with an inappropriate value.</a:t>
+            </a:r>
+            <a:endParaRPr lang="en-IE" dirty="0"/>
+          </a:p>
+        </p:txBody>
+      </p:sp>
+    </p:spTree>
+    <p:extLst>
+      <p:ext uri="{BB962C8B-B14F-4D97-AF65-F5344CB8AC3E}">
+        <p14:creationId xmlns:p14="http://schemas.microsoft.com/office/powerpoint/2010/main" val="1958974617"/>
+      </p:ext>
+    </p:extLst>
+  </p:cSld>
+  <p:clrMapOvr>
+    <a:masterClrMapping/>
+  </p:clrMapOvr>
+</p:sld>
+</file>
+
+<file path=ppt/slides/slide61.xml><?xml version="1.0" encoding="utf-8"?>
+<p:sld xmlns:a="http://schemas.openxmlformats.org/drawingml/2006/main" xmlns:r="http://schemas.openxmlformats.org/officeDocument/2006/relationships" xmlns:p="http://schemas.openxmlformats.org/presentationml/2006/main">
+  <p:cSld>
+    <p:spTree>
+      <p:nvGrpSpPr>
+        <p:cNvPr id="1" name=""/>
+        <p:cNvGrpSpPr/>
+        <p:nvPr/>
+      </p:nvGrpSpPr>
+      <p:grpSpPr>
+        <a:xfrm>
+          <a:off x="0" y="0"/>
+          <a:ext cx="0" cy="0"/>
+          <a:chOff x="0" y="0"/>
+          <a:chExt cx="0" cy="0"/>
+        </a:xfrm>
+      </p:grpSpPr>
+      <p:sp>
+        <p:nvSpPr>
+          <p:cNvPr id="2" name="Title 1">
+            <a:extLst>
+              <a:ext uri="{FF2B5EF4-FFF2-40B4-BE49-F238E27FC236}">
+                <a16:creationId xmlns:a16="http://schemas.microsoft.com/office/drawing/2014/main" id="{954534BC-9333-469B-8502-53DBDBE1097E}"/>
+              </a:ext>
+            </a:extLst>
+          </p:cNvPr>
+          <p:cNvSpPr>
+            <a:spLocks noGrp="1"/>
+          </p:cNvSpPr>
+          <p:nvPr>
+            <p:ph type="title"/>
+          </p:nvPr>
+        </p:nvSpPr>
+        <p:spPr>
+          <a:xfrm>
+            <a:off x="457200" y="274638"/>
+            <a:ext cx="8229600" cy="850106"/>
+          </a:xfrm>
+        </p:spPr>
+        <p:txBody>
+          <a:bodyPr/>
+          <a:lstStyle/>
+          <a:p>
+            <a:r>
+              <a:rPr lang="en-IE" b="1" dirty="0"/>
+              <a:t>Exception Handling</a:t>
+            </a:r>
+            <a:endParaRPr lang="en-IE" dirty="0"/>
+          </a:p>
+        </p:txBody>
+      </p:sp>
+      <p:sp>
+        <p:nvSpPr>
+          <p:cNvPr id="3" name="Content Placeholder 2">
+            <a:extLst>
+              <a:ext uri="{FF2B5EF4-FFF2-40B4-BE49-F238E27FC236}">
+                <a16:creationId xmlns:a16="http://schemas.microsoft.com/office/drawing/2014/main" id="{0E7BCCDE-2C6A-47B8-8629-5DEEBF0D1855}"/>
+              </a:ext>
+            </a:extLst>
+          </p:cNvPr>
+          <p:cNvSpPr>
+            <a:spLocks noGrp="1"/>
+          </p:cNvSpPr>
+          <p:nvPr>
+            <p:ph idx="1"/>
+          </p:nvPr>
+        </p:nvSpPr>
+        <p:spPr>
+          <a:xfrm>
+            <a:off x="457200" y="1124744"/>
+            <a:ext cx="8229600" cy="5328592"/>
+          </a:xfrm>
+        </p:spPr>
+        <p:txBody>
+          <a:bodyPr>
+            <a:normAutofit fontScale="77500" lnSpcReduction="20000"/>
+          </a:bodyPr>
+          <a:lstStyle/>
+          <a:p>
+            <a:r>
+              <a:rPr lang="en-US" dirty="0"/>
+              <a:t>To handle exceptions, and to call code when an exception occurs, you can use a</a:t>
+            </a:r>
+            <a:r>
+              <a:rPr lang="en-US" b="1" dirty="0"/>
+              <a:t> try/except </a:t>
+            </a:r>
+            <a:r>
+              <a:rPr lang="en-US" dirty="0"/>
+              <a:t>statement.</a:t>
+            </a:r>
+            <a:br>
+              <a:rPr lang="en-US" dirty="0"/>
+            </a:br>
+            <a:r>
+              <a:rPr lang="en-US" dirty="0"/>
+              <a:t>The </a:t>
+            </a:r>
+            <a:r>
+              <a:rPr lang="en-US" b="1" dirty="0"/>
+              <a:t>try</a:t>
+            </a:r>
+            <a:r>
+              <a:rPr lang="en-US" dirty="0"/>
+              <a:t> block contains code that might throw an exception. If that exception occurs, the code in the </a:t>
+            </a:r>
+            <a:r>
+              <a:rPr lang="en-US" b="1" dirty="0"/>
+              <a:t>try</a:t>
+            </a:r>
+            <a:r>
+              <a:rPr lang="en-US" dirty="0"/>
+              <a:t> block stops being executed, and the code in the </a:t>
+            </a:r>
+            <a:r>
+              <a:rPr lang="en-US" b="1" dirty="0"/>
+              <a:t>except</a:t>
+            </a:r>
+            <a:r>
+              <a:rPr lang="en-US" dirty="0"/>
+              <a:t> block is run. If no error occurs, the code in the </a:t>
+            </a:r>
+            <a:r>
+              <a:rPr lang="en-US" b="1" dirty="0"/>
+              <a:t>except</a:t>
+            </a:r>
+            <a:r>
+              <a:rPr lang="en-US" dirty="0"/>
+              <a:t> block doesn't run.</a:t>
+            </a:r>
+          </a:p>
+          <a:p>
+            <a:pPr marL="0" indent="0">
+              <a:buNone/>
+            </a:pPr>
+            <a:endParaRPr lang="en-US" dirty="0"/>
+          </a:p>
+          <a:p>
+            <a:pPr marL="0" indent="0">
+              <a:buNone/>
+            </a:pPr>
+            <a:r>
+              <a:rPr lang="en-US" b="1" dirty="0"/>
+              <a:t>try:</a:t>
+            </a:r>
+            <a:br>
+              <a:rPr lang="en-US" dirty="0"/>
+            </a:br>
+            <a:r>
+              <a:rPr lang="en-US" dirty="0"/>
+              <a:t>num1 = 7</a:t>
+            </a:r>
+            <a:br>
+              <a:rPr lang="en-US" dirty="0"/>
+            </a:br>
+            <a:r>
+              <a:rPr lang="en-US" dirty="0"/>
+              <a:t>num2 = 0</a:t>
+            </a:r>
+            <a:br>
+              <a:rPr lang="en-US" dirty="0"/>
+            </a:br>
+            <a:r>
+              <a:rPr lang="en-US" dirty="0"/>
+              <a:t>print (num1 / num2)</a:t>
+            </a:r>
+            <a:br>
+              <a:rPr lang="en-US" dirty="0"/>
+            </a:br>
+            <a:r>
+              <a:rPr lang="en-US" dirty="0"/>
+              <a:t>print("Done calculation")</a:t>
+            </a:r>
+            <a:br>
+              <a:rPr lang="en-US" dirty="0"/>
+            </a:br>
+            <a:r>
+              <a:rPr lang="en-US" b="1" dirty="0"/>
+              <a:t>except </a:t>
+            </a:r>
+            <a:r>
+              <a:rPr lang="en-US" b="1" dirty="0" err="1"/>
+              <a:t>ZeroDivisionError</a:t>
+            </a:r>
+            <a:r>
+              <a:rPr lang="en-US" b="1" dirty="0"/>
+              <a:t>:</a:t>
+            </a:r>
+            <a:br>
+              <a:rPr lang="en-US" dirty="0"/>
+            </a:br>
+            <a:r>
+              <a:rPr lang="en-US" dirty="0"/>
+              <a:t>print("An error occurred")</a:t>
+            </a:r>
+            <a:br>
+              <a:rPr lang="en-US" dirty="0"/>
+            </a:br>
+            <a:r>
+              <a:rPr lang="en-US" dirty="0"/>
+              <a:t>print("due to zero division")</a:t>
+            </a:r>
+            <a:endParaRPr lang="en-IE" dirty="0"/>
+          </a:p>
+        </p:txBody>
+      </p:sp>
+    </p:spTree>
+    <p:extLst>
+      <p:ext uri="{BB962C8B-B14F-4D97-AF65-F5344CB8AC3E}">
+        <p14:creationId xmlns:p14="http://schemas.microsoft.com/office/powerpoint/2010/main" val="4173219583"/>
+      </p:ext>
+    </p:extLst>
+  </p:cSld>
+  <p:clrMapOvr>
+    <a:masterClrMapping/>
+  </p:clrMapOvr>
+</p:sld>
+</file>
+
+<file path=ppt/slides/slide62.xml><?xml version="1.0" encoding="utf-8"?>
+<p:sld xmlns:a="http://schemas.openxmlformats.org/drawingml/2006/main" xmlns:r="http://schemas.openxmlformats.org/officeDocument/2006/relationships" xmlns:p="http://schemas.openxmlformats.org/presentationml/2006/main">
+  <p:cSld>
+    <p:spTree>
+      <p:nvGrpSpPr>
+        <p:cNvPr id="1" name=""/>
+        <p:cNvGrpSpPr/>
+        <p:nvPr/>
+      </p:nvGrpSpPr>
+      <p:grpSpPr>
+        <a:xfrm>
+          <a:off x="0" y="0"/>
+          <a:ext cx="0" cy="0"/>
+          <a:chOff x="0" y="0"/>
+          <a:chExt cx="0" cy="0"/>
+        </a:xfrm>
+      </p:grpSpPr>
+      <p:sp>
+        <p:nvSpPr>
+          <p:cNvPr id="2" name="Title 1">
+            <a:extLst>
+              <a:ext uri="{FF2B5EF4-FFF2-40B4-BE49-F238E27FC236}">
+                <a16:creationId xmlns:a16="http://schemas.microsoft.com/office/drawing/2014/main" id="{B3BE4CC0-F0BE-4465-9FD2-9A3EED3FF0F7}"/>
+              </a:ext>
+            </a:extLst>
+          </p:cNvPr>
+          <p:cNvSpPr>
+            <a:spLocks noGrp="1"/>
+          </p:cNvSpPr>
+          <p:nvPr>
+            <p:ph type="title"/>
+          </p:nvPr>
+        </p:nvSpPr>
+        <p:spPr>
+          <a:xfrm>
+            <a:off x="457200" y="274638"/>
+            <a:ext cx="8229600" cy="850106"/>
+          </a:xfrm>
+        </p:spPr>
+        <p:txBody>
+          <a:bodyPr/>
+          <a:lstStyle/>
+          <a:p>
+            <a:r>
+              <a:rPr lang="en-IE" b="1" dirty="0"/>
+              <a:t>Exception Handling</a:t>
+            </a:r>
+            <a:endParaRPr lang="en-IE" dirty="0"/>
+          </a:p>
+        </p:txBody>
+      </p:sp>
+      <p:sp>
+        <p:nvSpPr>
+          <p:cNvPr id="3" name="Content Placeholder 2">
+            <a:extLst>
+              <a:ext uri="{FF2B5EF4-FFF2-40B4-BE49-F238E27FC236}">
+                <a16:creationId xmlns:a16="http://schemas.microsoft.com/office/drawing/2014/main" id="{BE7394BA-63ED-48D4-952E-70282A33BA8C}"/>
+              </a:ext>
+            </a:extLst>
+          </p:cNvPr>
+          <p:cNvSpPr>
+            <a:spLocks noGrp="1"/>
+          </p:cNvSpPr>
+          <p:nvPr>
+            <p:ph idx="1"/>
+          </p:nvPr>
+        </p:nvSpPr>
+        <p:spPr>
+          <a:xfrm>
+            <a:off x="457200" y="1124744"/>
+            <a:ext cx="8229600" cy="5001419"/>
+          </a:xfrm>
+        </p:spPr>
+        <p:txBody>
+          <a:bodyPr>
+            <a:normAutofit fontScale="92500" lnSpcReduction="10000"/>
+          </a:bodyPr>
+          <a:lstStyle/>
+          <a:p>
+            <a:r>
+              <a:rPr lang="en-US" dirty="0"/>
+              <a:t>An </a:t>
+            </a:r>
+            <a:r>
+              <a:rPr lang="en-US" b="1" dirty="0"/>
+              <a:t>except</a:t>
+            </a:r>
+            <a:r>
+              <a:rPr lang="en-US" dirty="0"/>
+              <a:t> statement </a:t>
+            </a:r>
+            <a:r>
+              <a:rPr lang="en-US" b="1" i="1" u="sng" dirty="0">
+                <a:effectLst>
+                  <a:outerShdw blurRad="38100" dist="38100" dir="2700000" algn="tl">
+                    <a:srgbClr val="000000">
+                      <a:alpha val="43137"/>
+                    </a:srgbClr>
+                  </a:outerShdw>
+                </a:effectLst>
+              </a:rPr>
+              <a:t>without</a:t>
+            </a:r>
+            <a:r>
+              <a:rPr lang="en-US" dirty="0"/>
+              <a:t> any exception specified will </a:t>
+            </a:r>
+            <a:r>
+              <a:rPr lang="en-US" b="1" i="1" u="sng" dirty="0"/>
+              <a:t>catch all errors</a:t>
+            </a:r>
+            <a:r>
+              <a:rPr lang="en-US" dirty="0"/>
+              <a:t>. These should be used sparingly, as they can catch unexpected errors and hide programming mistakes.</a:t>
+            </a:r>
+          </a:p>
+          <a:p>
+            <a:pPr marL="0" indent="0">
+              <a:buNone/>
+            </a:pPr>
+            <a:endParaRPr lang="en-US" dirty="0"/>
+          </a:p>
+          <a:p>
+            <a:pPr marL="0" indent="0">
+              <a:buNone/>
+            </a:pPr>
+            <a:r>
+              <a:rPr lang="en-US" b="1" dirty="0"/>
+              <a:t>try:</a:t>
+            </a:r>
+            <a:br>
+              <a:rPr lang="en-US" dirty="0"/>
+            </a:br>
+            <a:r>
+              <a:rPr lang="en-US" dirty="0"/>
+              <a:t>word = "spam"</a:t>
+            </a:r>
+            <a:br>
+              <a:rPr lang="en-US" dirty="0"/>
+            </a:br>
+            <a:r>
+              <a:rPr lang="en-US" dirty="0"/>
+              <a:t>print(word / 0)</a:t>
+            </a:r>
+            <a:br>
+              <a:rPr lang="en-US" dirty="0"/>
+            </a:br>
+            <a:r>
+              <a:rPr lang="en-US" b="1" dirty="0"/>
+              <a:t>except:</a:t>
+            </a:r>
+            <a:br>
+              <a:rPr lang="en-US" dirty="0"/>
+            </a:br>
+            <a:r>
+              <a:rPr lang="en-US" dirty="0"/>
+              <a:t>print("An error occurred")</a:t>
+            </a:r>
+            <a:endParaRPr lang="en-IE" dirty="0"/>
+          </a:p>
+        </p:txBody>
+      </p:sp>
+    </p:spTree>
+    <p:extLst>
+      <p:ext uri="{BB962C8B-B14F-4D97-AF65-F5344CB8AC3E}">
+        <p14:creationId xmlns:p14="http://schemas.microsoft.com/office/powerpoint/2010/main" val="1763133912"/>
+      </p:ext>
+    </p:extLst>
+  </p:cSld>
+  <p:clrMapOvr>
+    <a:masterClrMapping/>
+  </p:clrMapOvr>
+</p:sld>
+</file>
+
+<file path=ppt/slides/slide63.xml><?xml version="1.0" encoding="utf-8"?>
+<p:sld xmlns:a="http://schemas.openxmlformats.org/drawingml/2006/main" xmlns:r="http://schemas.openxmlformats.org/officeDocument/2006/relationships" xmlns:p="http://schemas.openxmlformats.org/presentationml/2006/main">
+  <p:cSld>
+    <p:spTree>
+      <p:nvGrpSpPr>
+        <p:cNvPr id="1" name=""/>
+        <p:cNvGrpSpPr/>
+        <p:nvPr/>
+      </p:nvGrpSpPr>
+      <p:grpSpPr>
+        <a:xfrm>
+          <a:off x="0" y="0"/>
+          <a:ext cx="0" cy="0"/>
+          <a:chOff x="0" y="0"/>
+          <a:chExt cx="0" cy="0"/>
+        </a:xfrm>
+      </p:grpSpPr>
+      <p:sp>
+        <p:nvSpPr>
+          <p:cNvPr id="2" name="Title 1">
+            <a:extLst>
+              <a:ext uri="{FF2B5EF4-FFF2-40B4-BE49-F238E27FC236}">
+                <a16:creationId xmlns:a16="http://schemas.microsoft.com/office/drawing/2014/main" id="{56108ADA-9F47-43AF-A35C-DE9BC6E4634C}"/>
+              </a:ext>
+            </a:extLst>
+          </p:cNvPr>
+          <p:cNvSpPr>
+            <a:spLocks noGrp="1"/>
+          </p:cNvSpPr>
+          <p:nvPr>
+            <p:ph type="title"/>
+          </p:nvPr>
+        </p:nvSpPr>
+        <p:spPr>
+          <a:xfrm>
+            <a:off x="457200" y="274638"/>
+            <a:ext cx="8229600" cy="850106"/>
+          </a:xfrm>
+        </p:spPr>
+        <p:txBody>
+          <a:bodyPr/>
+          <a:lstStyle/>
+          <a:p>
+            <a:r>
+              <a:rPr lang="en-IE" b="1" dirty="0"/>
+              <a:t>finally</a:t>
+            </a:r>
+            <a:endParaRPr lang="en-IE" dirty="0"/>
+          </a:p>
+        </p:txBody>
+      </p:sp>
+      <p:sp>
+        <p:nvSpPr>
+          <p:cNvPr id="3" name="Content Placeholder 2">
+            <a:extLst>
+              <a:ext uri="{FF2B5EF4-FFF2-40B4-BE49-F238E27FC236}">
+                <a16:creationId xmlns:a16="http://schemas.microsoft.com/office/drawing/2014/main" id="{AB2D0A5C-9B9C-40A8-B0E8-9B1EA36927F7}"/>
+              </a:ext>
+            </a:extLst>
+          </p:cNvPr>
+          <p:cNvSpPr>
+            <a:spLocks noGrp="1"/>
+          </p:cNvSpPr>
+          <p:nvPr>
+            <p:ph idx="1"/>
+          </p:nvPr>
+        </p:nvSpPr>
+        <p:spPr>
+          <a:xfrm>
+            <a:off x="457200" y="1124744"/>
+            <a:ext cx="8229600" cy="5001419"/>
+          </a:xfrm>
+        </p:spPr>
+        <p:txBody>
+          <a:bodyPr>
+            <a:normAutofit fontScale="85000" lnSpcReduction="10000"/>
+          </a:bodyPr>
+          <a:lstStyle/>
+          <a:p>
+            <a:r>
+              <a:rPr lang="en-US" dirty="0"/>
+              <a:t>To ensure some code runs no matter what errors occur, you can use a </a:t>
+            </a:r>
+            <a:r>
+              <a:rPr lang="en-US" b="1" dirty="0"/>
+              <a:t>finally</a:t>
+            </a:r>
+            <a:r>
+              <a:rPr lang="en-US" dirty="0"/>
+              <a:t> statement. The </a:t>
+            </a:r>
+            <a:r>
+              <a:rPr lang="en-US" b="1" dirty="0"/>
+              <a:t>finally </a:t>
+            </a:r>
+            <a:r>
+              <a:rPr lang="en-US" dirty="0"/>
+              <a:t>statement is placed at the bottom of a </a:t>
+            </a:r>
+            <a:r>
+              <a:rPr lang="en-US" b="1" dirty="0"/>
+              <a:t>try/except</a:t>
+            </a:r>
+            <a:r>
+              <a:rPr lang="en-US" dirty="0"/>
+              <a:t> statement. Code within a </a:t>
+            </a:r>
+            <a:r>
+              <a:rPr lang="en-US" b="1" dirty="0"/>
+              <a:t>finally </a:t>
+            </a:r>
+            <a:r>
+              <a:rPr lang="en-US" dirty="0"/>
+              <a:t>statement always runs after execution of the code in the </a:t>
+            </a:r>
+            <a:r>
+              <a:rPr lang="en-US" b="1" dirty="0"/>
+              <a:t>try</a:t>
+            </a:r>
+            <a:r>
+              <a:rPr lang="en-US" dirty="0"/>
+              <a:t>, and possibly in the </a:t>
+            </a:r>
+            <a:r>
+              <a:rPr lang="en-US" b="1" dirty="0"/>
+              <a:t>except</a:t>
+            </a:r>
+            <a:r>
+              <a:rPr lang="en-US" dirty="0"/>
+              <a:t>, blocks.</a:t>
+            </a:r>
+          </a:p>
+          <a:p>
+            <a:pPr marL="0" indent="0">
+              <a:buNone/>
+            </a:pPr>
+            <a:r>
+              <a:rPr lang="en-US" dirty="0"/>
+              <a:t>try:</a:t>
+            </a:r>
+            <a:br>
+              <a:rPr lang="en-US" dirty="0"/>
+            </a:br>
+            <a:r>
+              <a:rPr lang="en-US" dirty="0"/>
+              <a:t>  print("Hello")</a:t>
+            </a:r>
+            <a:br>
+              <a:rPr lang="en-US" dirty="0"/>
+            </a:br>
+            <a:r>
+              <a:rPr lang="en-US" dirty="0"/>
+              <a:t>  print(1 / 0)</a:t>
+            </a:r>
+            <a:br>
+              <a:rPr lang="en-US" dirty="0"/>
+            </a:br>
+            <a:r>
+              <a:rPr lang="en-US" dirty="0"/>
+              <a:t>except </a:t>
+            </a:r>
+            <a:r>
+              <a:rPr lang="en-US" dirty="0" err="1"/>
+              <a:t>ZeroDivisionError</a:t>
+            </a:r>
+            <a:r>
+              <a:rPr lang="en-US" dirty="0"/>
+              <a:t>:</a:t>
+            </a:r>
+            <a:br>
+              <a:rPr lang="en-US" dirty="0"/>
+            </a:br>
+            <a:r>
+              <a:rPr lang="en-US" dirty="0"/>
+              <a:t>  print("Divided by zero")</a:t>
+            </a:r>
+            <a:br>
+              <a:rPr lang="en-US" dirty="0"/>
+            </a:br>
+            <a:r>
+              <a:rPr lang="en-US" b="1" dirty="0"/>
+              <a:t>finally:</a:t>
+            </a:r>
+            <a:br>
+              <a:rPr lang="en-US" dirty="0"/>
+            </a:br>
+            <a:r>
+              <a:rPr lang="en-US" dirty="0"/>
+              <a:t>  print("This code will run no matter what")</a:t>
+            </a:r>
+            <a:endParaRPr lang="en-IE" dirty="0"/>
+          </a:p>
+        </p:txBody>
+      </p:sp>
+    </p:spTree>
+    <p:extLst>
+      <p:ext uri="{BB962C8B-B14F-4D97-AF65-F5344CB8AC3E}">
+        <p14:creationId xmlns:p14="http://schemas.microsoft.com/office/powerpoint/2010/main" val="2528553437"/>
+      </p:ext>
+    </p:extLst>
+  </p:cSld>
+  <p:clrMapOvr>
+    <a:masterClrMapping/>
+  </p:clrMapOvr>
+</p:sld>
+</file>
+
+<file path=ppt/slides/slide64.xml><?xml version="1.0" encoding="utf-8"?>
+<p:sld xmlns:a="http://schemas.openxmlformats.org/drawingml/2006/main" xmlns:r="http://schemas.openxmlformats.org/officeDocument/2006/relationships" xmlns:p="http://schemas.openxmlformats.org/presentationml/2006/main">
+  <p:cSld>
+    <p:spTree>
+      <p:nvGrpSpPr>
+        <p:cNvPr id="1" name=""/>
+        <p:cNvGrpSpPr/>
+        <p:nvPr/>
+      </p:nvGrpSpPr>
+      <p:grpSpPr>
+        <a:xfrm>
+          <a:off x="0" y="0"/>
+          <a:ext cx="0" cy="0"/>
+          <a:chOff x="0" y="0"/>
+          <a:chExt cx="0" cy="0"/>
+        </a:xfrm>
+      </p:grpSpPr>
+      <p:sp>
+        <p:nvSpPr>
+          <p:cNvPr id="2" name="Title 1">
+            <a:extLst>
+              <a:ext uri="{FF2B5EF4-FFF2-40B4-BE49-F238E27FC236}">
+                <a16:creationId xmlns:a16="http://schemas.microsoft.com/office/drawing/2014/main" id="{C61BA561-20C1-40B2-BDF4-CBCFDB8F702D}"/>
+              </a:ext>
+            </a:extLst>
+          </p:cNvPr>
+          <p:cNvSpPr>
+            <a:spLocks noGrp="1"/>
+          </p:cNvSpPr>
+          <p:nvPr>
+            <p:ph type="title"/>
+          </p:nvPr>
+        </p:nvSpPr>
+        <p:spPr>
+          <a:xfrm>
+            <a:off x="457200" y="274638"/>
+            <a:ext cx="8229600" cy="850106"/>
+          </a:xfrm>
+        </p:spPr>
+        <p:txBody>
+          <a:bodyPr/>
+          <a:lstStyle/>
+          <a:p>
+            <a:r>
+              <a:rPr lang="en-IE" b="1" dirty="0"/>
+              <a:t>Opening Files</a:t>
+            </a:r>
+            <a:endParaRPr lang="en-IE" dirty="0"/>
+          </a:p>
+        </p:txBody>
+      </p:sp>
+      <p:sp>
+        <p:nvSpPr>
+          <p:cNvPr id="3" name="Content Placeholder 2">
+            <a:extLst>
+              <a:ext uri="{FF2B5EF4-FFF2-40B4-BE49-F238E27FC236}">
+                <a16:creationId xmlns:a16="http://schemas.microsoft.com/office/drawing/2014/main" id="{7FB05B3B-B203-4287-9260-2C2D634A67CE}"/>
+              </a:ext>
+            </a:extLst>
+          </p:cNvPr>
+          <p:cNvSpPr>
+            <a:spLocks noGrp="1"/>
+          </p:cNvSpPr>
+          <p:nvPr>
+            <p:ph idx="1"/>
+          </p:nvPr>
+        </p:nvSpPr>
+        <p:spPr>
+          <a:xfrm>
+            <a:off x="457200" y="1124744"/>
+            <a:ext cx="8229600" cy="5001419"/>
+          </a:xfrm>
+        </p:spPr>
+        <p:txBody>
+          <a:bodyPr>
+            <a:normAutofit fontScale="70000" lnSpcReduction="20000"/>
+          </a:bodyPr>
+          <a:lstStyle/>
+          <a:p>
+            <a:r>
+              <a:rPr lang="en-US" dirty="0"/>
+              <a:t>You can specify the </a:t>
+            </a:r>
+            <a:r>
+              <a:rPr lang="en-US" b="1" dirty="0"/>
+              <a:t>mode</a:t>
+            </a:r>
+            <a:r>
+              <a:rPr lang="en-US" dirty="0"/>
+              <a:t> used to open a file by applying a second argument to the </a:t>
+            </a:r>
+            <a:r>
+              <a:rPr lang="en-US" b="1" dirty="0"/>
+              <a:t>open </a:t>
+            </a:r>
+            <a:r>
+              <a:rPr lang="en-US" dirty="0"/>
+              <a:t>function.</a:t>
+            </a:r>
+            <a:br>
+              <a:rPr lang="en-US" dirty="0"/>
+            </a:br>
+            <a:r>
+              <a:rPr lang="en-US" dirty="0"/>
+              <a:t>Sending "r" means open in read mode, which is the default. </a:t>
+            </a:r>
+            <a:br>
+              <a:rPr lang="en-US" dirty="0"/>
+            </a:br>
+            <a:r>
+              <a:rPr lang="en-US" dirty="0"/>
+              <a:t>Sending "w" means write mode, for rewriting the contents of a file.</a:t>
+            </a:r>
+            <a:br>
+              <a:rPr lang="en-US" dirty="0"/>
+            </a:br>
+            <a:r>
+              <a:rPr lang="en-US" dirty="0"/>
+              <a:t>Sending "a" means append mode, for adding new content to the end of the file. Adding "b" to a mode opens it in </a:t>
+            </a:r>
+            <a:r>
+              <a:rPr lang="en-US" b="1" dirty="0"/>
+              <a:t>binary </a:t>
+            </a:r>
+            <a:r>
+              <a:rPr lang="en-US" dirty="0"/>
+              <a:t>mode, which is used for non-text files (such as image and sound files).</a:t>
+            </a:r>
+          </a:p>
+          <a:p>
+            <a:pPr marL="0" indent="0">
+              <a:buNone/>
+            </a:pPr>
+            <a:endParaRPr lang="en-US" dirty="0"/>
+          </a:p>
+          <a:p>
+            <a:pPr marL="0" indent="0">
+              <a:buNone/>
+            </a:pPr>
+            <a:r>
+              <a:rPr lang="en-IE" dirty="0"/>
+              <a:t># write mode</a:t>
+            </a:r>
+            <a:br>
+              <a:rPr lang="en-IE" dirty="0"/>
+            </a:br>
+            <a:r>
+              <a:rPr lang="en-IE" dirty="0"/>
+              <a:t>open("filename.txt", </a:t>
+            </a:r>
+            <a:r>
+              <a:rPr lang="en-IE" b="1" dirty="0"/>
+              <a:t>"w"</a:t>
+            </a:r>
+            <a:r>
+              <a:rPr lang="en-IE" dirty="0"/>
+              <a:t>)</a:t>
+            </a:r>
+            <a:br>
+              <a:rPr lang="en-IE" dirty="0"/>
+            </a:br>
+            <a:br>
+              <a:rPr lang="en-IE" dirty="0"/>
+            </a:br>
+            <a:r>
+              <a:rPr lang="en-IE" dirty="0"/>
+              <a:t># read mode</a:t>
+            </a:r>
+            <a:br>
+              <a:rPr lang="en-IE" dirty="0"/>
+            </a:br>
+            <a:r>
+              <a:rPr lang="en-IE" dirty="0"/>
+              <a:t>open("filename.txt", </a:t>
+            </a:r>
+            <a:r>
+              <a:rPr lang="en-IE" b="1" dirty="0"/>
+              <a:t>"r"</a:t>
+            </a:r>
+            <a:r>
+              <a:rPr lang="en-IE" dirty="0"/>
+              <a:t>)</a:t>
+            </a:r>
+            <a:br>
+              <a:rPr lang="en-IE" dirty="0"/>
+            </a:br>
+            <a:r>
+              <a:rPr lang="en-IE" dirty="0"/>
+              <a:t>open("filename.txt")</a:t>
+            </a:r>
+            <a:br>
+              <a:rPr lang="en-IE" dirty="0"/>
+            </a:br>
+            <a:br>
+              <a:rPr lang="en-IE" dirty="0"/>
+            </a:br>
+            <a:r>
+              <a:rPr lang="en-IE" dirty="0"/>
+              <a:t># binary write mode</a:t>
+            </a:r>
+            <a:br>
+              <a:rPr lang="en-IE" dirty="0"/>
+            </a:br>
+            <a:r>
+              <a:rPr lang="en-IE" dirty="0"/>
+              <a:t>open("filename.txt", </a:t>
+            </a:r>
+            <a:r>
+              <a:rPr lang="en-IE" b="1" dirty="0"/>
+              <a:t>"</a:t>
+            </a:r>
+            <a:r>
+              <a:rPr lang="en-IE" b="1" dirty="0" err="1"/>
+              <a:t>wb</a:t>
+            </a:r>
+            <a:r>
+              <a:rPr lang="en-IE" b="1" dirty="0"/>
+              <a:t>"</a:t>
+            </a:r>
+            <a:r>
+              <a:rPr lang="en-IE" dirty="0"/>
+              <a:t>)</a:t>
+            </a:r>
+          </a:p>
+        </p:txBody>
+      </p:sp>
+    </p:spTree>
+    <p:extLst>
+      <p:ext uri="{BB962C8B-B14F-4D97-AF65-F5344CB8AC3E}">
+        <p14:creationId xmlns:p14="http://schemas.microsoft.com/office/powerpoint/2010/main" val="1033541907"/>
+      </p:ext>
+    </p:extLst>
+  </p:cSld>
+  <p:clrMapOvr>
+    <a:masterClrMapping/>
+  </p:clrMapOvr>
+</p:sld>
+</file>
+
+<file path=ppt/slides/slide65.xml><?xml version="1.0" encoding="utf-8"?>
+<p:sld xmlns:a="http://schemas.openxmlformats.org/drawingml/2006/main" xmlns:r="http://schemas.openxmlformats.org/officeDocument/2006/relationships" xmlns:p="http://schemas.openxmlformats.org/presentationml/2006/main">
+  <p:cSld>
+    <p:spTree>
+      <p:nvGrpSpPr>
+        <p:cNvPr id="1" name=""/>
+        <p:cNvGrpSpPr/>
+        <p:nvPr/>
+      </p:nvGrpSpPr>
+      <p:grpSpPr>
+        <a:xfrm>
+          <a:off x="0" y="0"/>
+          <a:ext cx="0" cy="0"/>
+          <a:chOff x="0" y="0"/>
+          <a:chExt cx="0" cy="0"/>
+        </a:xfrm>
+      </p:grpSpPr>
+      <p:sp>
+        <p:nvSpPr>
+          <p:cNvPr id="2" name="Title 1">
+            <a:extLst>
+              <a:ext uri="{FF2B5EF4-FFF2-40B4-BE49-F238E27FC236}">
+                <a16:creationId xmlns:a16="http://schemas.microsoft.com/office/drawing/2014/main" id="{27C31519-E372-4AEF-B5AF-79F64995AEF5}"/>
+              </a:ext>
+            </a:extLst>
+          </p:cNvPr>
+          <p:cNvSpPr>
+            <a:spLocks noGrp="1"/>
+          </p:cNvSpPr>
+          <p:nvPr>
+            <p:ph type="title"/>
+          </p:nvPr>
+        </p:nvSpPr>
+        <p:spPr>
+          <a:xfrm>
+            <a:off x="457200" y="274638"/>
+            <a:ext cx="8229600" cy="706090"/>
+          </a:xfrm>
+        </p:spPr>
+        <p:txBody>
+          <a:bodyPr>
+            <a:normAutofit fontScale="90000"/>
+          </a:bodyPr>
+          <a:lstStyle/>
+          <a:p>
+            <a:r>
+              <a:rPr lang="en-IE" b="1" dirty="0"/>
+              <a:t>Reading Files</a:t>
+            </a:r>
+            <a:endParaRPr lang="en-IE" dirty="0"/>
+          </a:p>
+        </p:txBody>
+      </p:sp>
+      <p:sp>
+        <p:nvSpPr>
+          <p:cNvPr id="3" name="Content Placeholder 2">
+            <a:extLst>
+              <a:ext uri="{FF2B5EF4-FFF2-40B4-BE49-F238E27FC236}">
+                <a16:creationId xmlns:a16="http://schemas.microsoft.com/office/drawing/2014/main" id="{3F34DD83-D9F6-4A0C-A679-AB9C1B653696}"/>
+              </a:ext>
+            </a:extLst>
+          </p:cNvPr>
+          <p:cNvSpPr>
+            <a:spLocks noGrp="1"/>
+          </p:cNvSpPr>
+          <p:nvPr>
+            <p:ph idx="1"/>
+          </p:nvPr>
+        </p:nvSpPr>
+        <p:spPr>
+          <a:xfrm>
+            <a:off x="457200" y="1052736"/>
+            <a:ext cx="8229600" cy="5073427"/>
+          </a:xfrm>
+        </p:spPr>
+        <p:txBody>
+          <a:bodyPr>
+            <a:normAutofit fontScale="92500"/>
+          </a:bodyPr>
+          <a:lstStyle/>
+          <a:p>
+            <a:r>
+              <a:rPr lang="en-US" dirty="0"/>
+              <a:t>To retrieve each line in a file, You can also use a </a:t>
+            </a:r>
+            <a:r>
+              <a:rPr lang="en-US" b="1" dirty="0"/>
+              <a:t>for </a:t>
+            </a:r>
+            <a:r>
+              <a:rPr lang="en-US" dirty="0"/>
+              <a:t>loop to iterate through the lines in the file:</a:t>
+            </a:r>
+          </a:p>
+          <a:p>
+            <a:pPr marL="0" indent="0">
+              <a:buNone/>
+            </a:pPr>
+            <a:r>
+              <a:rPr lang="en-US" dirty="0"/>
+              <a:t>file = open("Exeptions.py", "r")</a:t>
+            </a:r>
+          </a:p>
+          <a:p>
+            <a:pPr marL="0" indent="0">
+              <a:buNone/>
+            </a:pPr>
+            <a:r>
+              <a:rPr lang="en-US" dirty="0" err="1"/>
+              <a:t>line_count</a:t>
+            </a:r>
+            <a:r>
+              <a:rPr lang="en-US" dirty="0"/>
+              <a:t> = 0</a:t>
+            </a:r>
+          </a:p>
+          <a:p>
+            <a:pPr marL="0" indent="0">
+              <a:buNone/>
+            </a:pPr>
+            <a:r>
+              <a:rPr lang="en-US" dirty="0"/>
+              <a:t>for line in file:</a:t>
+            </a:r>
+          </a:p>
+          <a:p>
+            <a:pPr marL="0" indent="0">
+              <a:buNone/>
+            </a:pPr>
+            <a:r>
+              <a:rPr lang="en-US" dirty="0"/>
+              <a:t>    print(</a:t>
+            </a:r>
+            <a:r>
+              <a:rPr lang="en-US" dirty="0" err="1"/>
+              <a:t>line.rstrip</a:t>
+            </a:r>
+            <a:r>
+              <a:rPr lang="en-US" dirty="0"/>
+              <a:t>())</a:t>
+            </a:r>
+          </a:p>
+          <a:p>
+            <a:pPr marL="0" indent="0">
+              <a:buNone/>
+            </a:pPr>
+            <a:r>
+              <a:rPr lang="en-US" dirty="0"/>
+              <a:t>    </a:t>
+            </a:r>
+            <a:r>
+              <a:rPr lang="en-US" dirty="0" err="1"/>
+              <a:t>line_count</a:t>
+            </a:r>
+            <a:r>
+              <a:rPr lang="en-US" dirty="0"/>
+              <a:t>+=1</a:t>
+            </a:r>
+          </a:p>
+          <a:p>
+            <a:pPr marL="0" indent="0">
+              <a:buNone/>
+            </a:pPr>
+            <a:r>
+              <a:rPr lang="en-US" dirty="0" err="1"/>
+              <a:t>file.close</a:t>
+            </a:r>
+            <a:r>
+              <a:rPr lang="en-US" dirty="0"/>
+              <a:t>()</a:t>
+            </a:r>
+          </a:p>
+          <a:p>
+            <a:pPr marL="0" indent="0">
+              <a:buNone/>
+            </a:pPr>
+            <a:r>
+              <a:rPr lang="en-US" dirty="0"/>
+              <a:t>print(</a:t>
+            </a:r>
+            <a:r>
+              <a:rPr lang="en-US" dirty="0" err="1"/>
+              <a:t>line_count</a:t>
+            </a:r>
+            <a:r>
+              <a:rPr lang="en-US" dirty="0"/>
+              <a:t>)</a:t>
+            </a:r>
+            <a:endParaRPr lang="en-IE" dirty="0"/>
+          </a:p>
+        </p:txBody>
+      </p:sp>
+    </p:spTree>
+    <p:extLst>
+      <p:ext uri="{BB962C8B-B14F-4D97-AF65-F5344CB8AC3E}">
+        <p14:creationId xmlns:p14="http://schemas.microsoft.com/office/powerpoint/2010/main" val="1311504440"/>
+      </p:ext>
+    </p:extLst>
+  </p:cSld>
+  <p:clrMapOvr>
+    <a:masterClrMapping/>
+  </p:clrMapOvr>
+</p:sld>
+</file>
+
+<file path=ppt/slides/slide66.xml><?xml version="1.0" encoding="utf-8"?>
+<p:sld xmlns:a="http://schemas.openxmlformats.org/drawingml/2006/main" xmlns:r="http://schemas.openxmlformats.org/officeDocument/2006/relationships" xmlns:p="http://schemas.openxmlformats.org/presentationml/2006/main">
+  <p:cSld>
+    <p:spTree>
+      <p:nvGrpSpPr>
+        <p:cNvPr id="1" name=""/>
+        <p:cNvGrpSpPr/>
+        <p:nvPr/>
+      </p:nvGrpSpPr>
+      <p:grpSpPr>
+        <a:xfrm>
+          <a:off x="0" y="0"/>
+          <a:ext cx="0" cy="0"/>
+          <a:chOff x="0" y="0"/>
+          <a:chExt cx="0" cy="0"/>
+        </a:xfrm>
+      </p:grpSpPr>
+      <p:sp>
+        <p:nvSpPr>
+          <p:cNvPr id="2" name="Title 1">
+            <a:extLst>
+              <a:ext uri="{FF2B5EF4-FFF2-40B4-BE49-F238E27FC236}">
+                <a16:creationId xmlns:a16="http://schemas.microsoft.com/office/drawing/2014/main" id="{7289DA7B-34E0-4C03-81C2-5E9D44BD51E8}"/>
+              </a:ext>
+            </a:extLst>
+          </p:cNvPr>
+          <p:cNvSpPr>
+            <a:spLocks noGrp="1"/>
+          </p:cNvSpPr>
+          <p:nvPr>
+            <p:ph type="title"/>
+          </p:nvPr>
+        </p:nvSpPr>
+        <p:spPr>
+          <a:xfrm>
+            <a:off x="457200" y="274638"/>
+            <a:ext cx="8229600" cy="418058"/>
+          </a:xfrm>
+        </p:spPr>
+        <p:txBody>
+          <a:bodyPr>
+            <a:normAutofit fontScale="90000"/>
+          </a:bodyPr>
+          <a:lstStyle/>
+          <a:p>
+            <a:r>
+              <a:rPr lang="en-IE" b="1" dirty="0"/>
+              <a:t>Writing Files</a:t>
+            </a:r>
+            <a:endParaRPr lang="en-IE" dirty="0"/>
+          </a:p>
+        </p:txBody>
+      </p:sp>
+      <p:sp>
+        <p:nvSpPr>
+          <p:cNvPr id="3" name="Content Placeholder 2">
+            <a:extLst>
+              <a:ext uri="{FF2B5EF4-FFF2-40B4-BE49-F238E27FC236}">
+                <a16:creationId xmlns:a16="http://schemas.microsoft.com/office/drawing/2014/main" id="{16ABC9DC-4F9E-48D4-B9E9-8F393A77D198}"/>
+              </a:ext>
+            </a:extLst>
+          </p:cNvPr>
+          <p:cNvSpPr>
+            <a:spLocks noGrp="1"/>
+          </p:cNvSpPr>
+          <p:nvPr>
+            <p:ph idx="1"/>
+          </p:nvPr>
+        </p:nvSpPr>
+        <p:spPr>
+          <a:xfrm>
+            <a:off x="457200" y="692696"/>
+            <a:ext cx="8229600" cy="7056784"/>
+          </a:xfrm>
+        </p:spPr>
+        <p:txBody>
+          <a:bodyPr>
+            <a:normAutofit fontScale="25000" lnSpcReduction="20000"/>
+          </a:bodyPr>
+          <a:lstStyle/>
+          <a:p>
+            <a:r>
+              <a:rPr lang="en-US" sz="8000" dirty="0"/>
+              <a:t>When a file is opened in write mode, the file's existing content is </a:t>
+            </a:r>
+            <a:r>
+              <a:rPr lang="en-US" sz="8000" b="1" i="1" u="sng" dirty="0">
+                <a:effectLst>
+                  <a:outerShdw blurRad="38100" dist="38100" dir="2700000" algn="tl">
+                    <a:srgbClr val="000000">
+                      <a:alpha val="43137"/>
+                    </a:srgbClr>
+                  </a:outerShdw>
+                </a:effectLst>
+              </a:rPr>
+              <a:t>deleted</a:t>
+            </a:r>
+            <a:r>
+              <a:rPr lang="en-US" sz="8000" dirty="0"/>
+              <a:t>.</a:t>
+            </a:r>
+          </a:p>
+          <a:p>
+            <a:pPr marL="0" indent="0">
+              <a:buNone/>
+            </a:pPr>
+            <a:r>
+              <a:rPr lang="en-IE" sz="6400" dirty="0"/>
+              <a:t>def </a:t>
+            </a:r>
+            <a:r>
+              <a:rPr lang="en-IE" sz="6400" dirty="0" err="1"/>
+              <a:t>creat_file</a:t>
+            </a:r>
+            <a:r>
+              <a:rPr lang="en-IE" sz="6400" dirty="0"/>
+              <a:t>():</a:t>
+            </a:r>
+          </a:p>
+          <a:p>
+            <a:pPr marL="0" indent="0">
+              <a:buNone/>
+            </a:pPr>
+            <a:r>
+              <a:rPr lang="en-IE" sz="6400" dirty="0"/>
+              <a:t>    file = open("newfile.txt", "w")</a:t>
+            </a:r>
+          </a:p>
+          <a:p>
+            <a:pPr marL="0" indent="0">
+              <a:buNone/>
+            </a:pPr>
+            <a:r>
+              <a:rPr lang="en-IE" sz="6400" dirty="0"/>
+              <a:t>    </a:t>
+            </a:r>
+            <a:r>
+              <a:rPr lang="en-IE" sz="6400" dirty="0" err="1"/>
+              <a:t>file.write</a:t>
+            </a:r>
+            <a:r>
+              <a:rPr lang="en-IE" sz="6400" dirty="0"/>
+              <a:t>("Line one\n")</a:t>
+            </a:r>
+          </a:p>
+          <a:p>
+            <a:pPr marL="0" indent="0">
+              <a:buNone/>
+            </a:pPr>
+            <a:r>
+              <a:rPr lang="en-IE" sz="6400" dirty="0"/>
+              <a:t>    </a:t>
+            </a:r>
+            <a:r>
+              <a:rPr lang="en-IE" sz="6400" dirty="0" err="1"/>
+              <a:t>file.write</a:t>
+            </a:r>
+            <a:r>
+              <a:rPr lang="en-IE" sz="6400" dirty="0"/>
+              <a:t>("Line two\n")</a:t>
+            </a:r>
+          </a:p>
+          <a:p>
+            <a:pPr marL="0" indent="0">
+              <a:buNone/>
+            </a:pPr>
+            <a:r>
+              <a:rPr lang="en-IE" sz="6400" dirty="0"/>
+              <a:t>    </a:t>
+            </a:r>
+            <a:r>
+              <a:rPr lang="en-IE" sz="6400" dirty="0" err="1"/>
+              <a:t>file.close</a:t>
+            </a:r>
+            <a:r>
+              <a:rPr lang="en-IE" sz="6400" dirty="0"/>
+              <a:t>()</a:t>
+            </a:r>
+          </a:p>
+          <a:p>
+            <a:pPr marL="0" indent="0">
+              <a:buNone/>
+            </a:pPr>
+            <a:r>
+              <a:rPr lang="en-IE" sz="6400" dirty="0"/>
+              <a:t>def </a:t>
+            </a:r>
+            <a:r>
+              <a:rPr lang="en-IE" sz="6400" dirty="0" err="1"/>
+              <a:t>read_file</a:t>
+            </a:r>
+            <a:r>
+              <a:rPr lang="en-IE" sz="6400" dirty="0"/>
+              <a:t>():</a:t>
+            </a:r>
+          </a:p>
+          <a:p>
+            <a:pPr marL="0" indent="0">
+              <a:buNone/>
+            </a:pPr>
+            <a:r>
+              <a:rPr lang="en-IE" sz="6400" dirty="0"/>
+              <a:t>    file = open("newfile.txt", "r")</a:t>
+            </a:r>
+          </a:p>
+          <a:p>
+            <a:pPr marL="0" indent="0">
+              <a:buNone/>
+            </a:pPr>
+            <a:r>
+              <a:rPr lang="en-IE" sz="6400" dirty="0"/>
+              <a:t>    for line in file:</a:t>
+            </a:r>
+          </a:p>
+          <a:p>
+            <a:pPr marL="0" indent="0">
+              <a:buNone/>
+            </a:pPr>
+            <a:r>
+              <a:rPr lang="en-IE" sz="6400" dirty="0"/>
+              <a:t>        print(</a:t>
+            </a:r>
+            <a:r>
+              <a:rPr lang="en-IE" sz="6400" dirty="0" err="1"/>
+              <a:t>line.rstrip</a:t>
+            </a:r>
+            <a:r>
+              <a:rPr lang="en-IE" sz="6400" dirty="0"/>
+              <a:t>())</a:t>
+            </a:r>
+          </a:p>
+          <a:p>
+            <a:pPr marL="0" indent="0">
+              <a:buNone/>
+            </a:pPr>
+            <a:r>
+              <a:rPr lang="en-IE" sz="6400" dirty="0"/>
+              <a:t>    </a:t>
+            </a:r>
+            <a:r>
+              <a:rPr lang="en-IE" sz="6400" dirty="0" err="1"/>
+              <a:t>file.close</a:t>
+            </a:r>
+            <a:r>
+              <a:rPr lang="en-IE" sz="6400" dirty="0"/>
+              <a:t>()</a:t>
+            </a:r>
+          </a:p>
+          <a:p>
+            <a:pPr marL="0" indent="0">
+              <a:buNone/>
+            </a:pPr>
+            <a:r>
+              <a:rPr lang="en-IE" sz="6400" dirty="0"/>
+              <a:t>def </a:t>
+            </a:r>
+            <a:r>
+              <a:rPr lang="en-IE" sz="6400" dirty="0" err="1"/>
+              <a:t>append_file</a:t>
+            </a:r>
+            <a:r>
+              <a:rPr lang="en-IE" sz="6400" dirty="0"/>
+              <a:t>():</a:t>
+            </a:r>
+          </a:p>
+          <a:p>
+            <a:pPr marL="0" indent="0">
+              <a:buNone/>
+            </a:pPr>
+            <a:r>
+              <a:rPr lang="en-IE" sz="6400" dirty="0"/>
+              <a:t>    file = open("newfile.txt", "a")</a:t>
+            </a:r>
+          </a:p>
+          <a:p>
+            <a:pPr marL="0" indent="0">
+              <a:buNone/>
+            </a:pPr>
+            <a:r>
+              <a:rPr lang="en-IE" sz="6400" dirty="0"/>
+              <a:t>    </a:t>
+            </a:r>
+            <a:r>
+              <a:rPr lang="en-IE" sz="6400" dirty="0" err="1"/>
+              <a:t>file.write</a:t>
+            </a:r>
+            <a:r>
+              <a:rPr lang="en-IE" sz="6400" dirty="0"/>
+              <a:t>("Line three\n")</a:t>
+            </a:r>
+          </a:p>
+          <a:p>
+            <a:pPr marL="0" indent="0">
+              <a:buNone/>
+            </a:pPr>
+            <a:r>
+              <a:rPr lang="en-IE" sz="6400" dirty="0"/>
+              <a:t>    </a:t>
+            </a:r>
+            <a:r>
+              <a:rPr lang="en-IE" sz="6400" dirty="0" err="1"/>
+              <a:t>file.close</a:t>
+            </a:r>
+            <a:r>
+              <a:rPr lang="en-IE" sz="6400" dirty="0"/>
+              <a:t>()</a:t>
+            </a:r>
+          </a:p>
+          <a:p>
+            <a:pPr marL="0" indent="0">
+              <a:buNone/>
+            </a:pPr>
+            <a:endParaRPr lang="en-IE" sz="6400" dirty="0"/>
+          </a:p>
+          <a:p>
+            <a:pPr marL="0" indent="0">
+              <a:buNone/>
+            </a:pPr>
+            <a:r>
+              <a:rPr lang="en-IE" sz="6400" dirty="0" err="1"/>
+              <a:t>creat_file</a:t>
+            </a:r>
+            <a:r>
+              <a:rPr lang="en-IE" sz="6400" dirty="0"/>
+              <a:t>()</a:t>
+            </a:r>
+          </a:p>
+          <a:p>
+            <a:pPr marL="0" indent="0">
+              <a:buNone/>
+            </a:pPr>
+            <a:r>
+              <a:rPr lang="en-IE" sz="6400" dirty="0" err="1"/>
+              <a:t>read_file</a:t>
+            </a:r>
+            <a:r>
+              <a:rPr lang="en-IE" sz="6400" dirty="0"/>
+              <a:t>()</a:t>
+            </a:r>
+          </a:p>
+          <a:p>
+            <a:pPr marL="0" indent="0">
+              <a:buNone/>
+            </a:pPr>
+            <a:r>
+              <a:rPr lang="en-IE" sz="6400" dirty="0" err="1"/>
+              <a:t>append_file</a:t>
+            </a:r>
+            <a:r>
+              <a:rPr lang="en-IE" sz="6400" dirty="0"/>
+              <a:t>()</a:t>
+            </a:r>
+          </a:p>
+          <a:p>
+            <a:pPr marL="0" indent="0">
+              <a:buNone/>
+            </a:pPr>
+            <a:r>
+              <a:rPr lang="en-IE" sz="6400" dirty="0"/>
+              <a:t>print ("******** After Append ******")</a:t>
+            </a:r>
+          </a:p>
+          <a:p>
+            <a:pPr marL="0" indent="0">
+              <a:buNone/>
+            </a:pPr>
+            <a:r>
+              <a:rPr lang="en-IE" sz="6400" dirty="0" err="1"/>
+              <a:t>read_file</a:t>
+            </a:r>
+            <a:r>
+              <a:rPr lang="en-IE" sz="6400" dirty="0"/>
+              <a:t>()</a:t>
+            </a:r>
+          </a:p>
+          <a:p>
+            <a:pPr marL="0" indent="0">
+              <a:buNone/>
+            </a:pPr>
+            <a:r>
+              <a:rPr lang="en-IE" sz="6400" dirty="0"/>
+              <a:t>print ("********* create again *******")</a:t>
+            </a:r>
+          </a:p>
+          <a:p>
+            <a:pPr marL="0" indent="0">
+              <a:buNone/>
+            </a:pPr>
+            <a:r>
+              <a:rPr lang="en-IE" sz="6400" dirty="0" err="1"/>
+              <a:t>creat_file</a:t>
+            </a:r>
+            <a:r>
+              <a:rPr lang="en-IE" sz="6400" dirty="0"/>
+              <a:t>()</a:t>
+            </a:r>
+          </a:p>
+          <a:p>
+            <a:pPr marL="0" indent="0">
+              <a:buNone/>
+            </a:pPr>
+            <a:r>
+              <a:rPr lang="en-IE" sz="6400" dirty="0" err="1"/>
+              <a:t>read_file</a:t>
+            </a:r>
+            <a:r>
+              <a:rPr lang="en-IE" sz="6400" dirty="0"/>
+              <a:t>()</a:t>
+            </a:r>
+          </a:p>
+        </p:txBody>
+      </p:sp>
+    </p:spTree>
+    <p:extLst>
+      <p:ext uri="{BB962C8B-B14F-4D97-AF65-F5344CB8AC3E}">
+        <p14:creationId xmlns:p14="http://schemas.microsoft.com/office/powerpoint/2010/main" val="3949910433"/>
+      </p:ext>
+    </p:extLst>
+  </p:cSld>
+  <p:clrMapOvr>
+    <a:masterClrMapping/>
+  </p:clrMapOvr>
+</p:sld>
+</file>
+
+<file path=ppt/slides/slide67.xml><?xml version="1.0" encoding="utf-8"?>
+<p:sld xmlns:a="http://schemas.openxmlformats.org/drawingml/2006/main" xmlns:r="http://schemas.openxmlformats.org/officeDocument/2006/relationships" xmlns:p="http://schemas.openxmlformats.org/presentationml/2006/main">
+  <p:cSld>
+    <p:spTree>
+      <p:nvGrpSpPr>
+        <p:cNvPr id="1" name=""/>
+        <p:cNvGrpSpPr/>
+        <p:nvPr/>
+      </p:nvGrpSpPr>
+      <p:grpSpPr>
+        <a:xfrm>
+          <a:off x="0" y="0"/>
+          <a:ext cx="0" cy="0"/>
+          <a:chOff x="0" y="0"/>
+          <a:chExt cx="0" cy="0"/>
+        </a:xfrm>
+      </p:grpSpPr>
+      <p:sp>
+        <p:nvSpPr>
+          <p:cNvPr id="2" name="标题 1"/>
+          <p:cNvSpPr>
+            <a:spLocks noGrp="1"/>
+          </p:cNvSpPr>
+          <p:nvPr>
+            <p:ph type="title"/>
+          </p:nvPr>
+        </p:nvSpPr>
+        <p:spPr>
+          <a:xfrm>
+            <a:off x="457200" y="274638"/>
+            <a:ext cx="8229600" cy="778098"/>
+          </a:xfrm>
+        </p:spPr>
+        <p:txBody>
+          <a:bodyPr/>
+          <a:lstStyle/>
+          <a:p>
+            <a:r>
+              <a:rPr lang="en-US" altLang="zh-CN" b="1" dirty="0"/>
+              <a:t>Modules</a:t>
+            </a:r>
+            <a:endParaRPr lang="zh-CN" altLang="en-US" dirty="0"/>
+          </a:p>
+        </p:txBody>
+      </p:sp>
+      <p:sp>
+        <p:nvSpPr>
+          <p:cNvPr id="3" name="内容占位符 2"/>
+          <p:cNvSpPr>
+            <a:spLocks noGrp="1"/>
+          </p:cNvSpPr>
+          <p:nvPr>
+            <p:ph idx="1"/>
+          </p:nvPr>
+        </p:nvSpPr>
+        <p:spPr>
+          <a:xfrm>
+            <a:off x="457200" y="1052736"/>
+            <a:ext cx="8229600" cy="5073427"/>
+          </a:xfrm>
+        </p:spPr>
+        <p:txBody>
+          <a:bodyPr>
+            <a:normAutofit fontScale="77500" lnSpcReduction="20000"/>
+          </a:bodyPr>
+          <a:lstStyle/>
+          <a:p>
+            <a:r>
+              <a:rPr lang="en-US" altLang="zh-CN" b="1" dirty="0"/>
+              <a:t>Modules </a:t>
+            </a:r>
+            <a:r>
+              <a:rPr lang="en-US" altLang="zh-CN" dirty="0"/>
+              <a:t>are pieces of code that other people have written to fulfill common tasks, such as generating random numbers, performing mathematical operations, etc.</a:t>
+            </a:r>
+            <a:br>
+              <a:rPr lang="en-US" altLang="zh-CN" dirty="0"/>
+            </a:br>
+            <a:r>
+              <a:rPr lang="en-US" altLang="zh-CN" dirty="0"/>
+              <a:t>The basic way to use a module is to add </a:t>
+            </a:r>
+            <a:r>
+              <a:rPr lang="en-US" altLang="zh-CN" b="1" dirty="0"/>
+              <a:t>import </a:t>
+            </a:r>
+            <a:r>
+              <a:rPr lang="en-US" altLang="zh-CN" b="1" dirty="0" err="1"/>
+              <a:t>module_name</a:t>
+            </a:r>
+            <a:r>
+              <a:rPr lang="en-US" altLang="zh-CN" dirty="0"/>
+              <a:t> at the top of your code, and then using </a:t>
+            </a:r>
+            <a:r>
+              <a:rPr lang="en-US" altLang="zh-CN" b="1" dirty="0" err="1"/>
+              <a:t>module_name.var</a:t>
+            </a:r>
+            <a:r>
+              <a:rPr lang="en-US" altLang="zh-CN" b="1" dirty="0"/>
+              <a:t> </a:t>
+            </a:r>
+            <a:r>
+              <a:rPr lang="en-US" altLang="zh-CN" dirty="0"/>
+              <a:t>to access functions and values with the name </a:t>
+            </a:r>
+            <a:r>
+              <a:rPr lang="en-US" altLang="zh-CN" b="1" dirty="0" err="1"/>
+              <a:t>var</a:t>
+            </a:r>
+            <a:r>
+              <a:rPr lang="en-US" altLang="zh-CN" b="1" dirty="0"/>
+              <a:t> </a:t>
+            </a:r>
+            <a:r>
+              <a:rPr lang="en-US" altLang="zh-CN" dirty="0"/>
+              <a:t>in the module.</a:t>
+            </a:r>
+            <a:br>
+              <a:rPr lang="en-US" altLang="zh-CN" dirty="0"/>
+            </a:br>
+            <a:r>
+              <a:rPr lang="en-US" altLang="zh-CN" dirty="0"/>
+              <a:t>For example, the following example uses the </a:t>
+            </a:r>
+            <a:r>
+              <a:rPr lang="en-US" altLang="zh-CN" b="1" dirty="0"/>
+              <a:t>random </a:t>
+            </a:r>
+            <a:r>
+              <a:rPr lang="en-US" altLang="zh-CN" dirty="0"/>
+              <a:t>module to generate random numbers:</a:t>
+            </a:r>
+          </a:p>
+          <a:p>
+            <a:endParaRPr lang="en-US" altLang="zh-CN" dirty="0"/>
+          </a:p>
+          <a:p>
+            <a:r>
+              <a:rPr lang="en-US" altLang="zh-CN" b="1" dirty="0"/>
+              <a:t>import random</a:t>
+            </a:r>
+            <a:br>
+              <a:rPr lang="en-US" altLang="zh-CN" dirty="0"/>
+            </a:br>
+            <a:br>
+              <a:rPr lang="en-US" altLang="zh-CN" dirty="0"/>
+            </a:br>
+            <a:r>
+              <a:rPr lang="en-US" altLang="zh-CN" dirty="0"/>
+              <a:t>for i in range(5):</a:t>
+            </a:r>
+            <a:br>
+              <a:rPr lang="en-US" altLang="zh-CN" dirty="0"/>
+            </a:br>
+            <a:r>
+              <a:rPr lang="en-US" altLang="zh-CN" dirty="0"/>
+              <a:t>  value = </a:t>
+            </a:r>
+            <a:r>
+              <a:rPr lang="en-US" altLang="zh-CN" b="1" dirty="0" err="1"/>
+              <a:t>random</a:t>
+            </a:r>
+            <a:r>
+              <a:rPr lang="en-US" altLang="zh-CN" dirty="0" err="1"/>
+              <a:t>.</a:t>
+            </a:r>
+            <a:r>
+              <a:rPr lang="en-US" altLang="zh-CN" b="1" dirty="0" err="1"/>
+              <a:t>randint</a:t>
+            </a:r>
+            <a:r>
+              <a:rPr lang="en-US" altLang="zh-CN" dirty="0"/>
+              <a:t>(1, 6)</a:t>
+            </a:r>
+            <a:br>
+              <a:rPr lang="en-US" altLang="zh-CN" dirty="0"/>
+            </a:br>
+            <a:r>
+              <a:rPr lang="en-US" altLang="zh-CN" dirty="0"/>
+              <a:t>  print(value)</a:t>
+            </a:r>
+            <a:endParaRPr lang="zh-CN" altLang="en-US" dirty="0"/>
+          </a:p>
+        </p:txBody>
+      </p:sp>
+    </p:spTree>
+    <p:extLst>
+      <p:ext uri="{BB962C8B-B14F-4D97-AF65-F5344CB8AC3E}">
+        <p14:creationId xmlns:p14="http://schemas.microsoft.com/office/powerpoint/2010/main" val="3335658798"/>
       </p:ext>
     </p:extLst>
   </p:cSld>
